--- a/hw3/img/img.pptx
+++ b/hw3/img/img.pptx
@@ -5,15 +5,18 @@
     <p:sldMasterId id="2147483660" r:id="rId1"/>
   </p:sldMasterIdLst>
   <p:notesMasterIdLst>
-    <p:notesMasterId r:id="rId8"/>
+    <p:notesMasterId r:id="rId11"/>
   </p:notesMasterIdLst>
   <p:sldIdLst>
     <p:sldId id="341" r:id="rId2"/>
-    <p:sldId id="342" r:id="rId3"/>
-    <p:sldId id="338" r:id="rId4"/>
-    <p:sldId id="343" r:id="rId5"/>
-    <p:sldId id="344" r:id="rId6"/>
-    <p:sldId id="345" r:id="rId7"/>
+    <p:sldId id="348" r:id="rId3"/>
+    <p:sldId id="347" r:id="rId4"/>
+    <p:sldId id="346" r:id="rId5"/>
+    <p:sldId id="342" r:id="rId6"/>
+    <p:sldId id="338" r:id="rId7"/>
+    <p:sldId id="343" r:id="rId8"/>
+    <p:sldId id="344" r:id="rId9"/>
+    <p:sldId id="345" r:id="rId10"/>
   </p:sldIdLst>
   <p:sldSz cx="21599525" cy="21599525"/>
   <p:notesSz cx="6858000" cy="9144000"/>
@@ -202,7 +205,7 @@
           <a:p>
             <a:fld id="{5DF3E262-87A9-4FD0-801D-11C30F528353}" type="datetimeFigureOut">
               <a:rPr lang="zh-TW" altLang="en-US" smtClean="0"/>
-              <a:t>2021/5/19</a:t>
+              <a:t>2021/5/21</a:t>
             </a:fld>
             <a:endParaRPr lang="zh-TW" altLang="en-US"/>
           </a:p>
@@ -619,7 +622,7 @@
           <a:p>
             <a:fld id="{6E1C9CAC-9358-49DD-9977-4B7D28ACBE36}" type="slidenum">
               <a:rPr lang="zh-TW" altLang="en-US" smtClean="0"/>
-              <a:t>4</a:t>
+              <a:t>2</a:t>
             </a:fld>
             <a:endParaRPr lang="zh-TW" altLang="en-US"/>
           </a:p>
@@ -628,7 +631,7 @@
     </p:spTree>
     <p:extLst>
       <p:ext uri="{BB962C8B-B14F-4D97-AF65-F5344CB8AC3E}">
-        <p14:creationId xmlns:p14="http://schemas.microsoft.com/office/powerpoint/2010/main" val="737806181"/>
+        <p14:creationId xmlns:p14="http://schemas.microsoft.com/office/powerpoint/2010/main" val="1008334459"/>
       </p:ext>
     </p:extLst>
   </p:cSld>
@@ -703,7 +706,7 @@
           <a:p>
             <a:fld id="{6E1C9CAC-9358-49DD-9977-4B7D28ACBE36}" type="slidenum">
               <a:rPr lang="zh-TW" altLang="en-US" smtClean="0"/>
-              <a:t>5</a:t>
+              <a:t>3</a:t>
             </a:fld>
             <a:endParaRPr lang="zh-TW" altLang="en-US"/>
           </a:p>
@@ -712,7 +715,7 @@
     </p:spTree>
     <p:extLst>
       <p:ext uri="{BB962C8B-B14F-4D97-AF65-F5344CB8AC3E}">
-        <p14:creationId xmlns:p14="http://schemas.microsoft.com/office/powerpoint/2010/main" val="1266109436"/>
+        <p14:creationId xmlns:p14="http://schemas.microsoft.com/office/powerpoint/2010/main" val="2882036757"/>
       </p:ext>
     </p:extLst>
   </p:cSld>
@@ -787,7 +790,259 @@
           <a:p>
             <a:fld id="{6E1C9CAC-9358-49DD-9977-4B7D28ACBE36}" type="slidenum">
               <a:rPr lang="zh-TW" altLang="en-US" smtClean="0"/>
-              <a:t>6</a:t>
+              <a:t>4</a:t>
+            </a:fld>
+            <a:endParaRPr lang="zh-TW" altLang="en-US"/>
+          </a:p>
+        </p:txBody>
+      </p:sp>
+    </p:spTree>
+    <p:extLst>
+      <p:ext uri="{BB962C8B-B14F-4D97-AF65-F5344CB8AC3E}">
+        <p14:creationId xmlns:p14="http://schemas.microsoft.com/office/powerpoint/2010/main" val="913120804"/>
+      </p:ext>
+    </p:extLst>
+  </p:cSld>
+  <p:clrMapOvr>
+    <a:masterClrMapping/>
+  </p:clrMapOvr>
+</p:notes>
+</file>
+
+<file path=ppt/notesSlides/notesSlide5.xml><?xml version="1.0" encoding="utf-8"?>
+<p:notes xmlns:a="http://schemas.openxmlformats.org/drawingml/2006/main" xmlns:r="http://schemas.openxmlformats.org/officeDocument/2006/relationships" xmlns:p="http://schemas.openxmlformats.org/presentationml/2006/main">
+  <p:cSld>
+    <p:spTree>
+      <p:nvGrpSpPr>
+        <p:cNvPr id="1" name=""/>
+        <p:cNvGrpSpPr/>
+        <p:nvPr/>
+      </p:nvGrpSpPr>
+      <p:grpSpPr>
+        <a:xfrm>
+          <a:off x="0" y="0"/>
+          <a:ext cx="0" cy="0"/>
+          <a:chOff x="0" y="0"/>
+          <a:chExt cx="0" cy="0"/>
+        </a:xfrm>
+      </p:grpSpPr>
+      <p:sp>
+        <p:nvSpPr>
+          <p:cNvPr id="2" name="投影片圖像版面配置區 1"/>
+          <p:cNvSpPr>
+            <a:spLocks noGrp="1" noRot="1" noChangeAspect="1"/>
+          </p:cNvSpPr>
+          <p:nvPr>
+            <p:ph type="sldImg"/>
+          </p:nvPr>
+        </p:nvSpPr>
+        <p:spPr/>
+      </p:sp>
+      <p:sp>
+        <p:nvSpPr>
+          <p:cNvPr id="3" name="備忘稿版面配置區 2"/>
+          <p:cNvSpPr>
+            <a:spLocks noGrp="1"/>
+          </p:cNvSpPr>
+          <p:nvPr>
+            <p:ph type="body" idx="1"/>
+          </p:nvPr>
+        </p:nvSpPr>
+        <p:spPr/>
+        <p:txBody>
+          <a:bodyPr/>
+          <a:lstStyle/>
+          <a:p>
+            <a:endParaRPr lang="zh-TW" altLang="en-US" dirty="0"/>
+          </a:p>
+        </p:txBody>
+      </p:sp>
+      <p:sp>
+        <p:nvSpPr>
+          <p:cNvPr id="4" name="投影片編號版面配置區 3"/>
+          <p:cNvSpPr>
+            <a:spLocks noGrp="1"/>
+          </p:cNvSpPr>
+          <p:nvPr>
+            <p:ph type="sldNum" sz="quarter" idx="10"/>
+          </p:nvPr>
+        </p:nvSpPr>
+        <p:spPr/>
+        <p:txBody>
+          <a:bodyPr/>
+          <a:lstStyle/>
+          <a:p>
+            <a:fld id="{6E1C9CAC-9358-49DD-9977-4B7D28ACBE36}" type="slidenum">
+              <a:rPr lang="zh-TW" altLang="en-US" smtClean="0"/>
+              <a:t>7</a:t>
+            </a:fld>
+            <a:endParaRPr lang="zh-TW" altLang="en-US"/>
+          </a:p>
+        </p:txBody>
+      </p:sp>
+    </p:spTree>
+    <p:extLst>
+      <p:ext uri="{BB962C8B-B14F-4D97-AF65-F5344CB8AC3E}">
+        <p14:creationId xmlns:p14="http://schemas.microsoft.com/office/powerpoint/2010/main" val="737806181"/>
+      </p:ext>
+    </p:extLst>
+  </p:cSld>
+  <p:clrMapOvr>
+    <a:masterClrMapping/>
+  </p:clrMapOvr>
+</p:notes>
+</file>
+
+<file path=ppt/notesSlides/notesSlide6.xml><?xml version="1.0" encoding="utf-8"?>
+<p:notes xmlns:a="http://schemas.openxmlformats.org/drawingml/2006/main" xmlns:r="http://schemas.openxmlformats.org/officeDocument/2006/relationships" xmlns:p="http://schemas.openxmlformats.org/presentationml/2006/main">
+  <p:cSld>
+    <p:spTree>
+      <p:nvGrpSpPr>
+        <p:cNvPr id="1" name=""/>
+        <p:cNvGrpSpPr/>
+        <p:nvPr/>
+      </p:nvGrpSpPr>
+      <p:grpSpPr>
+        <a:xfrm>
+          <a:off x="0" y="0"/>
+          <a:ext cx="0" cy="0"/>
+          <a:chOff x="0" y="0"/>
+          <a:chExt cx="0" cy="0"/>
+        </a:xfrm>
+      </p:grpSpPr>
+      <p:sp>
+        <p:nvSpPr>
+          <p:cNvPr id="2" name="投影片圖像版面配置區 1"/>
+          <p:cNvSpPr>
+            <a:spLocks noGrp="1" noRot="1" noChangeAspect="1"/>
+          </p:cNvSpPr>
+          <p:nvPr>
+            <p:ph type="sldImg"/>
+          </p:nvPr>
+        </p:nvSpPr>
+        <p:spPr/>
+      </p:sp>
+      <p:sp>
+        <p:nvSpPr>
+          <p:cNvPr id="3" name="備忘稿版面配置區 2"/>
+          <p:cNvSpPr>
+            <a:spLocks noGrp="1"/>
+          </p:cNvSpPr>
+          <p:nvPr>
+            <p:ph type="body" idx="1"/>
+          </p:nvPr>
+        </p:nvSpPr>
+        <p:spPr/>
+        <p:txBody>
+          <a:bodyPr/>
+          <a:lstStyle/>
+          <a:p>
+            <a:endParaRPr lang="zh-TW" altLang="en-US" dirty="0"/>
+          </a:p>
+        </p:txBody>
+      </p:sp>
+      <p:sp>
+        <p:nvSpPr>
+          <p:cNvPr id="4" name="投影片編號版面配置區 3"/>
+          <p:cNvSpPr>
+            <a:spLocks noGrp="1"/>
+          </p:cNvSpPr>
+          <p:nvPr>
+            <p:ph type="sldNum" sz="quarter" idx="10"/>
+          </p:nvPr>
+        </p:nvSpPr>
+        <p:spPr/>
+        <p:txBody>
+          <a:bodyPr/>
+          <a:lstStyle/>
+          <a:p>
+            <a:fld id="{6E1C9CAC-9358-49DD-9977-4B7D28ACBE36}" type="slidenum">
+              <a:rPr lang="zh-TW" altLang="en-US" smtClean="0"/>
+              <a:t>8</a:t>
+            </a:fld>
+            <a:endParaRPr lang="zh-TW" altLang="en-US"/>
+          </a:p>
+        </p:txBody>
+      </p:sp>
+    </p:spTree>
+    <p:extLst>
+      <p:ext uri="{BB962C8B-B14F-4D97-AF65-F5344CB8AC3E}">
+        <p14:creationId xmlns:p14="http://schemas.microsoft.com/office/powerpoint/2010/main" val="1266109436"/>
+      </p:ext>
+    </p:extLst>
+  </p:cSld>
+  <p:clrMapOvr>
+    <a:masterClrMapping/>
+  </p:clrMapOvr>
+</p:notes>
+</file>
+
+<file path=ppt/notesSlides/notesSlide7.xml><?xml version="1.0" encoding="utf-8"?>
+<p:notes xmlns:a="http://schemas.openxmlformats.org/drawingml/2006/main" xmlns:r="http://schemas.openxmlformats.org/officeDocument/2006/relationships" xmlns:p="http://schemas.openxmlformats.org/presentationml/2006/main">
+  <p:cSld>
+    <p:spTree>
+      <p:nvGrpSpPr>
+        <p:cNvPr id="1" name=""/>
+        <p:cNvGrpSpPr/>
+        <p:nvPr/>
+      </p:nvGrpSpPr>
+      <p:grpSpPr>
+        <a:xfrm>
+          <a:off x="0" y="0"/>
+          <a:ext cx="0" cy="0"/>
+          <a:chOff x="0" y="0"/>
+          <a:chExt cx="0" cy="0"/>
+        </a:xfrm>
+      </p:grpSpPr>
+      <p:sp>
+        <p:nvSpPr>
+          <p:cNvPr id="2" name="投影片圖像版面配置區 1"/>
+          <p:cNvSpPr>
+            <a:spLocks noGrp="1" noRot="1" noChangeAspect="1"/>
+          </p:cNvSpPr>
+          <p:nvPr>
+            <p:ph type="sldImg"/>
+          </p:nvPr>
+        </p:nvSpPr>
+        <p:spPr/>
+      </p:sp>
+      <p:sp>
+        <p:nvSpPr>
+          <p:cNvPr id="3" name="備忘稿版面配置區 2"/>
+          <p:cNvSpPr>
+            <a:spLocks noGrp="1"/>
+          </p:cNvSpPr>
+          <p:nvPr>
+            <p:ph type="body" idx="1"/>
+          </p:nvPr>
+        </p:nvSpPr>
+        <p:spPr/>
+        <p:txBody>
+          <a:bodyPr/>
+          <a:lstStyle/>
+          <a:p>
+            <a:endParaRPr lang="zh-TW" altLang="en-US" dirty="0"/>
+          </a:p>
+        </p:txBody>
+      </p:sp>
+      <p:sp>
+        <p:nvSpPr>
+          <p:cNvPr id="4" name="投影片編號版面配置區 3"/>
+          <p:cNvSpPr>
+            <a:spLocks noGrp="1"/>
+          </p:cNvSpPr>
+          <p:nvPr>
+            <p:ph type="sldNum" sz="quarter" idx="10"/>
+          </p:nvPr>
+        </p:nvSpPr>
+        <p:spPr/>
+        <p:txBody>
+          <a:bodyPr/>
+          <a:lstStyle/>
+          <a:p>
+            <a:fld id="{6E1C9CAC-9358-49DD-9977-4B7D28ACBE36}" type="slidenum">
+              <a:rPr lang="zh-TW" altLang="en-US" smtClean="0"/>
+              <a:t>9</a:t>
             </a:fld>
             <a:endParaRPr lang="zh-TW" altLang="en-US"/>
           </a:p>
@@ -937,7 +1192,7 @@
           <a:p>
             <a:fld id="{3E906AA8-AB23-40FA-BFDB-6A33FBF1CFF0}" type="datetimeFigureOut">
               <a:rPr lang="zh-TW" altLang="en-US" smtClean="0"/>
-              <a:t>2021/5/19</a:t>
+              <a:t>2021/5/21</a:t>
             </a:fld>
             <a:endParaRPr lang="zh-TW" altLang="en-US"/>
           </a:p>
@@ -1107,7 +1362,7 @@
           <a:p>
             <a:fld id="{3E906AA8-AB23-40FA-BFDB-6A33FBF1CFF0}" type="datetimeFigureOut">
               <a:rPr lang="zh-TW" altLang="en-US" smtClean="0"/>
-              <a:t>2021/5/19</a:t>
+              <a:t>2021/5/21</a:t>
             </a:fld>
             <a:endParaRPr lang="zh-TW" altLang="en-US"/>
           </a:p>
@@ -1287,7 +1542,7 @@
           <a:p>
             <a:fld id="{3E906AA8-AB23-40FA-BFDB-6A33FBF1CFF0}" type="datetimeFigureOut">
               <a:rPr lang="zh-TW" altLang="en-US" smtClean="0"/>
-              <a:t>2021/5/19</a:t>
+              <a:t>2021/5/21</a:t>
             </a:fld>
             <a:endParaRPr lang="zh-TW" altLang="en-US"/>
           </a:p>
@@ -1457,7 +1712,7 @@
           <a:p>
             <a:fld id="{3E906AA8-AB23-40FA-BFDB-6A33FBF1CFF0}" type="datetimeFigureOut">
               <a:rPr lang="zh-TW" altLang="en-US" smtClean="0"/>
-              <a:t>2021/5/19</a:t>
+              <a:t>2021/5/21</a:t>
             </a:fld>
             <a:endParaRPr lang="zh-TW" altLang="en-US"/>
           </a:p>
@@ -1701,7 +1956,7 @@
           <a:p>
             <a:fld id="{3E906AA8-AB23-40FA-BFDB-6A33FBF1CFF0}" type="datetimeFigureOut">
               <a:rPr lang="zh-TW" altLang="en-US" smtClean="0"/>
-              <a:t>2021/5/19</a:t>
+              <a:t>2021/5/21</a:t>
             </a:fld>
             <a:endParaRPr lang="zh-TW" altLang="en-US"/>
           </a:p>
@@ -1933,7 +2188,7 @@
           <a:p>
             <a:fld id="{3E906AA8-AB23-40FA-BFDB-6A33FBF1CFF0}" type="datetimeFigureOut">
               <a:rPr lang="zh-TW" altLang="en-US" smtClean="0"/>
-              <a:t>2021/5/19</a:t>
+              <a:t>2021/5/21</a:t>
             </a:fld>
             <a:endParaRPr lang="zh-TW" altLang="en-US"/>
           </a:p>
@@ -2300,7 +2555,7 @@
           <a:p>
             <a:fld id="{3E906AA8-AB23-40FA-BFDB-6A33FBF1CFF0}" type="datetimeFigureOut">
               <a:rPr lang="zh-TW" altLang="en-US" smtClean="0"/>
-              <a:t>2021/5/19</a:t>
+              <a:t>2021/5/21</a:t>
             </a:fld>
             <a:endParaRPr lang="zh-TW" altLang="en-US"/>
           </a:p>
@@ -2418,7 +2673,7 @@
           <a:p>
             <a:fld id="{3E906AA8-AB23-40FA-BFDB-6A33FBF1CFF0}" type="datetimeFigureOut">
               <a:rPr lang="zh-TW" altLang="en-US" smtClean="0"/>
-              <a:t>2021/5/19</a:t>
+              <a:t>2021/5/21</a:t>
             </a:fld>
             <a:endParaRPr lang="zh-TW" altLang="en-US"/>
           </a:p>
@@ -2513,7 +2768,7 @@
           <a:p>
             <a:fld id="{3E906AA8-AB23-40FA-BFDB-6A33FBF1CFF0}" type="datetimeFigureOut">
               <a:rPr lang="zh-TW" altLang="en-US" smtClean="0"/>
-              <a:t>2021/5/19</a:t>
+              <a:t>2021/5/21</a:t>
             </a:fld>
             <a:endParaRPr lang="zh-TW" altLang="en-US"/>
           </a:p>
@@ -2790,7 +3045,7 @@
           <a:p>
             <a:fld id="{3E906AA8-AB23-40FA-BFDB-6A33FBF1CFF0}" type="datetimeFigureOut">
               <a:rPr lang="zh-TW" altLang="en-US" smtClean="0"/>
-              <a:t>2021/5/19</a:t>
+              <a:t>2021/5/21</a:t>
             </a:fld>
             <a:endParaRPr lang="zh-TW" altLang="en-US"/>
           </a:p>
@@ -3047,7 +3302,7 @@
           <a:p>
             <a:fld id="{3E906AA8-AB23-40FA-BFDB-6A33FBF1CFF0}" type="datetimeFigureOut">
               <a:rPr lang="zh-TW" altLang="en-US" smtClean="0"/>
-              <a:t>2021/5/19</a:t>
+              <a:t>2021/5/21</a:t>
             </a:fld>
             <a:endParaRPr lang="zh-TW" altLang="en-US"/>
           </a:p>
@@ -3260,7 +3515,7 @@
           <a:p>
             <a:fld id="{3E906AA8-AB23-40FA-BFDB-6A33FBF1CFF0}" type="datetimeFigureOut">
               <a:rPr lang="zh-TW" altLang="en-US" smtClean="0"/>
-              <a:t>2021/5/19</a:t>
+              <a:t>2021/5/21</a:t>
             </a:fld>
             <a:endParaRPr lang="zh-TW" altLang="en-US"/>
           </a:p>
@@ -3649,6 +3904,4785 @@
 </file>
 
 <file path=ppt/slides/slide1.xml><?xml version="1.0" encoding="utf-8"?>
+<p:sld xmlns:a="http://schemas.openxmlformats.org/drawingml/2006/main" xmlns:r="http://schemas.openxmlformats.org/officeDocument/2006/relationships" xmlns:p="http://schemas.openxmlformats.org/presentationml/2006/main">
+  <p:cSld>
+    <p:spTree>
+      <p:nvGrpSpPr>
+        <p:cNvPr id="1" name=""/>
+        <p:cNvGrpSpPr/>
+        <p:nvPr/>
+      </p:nvGrpSpPr>
+      <p:grpSpPr>
+        <a:xfrm>
+          <a:off x="0" y="0"/>
+          <a:ext cx="0" cy="0"/>
+          <a:chOff x="0" y="0"/>
+          <a:chExt cx="0" cy="0"/>
+        </a:xfrm>
+      </p:grpSpPr>
+      <p:grpSp>
+        <p:nvGrpSpPr>
+          <p:cNvPr id="68" name="群組 67"/>
+          <p:cNvGrpSpPr/>
+          <p:nvPr/>
+        </p:nvGrpSpPr>
+        <p:grpSpPr>
+          <a:xfrm>
+            <a:off x="4766042" y="5310287"/>
+            <a:ext cx="11626694" cy="8902855"/>
+            <a:chOff x="4766042" y="5310287"/>
+            <a:chExt cx="11626694" cy="8902855"/>
+          </a:xfrm>
+        </p:grpSpPr>
+        <p:cxnSp>
+          <p:nvCxnSpPr>
+            <p:cNvPr id="117" name="直線單箭頭接點 26"/>
+            <p:cNvCxnSpPr>
+              <a:stCxn id="104" idx="0"/>
+              <a:endCxn id="102" idx="2"/>
+            </p:cNvCxnSpPr>
+            <p:nvPr/>
+          </p:nvCxnSpPr>
+          <p:spPr>
+            <a:xfrm flipV="1">
+              <a:off x="7119453" y="9566393"/>
+              <a:ext cx="0" cy="522212"/>
+            </a:xfrm>
+            <a:prstGeom prst="straightConnector1">
+              <a:avLst/>
+            </a:prstGeom>
+            <a:ln w="63500">
+              <a:solidFill>
+                <a:schemeClr val="tx1"/>
+              </a:solidFill>
+              <a:tailEnd type="triangle"/>
+            </a:ln>
+          </p:spPr>
+          <p:style>
+            <a:lnRef idx="1">
+              <a:schemeClr val="accent1"/>
+            </a:lnRef>
+            <a:fillRef idx="0">
+              <a:schemeClr val="accent1"/>
+            </a:fillRef>
+            <a:effectRef idx="0">
+              <a:schemeClr val="accent1"/>
+            </a:effectRef>
+            <a:fontRef idx="minor">
+              <a:schemeClr val="tx1"/>
+            </a:fontRef>
+          </p:style>
+        </p:cxnSp>
+        <p:cxnSp>
+          <p:nvCxnSpPr>
+            <p:cNvPr id="198" name="直線單箭頭接點 26"/>
+            <p:cNvCxnSpPr>
+              <a:endCxn id="104" idx="2"/>
+            </p:cNvCxnSpPr>
+            <p:nvPr/>
+          </p:nvCxnSpPr>
+          <p:spPr>
+            <a:xfrm flipV="1">
+              <a:off x="7119453" y="11537399"/>
+              <a:ext cx="0" cy="595986"/>
+            </a:xfrm>
+            <a:prstGeom prst="straightConnector1">
+              <a:avLst/>
+            </a:prstGeom>
+            <a:ln w="82550">
+              <a:solidFill>
+                <a:schemeClr val="tx1"/>
+              </a:solidFill>
+              <a:tailEnd type="triangle"/>
+            </a:ln>
+          </p:spPr>
+          <p:style>
+            <a:lnRef idx="1">
+              <a:schemeClr val="accent1"/>
+            </a:lnRef>
+            <a:fillRef idx="0">
+              <a:schemeClr val="accent1"/>
+            </a:fillRef>
+            <a:effectRef idx="0">
+              <a:schemeClr val="accent1"/>
+            </a:effectRef>
+            <a:fontRef idx="minor">
+              <a:schemeClr val="tx1"/>
+            </a:fontRef>
+          </p:style>
+        </p:cxnSp>
+        <p:sp>
+          <p:nvSpPr>
+            <p:cNvPr id="104" name="圓角矩形 103"/>
+            <p:cNvSpPr/>
+            <p:nvPr/>
+          </p:nvSpPr>
+          <p:spPr>
+            <a:xfrm>
+              <a:off x="5094129" y="10088605"/>
+              <a:ext cx="4050648" cy="1448794"/>
+            </a:xfrm>
+            <a:prstGeom prst="roundRect">
+              <a:avLst>
+                <a:gd name="adj" fmla="val 12899"/>
+              </a:avLst>
+            </a:prstGeom>
+            <a:solidFill>
+              <a:schemeClr val="accent4"/>
+            </a:solidFill>
+            <a:ln w="31750">
+              <a:solidFill>
+                <a:schemeClr val="tx1"/>
+              </a:solidFill>
+            </a:ln>
+          </p:spPr>
+          <p:style>
+            <a:lnRef idx="2">
+              <a:schemeClr val="accent1">
+                <a:shade val="50000"/>
+              </a:schemeClr>
+            </a:lnRef>
+            <a:fillRef idx="1">
+              <a:schemeClr val="accent1"/>
+            </a:fillRef>
+            <a:effectRef idx="0">
+              <a:schemeClr val="accent1"/>
+            </a:effectRef>
+            <a:fontRef idx="minor">
+              <a:schemeClr val="lt1"/>
+            </a:fontRef>
+          </p:style>
+          <p:txBody>
+            <a:bodyPr rtlCol="0" anchor="ctr"/>
+            <a:lstStyle/>
+            <a:p>
+              <a:pPr algn="ctr"/>
+              <a:r>
+                <a:rPr lang="en-US" altLang="zh-TW" sz="3600" dirty="0" smtClean="0">
+                  <a:solidFill>
+                    <a:srgbClr val="282828"/>
+                  </a:solidFill>
+                  <a:latin typeface="SauceCodePro Nerd Font" panose="020B0509030403020204" pitchFamily="49" charset="0"/>
+                </a:rPr>
+                <a:t>Encoder</a:t>
+              </a:r>
+              <a:endParaRPr lang="zh-TW" altLang="en-US" sz="3600" dirty="0">
+                <a:solidFill>
+                  <a:srgbClr val="282828"/>
+                </a:solidFill>
+                <a:latin typeface="SauceCodePro Nerd Font" panose="020B0509030403020204" pitchFamily="49" charset="0"/>
+              </a:endParaRPr>
+            </a:p>
+          </p:txBody>
+        </p:sp>
+        <p:sp>
+          <p:nvSpPr>
+            <p:cNvPr id="102" name="圓角矩形 101"/>
+            <p:cNvSpPr/>
+            <p:nvPr/>
+          </p:nvSpPr>
+          <p:spPr>
+            <a:xfrm>
+              <a:off x="5190270" y="8166572"/>
+              <a:ext cx="3858366" cy="1399821"/>
+            </a:xfrm>
+            <a:prstGeom prst="roundRect">
+              <a:avLst>
+                <a:gd name="adj" fmla="val 12899"/>
+              </a:avLst>
+            </a:prstGeom>
+            <a:solidFill>
+              <a:srgbClr val="92D050"/>
+            </a:solidFill>
+            <a:ln w="31750">
+              <a:solidFill>
+                <a:schemeClr val="tx1"/>
+              </a:solidFill>
+            </a:ln>
+          </p:spPr>
+          <p:style>
+            <a:lnRef idx="2">
+              <a:schemeClr val="accent1">
+                <a:shade val="50000"/>
+              </a:schemeClr>
+            </a:lnRef>
+            <a:fillRef idx="1">
+              <a:schemeClr val="accent1"/>
+            </a:fillRef>
+            <a:effectRef idx="0">
+              <a:schemeClr val="accent1"/>
+            </a:effectRef>
+            <a:fontRef idx="minor">
+              <a:schemeClr val="lt1"/>
+            </a:fontRef>
+          </p:style>
+          <p:txBody>
+            <a:bodyPr rtlCol="0" anchor="ctr"/>
+            <a:lstStyle/>
+            <a:p>
+              <a:pPr algn="ctr"/>
+              <a:r>
+                <a:rPr lang="en-US" altLang="zh-TW" sz="3600" dirty="0" smtClean="0">
+                  <a:solidFill>
+                    <a:srgbClr val="282828"/>
+                  </a:solidFill>
+                  <a:latin typeface="SauceCodePro Nerd Font" panose="020B0509030403020204" pitchFamily="49" charset="0"/>
+                </a:rPr>
+                <a:t>Bottleneck A</a:t>
+              </a:r>
+              <a:endParaRPr lang="zh-TW" altLang="en-US" sz="3600" dirty="0">
+                <a:solidFill>
+                  <a:srgbClr val="282828"/>
+                </a:solidFill>
+                <a:latin typeface="SauceCodePro Nerd Font" panose="020B0509030403020204" pitchFamily="49" charset="0"/>
+              </a:endParaRPr>
+            </a:p>
+          </p:txBody>
+        </p:sp>
+        <p:sp>
+          <p:nvSpPr>
+            <p:cNvPr id="116" name="圓角矩形 115"/>
+            <p:cNvSpPr/>
+            <p:nvPr/>
+          </p:nvSpPr>
+          <p:spPr>
+            <a:xfrm>
+              <a:off x="5183821" y="6325458"/>
+              <a:ext cx="3858366" cy="1399821"/>
+            </a:xfrm>
+            <a:prstGeom prst="roundRect">
+              <a:avLst>
+                <a:gd name="adj" fmla="val 12899"/>
+              </a:avLst>
+            </a:prstGeom>
+            <a:solidFill>
+              <a:srgbClr val="FF5B9D"/>
+            </a:solidFill>
+            <a:ln w="31750">
+              <a:solidFill>
+                <a:schemeClr val="tx1"/>
+              </a:solidFill>
+            </a:ln>
+          </p:spPr>
+          <p:style>
+            <a:lnRef idx="2">
+              <a:schemeClr val="accent1">
+                <a:shade val="50000"/>
+              </a:schemeClr>
+            </a:lnRef>
+            <a:fillRef idx="1">
+              <a:schemeClr val="accent1"/>
+            </a:fillRef>
+            <a:effectRef idx="0">
+              <a:schemeClr val="accent1"/>
+            </a:effectRef>
+            <a:fontRef idx="minor">
+              <a:schemeClr val="lt1"/>
+            </a:fontRef>
+          </p:style>
+          <p:txBody>
+            <a:bodyPr rtlCol="0" anchor="ctr"/>
+            <a:lstStyle/>
+            <a:p>
+              <a:pPr algn="ctr"/>
+              <a:r>
+                <a:rPr lang="en-US" altLang="zh-TW" sz="3600" dirty="0" smtClean="0">
+                  <a:solidFill>
+                    <a:srgbClr val="282828"/>
+                  </a:solidFill>
+                  <a:latin typeface="SauceCodePro Nerd Font" panose="020B0509030403020204" pitchFamily="49" charset="0"/>
+                </a:rPr>
+                <a:t>Bottleneck B</a:t>
+              </a:r>
+              <a:endParaRPr lang="zh-TW" altLang="en-US" sz="3600" dirty="0">
+                <a:solidFill>
+                  <a:srgbClr val="282828"/>
+                </a:solidFill>
+                <a:latin typeface="SauceCodePro Nerd Font" panose="020B0509030403020204" pitchFamily="49" charset="0"/>
+              </a:endParaRPr>
+            </a:p>
+          </p:txBody>
+        </p:sp>
+        <p:cxnSp>
+          <p:nvCxnSpPr>
+            <p:cNvPr id="118" name="直線單箭頭接點 26"/>
+            <p:cNvCxnSpPr>
+              <a:stCxn id="102" idx="0"/>
+              <a:endCxn id="116" idx="2"/>
+            </p:cNvCxnSpPr>
+            <p:nvPr/>
+          </p:nvCxnSpPr>
+          <p:spPr>
+            <a:xfrm flipH="1" flipV="1">
+              <a:off x="7113004" y="7725279"/>
+              <a:ext cx="6449" cy="441293"/>
+            </a:xfrm>
+            <a:prstGeom prst="straightConnector1">
+              <a:avLst/>
+            </a:prstGeom>
+            <a:ln w="63500">
+              <a:solidFill>
+                <a:schemeClr val="tx1"/>
+              </a:solidFill>
+              <a:tailEnd type="triangle"/>
+            </a:ln>
+          </p:spPr>
+          <p:style>
+            <a:lnRef idx="1">
+              <a:schemeClr val="accent1"/>
+            </a:lnRef>
+            <a:fillRef idx="0">
+              <a:schemeClr val="accent1"/>
+            </a:fillRef>
+            <a:effectRef idx="0">
+              <a:schemeClr val="accent1"/>
+            </a:effectRef>
+            <a:fontRef idx="minor">
+              <a:schemeClr val="tx1"/>
+            </a:fontRef>
+          </p:style>
+        </p:cxnSp>
+        <p:cxnSp>
+          <p:nvCxnSpPr>
+            <p:cNvPr id="134" name="直線單箭頭接點 26"/>
+            <p:cNvCxnSpPr>
+              <a:stCxn id="136" idx="0"/>
+              <a:endCxn id="137" idx="2"/>
+            </p:cNvCxnSpPr>
+            <p:nvPr/>
+          </p:nvCxnSpPr>
+          <p:spPr>
+            <a:xfrm flipV="1">
+              <a:off x="13342404" y="9566393"/>
+              <a:ext cx="0" cy="522212"/>
+            </a:xfrm>
+            <a:prstGeom prst="straightConnector1">
+              <a:avLst/>
+            </a:prstGeom>
+            <a:ln w="63500">
+              <a:solidFill>
+                <a:schemeClr val="tx1"/>
+              </a:solidFill>
+              <a:tailEnd type="triangle"/>
+            </a:ln>
+          </p:spPr>
+          <p:style>
+            <a:lnRef idx="1">
+              <a:schemeClr val="accent1"/>
+            </a:lnRef>
+            <a:fillRef idx="0">
+              <a:schemeClr val="accent1"/>
+            </a:fillRef>
+            <a:effectRef idx="0">
+              <a:schemeClr val="accent1"/>
+            </a:effectRef>
+            <a:fontRef idx="minor">
+              <a:schemeClr val="tx1"/>
+            </a:fontRef>
+          </p:style>
+        </p:cxnSp>
+        <p:cxnSp>
+          <p:nvCxnSpPr>
+            <p:cNvPr id="135" name="直線單箭頭接點 26"/>
+            <p:cNvCxnSpPr>
+              <a:endCxn id="136" idx="2"/>
+            </p:cNvCxnSpPr>
+            <p:nvPr/>
+          </p:nvCxnSpPr>
+          <p:spPr>
+            <a:xfrm flipV="1">
+              <a:off x="13342404" y="11537399"/>
+              <a:ext cx="0" cy="595986"/>
+            </a:xfrm>
+            <a:prstGeom prst="straightConnector1">
+              <a:avLst/>
+            </a:prstGeom>
+            <a:ln w="82550">
+              <a:solidFill>
+                <a:schemeClr val="tx1"/>
+              </a:solidFill>
+              <a:tailEnd type="triangle"/>
+            </a:ln>
+          </p:spPr>
+          <p:style>
+            <a:lnRef idx="1">
+              <a:schemeClr val="accent1"/>
+            </a:lnRef>
+            <a:fillRef idx="0">
+              <a:schemeClr val="accent1"/>
+            </a:fillRef>
+            <a:effectRef idx="0">
+              <a:schemeClr val="accent1"/>
+            </a:effectRef>
+            <a:fontRef idx="minor">
+              <a:schemeClr val="tx1"/>
+            </a:fontRef>
+          </p:style>
+        </p:cxnSp>
+        <p:sp>
+          <p:nvSpPr>
+            <p:cNvPr id="136" name="圓角矩形 135"/>
+            <p:cNvSpPr/>
+            <p:nvPr/>
+          </p:nvSpPr>
+          <p:spPr>
+            <a:xfrm>
+              <a:off x="11317080" y="10088605"/>
+              <a:ext cx="4050648" cy="1448794"/>
+            </a:xfrm>
+            <a:prstGeom prst="roundRect">
+              <a:avLst>
+                <a:gd name="adj" fmla="val 12899"/>
+              </a:avLst>
+            </a:prstGeom>
+            <a:solidFill>
+              <a:schemeClr val="accent4"/>
+            </a:solidFill>
+            <a:ln w="31750">
+              <a:solidFill>
+                <a:schemeClr val="tx1"/>
+              </a:solidFill>
+            </a:ln>
+          </p:spPr>
+          <p:style>
+            <a:lnRef idx="2">
+              <a:schemeClr val="accent1">
+                <a:shade val="50000"/>
+              </a:schemeClr>
+            </a:lnRef>
+            <a:fillRef idx="1">
+              <a:schemeClr val="accent1"/>
+            </a:fillRef>
+            <a:effectRef idx="0">
+              <a:schemeClr val="accent1"/>
+            </a:effectRef>
+            <a:fontRef idx="minor">
+              <a:schemeClr val="lt1"/>
+            </a:fontRef>
+          </p:style>
+          <p:txBody>
+            <a:bodyPr rtlCol="0" anchor="ctr"/>
+            <a:lstStyle/>
+            <a:p>
+              <a:pPr algn="ctr"/>
+              <a:r>
+                <a:rPr lang="en-US" altLang="zh-TW" sz="3600" dirty="0" smtClean="0">
+                  <a:solidFill>
+                    <a:srgbClr val="282828"/>
+                  </a:solidFill>
+                  <a:latin typeface="SauceCodePro Nerd Font" panose="020B0509030403020204" pitchFamily="49" charset="0"/>
+                </a:rPr>
+                <a:t>Encoder’</a:t>
+              </a:r>
+              <a:endParaRPr lang="zh-TW" altLang="en-US" sz="3600" dirty="0">
+                <a:solidFill>
+                  <a:srgbClr val="282828"/>
+                </a:solidFill>
+                <a:latin typeface="SauceCodePro Nerd Font" panose="020B0509030403020204" pitchFamily="49" charset="0"/>
+              </a:endParaRPr>
+            </a:p>
+          </p:txBody>
+        </p:sp>
+        <p:sp>
+          <p:nvSpPr>
+            <p:cNvPr id="137" name="圓角矩形 136"/>
+            <p:cNvSpPr/>
+            <p:nvPr/>
+          </p:nvSpPr>
+          <p:spPr>
+            <a:xfrm>
+              <a:off x="11413221" y="8166572"/>
+              <a:ext cx="3858366" cy="1399821"/>
+            </a:xfrm>
+            <a:prstGeom prst="roundRect">
+              <a:avLst>
+                <a:gd name="adj" fmla="val 12899"/>
+              </a:avLst>
+            </a:prstGeom>
+            <a:solidFill>
+              <a:srgbClr val="92D050"/>
+            </a:solidFill>
+            <a:ln w="31750">
+              <a:solidFill>
+                <a:schemeClr val="tx1"/>
+              </a:solidFill>
+            </a:ln>
+          </p:spPr>
+          <p:style>
+            <a:lnRef idx="2">
+              <a:schemeClr val="accent1">
+                <a:shade val="50000"/>
+              </a:schemeClr>
+            </a:lnRef>
+            <a:fillRef idx="1">
+              <a:schemeClr val="accent1"/>
+            </a:fillRef>
+            <a:effectRef idx="0">
+              <a:schemeClr val="accent1"/>
+            </a:effectRef>
+            <a:fontRef idx="minor">
+              <a:schemeClr val="lt1"/>
+            </a:fontRef>
+          </p:style>
+          <p:txBody>
+            <a:bodyPr rtlCol="0" anchor="ctr"/>
+            <a:lstStyle/>
+            <a:p>
+              <a:pPr algn="ctr"/>
+              <a:r>
+                <a:rPr lang="en-US" altLang="zh-TW" sz="3600" dirty="0" smtClean="0">
+                  <a:solidFill>
+                    <a:srgbClr val="282828"/>
+                  </a:solidFill>
+                  <a:latin typeface="SauceCodePro Nerd Font" panose="020B0509030403020204" pitchFamily="49" charset="0"/>
+                </a:rPr>
+                <a:t>Bottleneck A’</a:t>
+              </a:r>
+              <a:endParaRPr lang="zh-TW" altLang="en-US" sz="3600" dirty="0">
+                <a:solidFill>
+                  <a:srgbClr val="282828"/>
+                </a:solidFill>
+                <a:latin typeface="SauceCodePro Nerd Font" panose="020B0509030403020204" pitchFamily="49" charset="0"/>
+              </a:endParaRPr>
+            </a:p>
+          </p:txBody>
+        </p:sp>
+        <p:cxnSp>
+          <p:nvCxnSpPr>
+            <p:cNvPr id="138" name="直線單箭頭接點 26"/>
+            <p:cNvCxnSpPr>
+              <a:stCxn id="137" idx="0"/>
+              <a:endCxn id="141" idx="2"/>
+            </p:cNvCxnSpPr>
+            <p:nvPr/>
+          </p:nvCxnSpPr>
+          <p:spPr>
+            <a:xfrm flipV="1">
+              <a:off x="13342404" y="7725279"/>
+              <a:ext cx="0" cy="441293"/>
+            </a:xfrm>
+            <a:prstGeom prst="straightConnector1">
+              <a:avLst/>
+            </a:prstGeom>
+            <a:ln w="63500">
+              <a:solidFill>
+                <a:schemeClr val="tx1"/>
+              </a:solidFill>
+              <a:tailEnd type="triangle"/>
+            </a:ln>
+          </p:spPr>
+          <p:style>
+            <a:lnRef idx="1">
+              <a:schemeClr val="accent1"/>
+            </a:lnRef>
+            <a:fillRef idx="0">
+              <a:schemeClr val="accent1"/>
+            </a:fillRef>
+            <a:effectRef idx="0">
+              <a:schemeClr val="accent1"/>
+            </a:effectRef>
+            <a:fontRef idx="minor">
+              <a:schemeClr val="tx1"/>
+            </a:fontRef>
+          </p:style>
+        </p:cxnSp>
+        <p:cxnSp>
+          <p:nvCxnSpPr>
+            <p:cNvPr id="139" name="直線單箭頭接點 26"/>
+            <p:cNvCxnSpPr>
+              <a:stCxn id="104" idx="3"/>
+              <a:endCxn id="136" idx="1"/>
+            </p:cNvCxnSpPr>
+            <p:nvPr/>
+          </p:nvCxnSpPr>
+          <p:spPr>
+            <a:xfrm>
+              <a:off x="9144777" y="10813002"/>
+              <a:ext cx="2172303" cy="0"/>
+            </a:xfrm>
+            <a:prstGeom prst="straightConnector1">
+              <a:avLst/>
+            </a:prstGeom>
+            <a:ln w="63500">
+              <a:solidFill>
+                <a:schemeClr val="tx1"/>
+              </a:solidFill>
+              <a:prstDash val="dashDot"/>
+              <a:tailEnd type="triangle"/>
+            </a:ln>
+          </p:spPr>
+          <p:style>
+            <a:lnRef idx="1">
+              <a:schemeClr val="accent1"/>
+            </a:lnRef>
+            <a:fillRef idx="0">
+              <a:schemeClr val="accent1"/>
+            </a:fillRef>
+            <a:effectRef idx="0">
+              <a:schemeClr val="accent1"/>
+            </a:effectRef>
+            <a:fontRef idx="minor">
+              <a:schemeClr val="tx1"/>
+            </a:fontRef>
+          </p:style>
+        </p:cxnSp>
+        <p:cxnSp>
+          <p:nvCxnSpPr>
+            <p:cNvPr id="140" name="直線單箭頭接點 26"/>
+            <p:cNvCxnSpPr>
+              <a:stCxn id="102" idx="3"/>
+              <a:endCxn id="137" idx="1"/>
+            </p:cNvCxnSpPr>
+            <p:nvPr/>
+          </p:nvCxnSpPr>
+          <p:spPr>
+            <a:xfrm>
+              <a:off x="9048636" y="8866483"/>
+              <a:ext cx="2364585" cy="0"/>
+            </a:xfrm>
+            <a:prstGeom prst="straightConnector1">
+              <a:avLst/>
+            </a:prstGeom>
+            <a:ln w="63500">
+              <a:solidFill>
+                <a:schemeClr val="tx1"/>
+              </a:solidFill>
+              <a:prstDash val="dashDot"/>
+              <a:tailEnd type="triangle"/>
+            </a:ln>
+          </p:spPr>
+          <p:style>
+            <a:lnRef idx="1">
+              <a:schemeClr val="accent1"/>
+            </a:lnRef>
+            <a:fillRef idx="0">
+              <a:schemeClr val="accent1"/>
+            </a:fillRef>
+            <a:effectRef idx="0">
+              <a:schemeClr val="accent1"/>
+            </a:effectRef>
+            <a:fontRef idx="minor">
+              <a:schemeClr val="tx1"/>
+            </a:fontRef>
+          </p:style>
+        </p:cxnSp>
+        <p:sp>
+          <p:nvSpPr>
+            <p:cNvPr id="141" name="圓角矩形 140"/>
+            <p:cNvSpPr/>
+            <p:nvPr/>
+          </p:nvSpPr>
+          <p:spPr>
+            <a:xfrm>
+              <a:off x="11730826" y="6325459"/>
+              <a:ext cx="3223155" cy="1399820"/>
+            </a:xfrm>
+            <a:prstGeom prst="roundRect">
+              <a:avLst>
+                <a:gd name="adj" fmla="val 7652"/>
+              </a:avLst>
+            </a:prstGeom>
+            <a:noFill/>
+            <a:ln w="63500">
+              <a:solidFill>
+                <a:schemeClr val="tx1"/>
+              </a:solidFill>
+            </a:ln>
+          </p:spPr>
+          <p:style>
+            <a:lnRef idx="2">
+              <a:schemeClr val="accent1">
+                <a:shade val="50000"/>
+              </a:schemeClr>
+            </a:lnRef>
+            <a:fillRef idx="1">
+              <a:schemeClr val="accent1"/>
+            </a:fillRef>
+            <a:effectRef idx="0">
+              <a:schemeClr val="accent1"/>
+            </a:effectRef>
+            <a:fontRef idx="minor">
+              <a:schemeClr val="lt1"/>
+            </a:fontRef>
+          </p:style>
+          <p:txBody>
+            <a:bodyPr rtlCol="0" anchor="ctr"/>
+            <a:lstStyle/>
+            <a:p>
+              <a:pPr algn="ctr"/>
+              <a:r>
+                <a:rPr lang="en-US" altLang="zh-TW" dirty="0" smtClean="0">
+                  <a:solidFill>
+                    <a:schemeClr val="tx1"/>
+                  </a:solidFill>
+                  <a:latin typeface="SauceCodePro Nerd Font" panose="020B0509030403020204" pitchFamily="49" charset="0"/>
+                </a:rPr>
+                <a:t>L2 Loss</a:t>
+              </a:r>
+              <a:endParaRPr lang="zh-TW" altLang="en-US" dirty="0">
+                <a:solidFill>
+                  <a:schemeClr val="tx1"/>
+                </a:solidFill>
+                <a:latin typeface="SauceCodePro Nerd Font" panose="020B0509030403020204" pitchFamily="49" charset="0"/>
+              </a:endParaRPr>
+            </a:p>
+          </p:txBody>
+        </p:sp>
+        <p:cxnSp>
+          <p:nvCxnSpPr>
+            <p:cNvPr id="142" name="直線單箭頭接點 26"/>
+            <p:cNvCxnSpPr>
+              <a:stCxn id="116" idx="3"/>
+              <a:endCxn id="141" idx="1"/>
+            </p:cNvCxnSpPr>
+            <p:nvPr/>
+          </p:nvCxnSpPr>
+          <p:spPr>
+            <a:xfrm>
+              <a:off x="9042187" y="7025369"/>
+              <a:ext cx="2688639" cy="0"/>
+            </a:xfrm>
+            <a:prstGeom prst="straightConnector1">
+              <a:avLst/>
+            </a:prstGeom>
+            <a:ln w="63500">
+              <a:solidFill>
+                <a:schemeClr val="tx1"/>
+              </a:solidFill>
+              <a:tailEnd type="triangle"/>
+            </a:ln>
+          </p:spPr>
+          <p:style>
+            <a:lnRef idx="1">
+              <a:schemeClr val="accent1"/>
+            </a:lnRef>
+            <a:fillRef idx="0">
+              <a:schemeClr val="accent1"/>
+            </a:fillRef>
+            <a:effectRef idx="0">
+              <a:schemeClr val="accent1"/>
+            </a:effectRef>
+            <a:fontRef idx="minor">
+              <a:schemeClr val="tx1"/>
+            </a:fontRef>
+          </p:style>
+        </p:cxnSp>
+        <p:sp>
+          <p:nvSpPr>
+            <p:cNvPr id="146" name="圓角矩形 145"/>
+            <p:cNvSpPr/>
+            <p:nvPr/>
+          </p:nvSpPr>
+          <p:spPr>
+            <a:xfrm>
+              <a:off x="9677694" y="13043807"/>
+              <a:ext cx="1100020" cy="1169335"/>
+            </a:xfrm>
+            <a:prstGeom prst="roundRect">
+              <a:avLst/>
+            </a:prstGeom>
+            <a:noFill/>
+            <a:ln w="63500">
+              <a:noFill/>
+            </a:ln>
+            <a:effectLst>
+              <a:softEdge rad="63500"/>
+            </a:effectLst>
+          </p:spPr>
+          <p:style>
+            <a:lnRef idx="2">
+              <a:schemeClr val="accent1">
+                <a:shade val="50000"/>
+              </a:schemeClr>
+            </a:lnRef>
+            <a:fillRef idx="1">
+              <a:schemeClr val="accent1"/>
+            </a:fillRef>
+            <a:effectRef idx="0">
+              <a:schemeClr val="accent1"/>
+            </a:effectRef>
+            <a:fontRef idx="minor">
+              <a:schemeClr val="lt1"/>
+            </a:fontRef>
+          </p:style>
+          <p:txBody>
+            <a:bodyPr rtlCol="0" anchor="ctr"/>
+            <a:lstStyle/>
+            <a:p>
+              <a:pPr algn="ctr"/>
+              <a:r>
+                <a:rPr lang="en-US" altLang="zh-TW" sz="4400" dirty="0" smtClean="0">
+                  <a:solidFill>
+                    <a:srgbClr val="282828"/>
+                  </a:solidFill>
+                  <a:latin typeface="SauceCodePro Nerd Font" panose="020B0509030403020204" pitchFamily="49" charset="0"/>
+                </a:rPr>
+                <a:t>S</a:t>
+              </a:r>
+              <a:endParaRPr lang="zh-TW" altLang="en-US" sz="4400" dirty="0">
+                <a:solidFill>
+                  <a:srgbClr val="282828"/>
+                </a:solidFill>
+                <a:latin typeface="SauceCodePro Nerd Font" panose="020B0509030403020204" pitchFamily="49" charset="0"/>
+              </a:endParaRPr>
+            </a:p>
+          </p:txBody>
+        </p:sp>
+        <p:sp>
+          <p:nvSpPr>
+            <p:cNvPr id="147" name="圓角矩形 146"/>
+            <p:cNvSpPr/>
+            <p:nvPr/>
+          </p:nvSpPr>
+          <p:spPr>
+            <a:xfrm>
+              <a:off x="8779301" y="9465903"/>
+              <a:ext cx="2903253" cy="656600"/>
+            </a:xfrm>
+            <a:prstGeom prst="roundRect">
+              <a:avLst/>
+            </a:prstGeom>
+            <a:noFill/>
+            <a:ln w="63500">
+              <a:noFill/>
+            </a:ln>
+            <a:effectLst>
+              <a:softEdge rad="63500"/>
+            </a:effectLst>
+          </p:spPr>
+          <p:style>
+            <a:lnRef idx="2">
+              <a:schemeClr val="accent1">
+                <a:shade val="50000"/>
+              </a:schemeClr>
+            </a:lnRef>
+            <a:fillRef idx="1">
+              <a:schemeClr val="accent1"/>
+            </a:fillRef>
+            <a:effectRef idx="0">
+              <a:schemeClr val="accent1"/>
+            </a:effectRef>
+            <a:fontRef idx="minor">
+              <a:schemeClr val="lt1"/>
+            </a:fontRef>
+          </p:style>
+          <p:txBody>
+            <a:bodyPr rtlCol="0" anchor="ctr"/>
+            <a:lstStyle/>
+            <a:p>
+              <a:pPr algn="ctr"/>
+              <a:r>
+                <a:rPr lang="en-US" altLang="zh-TW" sz="3600" dirty="0" smtClean="0">
+                  <a:solidFill>
+                    <a:srgbClr val="282828"/>
+                  </a:solidFill>
+                  <a:latin typeface="SauceCodePro Nerd Font" panose="020B0509030403020204" pitchFamily="49" charset="0"/>
+                </a:rPr>
+                <a:t>Momentum</a:t>
+              </a:r>
+              <a:endParaRPr lang="zh-TW" altLang="en-US" sz="3600" dirty="0">
+                <a:solidFill>
+                  <a:srgbClr val="282828"/>
+                </a:solidFill>
+                <a:latin typeface="SauceCodePro Nerd Font" panose="020B0509030403020204" pitchFamily="49" charset="0"/>
+              </a:endParaRPr>
+            </a:p>
+          </p:txBody>
+        </p:sp>
+        <p:sp>
+          <p:nvSpPr>
+            <p:cNvPr id="169" name="圓角矩形 168"/>
+            <p:cNvSpPr/>
+            <p:nvPr/>
+          </p:nvSpPr>
+          <p:spPr>
+            <a:xfrm>
+              <a:off x="8827573" y="5310287"/>
+              <a:ext cx="2903253" cy="656600"/>
+            </a:xfrm>
+            <a:prstGeom prst="roundRect">
+              <a:avLst/>
+            </a:prstGeom>
+            <a:noFill/>
+            <a:ln w="63500">
+              <a:noFill/>
+            </a:ln>
+            <a:effectLst>
+              <a:softEdge rad="63500"/>
+            </a:effectLst>
+          </p:spPr>
+          <p:style>
+            <a:lnRef idx="2">
+              <a:schemeClr val="accent1">
+                <a:shade val="50000"/>
+              </a:schemeClr>
+            </a:lnRef>
+            <a:fillRef idx="1">
+              <a:schemeClr val="accent1"/>
+            </a:fillRef>
+            <a:effectRef idx="0">
+              <a:schemeClr val="accent1"/>
+            </a:effectRef>
+            <a:fontRef idx="minor">
+              <a:schemeClr val="lt1"/>
+            </a:fontRef>
+          </p:style>
+          <p:txBody>
+            <a:bodyPr rtlCol="0" anchor="ctr"/>
+            <a:lstStyle/>
+            <a:p>
+              <a:pPr algn="ctr"/>
+              <a:r>
+                <a:rPr lang="en-US" altLang="zh-TW" sz="3600" dirty="0" smtClean="0">
+                  <a:solidFill>
+                    <a:srgbClr val="FF0066"/>
+                  </a:solidFill>
+                  <a:latin typeface="SauceCodePro Nerd Font" panose="020B0509030403020204" pitchFamily="49" charset="0"/>
+                </a:rPr>
+                <a:t>Backward</a:t>
+              </a:r>
+              <a:endParaRPr lang="zh-TW" altLang="en-US" sz="3600" dirty="0">
+                <a:solidFill>
+                  <a:srgbClr val="FF0066"/>
+                </a:solidFill>
+                <a:latin typeface="SauceCodePro Nerd Font" panose="020B0509030403020204" pitchFamily="49" charset="0"/>
+              </a:endParaRPr>
+            </a:p>
+          </p:txBody>
+        </p:sp>
+        <p:sp>
+          <p:nvSpPr>
+            <p:cNvPr id="52" name="弧形 51"/>
+            <p:cNvSpPr/>
+            <p:nvPr/>
+          </p:nvSpPr>
+          <p:spPr>
+            <a:xfrm rot="16200000">
+              <a:off x="4766042" y="5995476"/>
+              <a:ext cx="656174" cy="656174"/>
+            </a:xfrm>
+            <a:prstGeom prst="arc">
+              <a:avLst/>
+            </a:prstGeom>
+            <a:ln w="44450">
+              <a:solidFill>
+                <a:srgbClr val="FF0066"/>
+              </a:solidFill>
+              <a:tailEnd w="lg" len="lg"/>
+            </a:ln>
+          </p:spPr>
+          <p:style>
+            <a:lnRef idx="1">
+              <a:schemeClr val="accent1"/>
+            </a:lnRef>
+            <a:fillRef idx="0">
+              <a:schemeClr val="accent1"/>
+            </a:fillRef>
+            <a:effectRef idx="0">
+              <a:schemeClr val="accent1"/>
+            </a:effectRef>
+            <a:fontRef idx="minor">
+              <a:schemeClr val="tx1"/>
+            </a:fontRef>
+          </p:style>
+          <p:txBody>
+            <a:bodyPr rtlCol="0" anchor="ctr"/>
+            <a:lstStyle/>
+            <a:p>
+              <a:pPr algn="ctr"/>
+              <a:endParaRPr lang="zh-TW" altLang="en-US"/>
+            </a:p>
+          </p:txBody>
+        </p:sp>
+        <p:cxnSp>
+          <p:nvCxnSpPr>
+            <p:cNvPr id="54" name="直線接點 53"/>
+            <p:cNvCxnSpPr>
+              <a:stCxn id="52" idx="2"/>
+            </p:cNvCxnSpPr>
+            <p:nvPr/>
+          </p:nvCxnSpPr>
+          <p:spPr>
+            <a:xfrm>
+              <a:off x="5094129" y="5995476"/>
+              <a:ext cx="6903268" cy="0"/>
+            </a:xfrm>
+            <a:prstGeom prst="line">
+              <a:avLst/>
+            </a:prstGeom>
+            <a:ln w="44450">
+              <a:solidFill>
+                <a:srgbClr val="FF0066"/>
+              </a:solidFill>
+              <a:tailEnd w="lg" len="lg"/>
+            </a:ln>
+          </p:spPr>
+          <p:style>
+            <a:lnRef idx="1">
+              <a:schemeClr val="accent1"/>
+            </a:lnRef>
+            <a:fillRef idx="0">
+              <a:schemeClr val="accent1"/>
+            </a:fillRef>
+            <a:effectRef idx="0">
+              <a:schemeClr val="accent1"/>
+            </a:effectRef>
+            <a:fontRef idx="minor">
+              <a:schemeClr val="tx1"/>
+            </a:fontRef>
+          </p:style>
+        </p:cxnSp>
+        <p:cxnSp>
+          <p:nvCxnSpPr>
+            <p:cNvPr id="170" name="直線接點 169"/>
+            <p:cNvCxnSpPr>
+              <a:stCxn id="52" idx="0"/>
+            </p:cNvCxnSpPr>
+            <p:nvPr/>
+          </p:nvCxnSpPr>
+          <p:spPr>
+            <a:xfrm>
+              <a:off x="4766042" y="6323563"/>
+              <a:ext cx="0" cy="5017342"/>
+            </a:xfrm>
+            <a:prstGeom prst="line">
+              <a:avLst/>
+            </a:prstGeom>
+            <a:ln w="44450">
+              <a:solidFill>
+                <a:srgbClr val="FF0066"/>
+              </a:solidFill>
+              <a:tailEnd type="triangle" w="lg" len="lg"/>
+            </a:ln>
+          </p:spPr>
+          <p:style>
+            <a:lnRef idx="1">
+              <a:schemeClr val="accent1"/>
+            </a:lnRef>
+            <a:fillRef idx="0">
+              <a:schemeClr val="accent1"/>
+            </a:fillRef>
+            <a:effectRef idx="0">
+              <a:schemeClr val="accent1"/>
+            </a:effectRef>
+            <a:fontRef idx="minor">
+              <a:schemeClr val="tx1"/>
+            </a:fontRef>
+          </p:style>
+        </p:cxnSp>
+        <p:sp>
+          <p:nvSpPr>
+            <p:cNvPr id="192" name="圓角矩形 191"/>
+            <p:cNvSpPr/>
+            <p:nvPr/>
+          </p:nvSpPr>
+          <p:spPr>
+            <a:xfrm>
+              <a:off x="13342403" y="11426874"/>
+              <a:ext cx="1293610" cy="1169335"/>
+            </a:xfrm>
+            <a:prstGeom prst="roundRect">
+              <a:avLst/>
+            </a:prstGeom>
+            <a:noFill/>
+            <a:ln w="63500">
+              <a:noFill/>
+            </a:ln>
+            <a:effectLst>
+              <a:softEdge rad="63500"/>
+            </a:effectLst>
+          </p:spPr>
+          <p:style>
+            <a:lnRef idx="2">
+              <a:schemeClr val="accent1">
+                <a:shade val="50000"/>
+              </a:schemeClr>
+            </a:lnRef>
+            <a:fillRef idx="1">
+              <a:schemeClr val="accent1"/>
+            </a:fillRef>
+            <a:effectRef idx="0">
+              <a:schemeClr val="accent1"/>
+            </a:effectRef>
+            <a:fontRef idx="minor">
+              <a:schemeClr val="lt1"/>
+            </a:fontRef>
+          </p:style>
+          <p:txBody>
+            <a:bodyPr rtlCol="0" anchor="ctr"/>
+            <a:lstStyle/>
+            <a:p>
+              <a:pPr algn="ctr"/>
+              <a:r>
+                <a:rPr lang="en-US" altLang="zh-TW" sz="4400" dirty="0" smtClean="0">
+                  <a:solidFill>
+                    <a:srgbClr val="282828"/>
+                  </a:solidFill>
+                  <a:latin typeface="SauceCodePro Nerd Font" panose="020B0509030403020204" pitchFamily="49" charset="0"/>
+                </a:rPr>
+                <a:t>+N</a:t>
+              </a:r>
+              <a:r>
+                <a:rPr lang="en-US" altLang="zh-TW" sz="4400" baseline="-25000" dirty="0" smtClean="0">
+                  <a:solidFill>
+                    <a:srgbClr val="282828"/>
+                  </a:solidFill>
+                  <a:latin typeface="SauceCodePro Nerd Font" panose="020B0509030403020204" pitchFamily="49" charset="0"/>
+                </a:rPr>
+                <a:t>2</a:t>
+              </a:r>
+              <a:endParaRPr lang="en-US" altLang="zh-TW" sz="4400" dirty="0">
+                <a:solidFill>
+                  <a:srgbClr val="282828"/>
+                </a:solidFill>
+                <a:latin typeface="SauceCodePro Nerd Font" panose="020B0509030403020204" pitchFamily="49" charset="0"/>
+              </a:endParaRPr>
+            </a:p>
+          </p:txBody>
+        </p:sp>
+        <p:sp>
+          <p:nvSpPr>
+            <p:cNvPr id="60" name="右大括弧 59"/>
+            <p:cNvSpPr/>
+            <p:nvPr/>
+          </p:nvSpPr>
+          <p:spPr>
+            <a:xfrm rot="5400000">
+              <a:off x="9808854" y="9412975"/>
+              <a:ext cx="837700" cy="6229400"/>
+            </a:xfrm>
+            <a:prstGeom prst="rightBrace">
+              <a:avLst>
+                <a:gd name="adj1" fmla="val 53815"/>
+                <a:gd name="adj2" fmla="val 50000"/>
+              </a:avLst>
+            </a:prstGeom>
+            <a:ln w="63500">
+              <a:solidFill>
+                <a:schemeClr val="tx1"/>
+              </a:solidFill>
+            </a:ln>
+          </p:spPr>
+          <p:style>
+            <a:lnRef idx="1">
+              <a:schemeClr val="accent1"/>
+            </a:lnRef>
+            <a:fillRef idx="0">
+              <a:schemeClr val="accent1"/>
+            </a:fillRef>
+            <a:effectRef idx="0">
+              <a:schemeClr val="accent1"/>
+            </a:effectRef>
+            <a:fontRef idx="minor">
+              <a:schemeClr val="tx1"/>
+            </a:fontRef>
+          </p:style>
+          <p:txBody>
+            <a:bodyPr rtlCol="0" anchor="ctr"/>
+            <a:lstStyle/>
+            <a:p>
+              <a:pPr algn="ctr"/>
+              <a:endParaRPr lang="zh-TW" altLang="en-US"/>
+            </a:p>
+          </p:txBody>
+        </p:sp>
+        <p:sp>
+          <p:nvSpPr>
+            <p:cNvPr id="195" name="圓角矩形 194"/>
+            <p:cNvSpPr/>
+            <p:nvPr/>
+          </p:nvSpPr>
+          <p:spPr>
+            <a:xfrm>
+              <a:off x="7113003" y="11426874"/>
+              <a:ext cx="1293610" cy="1169335"/>
+            </a:xfrm>
+            <a:prstGeom prst="roundRect">
+              <a:avLst/>
+            </a:prstGeom>
+            <a:noFill/>
+            <a:ln w="63500">
+              <a:noFill/>
+            </a:ln>
+            <a:effectLst>
+              <a:softEdge rad="63500"/>
+            </a:effectLst>
+          </p:spPr>
+          <p:style>
+            <a:lnRef idx="2">
+              <a:schemeClr val="accent1">
+                <a:shade val="50000"/>
+              </a:schemeClr>
+            </a:lnRef>
+            <a:fillRef idx="1">
+              <a:schemeClr val="accent1"/>
+            </a:fillRef>
+            <a:effectRef idx="0">
+              <a:schemeClr val="accent1"/>
+            </a:effectRef>
+            <a:fontRef idx="minor">
+              <a:schemeClr val="lt1"/>
+            </a:fontRef>
+          </p:style>
+          <p:txBody>
+            <a:bodyPr rtlCol="0" anchor="ctr"/>
+            <a:lstStyle/>
+            <a:p>
+              <a:pPr algn="ctr"/>
+              <a:r>
+                <a:rPr lang="en-US" altLang="zh-TW" sz="4400" dirty="0" smtClean="0">
+                  <a:solidFill>
+                    <a:srgbClr val="282828"/>
+                  </a:solidFill>
+                  <a:latin typeface="SauceCodePro Nerd Font" panose="020B0509030403020204" pitchFamily="49" charset="0"/>
+                </a:rPr>
+                <a:t>+N</a:t>
+              </a:r>
+              <a:r>
+                <a:rPr lang="en-US" altLang="zh-TW" sz="4400" baseline="-25000" dirty="0" smtClean="0">
+                  <a:solidFill>
+                    <a:srgbClr val="282828"/>
+                  </a:solidFill>
+                  <a:latin typeface="SauceCodePro Nerd Font" panose="020B0509030403020204" pitchFamily="49" charset="0"/>
+                </a:rPr>
+                <a:t>1</a:t>
+              </a:r>
+              <a:endParaRPr lang="en-US" altLang="zh-TW" sz="4400" dirty="0">
+                <a:solidFill>
+                  <a:srgbClr val="282828"/>
+                </a:solidFill>
+                <a:latin typeface="SauceCodePro Nerd Font" panose="020B0509030403020204" pitchFamily="49" charset="0"/>
+              </a:endParaRPr>
+            </a:p>
+          </p:txBody>
+        </p:sp>
+        <p:cxnSp>
+          <p:nvCxnSpPr>
+            <p:cNvPr id="231" name="直線接點 230"/>
+            <p:cNvCxnSpPr/>
+            <p:nvPr/>
+          </p:nvCxnSpPr>
+          <p:spPr>
+            <a:xfrm>
+              <a:off x="15830282" y="6323563"/>
+              <a:ext cx="0" cy="1843009"/>
+            </a:xfrm>
+            <a:prstGeom prst="line">
+              <a:avLst/>
+            </a:prstGeom>
+            <a:ln w="44450">
+              <a:solidFill>
+                <a:srgbClr val="FF0066"/>
+              </a:solidFill>
+              <a:prstDash val="dash"/>
+              <a:tailEnd type="triangle" w="lg" len="lg"/>
+            </a:ln>
+          </p:spPr>
+          <p:style>
+            <a:lnRef idx="1">
+              <a:schemeClr val="accent1"/>
+            </a:lnRef>
+            <a:fillRef idx="0">
+              <a:schemeClr val="accent1"/>
+            </a:fillRef>
+            <a:effectRef idx="0">
+              <a:schemeClr val="accent1"/>
+            </a:effectRef>
+            <a:fontRef idx="minor">
+              <a:schemeClr val="tx1"/>
+            </a:fontRef>
+          </p:style>
+        </p:cxnSp>
+        <p:sp>
+          <p:nvSpPr>
+            <p:cNvPr id="65" name="十字形 64"/>
+            <p:cNvSpPr/>
+            <p:nvPr/>
+          </p:nvSpPr>
+          <p:spPr>
+            <a:xfrm rot="18900000">
+              <a:off x="15267828" y="7858673"/>
+              <a:ext cx="1124908" cy="1124908"/>
+            </a:xfrm>
+            <a:prstGeom prst="plus">
+              <a:avLst>
+                <a:gd name="adj" fmla="val 47704"/>
+              </a:avLst>
+            </a:prstGeom>
+            <a:solidFill>
+              <a:srgbClr val="FF0066"/>
+            </a:solidFill>
+            <a:ln>
+              <a:noFill/>
+            </a:ln>
+          </p:spPr>
+          <p:style>
+            <a:lnRef idx="2">
+              <a:schemeClr val="accent1">
+                <a:shade val="50000"/>
+              </a:schemeClr>
+            </a:lnRef>
+            <a:fillRef idx="1">
+              <a:schemeClr val="accent1"/>
+            </a:fillRef>
+            <a:effectRef idx="0">
+              <a:schemeClr val="accent1"/>
+            </a:effectRef>
+            <a:fontRef idx="minor">
+              <a:schemeClr val="lt1"/>
+            </a:fontRef>
+          </p:style>
+          <p:txBody>
+            <a:bodyPr rtlCol="0" anchor="ctr"/>
+            <a:lstStyle/>
+            <a:p>
+              <a:pPr algn="ctr"/>
+              <a:endParaRPr lang="zh-TW" altLang="en-US"/>
+            </a:p>
+          </p:txBody>
+        </p:sp>
+      </p:grpSp>
+    </p:spTree>
+    <p:extLst>
+      <p:ext uri="{BB962C8B-B14F-4D97-AF65-F5344CB8AC3E}">
+        <p14:creationId xmlns:p14="http://schemas.microsoft.com/office/powerpoint/2010/main" val="858981263"/>
+      </p:ext>
+    </p:extLst>
+  </p:cSld>
+  <p:clrMapOvr>
+    <a:masterClrMapping/>
+  </p:clrMapOvr>
+  <p:timing>
+    <p:tnLst>
+      <p:par>
+        <p:cTn id="1" dur="indefinite" restart="never" nodeType="tmRoot"/>
+      </p:par>
+    </p:tnLst>
+  </p:timing>
+</p:sld>
+</file>
+
+<file path=ppt/slides/slide2.xml><?xml version="1.0" encoding="utf-8"?>
+<p:sld xmlns:a="http://schemas.openxmlformats.org/drawingml/2006/main" xmlns:r="http://schemas.openxmlformats.org/officeDocument/2006/relationships" xmlns:p="http://schemas.openxmlformats.org/presentationml/2006/main">
+  <p:cSld>
+    <p:spTree>
+      <p:nvGrpSpPr>
+        <p:cNvPr id="1" name=""/>
+        <p:cNvGrpSpPr/>
+        <p:nvPr/>
+      </p:nvGrpSpPr>
+      <p:grpSpPr>
+        <a:xfrm>
+          <a:off x="0" y="0"/>
+          <a:ext cx="0" cy="0"/>
+          <a:chOff x="0" y="0"/>
+          <a:chExt cx="0" cy="0"/>
+        </a:xfrm>
+      </p:grpSpPr>
+      <p:grpSp>
+        <p:nvGrpSpPr>
+          <p:cNvPr id="97" name="群組 96"/>
+          <p:cNvGrpSpPr/>
+          <p:nvPr/>
+        </p:nvGrpSpPr>
+        <p:grpSpPr>
+          <a:xfrm>
+            <a:off x="3031676" y="9014441"/>
+            <a:ext cx="14824113" cy="10042676"/>
+            <a:chOff x="3031676" y="9014441"/>
+            <a:chExt cx="14824113" cy="10042676"/>
+          </a:xfrm>
+        </p:grpSpPr>
+        <p:cxnSp>
+          <p:nvCxnSpPr>
+            <p:cNvPr id="72" name="直線單箭頭接點 26"/>
+            <p:cNvCxnSpPr>
+              <a:stCxn id="74" idx="0"/>
+              <a:endCxn id="75" idx="2"/>
+            </p:cNvCxnSpPr>
+            <p:nvPr/>
+          </p:nvCxnSpPr>
+          <p:spPr>
+            <a:xfrm flipV="1">
+              <a:off x="7435976" y="14410368"/>
+              <a:ext cx="0" cy="522212"/>
+            </a:xfrm>
+            <a:prstGeom prst="straightConnector1">
+              <a:avLst/>
+            </a:prstGeom>
+            <a:ln w="63500">
+              <a:solidFill>
+                <a:schemeClr val="tx1"/>
+              </a:solidFill>
+              <a:tailEnd type="triangle"/>
+            </a:ln>
+          </p:spPr>
+          <p:style>
+            <a:lnRef idx="1">
+              <a:schemeClr val="accent1"/>
+            </a:lnRef>
+            <a:fillRef idx="0">
+              <a:schemeClr val="accent1"/>
+            </a:fillRef>
+            <a:effectRef idx="0">
+              <a:schemeClr val="accent1"/>
+            </a:effectRef>
+            <a:fontRef idx="minor">
+              <a:schemeClr val="tx1"/>
+            </a:fontRef>
+          </p:style>
+        </p:cxnSp>
+        <p:cxnSp>
+          <p:nvCxnSpPr>
+            <p:cNvPr id="73" name="直線單箭頭接點 26"/>
+            <p:cNvCxnSpPr>
+              <a:endCxn id="74" idx="2"/>
+            </p:cNvCxnSpPr>
+            <p:nvPr/>
+          </p:nvCxnSpPr>
+          <p:spPr>
+            <a:xfrm flipV="1">
+              <a:off x="7435976" y="16381374"/>
+              <a:ext cx="0" cy="595986"/>
+            </a:xfrm>
+            <a:prstGeom prst="straightConnector1">
+              <a:avLst/>
+            </a:prstGeom>
+            <a:ln w="82550">
+              <a:solidFill>
+                <a:schemeClr val="tx1"/>
+              </a:solidFill>
+              <a:tailEnd type="triangle"/>
+            </a:ln>
+          </p:spPr>
+          <p:style>
+            <a:lnRef idx="1">
+              <a:schemeClr val="accent1"/>
+            </a:lnRef>
+            <a:fillRef idx="0">
+              <a:schemeClr val="accent1"/>
+            </a:fillRef>
+            <a:effectRef idx="0">
+              <a:schemeClr val="accent1"/>
+            </a:effectRef>
+            <a:fontRef idx="minor">
+              <a:schemeClr val="tx1"/>
+            </a:fontRef>
+          </p:style>
+        </p:cxnSp>
+        <p:sp>
+          <p:nvSpPr>
+            <p:cNvPr id="74" name="圓角矩形 73"/>
+            <p:cNvSpPr/>
+            <p:nvPr/>
+          </p:nvSpPr>
+          <p:spPr>
+            <a:xfrm>
+              <a:off x="5410652" y="14932580"/>
+              <a:ext cx="4050648" cy="1448794"/>
+            </a:xfrm>
+            <a:prstGeom prst="roundRect">
+              <a:avLst>
+                <a:gd name="adj" fmla="val 12899"/>
+              </a:avLst>
+            </a:prstGeom>
+            <a:solidFill>
+              <a:schemeClr val="accent4"/>
+            </a:solidFill>
+            <a:ln w="31750">
+              <a:solidFill>
+                <a:schemeClr val="tx1"/>
+              </a:solidFill>
+            </a:ln>
+          </p:spPr>
+          <p:style>
+            <a:lnRef idx="2">
+              <a:schemeClr val="accent1">
+                <a:shade val="50000"/>
+              </a:schemeClr>
+            </a:lnRef>
+            <a:fillRef idx="1">
+              <a:schemeClr val="accent1"/>
+            </a:fillRef>
+            <a:effectRef idx="0">
+              <a:schemeClr val="accent1"/>
+            </a:effectRef>
+            <a:fontRef idx="minor">
+              <a:schemeClr val="lt1"/>
+            </a:fontRef>
+          </p:style>
+          <p:txBody>
+            <a:bodyPr rtlCol="0" anchor="ctr"/>
+            <a:lstStyle/>
+            <a:p>
+              <a:pPr algn="ctr"/>
+              <a:r>
+                <a:rPr lang="en-US" altLang="zh-TW" sz="3600" dirty="0" smtClean="0">
+                  <a:solidFill>
+                    <a:srgbClr val="282828"/>
+                  </a:solidFill>
+                  <a:latin typeface="SauceCodePro Nerd Font" panose="020B0509030403020204" pitchFamily="49" charset="0"/>
+                </a:rPr>
+                <a:t>Encoder</a:t>
+              </a:r>
+              <a:endParaRPr lang="zh-TW" altLang="en-US" sz="3600" dirty="0">
+                <a:solidFill>
+                  <a:srgbClr val="282828"/>
+                </a:solidFill>
+                <a:latin typeface="SauceCodePro Nerd Font" panose="020B0509030403020204" pitchFamily="49" charset="0"/>
+              </a:endParaRPr>
+            </a:p>
+          </p:txBody>
+        </p:sp>
+        <p:sp>
+          <p:nvSpPr>
+            <p:cNvPr id="75" name="圓角矩形 74"/>
+            <p:cNvSpPr/>
+            <p:nvPr/>
+          </p:nvSpPr>
+          <p:spPr>
+            <a:xfrm>
+              <a:off x="5506793" y="13010547"/>
+              <a:ext cx="3858366" cy="1399821"/>
+            </a:xfrm>
+            <a:prstGeom prst="roundRect">
+              <a:avLst>
+                <a:gd name="adj" fmla="val 12899"/>
+              </a:avLst>
+            </a:prstGeom>
+            <a:solidFill>
+              <a:srgbClr val="92D050"/>
+            </a:solidFill>
+            <a:ln w="31750">
+              <a:solidFill>
+                <a:schemeClr val="tx1"/>
+              </a:solidFill>
+            </a:ln>
+          </p:spPr>
+          <p:style>
+            <a:lnRef idx="2">
+              <a:schemeClr val="accent1">
+                <a:shade val="50000"/>
+              </a:schemeClr>
+            </a:lnRef>
+            <a:fillRef idx="1">
+              <a:schemeClr val="accent1"/>
+            </a:fillRef>
+            <a:effectRef idx="0">
+              <a:schemeClr val="accent1"/>
+            </a:effectRef>
+            <a:fontRef idx="minor">
+              <a:schemeClr val="lt1"/>
+            </a:fontRef>
+          </p:style>
+          <p:txBody>
+            <a:bodyPr rtlCol="0" anchor="ctr"/>
+            <a:lstStyle/>
+            <a:p>
+              <a:pPr algn="ctr"/>
+              <a:r>
+                <a:rPr lang="en-US" altLang="zh-TW" sz="3600" dirty="0" smtClean="0">
+                  <a:solidFill>
+                    <a:srgbClr val="282828"/>
+                  </a:solidFill>
+                  <a:latin typeface="SauceCodePro Nerd Font" panose="020B0509030403020204" pitchFamily="49" charset="0"/>
+                </a:rPr>
+                <a:t>Bottleneck A</a:t>
+              </a:r>
+              <a:endParaRPr lang="zh-TW" altLang="en-US" sz="3600" dirty="0">
+                <a:solidFill>
+                  <a:srgbClr val="282828"/>
+                </a:solidFill>
+                <a:latin typeface="SauceCodePro Nerd Font" panose="020B0509030403020204" pitchFamily="49" charset="0"/>
+              </a:endParaRPr>
+            </a:p>
+          </p:txBody>
+        </p:sp>
+        <p:sp>
+          <p:nvSpPr>
+            <p:cNvPr id="76" name="圓角矩形 75"/>
+            <p:cNvSpPr/>
+            <p:nvPr/>
+          </p:nvSpPr>
+          <p:spPr>
+            <a:xfrm>
+              <a:off x="5500344" y="11169433"/>
+              <a:ext cx="3858366" cy="1399821"/>
+            </a:xfrm>
+            <a:prstGeom prst="roundRect">
+              <a:avLst>
+                <a:gd name="adj" fmla="val 12899"/>
+              </a:avLst>
+            </a:prstGeom>
+            <a:solidFill>
+              <a:srgbClr val="FF5B9D"/>
+            </a:solidFill>
+            <a:ln w="31750">
+              <a:solidFill>
+                <a:schemeClr val="tx1"/>
+              </a:solidFill>
+            </a:ln>
+          </p:spPr>
+          <p:style>
+            <a:lnRef idx="2">
+              <a:schemeClr val="accent1">
+                <a:shade val="50000"/>
+              </a:schemeClr>
+            </a:lnRef>
+            <a:fillRef idx="1">
+              <a:schemeClr val="accent1"/>
+            </a:fillRef>
+            <a:effectRef idx="0">
+              <a:schemeClr val="accent1"/>
+            </a:effectRef>
+            <a:fontRef idx="minor">
+              <a:schemeClr val="lt1"/>
+            </a:fontRef>
+          </p:style>
+          <p:txBody>
+            <a:bodyPr rtlCol="0" anchor="ctr"/>
+            <a:lstStyle/>
+            <a:p>
+              <a:pPr algn="ctr"/>
+              <a:r>
+                <a:rPr lang="en-US" altLang="zh-TW" sz="3600" dirty="0" smtClean="0">
+                  <a:solidFill>
+                    <a:srgbClr val="282828"/>
+                  </a:solidFill>
+                  <a:latin typeface="SauceCodePro Nerd Font" panose="020B0509030403020204" pitchFamily="49" charset="0"/>
+                </a:rPr>
+                <a:t>Bottleneck B</a:t>
+              </a:r>
+              <a:endParaRPr lang="zh-TW" altLang="en-US" sz="3600" dirty="0">
+                <a:solidFill>
+                  <a:srgbClr val="282828"/>
+                </a:solidFill>
+                <a:latin typeface="SauceCodePro Nerd Font" panose="020B0509030403020204" pitchFamily="49" charset="0"/>
+              </a:endParaRPr>
+            </a:p>
+          </p:txBody>
+        </p:sp>
+        <p:cxnSp>
+          <p:nvCxnSpPr>
+            <p:cNvPr id="77" name="直線單箭頭接點 26"/>
+            <p:cNvCxnSpPr>
+              <a:stCxn id="75" idx="0"/>
+              <a:endCxn id="76" idx="2"/>
+            </p:cNvCxnSpPr>
+            <p:nvPr/>
+          </p:nvCxnSpPr>
+          <p:spPr>
+            <a:xfrm flipH="1" flipV="1">
+              <a:off x="7429527" y="12569254"/>
+              <a:ext cx="6449" cy="441293"/>
+            </a:xfrm>
+            <a:prstGeom prst="straightConnector1">
+              <a:avLst/>
+            </a:prstGeom>
+            <a:ln w="63500">
+              <a:solidFill>
+                <a:schemeClr val="tx1"/>
+              </a:solidFill>
+              <a:tailEnd type="triangle"/>
+            </a:ln>
+          </p:spPr>
+          <p:style>
+            <a:lnRef idx="1">
+              <a:schemeClr val="accent1"/>
+            </a:lnRef>
+            <a:fillRef idx="0">
+              <a:schemeClr val="accent1"/>
+            </a:fillRef>
+            <a:effectRef idx="0">
+              <a:schemeClr val="accent1"/>
+            </a:effectRef>
+            <a:fontRef idx="minor">
+              <a:schemeClr val="tx1"/>
+            </a:fontRef>
+          </p:style>
+        </p:cxnSp>
+        <p:cxnSp>
+          <p:nvCxnSpPr>
+            <p:cNvPr id="78" name="直線單箭頭接點 26"/>
+            <p:cNvCxnSpPr>
+              <a:stCxn id="80" idx="0"/>
+              <a:endCxn id="81" idx="2"/>
+            </p:cNvCxnSpPr>
+            <p:nvPr/>
+          </p:nvCxnSpPr>
+          <p:spPr>
+            <a:xfrm flipV="1">
+              <a:off x="13658927" y="14410368"/>
+              <a:ext cx="0" cy="522212"/>
+            </a:xfrm>
+            <a:prstGeom prst="straightConnector1">
+              <a:avLst/>
+            </a:prstGeom>
+            <a:ln w="63500">
+              <a:solidFill>
+                <a:schemeClr val="tx1"/>
+              </a:solidFill>
+              <a:tailEnd type="triangle"/>
+            </a:ln>
+          </p:spPr>
+          <p:style>
+            <a:lnRef idx="1">
+              <a:schemeClr val="accent1"/>
+            </a:lnRef>
+            <a:fillRef idx="0">
+              <a:schemeClr val="accent1"/>
+            </a:fillRef>
+            <a:effectRef idx="0">
+              <a:schemeClr val="accent1"/>
+            </a:effectRef>
+            <a:fontRef idx="minor">
+              <a:schemeClr val="tx1"/>
+            </a:fontRef>
+          </p:style>
+        </p:cxnSp>
+        <p:cxnSp>
+          <p:nvCxnSpPr>
+            <p:cNvPr id="79" name="直線單箭頭接點 26"/>
+            <p:cNvCxnSpPr>
+              <a:endCxn id="80" idx="2"/>
+            </p:cNvCxnSpPr>
+            <p:nvPr/>
+          </p:nvCxnSpPr>
+          <p:spPr>
+            <a:xfrm flipV="1">
+              <a:off x="13658927" y="16381374"/>
+              <a:ext cx="0" cy="595986"/>
+            </a:xfrm>
+            <a:prstGeom prst="straightConnector1">
+              <a:avLst/>
+            </a:prstGeom>
+            <a:ln w="82550">
+              <a:solidFill>
+                <a:schemeClr val="tx1"/>
+              </a:solidFill>
+              <a:tailEnd type="triangle"/>
+            </a:ln>
+          </p:spPr>
+          <p:style>
+            <a:lnRef idx="1">
+              <a:schemeClr val="accent1"/>
+            </a:lnRef>
+            <a:fillRef idx="0">
+              <a:schemeClr val="accent1"/>
+            </a:fillRef>
+            <a:effectRef idx="0">
+              <a:schemeClr val="accent1"/>
+            </a:effectRef>
+            <a:fontRef idx="minor">
+              <a:schemeClr val="tx1"/>
+            </a:fontRef>
+          </p:style>
+        </p:cxnSp>
+        <p:sp>
+          <p:nvSpPr>
+            <p:cNvPr id="80" name="圓角矩形 79"/>
+            <p:cNvSpPr/>
+            <p:nvPr/>
+          </p:nvSpPr>
+          <p:spPr>
+            <a:xfrm>
+              <a:off x="11633603" y="14932580"/>
+              <a:ext cx="4050648" cy="1448794"/>
+            </a:xfrm>
+            <a:prstGeom prst="roundRect">
+              <a:avLst>
+                <a:gd name="adj" fmla="val 12899"/>
+              </a:avLst>
+            </a:prstGeom>
+            <a:solidFill>
+              <a:schemeClr val="accent4"/>
+            </a:solidFill>
+            <a:ln w="31750">
+              <a:solidFill>
+                <a:schemeClr val="tx1"/>
+              </a:solidFill>
+            </a:ln>
+          </p:spPr>
+          <p:style>
+            <a:lnRef idx="2">
+              <a:schemeClr val="accent1">
+                <a:shade val="50000"/>
+              </a:schemeClr>
+            </a:lnRef>
+            <a:fillRef idx="1">
+              <a:schemeClr val="accent1"/>
+            </a:fillRef>
+            <a:effectRef idx="0">
+              <a:schemeClr val="accent1"/>
+            </a:effectRef>
+            <a:fontRef idx="minor">
+              <a:schemeClr val="lt1"/>
+            </a:fontRef>
+          </p:style>
+          <p:txBody>
+            <a:bodyPr rtlCol="0" anchor="ctr"/>
+            <a:lstStyle/>
+            <a:p>
+              <a:pPr algn="ctr"/>
+              <a:r>
+                <a:rPr lang="en-US" altLang="zh-TW" sz="3600" dirty="0" smtClean="0">
+                  <a:solidFill>
+                    <a:srgbClr val="282828"/>
+                  </a:solidFill>
+                  <a:latin typeface="SauceCodePro Nerd Font" panose="020B0509030403020204" pitchFamily="49" charset="0"/>
+                </a:rPr>
+                <a:t>Encoder</a:t>
+              </a:r>
+              <a:endParaRPr lang="zh-TW" altLang="en-US" sz="3600" dirty="0">
+                <a:solidFill>
+                  <a:srgbClr val="282828"/>
+                </a:solidFill>
+                <a:latin typeface="SauceCodePro Nerd Font" panose="020B0509030403020204" pitchFamily="49" charset="0"/>
+              </a:endParaRPr>
+            </a:p>
+          </p:txBody>
+        </p:sp>
+        <p:sp>
+          <p:nvSpPr>
+            <p:cNvPr id="81" name="圓角矩形 80"/>
+            <p:cNvSpPr/>
+            <p:nvPr/>
+          </p:nvSpPr>
+          <p:spPr>
+            <a:xfrm>
+              <a:off x="11729744" y="13010547"/>
+              <a:ext cx="3858366" cy="1399821"/>
+            </a:xfrm>
+            <a:prstGeom prst="roundRect">
+              <a:avLst>
+                <a:gd name="adj" fmla="val 12899"/>
+              </a:avLst>
+            </a:prstGeom>
+            <a:solidFill>
+              <a:srgbClr val="92D050"/>
+            </a:solidFill>
+            <a:ln w="31750">
+              <a:solidFill>
+                <a:schemeClr val="tx1"/>
+              </a:solidFill>
+            </a:ln>
+          </p:spPr>
+          <p:style>
+            <a:lnRef idx="2">
+              <a:schemeClr val="accent1">
+                <a:shade val="50000"/>
+              </a:schemeClr>
+            </a:lnRef>
+            <a:fillRef idx="1">
+              <a:schemeClr val="accent1"/>
+            </a:fillRef>
+            <a:effectRef idx="0">
+              <a:schemeClr val="accent1"/>
+            </a:effectRef>
+            <a:fontRef idx="minor">
+              <a:schemeClr val="lt1"/>
+            </a:fontRef>
+          </p:style>
+          <p:txBody>
+            <a:bodyPr rtlCol="0" anchor="ctr"/>
+            <a:lstStyle/>
+            <a:p>
+              <a:pPr algn="ctr"/>
+              <a:r>
+                <a:rPr lang="en-US" altLang="zh-TW" sz="3600" dirty="0" smtClean="0">
+                  <a:solidFill>
+                    <a:srgbClr val="282828"/>
+                  </a:solidFill>
+                  <a:latin typeface="SauceCodePro Nerd Font" panose="020B0509030403020204" pitchFamily="49" charset="0"/>
+                </a:rPr>
+                <a:t>Bottleneck A</a:t>
+              </a:r>
+              <a:endParaRPr lang="zh-TW" altLang="en-US" sz="3600" dirty="0">
+                <a:solidFill>
+                  <a:srgbClr val="282828"/>
+                </a:solidFill>
+                <a:latin typeface="SauceCodePro Nerd Font" panose="020B0509030403020204" pitchFamily="49" charset="0"/>
+              </a:endParaRPr>
+            </a:p>
+          </p:txBody>
+        </p:sp>
+        <p:cxnSp>
+          <p:nvCxnSpPr>
+            <p:cNvPr id="82" name="直線單箭頭接點 26"/>
+            <p:cNvCxnSpPr>
+              <a:stCxn id="81" idx="0"/>
+              <a:endCxn id="98" idx="2"/>
+            </p:cNvCxnSpPr>
+            <p:nvPr/>
+          </p:nvCxnSpPr>
+          <p:spPr>
+            <a:xfrm flipH="1" flipV="1">
+              <a:off x="13658926" y="12569253"/>
+              <a:ext cx="1" cy="441294"/>
+            </a:xfrm>
+            <a:prstGeom prst="straightConnector1">
+              <a:avLst/>
+            </a:prstGeom>
+            <a:ln w="63500">
+              <a:solidFill>
+                <a:schemeClr val="tx1"/>
+              </a:solidFill>
+              <a:tailEnd type="triangle"/>
+            </a:ln>
+          </p:spPr>
+          <p:style>
+            <a:lnRef idx="1">
+              <a:schemeClr val="accent1"/>
+            </a:lnRef>
+            <a:fillRef idx="0">
+              <a:schemeClr val="accent1"/>
+            </a:fillRef>
+            <a:effectRef idx="0">
+              <a:schemeClr val="accent1"/>
+            </a:effectRef>
+            <a:fontRef idx="minor">
+              <a:schemeClr val="tx1"/>
+            </a:fontRef>
+          </p:style>
+        </p:cxnSp>
+        <p:sp>
+          <p:nvSpPr>
+            <p:cNvPr id="85" name="圓角矩形 84"/>
+            <p:cNvSpPr/>
+            <p:nvPr/>
+          </p:nvSpPr>
+          <p:spPr>
+            <a:xfrm>
+              <a:off x="5824398" y="9014441"/>
+              <a:ext cx="3223155" cy="1399820"/>
+            </a:xfrm>
+            <a:prstGeom prst="roundRect">
+              <a:avLst>
+                <a:gd name="adj" fmla="val 7652"/>
+              </a:avLst>
+            </a:prstGeom>
+            <a:noFill/>
+            <a:ln w="63500">
+              <a:solidFill>
+                <a:schemeClr val="tx1"/>
+              </a:solidFill>
+            </a:ln>
+          </p:spPr>
+          <p:style>
+            <a:lnRef idx="2">
+              <a:schemeClr val="accent1">
+                <a:shade val="50000"/>
+              </a:schemeClr>
+            </a:lnRef>
+            <a:fillRef idx="1">
+              <a:schemeClr val="accent1"/>
+            </a:fillRef>
+            <a:effectRef idx="0">
+              <a:schemeClr val="accent1"/>
+            </a:effectRef>
+            <a:fontRef idx="minor">
+              <a:schemeClr val="lt1"/>
+            </a:fontRef>
+          </p:style>
+          <p:txBody>
+            <a:bodyPr rtlCol="0" anchor="ctr"/>
+            <a:lstStyle/>
+            <a:p>
+              <a:pPr algn="ctr"/>
+              <a:r>
+                <a:rPr lang="en-US" altLang="zh-TW" dirty="0" smtClean="0">
+                  <a:solidFill>
+                    <a:schemeClr val="tx1"/>
+                  </a:solidFill>
+                  <a:latin typeface="SauceCodePro Nerd Font" panose="020B0509030403020204" pitchFamily="49" charset="0"/>
+                </a:rPr>
+                <a:t>L2 Loss</a:t>
+              </a:r>
+              <a:endParaRPr lang="zh-TW" altLang="en-US" dirty="0">
+                <a:solidFill>
+                  <a:schemeClr val="tx1"/>
+                </a:solidFill>
+                <a:latin typeface="SauceCodePro Nerd Font" panose="020B0509030403020204" pitchFamily="49" charset="0"/>
+              </a:endParaRPr>
+            </a:p>
+          </p:txBody>
+        </p:sp>
+        <p:cxnSp>
+          <p:nvCxnSpPr>
+            <p:cNvPr id="86" name="直線單箭頭接點 26"/>
+            <p:cNvCxnSpPr>
+              <a:stCxn id="76" idx="0"/>
+              <a:endCxn id="85" idx="2"/>
+            </p:cNvCxnSpPr>
+            <p:nvPr/>
+          </p:nvCxnSpPr>
+          <p:spPr>
+            <a:xfrm flipV="1">
+              <a:off x="7429527" y="10414261"/>
+              <a:ext cx="6449" cy="755172"/>
+            </a:xfrm>
+            <a:prstGeom prst="straightConnector1">
+              <a:avLst/>
+            </a:prstGeom>
+            <a:ln w="63500">
+              <a:solidFill>
+                <a:schemeClr val="tx1"/>
+              </a:solidFill>
+              <a:tailEnd type="triangle"/>
+            </a:ln>
+          </p:spPr>
+          <p:style>
+            <a:lnRef idx="1">
+              <a:schemeClr val="accent1"/>
+            </a:lnRef>
+            <a:fillRef idx="0">
+              <a:schemeClr val="accent1"/>
+            </a:fillRef>
+            <a:effectRef idx="0">
+              <a:schemeClr val="accent1"/>
+            </a:effectRef>
+            <a:fontRef idx="minor">
+              <a:schemeClr val="tx1"/>
+            </a:fontRef>
+          </p:style>
+        </p:cxnSp>
+        <p:sp>
+          <p:nvSpPr>
+            <p:cNvPr id="87" name="圓角矩形 86"/>
+            <p:cNvSpPr/>
+            <p:nvPr/>
+          </p:nvSpPr>
+          <p:spPr>
+            <a:xfrm>
+              <a:off x="9994217" y="17887782"/>
+              <a:ext cx="1100020" cy="1169335"/>
+            </a:xfrm>
+            <a:prstGeom prst="roundRect">
+              <a:avLst/>
+            </a:prstGeom>
+            <a:noFill/>
+            <a:ln w="63500">
+              <a:noFill/>
+            </a:ln>
+            <a:effectLst>
+              <a:softEdge rad="63500"/>
+            </a:effectLst>
+          </p:spPr>
+          <p:style>
+            <a:lnRef idx="2">
+              <a:schemeClr val="accent1">
+                <a:shade val="50000"/>
+              </a:schemeClr>
+            </a:lnRef>
+            <a:fillRef idx="1">
+              <a:schemeClr val="accent1"/>
+            </a:fillRef>
+            <a:effectRef idx="0">
+              <a:schemeClr val="accent1"/>
+            </a:effectRef>
+            <a:fontRef idx="minor">
+              <a:schemeClr val="lt1"/>
+            </a:fontRef>
+          </p:style>
+          <p:txBody>
+            <a:bodyPr rtlCol="0" anchor="ctr"/>
+            <a:lstStyle/>
+            <a:p>
+              <a:pPr algn="ctr"/>
+              <a:r>
+                <a:rPr lang="en-US" altLang="zh-TW" sz="4400" dirty="0" smtClean="0">
+                  <a:solidFill>
+                    <a:srgbClr val="282828"/>
+                  </a:solidFill>
+                  <a:latin typeface="SauceCodePro Nerd Font" panose="020B0509030403020204" pitchFamily="49" charset="0"/>
+                </a:rPr>
+                <a:t>S</a:t>
+              </a:r>
+              <a:endParaRPr lang="zh-TW" altLang="en-US" sz="4400" dirty="0">
+                <a:solidFill>
+                  <a:srgbClr val="282828"/>
+                </a:solidFill>
+                <a:latin typeface="SauceCodePro Nerd Font" panose="020B0509030403020204" pitchFamily="49" charset="0"/>
+              </a:endParaRPr>
+            </a:p>
+          </p:txBody>
+        </p:sp>
+        <p:sp>
+          <p:nvSpPr>
+            <p:cNvPr id="89" name="圓角矩形 88"/>
+            <p:cNvSpPr/>
+            <p:nvPr/>
+          </p:nvSpPr>
+          <p:spPr>
+            <a:xfrm>
+              <a:off x="3031676" y="9380075"/>
+              <a:ext cx="2903253" cy="656600"/>
+            </a:xfrm>
+            <a:prstGeom prst="roundRect">
+              <a:avLst/>
+            </a:prstGeom>
+            <a:noFill/>
+            <a:ln w="63500">
+              <a:noFill/>
+            </a:ln>
+            <a:effectLst>
+              <a:softEdge rad="63500"/>
+            </a:effectLst>
+          </p:spPr>
+          <p:style>
+            <a:lnRef idx="2">
+              <a:schemeClr val="accent1">
+                <a:shade val="50000"/>
+              </a:schemeClr>
+            </a:lnRef>
+            <a:fillRef idx="1">
+              <a:schemeClr val="accent1"/>
+            </a:fillRef>
+            <a:effectRef idx="0">
+              <a:schemeClr val="accent1"/>
+            </a:effectRef>
+            <a:fontRef idx="minor">
+              <a:schemeClr val="lt1"/>
+            </a:fontRef>
+          </p:style>
+          <p:txBody>
+            <a:bodyPr rtlCol="0" anchor="ctr"/>
+            <a:lstStyle/>
+            <a:p>
+              <a:pPr algn="ctr"/>
+              <a:r>
+                <a:rPr lang="en-US" altLang="zh-TW" sz="3600" dirty="0" smtClean="0">
+                  <a:solidFill>
+                    <a:srgbClr val="FF0066"/>
+                  </a:solidFill>
+                  <a:latin typeface="SauceCodePro Nerd Font" panose="020B0509030403020204" pitchFamily="49" charset="0"/>
+                </a:rPr>
+                <a:t>Backward</a:t>
+              </a:r>
+              <a:endParaRPr lang="zh-TW" altLang="en-US" sz="3600" dirty="0">
+                <a:solidFill>
+                  <a:srgbClr val="FF0066"/>
+                </a:solidFill>
+                <a:latin typeface="SauceCodePro Nerd Font" panose="020B0509030403020204" pitchFamily="49" charset="0"/>
+              </a:endParaRPr>
+            </a:p>
+          </p:txBody>
+        </p:sp>
+        <p:cxnSp>
+          <p:nvCxnSpPr>
+            <p:cNvPr id="92" name="直線接點 91"/>
+            <p:cNvCxnSpPr/>
+            <p:nvPr/>
+          </p:nvCxnSpPr>
+          <p:spPr>
+            <a:xfrm>
+              <a:off x="4999749" y="10414261"/>
+              <a:ext cx="0" cy="6024443"/>
+            </a:xfrm>
+            <a:prstGeom prst="line">
+              <a:avLst/>
+            </a:prstGeom>
+            <a:ln w="44450">
+              <a:solidFill>
+                <a:srgbClr val="FF0066"/>
+              </a:solidFill>
+              <a:tailEnd type="triangle" w="lg" len="lg"/>
+            </a:ln>
+          </p:spPr>
+          <p:style>
+            <a:lnRef idx="1">
+              <a:schemeClr val="accent1"/>
+            </a:lnRef>
+            <a:fillRef idx="0">
+              <a:schemeClr val="accent1"/>
+            </a:fillRef>
+            <a:effectRef idx="0">
+              <a:schemeClr val="accent1"/>
+            </a:effectRef>
+            <a:fontRef idx="minor">
+              <a:schemeClr val="tx1"/>
+            </a:fontRef>
+          </p:style>
+        </p:cxnSp>
+        <p:sp>
+          <p:nvSpPr>
+            <p:cNvPr id="93" name="圓角矩形 92"/>
+            <p:cNvSpPr/>
+            <p:nvPr/>
+          </p:nvSpPr>
+          <p:spPr>
+            <a:xfrm>
+              <a:off x="13658926" y="16270849"/>
+              <a:ext cx="1293610" cy="1169335"/>
+            </a:xfrm>
+            <a:prstGeom prst="roundRect">
+              <a:avLst/>
+            </a:prstGeom>
+            <a:noFill/>
+            <a:ln w="63500">
+              <a:noFill/>
+            </a:ln>
+            <a:effectLst>
+              <a:softEdge rad="63500"/>
+            </a:effectLst>
+          </p:spPr>
+          <p:style>
+            <a:lnRef idx="2">
+              <a:schemeClr val="accent1">
+                <a:shade val="50000"/>
+              </a:schemeClr>
+            </a:lnRef>
+            <a:fillRef idx="1">
+              <a:schemeClr val="accent1"/>
+            </a:fillRef>
+            <a:effectRef idx="0">
+              <a:schemeClr val="accent1"/>
+            </a:effectRef>
+            <a:fontRef idx="minor">
+              <a:schemeClr val="lt1"/>
+            </a:fontRef>
+          </p:style>
+          <p:txBody>
+            <a:bodyPr rtlCol="0" anchor="ctr"/>
+            <a:lstStyle/>
+            <a:p>
+              <a:pPr algn="ctr"/>
+              <a:r>
+                <a:rPr lang="en-US" altLang="zh-TW" sz="4400" dirty="0" smtClean="0">
+                  <a:solidFill>
+                    <a:srgbClr val="282828"/>
+                  </a:solidFill>
+                  <a:latin typeface="SauceCodePro Nerd Font" panose="020B0509030403020204" pitchFamily="49" charset="0"/>
+                </a:rPr>
+                <a:t>+N</a:t>
+              </a:r>
+              <a:r>
+                <a:rPr lang="en-US" altLang="zh-TW" sz="4400" baseline="-25000" dirty="0" smtClean="0">
+                  <a:solidFill>
+                    <a:srgbClr val="282828"/>
+                  </a:solidFill>
+                  <a:latin typeface="SauceCodePro Nerd Font" panose="020B0509030403020204" pitchFamily="49" charset="0"/>
+                </a:rPr>
+                <a:t>2</a:t>
+              </a:r>
+              <a:endParaRPr lang="en-US" altLang="zh-TW" sz="4400" dirty="0">
+                <a:solidFill>
+                  <a:srgbClr val="282828"/>
+                </a:solidFill>
+                <a:latin typeface="SauceCodePro Nerd Font" panose="020B0509030403020204" pitchFamily="49" charset="0"/>
+              </a:endParaRPr>
+            </a:p>
+          </p:txBody>
+        </p:sp>
+        <p:sp>
+          <p:nvSpPr>
+            <p:cNvPr id="94" name="右大括弧 93"/>
+            <p:cNvSpPr/>
+            <p:nvPr/>
+          </p:nvSpPr>
+          <p:spPr>
+            <a:xfrm rot="5400000">
+              <a:off x="10125377" y="14256950"/>
+              <a:ext cx="837700" cy="6229400"/>
+            </a:xfrm>
+            <a:prstGeom prst="rightBrace">
+              <a:avLst>
+                <a:gd name="adj1" fmla="val 53815"/>
+                <a:gd name="adj2" fmla="val 50000"/>
+              </a:avLst>
+            </a:prstGeom>
+            <a:ln w="63500">
+              <a:solidFill>
+                <a:schemeClr val="tx1"/>
+              </a:solidFill>
+            </a:ln>
+          </p:spPr>
+          <p:style>
+            <a:lnRef idx="1">
+              <a:schemeClr val="accent1"/>
+            </a:lnRef>
+            <a:fillRef idx="0">
+              <a:schemeClr val="accent1"/>
+            </a:fillRef>
+            <a:effectRef idx="0">
+              <a:schemeClr val="accent1"/>
+            </a:effectRef>
+            <a:fontRef idx="minor">
+              <a:schemeClr val="tx1"/>
+            </a:fontRef>
+          </p:style>
+          <p:txBody>
+            <a:bodyPr rtlCol="0" anchor="ctr"/>
+            <a:lstStyle/>
+            <a:p>
+              <a:pPr algn="ctr"/>
+              <a:endParaRPr lang="zh-TW" altLang="en-US"/>
+            </a:p>
+          </p:txBody>
+        </p:sp>
+        <p:sp>
+          <p:nvSpPr>
+            <p:cNvPr id="95" name="圓角矩形 94"/>
+            <p:cNvSpPr/>
+            <p:nvPr/>
+          </p:nvSpPr>
+          <p:spPr>
+            <a:xfrm>
+              <a:off x="7429526" y="16270849"/>
+              <a:ext cx="1293610" cy="1169335"/>
+            </a:xfrm>
+            <a:prstGeom prst="roundRect">
+              <a:avLst/>
+            </a:prstGeom>
+            <a:noFill/>
+            <a:ln w="63500">
+              <a:noFill/>
+            </a:ln>
+            <a:effectLst>
+              <a:softEdge rad="63500"/>
+            </a:effectLst>
+          </p:spPr>
+          <p:style>
+            <a:lnRef idx="2">
+              <a:schemeClr val="accent1">
+                <a:shade val="50000"/>
+              </a:schemeClr>
+            </a:lnRef>
+            <a:fillRef idx="1">
+              <a:schemeClr val="accent1"/>
+            </a:fillRef>
+            <a:effectRef idx="0">
+              <a:schemeClr val="accent1"/>
+            </a:effectRef>
+            <a:fontRef idx="minor">
+              <a:schemeClr val="lt1"/>
+            </a:fontRef>
+          </p:style>
+          <p:txBody>
+            <a:bodyPr rtlCol="0" anchor="ctr"/>
+            <a:lstStyle/>
+            <a:p>
+              <a:pPr algn="ctr"/>
+              <a:r>
+                <a:rPr lang="en-US" altLang="zh-TW" sz="4400" dirty="0" smtClean="0">
+                  <a:solidFill>
+                    <a:srgbClr val="282828"/>
+                  </a:solidFill>
+                  <a:latin typeface="SauceCodePro Nerd Font" panose="020B0509030403020204" pitchFamily="49" charset="0"/>
+                </a:rPr>
+                <a:t>+N</a:t>
+              </a:r>
+              <a:r>
+                <a:rPr lang="en-US" altLang="zh-TW" sz="4400" baseline="-25000" dirty="0" smtClean="0">
+                  <a:solidFill>
+                    <a:srgbClr val="282828"/>
+                  </a:solidFill>
+                  <a:latin typeface="SauceCodePro Nerd Font" panose="020B0509030403020204" pitchFamily="49" charset="0"/>
+                </a:rPr>
+                <a:t>1</a:t>
+              </a:r>
+              <a:endParaRPr lang="en-US" altLang="zh-TW" sz="4400" dirty="0">
+                <a:solidFill>
+                  <a:srgbClr val="282828"/>
+                </a:solidFill>
+                <a:latin typeface="SauceCodePro Nerd Font" panose="020B0509030403020204" pitchFamily="49" charset="0"/>
+              </a:endParaRPr>
+            </a:p>
+          </p:txBody>
+        </p:sp>
+        <p:sp>
+          <p:nvSpPr>
+            <p:cNvPr id="98" name="圓角矩形 97"/>
+            <p:cNvSpPr/>
+            <p:nvPr/>
+          </p:nvSpPr>
+          <p:spPr>
+            <a:xfrm>
+              <a:off x="11729743" y="11169432"/>
+              <a:ext cx="3858366" cy="1399821"/>
+            </a:xfrm>
+            <a:prstGeom prst="roundRect">
+              <a:avLst>
+                <a:gd name="adj" fmla="val 12899"/>
+              </a:avLst>
+            </a:prstGeom>
+            <a:solidFill>
+              <a:srgbClr val="FF5B9D"/>
+            </a:solidFill>
+            <a:ln w="31750">
+              <a:solidFill>
+                <a:schemeClr val="tx1"/>
+              </a:solidFill>
+            </a:ln>
+          </p:spPr>
+          <p:style>
+            <a:lnRef idx="2">
+              <a:schemeClr val="accent1">
+                <a:shade val="50000"/>
+              </a:schemeClr>
+            </a:lnRef>
+            <a:fillRef idx="1">
+              <a:schemeClr val="accent1"/>
+            </a:fillRef>
+            <a:effectRef idx="0">
+              <a:schemeClr val="accent1"/>
+            </a:effectRef>
+            <a:fontRef idx="minor">
+              <a:schemeClr val="lt1"/>
+            </a:fontRef>
+          </p:style>
+          <p:txBody>
+            <a:bodyPr rtlCol="0" anchor="ctr"/>
+            <a:lstStyle/>
+            <a:p>
+              <a:pPr algn="ctr"/>
+              <a:r>
+                <a:rPr lang="en-US" altLang="zh-TW" sz="3600" dirty="0" smtClean="0">
+                  <a:solidFill>
+                    <a:srgbClr val="282828"/>
+                  </a:solidFill>
+                  <a:latin typeface="SauceCodePro Nerd Font" panose="020B0509030403020204" pitchFamily="49" charset="0"/>
+                </a:rPr>
+                <a:t>Bottleneck B</a:t>
+              </a:r>
+              <a:endParaRPr lang="zh-TW" altLang="en-US" sz="3600" dirty="0">
+                <a:solidFill>
+                  <a:srgbClr val="282828"/>
+                </a:solidFill>
+                <a:latin typeface="SauceCodePro Nerd Font" panose="020B0509030403020204" pitchFamily="49" charset="0"/>
+              </a:endParaRPr>
+            </a:p>
+          </p:txBody>
+        </p:sp>
+        <p:cxnSp>
+          <p:nvCxnSpPr>
+            <p:cNvPr id="105" name="直線單箭頭接點 26"/>
+            <p:cNvCxnSpPr>
+              <a:stCxn id="81" idx="1"/>
+              <a:endCxn id="85" idx="3"/>
+            </p:cNvCxnSpPr>
+            <p:nvPr/>
+          </p:nvCxnSpPr>
+          <p:spPr>
+            <a:xfrm rot="10800000">
+              <a:off x="9047554" y="9714352"/>
+              <a:ext cx="2682191" cy="3996107"/>
+            </a:xfrm>
+            <a:prstGeom prst="curvedConnector3">
+              <a:avLst>
+                <a:gd name="adj1" fmla="val 50000"/>
+              </a:avLst>
+            </a:prstGeom>
+            <a:ln w="63500">
+              <a:solidFill>
+                <a:schemeClr val="tx1"/>
+              </a:solidFill>
+              <a:tailEnd type="triangle"/>
+            </a:ln>
+          </p:spPr>
+          <p:style>
+            <a:lnRef idx="1">
+              <a:schemeClr val="accent1"/>
+            </a:lnRef>
+            <a:fillRef idx="0">
+              <a:schemeClr val="accent1"/>
+            </a:fillRef>
+            <a:effectRef idx="0">
+              <a:schemeClr val="accent1"/>
+            </a:effectRef>
+            <a:fontRef idx="minor">
+              <a:schemeClr val="tx1"/>
+            </a:fontRef>
+          </p:style>
+        </p:cxnSp>
+        <p:sp>
+          <p:nvSpPr>
+            <p:cNvPr id="110" name="圓角矩形 109"/>
+            <p:cNvSpPr/>
+            <p:nvPr/>
+          </p:nvSpPr>
+          <p:spPr>
+            <a:xfrm>
+              <a:off x="12047351" y="9014441"/>
+              <a:ext cx="3223155" cy="1399820"/>
+            </a:xfrm>
+            <a:prstGeom prst="roundRect">
+              <a:avLst>
+                <a:gd name="adj" fmla="val 7652"/>
+              </a:avLst>
+            </a:prstGeom>
+            <a:noFill/>
+            <a:ln w="63500">
+              <a:solidFill>
+                <a:schemeClr val="tx1"/>
+              </a:solidFill>
+            </a:ln>
+          </p:spPr>
+          <p:style>
+            <a:lnRef idx="2">
+              <a:schemeClr val="accent1">
+                <a:shade val="50000"/>
+              </a:schemeClr>
+            </a:lnRef>
+            <a:fillRef idx="1">
+              <a:schemeClr val="accent1"/>
+            </a:fillRef>
+            <a:effectRef idx="0">
+              <a:schemeClr val="accent1"/>
+            </a:effectRef>
+            <a:fontRef idx="minor">
+              <a:schemeClr val="lt1"/>
+            </a:fontRef>
+          </p:style>
+          <p:txBody>
+            <a:bodyPr rtlCol="0" anchor="ctr"/>
+            <a:lstStyle/>
+            <a:p>
+              <a:pPr algn="ctr"/>
+              <a:r>
+                <a:rPr lang="en-US" altLang="zh-TW" dirty="0" smtClean="0">
+                  <a:solidFill>
+                    <a:schemeClr val="tx1"/>
+                  </a:solidFill>
+                  <a:latin typeface="SauceCodePro Nerd Font" panose="020B0509030403020204" pitchFamily="49" charset="0"/>
+                </a:rPr>
+                <a:t>L2 Loss</a:t>
+              </a:r>
+              <a:endParaRPr lang="zh-TW" altLang="en-US" dirty="0">
+                <a:solidFill>
+                  <a:schemeClr val="tx1"/>
+                </a:solidFill>
+                <a:latin typeface="SauceCodePro Nerd Font" panose="020B0509030403020204" pitchFamily="49" charset="0"/>
+              </a:endParaRPr>
+            </a:p>
+          </p:txBody>
+        </p:sp>
+        <p:cxnSp>
+          <p:nvCxnSpPr>
+            <p:cNvPr id="111" name="直線單箭頭接點 26"/>
+            <p:cNvCxnSpPr>
+              <a:stCxn id="75" idx="3"/>
+              <a:endCxn id="110" idx="1"/>
+            </p:cNvCxnSpPr>
+            <p:nvPr/>
+          </p:nvCxnSpPr>
+          <p:spPr>
+            <a:xfrm flipV="1">
+              <a:off x="9365159" y="9714351"/>
+              <a:ext cx="2682192" cy="3996107"/>
+            </a:xfrm>
+            <a:prstGeom prst="curvedConnector3">
+              <a:avLst>
+                <a:gd name="adj1" fmla="val 50000"/>
+              </a:avLst>
+            </a:prstGeom>
+            <a:ln w="63500">
+              <a:solidFill>
+                <a:schemeClr val="tx1"/>
+              </a:solidFill>
+              <a:tailEnd type="triangle"/>
+            </a:ln>
+          </p:spPr>
+          <p:style>
+            <a:lnRef idx="1">
+              <a:schemeClr val="accent1"/>
+            </a:lnRef>
+            <a:fillRef idx="0">
+              <a:schemeClr val="accent1"/>
+            </a:fillRef>
+            <a:effectRef idx="0">
+              <a:schemeClr val="accent1"/>
+            </a:effectRef>
+            <a:fontRef idx="minor">
+              <a:schemeClr val="tx1"/>
+            </a:fontRef>
+          </p:style>
+        </p:cxnSp>
+        <p:cxnSp>
+          <p:nvCxnSpPr>
+            <p:cNvPr id="114" name="直線單箭頭接點 26"/>
+            <p:cNvCxnSpPr>
+              <a:stCxn id="98" idx="0"/>
+              <a:endCxn id="110" idx="2"/>
+            </p:cNvCxnSpPr>
+            <p:nvPr/>
+          </p:nvCxnSpPr>
+          <p:spPr>
+            <a:xfrm flipV="1">
+              <a:off x="13658926" y="10414261"/>
+              <a:ext cx="3" cy="755171"/>
+            </a:xfrm>
+            <a:prstGeom prst="straightConnector1">
+              <a:avLst/>
+            </a:prstGeom>
+            <a:ln w="63500">
+              <a:solidFill>
+                <a:schemeClr val="tx1"/>
+              </a:solidFill>
+              <a:tailEnd type="triangle"/>
+            </a:ln>
+          </p:spPr>
+          <p:style>
+            <a:lnRef idx="1">
+              <a:schemeClr val="accent1"/>
+            </a:lnRef>
+            <a:fillRef idx="0">
+              <a:schemeClr val="accent1"/>
+            </a:fillRef>
+            <a:effectRef idx="0">
+              <a:schemeClr val="accent1"/>
+            </a:effectRef>
+            <a:fontRef idx="minor">
+              <a:schemeClr val="tx1"/>
+            </a:fontRef>
+          </p:style>
+        </p:cxnSp>
+        <p:cxnSp>
+          <p:nvCxnSpPr>
+            <p:cNvPr id="119" name="直線接點 118"/>
+            <p:cNvCxnSpPr/>
+            <p:nvPr/>
+          </p:nvCxnSpPr>
+          <p:spPr>
+            <a:xfrm flipH="1">
+              <a:off x="11270615" y="10088374"/>
+              <a:ext cx="300325" cy="1128017"/>
+            </a:xfrm>
+            <a:prstGeom prst="line">
+              <a:avLst/>
+            </a:prstGeom>
+            <a:ln w="44450">
+              <a:solidFill>
+                <a:srgbClr val="FF0066"/>
+              </a:solidFill>
+              <a:prstDash val="dash"/>
+              <a:tailEnd type="triangle" w="lg" len="lg"/>
+            </a:ln>
+          </p:spPr>
+          <p:style>
+            <a:lnRef idx="1">
+              <a:schemeClr val="accent1"/>
+            </a:lnRef>
+            <a:fillRef idx="0">
+              <a:schemeClr val="accent1"/>
+            </a:fillRef>
+            <a:effectRef idx="0">
+              <a:schemeClr val="accent1"/>
+            </a:effectRef>
+            <a:fontRef idx="minor">
+              <a:schemeClr val="tx1"/>
+            </a:fontRef>
+          </p:style>
+        </p:cxnSp>
+        <p:sp>
+          <p:nvSpPr>
+            <p:cNvPr id="120" name="十字形 119"/>
+            <p:cNvSpPr/>
+            <p:nvPr/>
+          </p:nvSpPr>
+          <p:spPr>
+            <a:xfrm rot="19794520">
+              <a:off x="10729655" y="10947352"/>
+              <a:ext cx="979370" cy="979370"/>
+            </a:xfrm>
+            <a:prstGeom prst="plus">
+              <a:avLst>
+                <a:gd name="adj" fmla="val 47704"/>
+              </a:avLst>
+            </a:prstGeom>
+            <a:solidFill>
+              <a:srgbClr val="FF0066"/>
+            </a:solidFill>
+            <a:ln>
+              <a:noFill/>
+            </a:ln>
+          </p:spPr>
+          <p:style>
+            <a:lnRef idx="2">
+              <a:schemeClr val="accent1">
+                <a:shade val="50000"/>
+              </a:schemeClr>
+            </a:lnRef>
+            <a:fillRef idx="1">
+              <a:schemeClr val="accent1"/>
+            </a:fillRef>
+            <a:effectRef idx="0">
+              <a:schemeClr val="accent1"/>
+            </a:effectRef>
+            <a:fontRef idx="minor">
+              <a:schemeClr val="lt1"/>
+            </a:fontRef>
+          </p:style>
+          <p:txBody>
+            <a:bodyPr rtlCol="0" anchor="ctr"/>
+            <a:lstStyle/>
+            <a:p>
+              <a:pPr algn="ctr"/>
+              <a:endParaRPr lang="zh-TW" altLang="en-US"/>
+            </a:p>
+          </p:txBody>
+        </p:sp>
+        <p:cxnSp>
+          <p:nvCxnSpPr>
+            <p:cNvPr id="121" name="直線接點 120"/>
+            <p:cNvCxnSpPr/>
+            <p:nvPr/>
+          </p:nvCxnSpPr>
+          <p:spPr>
+            <a:xfrm rot="19800000" flipH="1">
+              <a:off x="9555954" y="10087536"/>
+              <a:ext cx="300325" cy="1128017"/>
+            </a:xfrm>
+            <a:prstGeom prst="line">
+              <a:avLst/>
+            </a:prstGeom>
+            <a:ln w="44450">
+              <a:solidFill>
+                <a:srgbClr val="FF0066"/>
+              </a:solidFill>
+              <a:prstDash val="dash"/>
+              <a:tailEnd type="triangle" w="lg" len="lg"/>
+            </a:ln>
+          </p:spPr>
+          <p:style>
+            <a:lnRef idx="1">
+              <a:schemeClr val="accent1"/>
+            </a:lnRef>
+            <a:fillRef idx="0">
+              <a:schemeClr val="accent1"/>
+            </a:fillRef>
+            <a:effectRef idx="0">
+              <a:schemeClr val="accent1"/>
+            </a:effectRef>
+            <a:fontRef idx="minor">
+              <a:schemeClr val="tx1"/>
+            </a:fontRef>
+          </p:style>
+        </p:cxnSp>
+        <p:sp>
+          <p:nvSpPr>
+            <p:cNvPr id="122" name="十字形 121"/>
+            <p:cNvSpPr/>
+            <p:nvPr/>
+          </p:nvSpPr>
+          <p:spPr>
+            <a:xfrm rot="17994520">
+              <a:off x="9391812" y="10945879"/>
+              <a:ext cx="979370" cy="979370"/>
+            </a:xfrm>
+            <a:prstGeom prst="plus">
+              <a:avLst>
+                <a:gd name="adj" fmla="val 47704"/>
+              </a:avLst>
+            </a:prstGeom>
+            <a:solidFill>
+              <a:srgbClr val="FF0066"/>
+            </a:solidFill>
+            <a:ln>
+              <a:noFill/>
+            </a:ln>
+          </p:spPr>
+          <p:style>
+            <a:lnRef idx="2">
+              <a:schemeClr val="accent1">
+                <a:shade val="50000"/>
+              </a:schemeClr>
+            </a:lnRef>
+            <a:fillRef idx="1">
+              <a:schemeClr val="accent1"/>
+            </a:fillRef>
+            <a:effectRef idx="0">
+              <a:schemeClr val="accent1"/>
+            </a:effectRef>
+            <a:fontRef idx="minor">
+              <a:schemeClr val="lt1"/>
+            </a:fontRef>
+          </p:style>
+          <p:txBody>
+            <a:bodyPr rtlCol="0" anchor="ctr"/>
+            <a:lstStyle/>
+            <a:p>
+              <a:pPr algn="ctr"/>
+              <a:endParaRPr lang="zh-TW" altLang="en-US"/>
+            </a:p>
+          </p:txBody>
+        </p:sp>
+        <p:cxnSp>
+          <p:nvCxnSpPr>
+            <p:cNvPr id="127" name="直線接點 126"/>
+            <p:cNvCxnSpPr/>
+            <p:nvPr/>
+          </p:nvCxnSpPr>
+          <p:spPr>
+            <a:xfrm>
+              <a:off x="16101799" y="10414261"/>
+              <a:ext cx="0" cy="6024443"/>
+            </a:xfrm>
+            <a:prstGeom prst="line">
+              <a:avLst/>
+            </a:prstGeom>
+            <a:ln w="44450">
+              <a:solidFill>
+                <a:srgbClr val="FF0066"/>
+              </a:solidFill>
+              <a:tailEnd type="triangle" w="lg" len="lg"/>
+            </a:ln>
+          </p:spPr>
+          <p:style>
+            <a:lnRef idx="1">
+              <a:schemeClr val="accent1"/>
+            </a:lnRef>
+            <a:fillRef idx="0">
+              <a:schemeClr val="accent1"/>
+            </a:fillRef>
+            <a:effectRef idx="0">
+              <a:schemeClr val="accent1"/>
+            </a:effectRef>
+            <a:fontRef idx="minor">
+              <a:schemeClr val="tx1"/>
+            </a:fontRef>
+          </p:style>
+        </p:cxnSp>
+        <p:sp>
+          <p:nvSpPr>
+            <p:cNvPr id="128" name="圓角矩形 127"/>
+            <p:cNvSpPr/>
+            <p:nvPr/>
+          </p:nvSpPr>
+          <p:spPr>
+            <a:xfrm>
+              <a:off x="14952536" y="9380075"/>
+              <a:ext cx="2903253" cy="656600"/>
+            </a:xfrm>
+            <a:prstGeom prst="roundRect">
+              <a:avLst/>
+            </a:prstGeom>
+            <a:noFill/>
+            <a:ln w="63500">
+              <a:noFill/>
+            </a:ln>
+            <a:effectLst>
+              <a:softEdge rad="63500"/>
+            </a:effectLst>
+          </p:spPr>
+          <p:style>
+            <a:lnRef idx="2">
+              <a:schemeClr val="accent1">
+                <a:shade val="50000"/>
+              </a:schemeClr>
+            </a:lnRef>
+            <a:fillRef idx="1">
+              <a:schemeClr val="accent1"/>
+            </a:fillRef>
+            <a:effectRef idx="0">
+              <a:schemeClr val="accent1"/>
+            </a:effectRef>
+            <a:fontRef idx="minor">
+              <a:schemeClr val="lt1"/>
+            </a:fontRef>
+          </p:style>
+          <p:txBody>
+            <a:bodyPr rtlCol="0" anchor="ctr"/>
+            <a:lstStyle/>
+            <a:p>
+              <a:pPr algn="ctr"/>
+              <a:r>
+                <a:rPr lang="en-US" altLang="zh-TW" sz="3600" dirty="0" smtClean="0">
+                  <a:solidFill>
+                    <a:srgbClr val="FF0066"/>
+                  </a:solidFill>
+                  <a:latin typeface="SauceCodePro Nerd Font" panose="020B0509030403020204" pitchFamily="49" charset="0"/>
+                </a:rPr>
+                <a:t>Backward</a:t>
+              </a:r>
+              <a:endParaRPr lang="zh-TW" altLang="en-US" sz="3600" dirty="0">
+                <a:solidFill>
+                  <a:srgbClr val="FF0066"/>
+                </a:solidFill>
+                <a:latin typeface="SauceCodePro Nerd Font" panose="020B0509030403020204" pitchFamily="49" charset="0"/>
+              </a:endParaRPr>
+            </a:p>
+          </p:txBody>
+        </p:sp>
+      </p:grpSp>
+    </p:spTree>
+    <p:extLst>
+      <p:ext uri="{BB962C8B-B14F-4D97-AF65-F5344CB8AC3E}">
+        <p14:creationId xmlns:p14="http://schemas.microsoft.com/office/powerpoint/2010/main" val="309649885"/>
+      </p:ext>
+    </p:extLst>
+  </p:cSld>
+  <p:clrMapOvr>
+    <a:masterClrMapping/>
+  </p:clrMapOvr>
+  <p:timing>
+    <p:tnLst>
+      <p:par>
+        <p:cTn id="1" dur="indefinite" restart="never" nodeType="tmRoot"/>
+      </p:par>
+    </p:tnLst>
+  </p:timing>
+</p:sld>
+</file>
+
+<file path=ppt/slides/slide3.xml><?xml version="1.0" encoding="utf-8"?>
+<p:sld xmlns:a="http://schemas.openxmlformats.org/drawingml/2006/main" xmlns:r="http://schemas.openxmlformats.org/officeDocument/2006/relationships" xmlns:p="http://schemas.openxmlformats.org/presentationml/2006/main">
+  <p:cSld>
+    <p:spTree>
+      <p:nvGrpSpPr>
+        <p:cNvPr id="1" name=""/>
+        <p:cNvGrpSpPr/>
+        <p:nvPr/>
+      </p:nvGrpSpPr>
+      <p:grpSpPr>
+        <a:xfrm>
+          <a:off x="0" y="0"/>
+          <a:ext cx="0" cy="0"/>
+          <a:chOff x="0" y="0"/>
+          <a:chExt cx="0" cy="0"/>
+        </a:xfrm>
+      </p:grpSpPr>
+      <p:grpSp>
+        <p:nvGrpSpPr>
+          <p:cNvPr id="9" name="群組 8"/>
+          <p:cNvGrpSpPr/>
+          <p:nvPr/>
+        </p:nvGrpSpPr>
+        <p:grpSpPr>
+          <a:xfrm>
+            <a:off x="3406864" y="6472132"/>
+            <a:ext cx="13090965" cy="5486627"/>
+            <a:chOff x="3406864" y="6472132"/>
+            <a:chExt cx="13090965" cy="5486627"/>
+          </a:xfrm>
+        </p:grpSpPr>
+        <p:sp>
+          <p:nvSpPr>
+            <p:cNvPr id="145" name="圓角矩形 144"/>
+            <p:cNvSpPr/>
+            <p:nvPr/>
+          </p:nvSpPr>
+          <p:spPr>
+            <a:xfrm>
+              <a:off x="3406864" y="10789424"/>
+              <a:ext cx="2903253" cy="1169335"/>
+            </a:xfrm>
+            <a:prstGeom prst="roundRect">
+              <a:avLst/>
+            </a:prstGeom>
+            <a:noFill/>
+            <a:ln w="63500">
+              <a:noFill/>
+            </a:ln>
+            <a:effectLst>
+              <a:softEdge rad="63500"/>
+            </a:effectLst>
+          </p:spPr>
+          <p:style>
+            <a:lnRef idx="2">
+              <a:schemeClr val="accent1">
+                <a:shade val="50000"/>
+              </a:schemeClr>
+            </a:lnRef>
+            <a:fillRef idx="1">
+              <a:schemeClr val="accent1"/>
+            </a:fillRef>
+            <a:effectRef idx="0">
+              <a:schemeClr val="accent1"/>
+            </a:effectRef>
+            <a:fontRef idx="minor">
+              <a:schemeClr val="lt1"/>
+            </a:fontRef>
+          </p:style>
+          <p:txBody>
+            <a:bodyPr rtlCol="0" anchor="ctr"/>
+            <a:lstStyle/>
+            <a:p>
+              <a:pPr algn="ctr"/>
+              <a:r>
+                <a:rPr lang="en-US" altLang="zh-TW" sz="3600" dirty="0" smtClean="0">
+                  <a:solidFill>
+                    <a:srgbClr val="282828"/>
+                  </a:solidFill>
+                  <a:latin typeface="SauceCodePro Nerd Font" panose="020B0509030403020204" pitchFamily="49" charset="0"/>
+                </a:rPr>
+                <a:t>Noisy</a:t>
+              </a:r>
+              <a:endParaRPr lang="en-US" altLang="zh-TW" sz="3600" dirty="0" smtClean="0">
+                <a:solidFill>
+                  <a:srgbClr val="282828"/>
+                </a:solidFill>
+                <a:latin typeface="SauceCodePro Nerd Font" panose="020B0509030403020204" pitchFamily="49" charset="0"/>
+              </a:endParaRPr>
+            </a:p>
+            <a:p>
+              <a:pPr algn="ctr"/>
+              <a:r>
+                <a:rPr lang="en-US" altLang="zh-TW" sz="3600" dirty="0" smtClean="0">
+                  <a:solidFill>
+                    <a:srgbClr val="282828"/>
+                  </a:solidFill>
+                  <a:latin typeface="SauceCodePro Nerd Font" panose="020B0509030403020204" pitchFamily="49" charset="0"/>
+                </a:rPr>
+                <a:t>Speech</a:t>
+              </a:r>
+              <a:endParaRPr lang="zh-TW" altLang="en-US" sz="3600" dirty="0">
+                <a:solidFill>
+                  <a:srgbClr val="282828"/>
+                </a:solidFill>
+                <a:latin typeface="SauceCodePro Nerd Font" panose="020B0509030403020204" pitchFamily="49" charset="0"/>
+              </a:endParaRPr>
+            </a:p>
+          </p:txBody>
+        </p:sp>
+        <p:sp>
+          <p:nvSpPr>
+            <p:cNvPr id="146" name="圓角矩形 145"/>
+            <p:cNvSpPr/>
+            <p:nvPr/>
+          </p:nvSpPr>
+          <p:spPr>
+            <a:xfrm>
+              <a:off x="13594576" y="10789424"/>
+              <a:ext cx="2903253" cy="1169335"/>
+            </a:xfrm>
+            <a:prstGeom prst="roundRect">
+              <a:avLst/>
+            </a:prstGeom>
+            <a:noFill/>
+            <a:ln w="63500">
+              <a:noFill/>
+            </a:ln>
+            <a:effectLst>
+              <a:softEdge rad="63500"/>
+            </a:effectLst>
+          </p:spPr>
+          <p:style>
+            <a:lnRef idx="2">
+              <a:schemeClr val="accent1">
+                <a:shade val="50000"/>
+              </a:schemeClr>
+            </a:lnRef>
+            <a:fillRef idx="1">
+              <a:schemeClr val="accent1"/>
+            </a:fillRef>
+            <a:effectRef idx="0">
+              <a:schemeClr val="accent1"/>
+            </a:effectRef>
+            <a:fontRef idx="minor">
+              <a:schemeClr val="lt1"/>
+            </a:fontRef>
+          </p:style>
+          <p:txBody>
+            <a:bodyPr rtlCol="0" anchor="ctr"/>
+            <a:lstStyle/>
+            <a:p>
+              <a:pPr algn="ctr"/>
+              <a:r>
+                <a:rPr lang="en-US" altLang="zh-TW" sz="3600" dirty="0">
+                  <a:solidFill>
+                    <a:srgbClr val="282828"/>
+                  </a:solidFill>
+                  <a:latin typeface="SauceCodePro Nerd Font" panose="020B0509030403020204" pitchFamily="49" charset="0"/>
+                </a:rPr>
+                <a:t>Enhanced</a:t>
+              </a:r>
+            </a:p>
+            <a:p>
+              <a:pPr algn="ctr"/>
+              <a:r>
+                <a:rPr lang="en-US" altLang="zh-TW" sz="3600" dirty="0">
+                  <a:solidFill>
+                    <a:srgbClr val="282828"/>
+                  </a:solidFill>
+                  <a:latin typeface="SauceCodePro Nerd Font" panose="020B0509030403020204" pitchFamily="49" charset="0"/>
+                </a:rPr>
+                <a:t>Speech</a:t>
+              </a:r>
+              <a:endParaRPr lang="zh-TW" altLang="en-US" sz="3600" dirty="0">
+                <a:solidFill>
+                  <a:srgbClr val="282828"/>
+                </a:solidFill>
+                <a:latin typeface="SauceCodePro Nerd Font" panose="020B0509030403020204" pitchFamily="49" charset="0"/>
+              </a:endParaRPr>
+            </a:p>
+          </p:txBody>
+        </p:sp>
+        <p:grpSp>
+          <p:nvGrpSpPr>
+            <p:cNvPr id="8" name="群組 7"/>
+            <p:cNvGrpSpPr/>
+            <p:nvPr/>
+          </p:nvGrpSpPr>
+          <p:grpSpPr>
+            <a:xfrm rot="5400000">
+              <a:off x="7854328" y="2760268"/>
+              <a:ext cx="4073566" cy="11497293"/>
+              <a:chOff x="3540234" y="3745005"/>
+              <a:chExt cx="4073566" cy="11497293"/>
+            </a:xfrm>
+          </p:grpSpPr>
+          <p:sp>
+            <p:nvSpPr>
+              <p:cNvPr id="2" name="手繪多邊形 1"/>
+              <p:cNvSpPr/>
+              <p:nvPr/>
+            </p:nvSpPr>
+            <p:spPr>
+              <a:xfrm>
+                <a:off x="3713132" y="13810246"/>
+                <a:ext cx="3900668" cy="1432052"/>
+              </a:xfrm>
+              <a:custGeom>
+                <a:avLst/>
+                <a:gdLst>
+                  <a:gd name="connsiteX0" fmla="*/ 0 w 3900668"/>
+                  <a:gd name="connsiteY0" fmla="*/ 595471 h 1432052"/>
+                  <a:gd name="connsiteX1" fmla="*/ 81023 w 3900668"/>
+                  <a:gd name="connsiteY1" fmla="*/ 595471 h 1432052"/>
+                  <a:gd name="connsiteX2" fmla="*/ 393539 w 3900668"/>
+                  <a:gd name="connsiteY2" fmla="*/ 109334 h 1432052"/>
+                  <a:gd name="connsiteX3" fmla="*/ 613458 w 3900668"/>
+                  <a:gd name="connsiteY3" fmla="*/ 1405699 h 1432052"/>
+                  <a:gd name="connsiteX4" fmla="*/ 810228 w 3900668"/>
+                  <a:gd name="connsiteY4" fmla="*/ 1000585 h 1432052"/>
+                  <a:gd name="connsiteX5" fmla="*/ 925975 w 3900668"/>
+                  <a:gd name="connsiteY5" fmla="*/ 1243653 h 1432052"/>
+                  <a:gd name="connsiteX6" fmla="*/ 1215342 w 3900668"/>
+                  <a:gd name="connsiteY6" fmla="*/ 560747 h 1432052"/>
+                  <a:gd name="connsiteX7" fmla="*/ 1377387 w 3900668"/>
+                  <a:gd name="connsiteY7" fmla="*/ 873264 h 1432052"/>
+                  <a:gd name="connsiteX8" fmla="*/ 1597306 w 3900668"/>
+                  <a:gd name="connsiteY8" fmla="*/ 5162 h 1432052"/>
+                  <a:gd name="connsiteX9" fmla="*/ 1875099 w 3900668"/>
+                  <a:gd name="connsiteY9" fmla="*/ 1347826 h 1432052"/>
+                  <a:gd name="connsiteX10" fmla="*/ 2164466 w 3900668"/>
+                  <a:gd name="connsiteY10" fmla="*/ 120909 h 1432052"/>
+                  <a:gd name="connsiteX11" fmla="*/ 2291787 w 3900668"/>
+                  <a:gd name="connsiteY11" fmla="*/ 884838 h 1432052"/>
+                  <a:gd name="connsiteX12" fmla="*/ 2569580 w 3900668"/>
+                  <a:gd name="connsiteY12" fmla="*/ 583897 h 1432052"/>
+                  <a:gd name="connsiteX13" fmla="*/ 2812648 w 3900668"/>
+                  <a:gd name="connsiteY13" fmla="*/ 1255228 h 1432052"/>
+                  <a:gd name="connsiteX14" fmla="*/ 2916820 w 3900668"/>
+                  <a:gd name="connsiteY14" fmla="*/ 989010 h 1432052"/>
+                  <a:gd name="connsiteX15" fmla="*/ 3044142 w 3900668"/>
+                  <a:gd name="connsiteY15" fmla="*/ 1197355 h 1432052"/>
+                  <a:gd name="connsiteX16" fmla="*/ 3368233 w 3900668"/>
+                  <a:gd name="connsiteY16" fmla="*/ 641770 h 1432052"/>
+                  <a:gd name="connsiteX17" fmla="*/ 3495554 w 3900668"/>
+                  <a:gd name="connsiteY17" fmla="*/ 896413 h 1432052"/>
+                  <a:gd name="connsiteX18" fmla="*/ 3773347 w 3900668"/>
+                  <a:gd name="connsiteY18" fmla="*/ 479724 h 1432052"/>
+                  <a:gd name="connsiteX19" fmla="*/ 3900668 w 3900668"/>
+                  <a:gd name="connsiteY19" fmla="*/ 931137 h 1432052"/>
+                </a:gdLst>
+                <a:ahLst/>
+                <a:cxnLst>
+                  <a:cxn ang="0">
+                    <a:pos x="connsiteX0" y="connsiteY0"/>
+                  </a:cxn>
+                  <a:cxn ang="0">
+                    <a:pos x="connsiteX1" y="connsiteY1"/>
+                  </a:cxn>
+                  <a:cxn ang="0">
+                    <a:pos x="connsiteX2" y="connsiteY2"/>
+                  </a:cxn>
+                  <a:cxn ang="0">
+                    <a:pos x="connsiteX3" y="connsiteY3"/>
+                  </a:cxn>
+                  <a:cxn ang="0">
+                    <a:pos x="connsiteX4" y="connsiteY4"/>
+                  </a:cxn>
+                  <a:cxn ang="0">
+                    <a:pos x="connsiteX5" y="connsiteY5"/>
+                  </a:cxn>
+                  <a:cxn ang="0">
+                    <a:pos x="connsiteX6" y="connsiteY6"/>
+                  </a:cxn>
+                  <a:cxn ang="0">
+                    <a:pos x="connsiteX7" y="connsiteY7"/>
+                  </a:cxn>
+                  <a:cxn ang="0">
+                    <a:pos x="connsiteX8" y="connsiteY8"/>
+                  </a:cxn>
+                  <a:cxn ang="0">
+                    <a:pos x="connsiteX9" y="connsiteY9"/>
+                  </a:cxn>
+                  <a:cxn ang="0">
+                    <a:pos x="connsiteX10" y="connsiteY10"/>
+                  </a:cxn>
+                  <a:cxn ang="0">
+                    <a:pos x="connsiteX11" y="connsiteY11"/>
+                  </a:cxn>
+                  <a:cxn ang="0">
+                    <a:pos x="connsiteX12" y="connsiteY12"/>
+                  </a:cxn>
+                  <a:cxn ang="0">
+                    <a:pos x="connsiteX13" y="connsiteY13"/>
+                  </a:cxn>
+                  <a:cxn ang="0">
+                    <a:pos x="connsiteX14" y="connsiteY14"/>
+                  </a:cxn>
+                  <a:cxn ang="0">
+                    <a:pos x="connsiteX15" y="connsiteY15"/>
+                  </a:cxn>
+                  <a:cxn ang="0">
+                    <a:pos x="connsiteX16" y="connsiteY16"/>
+                  </a:cxn>
+                  <a:cxn ang="0">
+                    <a:pos x="connsiteX17" y="connsiteY17"/>
+                  </a:cxn>
+                  <a:cxn ang="0">
+                    <a:pos x="connsiteX18" y="connsiteY18"/>
+                  </a:cxn>
+                  <a:cxn ang="0">
+                    <a:pos x="connsiteX19" y="connsiteY19"/>
+                  </a:cxn>
+                </a:cxnLst>
+                <a:rect l="l" t="t" r="r" b="b"/>
+                <a:pathLst>
+                  <a:path w="3900668" h="1432052">
+                    <a:moveTo>
+                      <a:pt x="0" y="595471"/>
+                    </a:moveTo>
+                    <a:cubicBezTo>
+                      <a:pt x="7716" y="635982"/>
+                      <a:pt x="15433" y="676494"/>
+                      <a:pt x="81023" y="595471"/>
+                    </a:cubicBezTo>
+                    <a:cubicBezTo>
+                      <a:pt x="146613" y="514448"/>
+                      <a:pt x="304800" y="-25704"/>
+                      <a:pt x="393539" y="109334"/>
+                    </a:cubicBezTo>
+                    <a:cubicBezTo>
+                      <a:pt x="482278" y="244372"/>
+                      <a:pt x="544010" y="1257157"/>
+                      <a:pt x="613458" y="1405699"/>
+                    </a:cubicBezTo>
+                    <a:cubicBezTo>
+                      <a:pt x="682906" y="1554241"/>
+                      <a:pt x="758142" y="1027593"/>
+                      <a:pt x="810228" y="1000585"/>
+                    </a:cubicBezTo>
+                    <a:cubicBezTo>
+                      <a:pt x="862314" y="973577"/>
+                      <a:pt x="858456" y="1316959"/>
+                      <a:pt x="925975" y="1243653"/>
+                    </a:cubicBezTo>
+                    <a:cubicBezTo>
+                      <a:pt x="993494" y="1170347"/>
+                      <a:pt x="1140107" y="622478"/>
+                      <a:pt x="1215342" y="560747"/>
+                    </a:cubicBezTo>
+                    <a:cubicBezTo>
+                      <a:pt x="1290577" y="499016"/>
+                      <a:pt x="1313726" y="965861"/>
+                      <a:pt x="1377387" y="873264"/>
+                    </a:cubicBezTo>
+                    <a:cubicBezTo>
+                      <a:pt x="1441048" y="780667"/>
+                      <a:pt x="1514354" y="-73932"/>
+                      <a:pt x="1597306" y="5162"/>
+                    </a:cubicBezTo>
+                    <a:cubicBezTo>
+                      <a:pt x="1680258" y="84256"/>
+                      <a:pt x="1780572" y="1328535"/>
+                      <a:pt x="1875099" y="1347826"/>
+                    </a:cubicBezTo>
+                    <a:cubicBezTo>
+                      <a:pt x="1969626" y="1367117"/>
+                      <a:pt x="2095018" y="198073"/>
+                      <a:pt x="2164466" y="120909"/>
+                    </a:cubicBezTo>
+                    <a:cubicBezTo>
+                      <a:pt x="2233914" y="43745"/>
+                      <a:pt x="2224268" y="807673"/>
+                      <a:pt x="2291787" y="884838"/>
+                    </a:cubicBezTo>
+                    <a:cubicBezTo>
+                      <a:pt x="2359306" y="962003"/>
+                      <a:pt x="2482770" y="522165"/>
+                      <a:pt x="2569580" y="583897"/>
+                    </a:cubicBezTo>
+                    <a:cubicBezTo>
+                      <a:pt x="2656390" y="645629"/>
+                      <a:pt x="2754775" y="1187709"/>
+                      <a:pt x="2812648" y="1255228"/>
+                    </a:cubicBezTo>
+                    <a:cubicBezTo>
+                      <a:pt x="2870521" y="1322747"/>
+                      <a:pt x="2878238" y="998656"/>
+                      <a:pt x="2916820" y="989010"/>
+                    </a:cubicBezTo>
+                    <a:cubicBezTo>
+                      <a:pt x="2955402" y="979365"/>
+                      <a:pt x="2968907" y="1255228"/>
+                      <a:pt x="3044142" y="1197355"/>
+                    </a:cubicBezTo>
+                    <a:cubicBezTo>
+                      <a:pt x="3119377" y="1139482"/>
+                      <a:pt x="3292998" y="691927"/>
+                      <a:pt x="3368233" y="641770"/>
+                    </a:cubicBezTo>
+                    <a:cubicBezTo>
+                      <a:pt x="3443468" y="591613"/>
+                      <a:pt x="3428035" y="923421"/>
+                      <a:pt x="3495554" y="896413"/>
+                    </a:cubicBezTo>
+                    <a:cubicBezTo>
+                      <a:pt x="3563073" y="869405"/>
+                      <a:pt x="3705828" y="473937"/>
+                      <a:pt x="3773347" y="479724"/>
+                    </a:cubicBezTo>
+                    <a:cubicBezTo>
+                      <a:pt x="3840866" y="485511"/>
+                      <a:pt x="3870767" y="708324"/>
+                      <a:pt x="3900668" y="931137"/>
+                    </a:cubicBezTo>
+                  </a:path>
+                </a:pathLst>
+              </a:custGeom>
+              <a:noFill/>
+              <a:ln w="31750"/>
+            </p:spPr>
+            <p:style>
+              <a:lnRef idx="2">
+                <a:schemeClr val="accent1">
+                  <a:shade val="50000"/>
+                </a:schemeClr>
+              </a:lnRef>
+              <a:fillRef idx="1">
+                <a:schemeClr val="accent1"/>
+              </a:fillRef>
+              <a:effectRef idx="0">
+                <a:schemeClr val="accent1"/>
+              </a:effectRef>
+              <a:fontRef idx="minor">
+                <a:schemeClr val="lt1"/>
+              </a:fontRef>
+            </p:style>
+            <p:txBody>
+              <a:bodyPr rtlCol="0" anchor="ctr"/>
+              <a:lstStyle/>
+              <a:p>
+                <a:pPr algn="ctr"/>
+                <a:endParaRPr lang="zh-TW" altLang="en-US"/>
+              </a:p>
+            </p:txBody>
+          </p:sp>
+          <p:cxnSp>
+            <p:nvCxnSpPr>
+              <p:cNvPr id="117" name="直線單箭頭接點 26"/>
+              <p:cNvCxnSpPr>
+                <a:stCxn id="104" idx="0"/>
+                <a:endCxn id="102" idx="2"/>
+              </p:cNvCxnSpPr>
+              <p:nvPr/>
+            </p:nvCxnSpPr>
+            <p:spPr>
+              <a:xfrm flipV="1">
+                <a:off x="5572007" y="10794816"/>
+                <a:ext cx="0" cy="522212"/>
+              </a:xfrm>
+              <a:prstGeom prst="straightConnector1">
+                <a:avLst/>
+              </a:prstGeom>
+              <a:ln w="82550">
+                <a:solidFill>
+                  <a:schemeClr val="tx1"/>
+                </a:solidFill>
+                <a:tailEnd type="triangle"/>
+              </a:ln>
+            </p:spPr>
+            <p:style>
+              <a:lnRef idx="1">
+                <a:schemeClr val="accent1"/>
+              </a:lnRef>
+              <a:fillRef idx="0">
+                <a:schemeClr val="accent1"/>
+              </a:fillRef>
+              <a:effectRef idx="0">
+                <a:schemeClr val="accent1"/>
+              </a:effectRef>
+              <a:fontRef idx="minor">
+                <a:schemeClr val="tx1"/>
+              </a:fontRef>
+            </p:style>
+          </p:cxnSp>
+          <p:cxnSp>
+            <p:nvCxnSpPr>
+              <p:cNvPr id="198" name="直線單箭頭接點 26"/>
+              <p:cNvCxnSpPr>
+                <a:endCxn id="104" idx="2"/>
+              </p:cNvCxnSpPr>
+              <p:nvPr/>
+            </p:nvCxnSpPr>
+            <p:spPr>
+              <a:xfrm flipV="1">
+                <a:off x="5572007" y="12765822"/>
+                <a:ext cx="0" cy="936302"/>
+              </a:xfrm>
+              <a:prstGeom prst="straightConnector1">
+                <a:avLst/>
+              </a:prstGeom>
+              <a:ln w="82550">
+                <a:solidFill>
+                  <a:schemeClr val="tx1"/>
+                </a:solidFill>
+                <a:tailEnd type="triangle"/>
+              </a:ln>
+            </p:spPr>
+            <p:style>
+              <a:lnRef idx="1">
+                <a:schemeClr val="accent1"/>
+              </a:lnRef>
+              <a:fillRef idx="0">
+                <a:schemeClr val="accent1"/>
+              </a:fillRef>
+              <a:effectRef idx="0">
+                <a:schemeClr val="accent1"/>
+              </a:effectRef>
+              <a:fontRef idx="minor">
+                <a:schemeClr val="tx1"/>
+              </a:fontRef>
+            </p:style>
+          </p:cxnSp>
+          <p:sp>
+            <p:nvSpPr>
+              <p:cNvPr id="227" name="手繪多邊形 226"/>
+              <p:cNvSpPr/>
+              <p:nvPr/>
+            </p:nvSpPr>
+            <p:spPr>
+              <a:xfrm>
+                <a:off x="3644334" y="3745005"/>
+                <a:ext cx="3900668" cy="1187109"/>
+              </a:xfrm>
+              <a:custGeom>
+                <a:avLst/>
+                <a:gdLst>
+                  <a:gd name="connsiteX0" fmla="*/ 0 w 3900668"/>
+                  <a:gd name="connsiteY0" fmla="*/ 595471 h 1432052"/>
+                  <a:gd name="connsiteX1" fmla="*/ 81023 w 3900668"/>
+                  <a:gd name="connsiteY1" fmla="*/ 595471 h 1432052"/>
+                  <a:gd name="connsiteX2" fmla="*/ 393539 w 3900668"/>
+                  <a:gd name="connsiteY2" fmla="*/ 109334 h 1432052"/>
+                  <a:gd name="connsiteX3" fmla="*/ 613458 w 3900668"/>
+                  <a:gd name="connsiteY3" fmla="*/ 1405699 h 1432052"/>
+                  <a:gd name="connsiteX4" fmla="*/ 810228 w 3900668"/>
+                  <a:gd name="connsiteY4" fmla="*/ 1000585 h 1432052"/>
+                  <a:gd name="connsiteX5" fmla="*/ 925975 w 3900668"/>
+                  <a:gd name="connsiteY5" fmla="*/ 1243653 h 1432052"/>
+                  <a:gd name="connsiteX6" fmla="*/ 1215342 w 3900668"/>
+                  <a:gd name="connsiteY6" fmla="*/ 560747 h 1432052"/>
+                  <a:gd name="connsiteX7" fmla="*/ 1377387 w 3900668"/>
+                  <a:gd name="connsiteY7" fmla="*/ 873264 h 1432052"/>
+                  <a:gd name="connsiteX8" fmla="*/ 1597306 w 3900668"/>
+                  <a:gd name="connsiteY8" fmla="*/ 5162 h 1432052"/>
+                  <a:gd name="connsiteX9" fmla="*/ 1875099 w 3900668"/>
+                  <a:gd name="connsiteY9" fmla="*/ 1347826 h 1432052"/>
+                  <a:gd name="connsiteX10" fmla="*/ 2164466 w 3900668"/>
+                  <a:gd name="connsiteY10" fmla="*/ 120909 h 1432052"/>
+                  <a:gd name="connsiteX11" fmla="*/ 2291787 w 3900668"/>
+                  <a:gd name="connsiteY11" fmla="*/ 884838 h 1432052"/>
+                  <a:gd name="connsiteX12" fmla="*/ 2569580 w 3900668"/>
+                  <a:gd name="connsiteY12" fmla="*/ 583897 h 1432052"/>
+                  <a:gd name="connsiteX13" fmla="*/ 2812648 w 3900668"/>
+                  <a:gd name="connsiteY13" fmla="*/ 1255228 h 1432052"/>
+                  <a:gd name="connsiteX14" fmla="*/ 2916820 w 3900668"/>
+                  <a:gd name="connsiteY14" fmla="*/ 989010 h 1432052"/>
+                  <a:gd name="connsiteX15" fmla="*/ 3044142 w 3900668"/>
+                  <a:gd name="connsiteY15" fmla="*/ 1197355 h 1432052"/>
+                  <a:gd name="connsiteX16" fmla="*/ 3368233 w 3900668"/>
+                  <a:gd name="connsiteY16" fmla="*/ 641770 h 1432052"/>
+                  <a:gd name="connsiteX17" fmla="*/ 3495554 w 3900668"/>
+                  <a:gd name="connsiteY17" fmla="*/ 896413 h 1432052"/>
+                  <a:gd name="connsiteX18" fmla="*/ 3773347 w 3900668"/>
+                  <a:gd name="connsiteY18" fmla="*/ 479724 h 1432052"/>
+                  <a:gd name="connsiteX19" fmla="*/ 3900668 w 3900668"/>
+                  <a:gd name="connsiteY19" fmla="*/ 931137 h 1432052"/>
+                  <a:gd name="connsiteX0" fmla="*/ 0 w 3900668"/>
+                  <a:gd name="connsiteY0" fmla="*/ 507700 h 1344281"/>
+                  <a:gd name="connsiteX1" fmla="*/ 81023 w 3900668"/>
+                  <a:gd name="connsiteY1" fmla="*/ 507700 h 1344281"/>
+                  <a:gd name="connsiteX2" fmla="*/ 393539 w 3900668"/>
+                  <a:gd name="connsiteY2" fmla="*/ 21563 h 1344281"/>
+                  <a:gd name="connsiteX3" fmla="*/ 613458 w 3900668"/>
+                  <a:gd name="connsiteY3" fmla="*/ 1317928 h 1344281"/>
+                  <a:gd name="connsiteX4" fmla="*/ 810228 w 3900668"/>
+                  <a:gd name="connsiteY4" fmla="*/ 912814 h 1344281"/>
+                  <a:gd name="connsiteX5" fmla="*/ 925975 w 3900668"/>
+                  <a:gd name="connsiteY5" fmla="*/ 1155882 h 1344281"/>
+                  <a:gd name="connsiteX6" fmla="*/ 1215342 w 3900668"/>
+                  <a:gd name="connsiteY6" fmla="*/ 472976 h 1344281"/>
+                  <a:gd name="connsiteX7" fmla="*/ 1377387 w 3900668"/>
+                  <a:gd name="connsiteY7" fmla="*/ 785493 h 1344281"/>
+                  <a:gd name="connsiteX8" fmla="*/ 1597306 w 3900668"/>
+                  <a:gd name="connsiteY8" fmla="*/ 506671 h 1344281"/>
+                  <a:gd name="connsiteX9" fmla="*/ 1875099 w 3900668"/>
+                  <a:gd name="connsiteY9" fmla="*/ 1260055 h 1344281"/>
+                  <a:gd name="connsiteX10" fmla="*/ 2164466 w 3900668"/>
+                  <a:gd name="connsiteY10" fmla="*/ 33138 h 1344281"/>
+                  <a:gd name="connsiteX11" fmla="*/ 2291787 w 3900668"/>
+                  <a:gd name="connsiteY11" fmla="*/ 797067 h 1344281"/>
+                  <a:gd name="connsiteX12" fmla="*/ 2569580 w 3900668"/>
+                  <a:gd name="connsiteY12" fmla="*/ 496126 h 1344281"/>
+                  <a:gd name="connsiteX13" fmla="*/ 2812648 w 3900668"/>
+                  <a:gd name="connsiteY13" fmla="*/ 1167457 h 1344281"/>
+                  <a:gd name="connsiteX14" fmla="*/ 2916820 w 3900668"/>
+                  <a:gd name="connsiteY14" fmla="*/ 901239 h 1344281"/>
+                  <a:gd name="connsiteX15" fmla="*/ 3044142 w 3900668"/>
+                  <a:gd name="connsiteY15" fmla="*/ 1109584 h 1344281"/>
+                  <a:gd name="connsiteX16" fmla="*/ 3368233 w 3900668"/>
+                  <a:gd name="connsiteY16" fmla="*/ 553999 h 1344281"/>
+                  <a:gd name="connsiteX17" fmla="*/ 3495554 w 3900668"/>
+                  <a:gd name="connsiteY17" fmla="*/ 808642 h 1344281"/>
+                  <a:gd name="connsiteX18" fmla="*/ 3773347 w 3900668"/>
+                  <a:gd name="connsiteY18" fmla="*/ 391953 h 1344281"/>
+                  <a:gd name="connsiteX19" fmla="*/ 3900668 w 3900668"/>
+                  <a:gd name="connsiteY19" fmla="*/ 843366 h 1344281"/>
+                  <a:gd name="connsiteX0" fmla="*/ 0 w 3900668"/>
+                  <a:gd name="connsiteY0" fmla="*/ 507700 h 1344281"/>
+                  <a:gd name="connsiteX1" fmla="*/ 81023 w 3900668"/>
+                  <a:gd name="connsiteY1" fmla="*/ 507700 h 1344281"/>
+                  <a:gd name="connsiteX2" fmla="*/ 393539 w 3900668"/>
+                  <a:gd name="connsiteY2" fmla="*/ 21563 h 1344281"/>
+                  <a:gd name="connsiteX3" fmla="*/ 613458 w 3900668"/>
+                  <a:gd name="connsiteY3" fmla="*/ 1317928 h 1344281"/>
+                  <a:gd name="connsiteX4" fmla="*/ 810228 w 3900668"/>
+                  <a:gd name="connsiteY4" fmla="*/ 912814 h 1344281"/>
+                  <a:gd name="connsiteX5" fmla="*/ 925975 w 3900668"/>
+                  <a:gd name="connsiteY5" fmla="*/ 1155882 h 1344281"/>
+                  <a:gd name="connsiteX6" fmla="*/ 1215342 w 3900668"/>
+                  <a:gd name="connsiteY6" fmla="*/ 472976 h 1344281"/>
+                  <a:gd name="connsiteX7" fmla="*/ 1377387 w 3900668"/>
+                  <a:gd name="connsiteY7" fmla="*/ 622933 h 1344281"/>
+                  <a:gd name="connsiteX8" fmla="*/ 1597306 w 3900668"/>
+                  <a:gd name="connsiteY8" fmla="*/ 506671 h 1344281"/>
+                  <a:gd name="connsiteX9" fmla="*/ 1875099 w 3900668"/>
+                  <a:gd name="connsiteY9" fmla="*/ 1260055 h 1344281"/>
+                  <a:gd name="connsiteX10" fmla="*/ 2164466 w 3900668"/>
+                  <a:gd name="connsiteY10" fmla="*/ 33138 h 1344281"/>
+                  <a:gd name="connsiteX11" fmla="*/ 2291787 w 3900668"/>
+                  <a:gd name="connsiteY11" fmla="*/ 797067 h 1344281"/>
+                  <a:gd name="connsiteX12" fmla="*/ 2569580 w 3900668"/>
+                  <a:gd name="connsiteY12" fmla="*/ 496126 h 1344281"/>
+                  <a:gd name="connsiteX13" fmla="*/ 2812648 w 3900668"/>
+                  <a:gd name="connsiteY13" fmla="*/ 1167457 h 1344281"/>
+                  <a:gd name="connsiteX14" fmla="*/ 2916820 w 3900668"/>
+                  <a:gd name="connsiteY14" fmla="*/ 901239 h 1344281"/>
+                  <a:gd name="connsiteX15" fmla="*/ 3044142 w 3900668"/>
+                  <a:gd name="connsiteY15" fmla="*/ 1109584 h 1344281"/>
+                  <a:gd name="connsiteX16" fmla="*/ 3368233 w 3900668"/>
+                  <a:gd name="connsiteY16" fmla="*/ 553999 h 1344281"/>
+                  <a:gd name="connsiteX17" fmla="*/ 3495554 w 3900668"/>
+                  <a:gd name="connsiteY17" fmla="*/ 808642 h 1344281"/>
+                  <a:gd name="connsiteX18" fmla="*/ 3773347 w 3900668"/>
+                  <a:gd name="connsiteY18" fmla="*/ 391953 h 1344281"/>
+                  <a:gd name="connsiteX19" fmla="*/ 3900668 w 3900668"/>
+                  <a:gd name="connsiteY19" fmla="*/ 843366 h 1344281"/>
+                  <a:gd name="connsiteX0" fmla="*/ 0 w 3900668"/>
+                  <a:gd name="connsiteY0" fmla="*/ 480029 h 1302319"/>
+                  <a:gd name="connsiteX1" fmla="*/ 81023 w 3900668"/>
+                  <a:gd name="connsiteY1" fmla="*/ 480029 h 1302319"/>
+                  <a:gd name="connsiteX2" fmla="*/ 434179 w 3900668"/>
+                  <a:gd name="connsiteY2" fmla="*/ 329172 h 1302319"/>
+                  <a:gd name="connsiteX3" fmla="*/ 613458 w 3900668"/>
+                  <a:gd name="connsiteY3" fmla="*/ 1290257 h 1302319"/>
+                  <a:gd name="connsiteX4" fmla="*/ 810228 w 3900668"/>
+                  <a:gd name="connsiteY4" fmla="*/ 885143 h 1302319"/>
+                  <a:gd name="connsiteX5" fmla="*/ 925975 w 3900668"/>
+                  <a:gd name="connsiteY5" fmla="*/ 1128211 h 1302319"/>
+                  <a:gd name="connsiteX6" fmla="*/ 1215342 w 3900668"/>
+                  <a:gd name="connsiteY6" fmla="*/ 445305 h 1302319"/>
+                  <a:gd name="connsiteX7" fmla="*/ 1377387 w 3900668"/>
+                  <a:gd name="connsiteY7" fmla="*/ 595262 h 1302319"/>
+                  <a:gd name="connsiteX8" fmla="*/ 1597306 w 3900668"/>
+                  <a:gd name="connsiteY8" fmla="*/ 479000 h 1302319"/>
+                  <a:gd name="connsiteX9" fmla="*/ 1875099 w 3900668"/>
+                  <a:gd name="connsiteY9" fmla="*/ 1232384 h 1302319"/>
+                  <a:gd name="connsiteX10" fmla="*/ 2164466 w 3900668"/>
+                  <a:gd name="connsiteY10" fmla="*/ 5467 h 1302319"/>
+                  <a:gd name="connsiteX11" fmla="*/ 2291787 w 3900668"/>
+                  <a:gd name="connsiteY11" fmla="*/ 769396 h 1302319"/>
+                  <a:gd name="connsiteX12" fmla="*/ 2569580 w 3900668"/>
+                  <a:gd name="connsiteY12" fmla="*/ 468455 h 1302319"/>
+                  <a:gd name="connsiteX13" fmla="*/ 2812648 w 3900668"/>
+                  <a:gd name="connsiteY13" fmla="*/ 1139786 h 1302319"/>
+                  <a:gd name="connsiteX14" fmla="*/ 2916820 w 3900668"/>
+                  <a:gd name="connsiteY14" fmla="*/ 873568 h 1302319"/>
+                  <a:gd name="connsiteX15" fmla="*/ 3044142 w 3900668"/>
+                  <a:gd name="connsiteY15" fmla="*/ 1081913 h 1302319"/>
+                  <a:gd name="connsiteX16" fmla="*/ 3368233 w 3900668"/>
+                  <a:gd name="connsiteY16" fmla="*/ 526328 h 1302319"/>
+                  <a:gd name="connsiteX17" fmla="*/ 3495554 w 3900668"/>
+                  <a:gd name="connsiteY17" fmla="*/ 780971 h 1302319"/>
+                  <a:gd name="connsiteX18" fmla="*/ 3773347 w 3900668"/>
+                  <a:gd name="connsiteY18" fmla="*/ 364282 h 1302319"/>
+                  <a:gd name="connsiteX19" fmla="*/ 3900668 w 3900668"/>
+                  <a:gd name="connsiteY19" fmla="*/ 815695 h 1302319"/>
+                  <a:gd name="connsiteX0" fmla="*/ 0 w 3900668"/>
+                  <a:gd name="connsiteY0" fmla="*/ 704456 h 1462793"/>
+                  <a:gd name="connsiteX1" fmla="*/ 81023 w 3900668"/>
+                  <a:gd name="connsiteY1" fmla="*/ 704456 h 1462793"/>
+                  <a:gd name="connsiteX2" fmla="*/ 434179 w 3900668"/>
+                  <a:gd name="connsiteY2" fmla="*/ 553599 h 1462793"/>
+                  <a:gd name="connsiteX3" fmla="*/ 704898 w 3900668"/>
+                  <a:gd name="connsiteY3" fmla="*/ 11004 h 1462793"/>
+                  <a:gd name="connsiteX4" fmla="*/ 810228 w 3900668"/>
+                  <a:gd name="connsiteY4" fmla="*/ 1109570 h 1462793"/>
+                  <a:gd name="connsiteX5" fmla="*/ 925975 w 3900668"/>
+                  <a:gd name="connsiteY5" fmla="*/ 1352638 h 1462793"/>
+                  <a:gd name="connsiteX6" fmla="*/ 1215342 w 3900668"/>
+                  <a:gd name="connsiteY6" fmla="*/ 669732 h 1462793"/>
+                  <a:gd name="connsiteX7" fmla="*/ 1377387 w 3900668"/>
+                  <a:gd name="connsiteY7" fmla="*/ 819689 h 1462793"/>
+                  <a:gd name="connsiteX8" fmla="*/ 1597306 w 3900668"/>
+                  <a:gd name="connsiteY8" fmla="*/ 703427 h 1462793"/>
+                  <a:gd name="connsiteX9" fmla="*/ 1875099 w 3900668"/>
+                  <a:gd name="connsiteY9" fmla="*/ 1456811 h 1462793"/>
+                  <a:gd name="connsiteX10" fmla="*/ 2164466 w 3900668"/>
+                  <a:gd name="connsiteY10" fmla="*/ 229894 h 1462793"/>
+                  <a:gd name="connsiteX11" fmla="*/ 2291787 w 3900668"/>
+                  <a:gd name="connsiteY11" fmla="*/ 993823 h 1462793"/>
+                  <a:gd name="connsiteX12" fmla="*/ 2569580 w 3900668"/>
+                  <a:gd name="connsiteY12" fmla="*/ 692882 h 1462793"/>
+                  <a:gd name="connsiteX13" fmla="*/ 2812648 w 3900668"/>
+                  <a:gd name="connsiteY13" fmla="*/ 1364213 h 1462793"/>
+                  <a:gd name="connsiteX14" fmla="*/ 2916820 w 3900668"/>
+                  <a:gd name="connsiteY14" fmla="*/ 1097995 h 1462793"/>
+                  <a:gd name="connsiteX15" fmla="*/ 3044142 w 3900668"/>
+                  <a:gd name="connsiteY15" fmla="*/ 1306340 h 1462793"/>
+                  <a:gd name="connsiteX16" fmla="*/ 3368233 w 3900668"/>
+                  <a:gd name="connsiteY16" fmla="*/ 750755 h 1462793"/>
+                  <a:gd name="connsiteX17" fmla="*/ 3495554 w 3900668"/>
+                  <a:gd name="connsiteY17" fmla="*/ 1005398 h 1462793"/>
+                  <a:gd name="connsiteX18" fmla="*/ 3773347 w 3900668"/>
+                  <a:gd name="connsiteY18" fmla="*/ 588709 h 1462793"/>
+                  <a:gd name="connsiteX19" fmla="*/ 3900668 w 3900668"/>
+                  <a:gd name="connsiteY19" fmla="*/ 1040122 h 1462793"/>
+                  <a:gd name="connsiteX0" fmla="*/ 0 w 3900668"/>
+                  <a:gd name="connsiteY0" fmla="*/ 704806 h 1463143"/>
+                  <a:gd name="connsiteX1" fmla="*/ 81023 w 3900668"/>
+                  <a:gd name="connsiteY1" fmla="*/ 704806 h 1463143"/>
+                  <a:gd name="connsiteX2" fmla="*/ 434179 w 3900668"/>
+                  <a:gd name="connsiteY2" fmla="*/ 553949 h 1463143"/>
+                  <a:gd name="connsiteX3" fmla="*/ 704898 w 3900668"/>
+                  <a:gd name="connsiteY3" fmla="*/ 11354 h 1463143"/>
+                  <a:gd name="connsiteX4" fmla="*/ 789908 w 3900668"/>
+                  <a:gd name="connsiteY4" fmla="*/ 1120080 h 1463143"/>
+                  <a:gd name="connsiteX5" fmla="*/ 925975 w 3900668"/>
+                  <a:gd name="connsiteY5" fmla="*/ 1352988 h 1463143"/>
+                  <a:gd name="connsiteX6" fmla="*/ 1215342 w 3900668"/>
+                  <a:gd name="connsiteY6" fmla="*/ 670082 h 1463143"/>
+                  <a:gd name="connsiteX7" fmla="*/ 1377387 w 3900668"/>
+                  <a:gd name="connsiteY7" fmla="*/ 820039 h 1463143"/>
+                  <a:gd name="connsiteX8" fmla="*/ 1597306 w 3900668"/>
+                  <a:gd name="connsiteY8" fmla="*/ 703777 h 1463143"/>
+                  <a:gd name="connsiteX9" fmla="*/ 1875099 w 3900668"/>
+                  <a:gd name="connsiteY9" fmla="*/ 1457161 h 1463143"/>
+                  <a:gd name="connsiteX10" fmla="*/ 2164466 w 3900668"/>
+                  <a:gd name="connsiteY10" fmla="*/ 230244 h 1463143"/>
+                  <a:gd name="connsiteX11" fmla="*/ 2291787 w 3900668"/>
+                  <a:gd name="connsiteY11" fmla="*/ 994173 h 1463143"/>
+                  <a:gd name="connsiteX12" fmla="*/ 2569580 w 3900668"/>
+                  <a:gd name="connsiteY12" fmla="*/ 693232 h 1463143"/>
+                  <a:gd name="connsiteX13" fmla="*/ 2812648 w 3900668"/>
+                  <a:gd name="connsiteY13" fmla="*/ 1364563 h 1463143"/>
+                  <a:gd name="connsiteX14" fmla="*/ 2916820 w 3900668"/>
+                  <a:gd name="connsiteY14" fmla="*/ 1098345 h 1463143"/>
+                  <a:gd name="connsiteX15" fmla="*/ 3044142 w 3900668"/>
+                  <a:gd name="connsiteY15" fmla="*/ 1306690 h 1463143"/>
+                  <a:gd name="connsiteX16" fmla="*/ 3368233 w 3900668"/>
+                  <a:gd name="connsiteY16" fmla="*/ 751105 h 1463143"/>
+                  <a:gd name="connsiteX17" fmla="*/ 3495554 w 3900668"/>
+                  <a:gd name="connsiteY17" fmla="*/ 1005748 h 1463143"/>
+                  <a:gd name="connsiteX18" fmla="*/ 3773347 w 3900668"/>
+                  <a:gd name="connsiteY18" fmla="*/ 589059 h 1463143"/>
+                  <a:gd name="connsiteX19" fmla="*/ 3900668 w 3900668"/>
+                  <a:gd name="connsiteY19" fmla="*/ 1040472 h 1463143"/>
+                  <a:gd name="connsiteX0" fmla="*/ 0 w 3900668"/>
+                  <a:gd name="connsiteY0" fmla="*/ 704806 h 1463143"/>
+                  <a:gd name="connsiteX1" fmla="*/ 81023 w 3900668"/>
+                  <a:gd name="connsiteY1" fmla="*/ 704806 h 1463143"/>
+                  <a:gd name="connsiteX2" fmla="*/ 434179 w 3900668"/>
+                  <a:gd name="connsiteY2" fmla="*/ 553949 h 1463143"/>
+                  <a:gd name="connsiteX3" fmla="*/ 704898 w 3900668"/>
+                  <a:gd name="connsiteY3" fmla="*/ 11354 h 1463143"/>
+                  <a:gd name="connsiteX4" fmla="*/ 789908 w 3900668"/>
+                  <a:gd name="connsiteY4" fmla="*/ 1120080 h 1463143"/>
+                  <a:gd name="connsiteX5" fmla="*/ 925975 w 3900668"/>
+                  <a:gd name="connsiteY5" fmla="*/ 956748 h 1463143"/>
+                  <a:gd name="connsiteX6" fmla="*/ 1215342 w 3900668"/>
+                  <a:gd name="connsiteY6" fmla="*/ 670082 h 1463143"/>
+                  <a:gd name="connsiteX7" fmla="*/ 1377387 w 3900668"/>
+                  <a:gd name="connsiteY7" fmla="*/ 820039 h 1463143"/>
+                  <a:gd name="connsiteX8" fmla="*/ 1597306 w 3900668"/>
+                  <a:gd name="connsiteY8" fmla="*/ 703777 h 1463143"/>
+                  <a:gd name="connsiteX9" fmla="*/ 1875099 w 3900668"/>
+                  <a:gd name="connsiteY9" fmla="*/ 1457161 h 1463143"/>
+                  <a:gd name="connsiteX10" fmla="*/ 2164466 w 3900668"/>
+                  <a:gd name="connsiteY10" fmla="*/ 230244 h 1463143"/>
+                  <a:gd name="connsiteX11" fmla="*/ 2291787 w 3900668"/>
+                  <a:gd name="connsiteY11" fmla="*/ 994173 h 1463143"/>
+                  <a:gd name="connsiteX12" fmla="*/ 2569580 w 3900668"/>
+                  <a:gd name="connsiteY12" fmla="*/ 693232 h 1463143"/>
+                  <a:gd name="connsiteX13" fmla="*/ 2812648 w 3900668"/>
+                  <a:gd name="connsiteY13" fmla="*/ 1364563 h 1463143"/>
+                  <a:gd name="connsiteX14" fmla="*/ 2916820 w 3900668"/>
+                  <a:gd name="connsiteY14" fmla="*/ 1098345 h 1463143"/>
+                  <a:gd name="connsiteX15" fmla="*/ 3044142 w 3900668"/>
+                  <a:gd name="connsiteY15" fmla="*/ 1306690 h 1463143"/>
+                  <a:gd name="connsiteX16" fmla="*/ 3368233 w 3900668"/>
+                  <a:gd name="connsiteY16" fmla="*/ 751105 h 1463143"/>
+                  <a:gd name="connsiteX17" fmla="*/ 3495554 w 3900668"/>
+                  <a:gd name="connsiteY17" fmla="*/ 1005748 h 1463143"/>
+                  <a:gd name="connsiteX18" fmla="*/ 3773347 w 3900668"/>
+                  <a:gd name="connsiteY18" fmla="*/ 589059 h 1463143"/>
+                  <a:gd name="connsiteX19" fmla="*/ 3900668 w 3900668"/>
+                  <a:gd name="connsiteY19" fmla="*/ 1040472 h 1463143"/>
+                  <a:gd name="connsiteX0" fmla="*/ 0 w 3900668"/>
+                  <a:gd name="connsiteY0" fmla="*/ 704806 h 1463143"/>
+                  <a:gd name="connsiteX1" fmla="*/ 81023 w 3900668"/>
+                  <a:gd name="connsiteY1" fmla="*/ 704806 h 1463143"/>
+                  <a:gd name="connsiteX2" fmla="*/ 434179 w 3900668"/>
+                  <a:gd name="connsiteY2" fmla="*/ 553949 h 1463143"/>
+                  <a:gd name="connsiteX3" fmla="*/ 704898 w 3900668"/>
+                  <a:gd name="connsiteY3" fmla="*/ 11354 h 1463143"/>
+                  <a:gd name="connsiteX4" fmla="*/ 789908 w 3900668"/>
+                  <a:gd name="connsiteY4" fmla="*/ 1120080 h 1463143"/>
+                  <a:gd name="connsiteX5" fmla="*/ 925975 w 3900668"/>
+                  <a:gd name="connsiteY5" fmla="*/ 956748 h 1463143"/>
+                  <a:gd name="connsiteX6" fmla="*/ 1205182 w 3900668"/>
+                  <a:gd name="connsiteY6" fmla="*/ 964722 h 1463143"/>
+                  <a:gd name="connsiteX7" fmla="*/ 1377387 w 3900668"/>
+                  <a:gd name="connsiteY7" fmla="*/ 820039 h 1463143"/>
+                  <a:gd name="connsiteX8" fmla="*/ 1597306 w 3900668"/>
+                  <a:gd name="connsiteY8" fmla="*/ 703777 h 1463143"/>
+                  <a:gd name="connsiteX9" fmla="*/ 1875099 w 3900668"/>
+                  <a:gd name="connsiteY9" fmla="*/ 1457161 h 1463143"/>
+                  <a:gd name="connsiteX10" fmla="*/ 2164466 w 3900668"/>
+                  <a:gd name="connsiteY10" fmla="*/ 230244 h 1463143"/>
+                  <a:gd name="connsiteX11" fmla="*/ 2291787 w 3900668"/>
+                  <a:gd name="connsiteY11" fmla="*/ 994173 h 1463143"/>
+                  <a:gd name="connsiteX12" fmla="*/ 2569580 w 3900668"/>
+                  <a:gd name="connsiteY12" fmla="*/ 693232 h 1463143"/>
+                  <a:gd name="connsiteX13" fmla="*/ 2812648 w 3900668"/>
+                  <a:gd name="connsiteY13" fmla="*/ 1364563 h 1463143"/>
+                  <a:gd name="connsiteX14" fmla="*/ 2916820 w 3900668"/>
+                  <a:gd name="connsiteY14" fmla="*/ 1098345 h 1463143"/>
+                  <a:gd name="connsiteX15" fmla="*/ 3044142 w 3900668"/>
+                  <a:gd name="connsiteY15" fmla="*/ 1306690 h 1463143"/>
+                  <a:gd name="connsiteX16" fmla="*/ 3368233 w 3900668"/>
+                  <a:gd name="connsiteY16" fmla="*/ 751105 h 1463143"/>
+                  <a:gd name="connsiteX17" fmla="*/ 3495554 w 3900668"/>
+                  <a:gd name="connsiteY17" fmla="*/ 1005748 h 1463143"/>
+                  <a:gd name="connsiteX18" fmla="*/ 3773347 w 3900668"/>
+                  <a:gd name="connsiteY18" fmla="*/ 589059 h 1463143"/>
+                  <a:gd name="connsiteX19" fmla="*/ 3900668 w 3900668"/>
+                  <a:gd name="connsiteY19" fmla="*/ 1040472 h 1463143"/>
+                  <a:gd name="connsiteX0" fmla="*/ 0 w 3900668"/>
+                  <a:gd name="connsiteY0" fmla="*/ 704806 h 1463143"/>
+                  <a:gd name="connsiteX1" fmla="*/ 81023 w 3900668"/>
+                  <a:gd name="connsiteY1" fmla="*/ 704806 h 1463143"/>
+                  <a:gd name="connsiteX2" fmla="*/ 434179 w 3900668"/>
+                  <a:gd name="connsiteY2" fmla="*/ 553949 h 1463143"/>
+                  <a:gd name="connsiteX3" fmla="*/ 704898 w 3900668"/>
+                  <a:gd name="connsiteY3" fmla="*/ 11354 h 1463143"/>
+                  <a:gd name="connsiteX4" fmla="*/ 789908 w 3900668"/>
+                  <a:gd name="connsiteY4" fmla="*/ 1120080 h 1463143"/>
+                  <a:gd name="connsiteX5" fmla="*/ 925975 w 3900668"/>
+                  <a:gd name="connsiteY5" fmla="*/ 956748 h 1463143"/>
+                  <a:gd name="connsiteX6" fmla="*/ 1205182 w 3900668"/>
+                  <a:gd name="connsiteY6" fmla="*/ 964722 h 1463143"/>
+                  <a:gd name="connsiteX7" fmla="*/ 1377387 w 3900668"/>
+                  <a:gd name="connsiteY7" fmla="*/ 820039 h 1463143"/>
+                  <a:gd name="connsiteX8" fmla="*/ 1597306 w 3900668"/>
+                  <a:gd name="connsiteY8" fmla="*/ 703777 h 1463143"/>
+                  <a:gd name="connsiteX9" fmla="*/ 1875099 w 3900668"/>
+                  <a:gd name="connsiteY9" fmla="*/ 1457161 h 1463143"/>
+                  <a:gd name="connsiteX10" fmla="*/ 2164466 w 3900668"/>
+                  <a:gd name="connsiteY10" fmla="*/ 230244 h 1463143"/>
+                  <a:gd name="connsiteX11" fmla="*/ 2291787 w 3900668"/>
+                  <a:gd name="connsiteY11" fmla="*/ 994173 h 1463143"/>
+                  <a:gd name="connsiteX12" fmla="*/ 2569580 w 3900668"/>
+                  <a:gd name="connsiteY12" fmla="*/ 693232 h 1463143"/>
+                  <a:gd name="connsiteX13" fmla="*/ 2812648 w 3900668"/>
+                  <a:gd name="connsiteY13" fmla="*/ 1364563 h 1463143"/>
+                  <a:gd name="connsiteX14" fmla="*/ 2916820 w 3900668"/>
+                  <a:gd name="connsiteY14" fmla="*/ 1098345 h 1463143"/>
+                  <a:gd name="connsiteX15" fmla="*/ 3044142 w 3900668"/>
+                  <a:gd name="connsiteY15" fmla="*/ 1306690 h 1463143"/>
+                  <a:gd name="connsiteX16" fmla="*/ 3368233 w 3900668"/>
+                  <a:gd name="connsiteY16" fmla="*/ 751105 h 1463143"/>
+                  <a:gd name="connsiteX17" fmla="*/ 3515874 w 3900668"/>
+                  <a:gd name="connsiteY17" fmla="*/ 375828 h 1463143"/>
+                  <a:gd name="connsiteX18" fmla="*/ 3773347 w 3900668"/>
+                  <a:gd name="connsiteY18" fmla="*/ 589059 h 1463143"/>
+                  <a:gd name="connsiteX19" fmla="*/ 3900668 w 3900668"/>
+                  <a:gd name="connsiteY19" fmla="*/ 1040472 h 1463143"/>
+                  <a:gd name="connsiteX0" fmla="*/ 0 w 3900668"/>
+                  <a:gd name="connsiteY0" fmla="*/ 704806 h 1463143"/>
+                  <a:gd name="connsiteX1" fmla="*/ 81023 w 3900668"/>
+                  <a:gd name="connsiteY1" fmla="*/ 704806 h 1463143"/>
+                  <a:gd name="connsiteX2" fmla="*/ 434179 w 3900668"/>
+                  <a:gd name="connsiteY2" fmla="*/ 553949 h 1463143"/>
+                  <a:gd name="connsiteX3" fmla="*/ 704898 w 3900668"/>
+                  <a:gd name="connsiteY3" fmla="*/ 11354 h 1463143"/>
+                  <a:gd name="connsiteX4" fmla="*/ 789908 w 3900668"/>
+                  <a:gd name="connsiteY4" fmla="*/ 1120080 h 1463143"/>
+                  <a:gd name="connsiteX5" fmla="*/ 925975 w 3900668"/>
+                  <a:gd name="connsiteY5" fmla="*/ 956748 h 1463143"/>
+                  <a:gd name="connsiteX6" fmla="*/ 1205182 w 3900668"/>
+                  <a:gd name="connsiteY6" fmla="*/ 964722 h 1463143"/>
+                  <a:gd name="connsiteX7" fmla="*/ 1377387 w 3900668"/>
+                  <a:gd name="connsiteY7" fmla="*/ 820039 h 1463143"/>
+                  <a:gd name="connsiteX8" fmla="*/ 1597306 w 3900668"/>
+                  <a:gd name="connsiteY8" fmla="*/ 703777 h 1463143"/>
+                  <a:gd name="connsiteX9" fmla="*/ 1875099 w 3900668"/>
+                  <a:gd name="connsiteY9" fmla="*/ 1457161 h 1463143"/>
+                  <a:gd name="connsiteX10" fmla="*/ 2164466 w 3900668"/>
+                  <a:gd name="connsiteY10" fmla="*/ 230244 h 1463143"/>
+                  <a:gd name="connsiteX11" fmla="*/ 2291787 w 3900668"/>
+                  <a:gd name="connsiteY11" fmla="*/ 994173 h 1463143"/>
+                  <a:gd name="connsiteX12" fmla="*/ 2569580 w 3900668"/>
+                  <a:gd name="connsiteY12" fmla="*/ 693232 h 1463143"/>
+                  <a:gd name="connsiteX13" fmla="*/ 2812648 w 3900668"/>
+                  <a:gd name="connsiteY13" fmla="*/ 1364563 h 1463143"/>
+                  <a:gd name="connsiteX14" fmla="*/ 2916820 w 3900668"/>
+                  <a:gd name="connsiteY14" fmla="*/ 1098345 h 1463143"/>
+                  <a:gd name="connsiteX15" fmla="*/ 3044142 w 3900668"/>
+                  <a:gd name="connsiteY15" fmla="*/ 1306690 h 1463143"/>
+                  <a:gd name="connsiteX16" fmla="*/ 3368233 w 3900668"/>
+                  <a:gd name="connsiteY16" fmla="*/ 751105 h 1463143"/>
+                  <a:gd name="connsiteX17" fmla="*/ 3515874 w 3900668"/>
+                  <a:gd name="connsiteY17" fmla="*/ 375828 h 1463143"/>
+                  <a:gd name="connsiteX18" fmla="*/ 3722547 w 3900668"/>
+                  <a:gd name="connsiteY18" fmla="*/ 1147859 h 1463143"/>
+                  <a:gd name="connsiteX19" fmla="*/ 3900668 w 3900668"/>
+                  <a:gd name="connsiteY19" fmla="*/ 1040472 h 1463143"/>
+                  <a:gd name="connsiteX0" fmla="*/ 0 w 3900668"/>
+                  <a:gd name="connsiteY0" fmla="*/ 704806 h 1463143"/>
+                  <a:gd name="connsiteX1" fmla="*/ 81023 w 3900668"/>
+                  <a:gd name="connsiteY1" fmla="*/ 704806 h 1463143"/>
+                  <a:gd name="connsiteX2" fmla="*/ 434179 w 3900668"/>
+                  <a:gd name="connsiteY2" fmla="*/ 553949 h 1463143"/>
+                  <a:gd name="connsiteX3" fmla="*/ 704898 w 3900668"/>
+                  <a:gd name="connsiteY3" fmla="*/ 11354 h 1463143"/>
+                  <a:gd name="connsiteX4" fmla="*/ 789908 w 3900668"/>
+                  <a:gd name="connsiteY4" fmla="*/ 1120080 h 1463143"/>
+                  <a:gd name="connsiteX5" fmla="*/ 925975 w 3900668"/>
+                  <a:gd name="connsiteY5" fmla="*/ 956748 h 1463143"/>
+                  <a:gd name="connsiteX6" fmla="*/ 1205182 w 3900668"/>
+                  <a:gd name="connsiteY6" fmla="*/ 964722 h 1463143"/>
+                  <a:gd name="connsiteX7" fmla="*/ 1377387 w 3900668"/>
+                  <a:gd name="connsiteY7" fmla="*/ 820039 h 1463143"/>
+                  <a:gd name="connsiteX8" fmla="*/ 1597306 w 3900668"/>
+                  <a:gd name="connsiteY8" fmla="*/ 703777 h 1463143"/>
+                  <a:gd name="connsiteX9" fmla="*/ 1875099 w 3900668"/>
+                  <a:gd name="connsiteY9" fmla="*/ 1457161 h 1463143"/>
+                  <a:gd name="connsiteX10" fmla="*/ 2164466 w 3900668"/>
+                  <a:gd name="connsiteY10" fmla="*/ 230244 h 1463143"/>
+                  <a:gd name="connsiteX11" fmla="*/ 2291787 w 3900668"/>
+                  <a:gd name="connsiteY11" fmla="*/ 994173 h 1463143"/>
+                  <a:gd name="connsiteX12" fmla="*/ 2569580 w 3900668"/>
+                  <a:gd name="connsiteY12" fmla="*/ 693232 h 1463143"/>
+                  <a:gd name="connsiteX13" fmla="*/ 2812648 w 3900668"/>
+                  <a:gd name="connsiteY13" fmla="*/ 1364563 h 1463143"/>
+                  <a:gd name="connsiteX14" fmla="*/ 2916820 w 3900668"/>
+                  <a:gd name="connsiteY14" fmla="*/ 1098345 h 1463143"/>
+                  <a:gd name="connsiteX15" fmla="*/ 3074622 w 3900668"/>
+                  <a:gd name="connsiteY15" fmla="*/ 1174610 h 1463143"/>
+                  <a:gd name="connsiteX16" fmla="*/ 3368233 w 3900668"/>
+                  <a:gd name="connsiteY16" fmla="*/ 751105 h 1463143"/>
+                  <a:gd name="connsiteX17" fmla="*/ 3515874 w 3900668"/>
+                  <a:gd name="connsiteY17" fmla="*/ 375828 h 1463143"/>
+                  <a:gd name="connsiteX18" fmla="*/ 3722547 w 3900668"/>
+                  <a:gd name="connsiteY18" fmla="*/ 1147859 h 1463143"/>
+                  <a:gd name="connsiteX19" fmla="*/ 3900668 w 3900668"/>
+                  <a:gd name="connsiteY19" fmla="*/ 1040472 h 1463143"/>
+                  <a:gd name="connsiteX0" fmla="*/ 0 w 3900668"/>
+                  <a:gd name="connsiteY0" fmla="*/ 704806 h 1463143"/>
+                  <a:gd name="connsiteX1" fmla="*/ 81023 w 3900668"/>
+                  <a:gd name="connsiteY1" fmla="*/ 704806 h 1463143"/>
+                  <a:gd name="connsiteX2" fmla="*/ 434179 w 3900668"/>
+                  <a:gd name="connsiteY2" fmla="*/ 553949 h 1463143"/>
+                  <a:gd name="connsiteX3" fmla="*/ 704898 w 3900668"/>
+                  <a:gd name="connsiteY3" fmla="*/ 11354 h 1463143"/>
+                  <a:gd name="connsiteX4" fmla="*/ 789908 w 3900668"/>
+                  <a:gd name="connsiteY4" fmla="*/ 1120080 h 1463143"/>
+                  <a:gd name="connsiteX5" fmla="*/ 925975 w 3900668"/>
+                  <a:gd name="connsiteY5" fmla="*/ 956748 h 1463143"/>
+                  <a:gd name="connsiteX6" fmla="*/ 1205182 w 3900668"/>
+                  <a:gd name="connsiteY6" fmla="*/ 964722 h 1463143"/>
+                  <a:gd name="connsiteX7" fmla="*/ 1377387 w 3900668"/>
+                  <a:gd name="connsiteY7" fmla="*/ 820039 h 1463143"/>
+                  <a:gd name="connsiteX8" fmla="*/ 1597306 w 3900668"/>
+                  <a:gd name="connsiteY8" fmla="*/ 703777 h 1463143"/>
+                  <a:gd name="connsiteX9" fmla="*/ 1875099 w 3900668"/>
+                  <a:gd name="connsiteY9" fmla="*/ 1457161 h 1463143"/>
+                  <a:gd name="connsiteX10" fmla="*/ 2164466 w 3900668"/>
+                  <a:gd name="connsiteY10" fmla="*/ 230244 h 1463143"/>
+                  <a:gd name="connsiteX11" fmla="*/ 2291787 w 3900668"/>
+                  <a:gd name="connsiteY11" fmla="*/ 994173 h 1463143"/>
+                  <a:gd name="connsiteX12" fmla="*/ 2569580 w 3900668"/>
+                  <a:gd name="connsiteY12" fmla="*/ 916752 h 1463143"/>
+                  <a:gd name="connsiteX13" fmla="*/ 2812648 w 3900668"/>
+                  <a:gd name="connsiteY13" fmla="*/ 1364563 h 1463143"/>
+                  <a:gd name="connsiteX14" fmla="*/ 2916820 w 3900668"/>
+                  <a:gd name="connsiteY14" fmla="*/ 1098345 h 1463143"/>
+                  <a:gd name="connsiteX15" fmla="*/ 3074622 w 3900668"/>
+                  <a:gd name="connsiteY15" fmla="*/ 1174610 h 1463143"/>
+                  <a:gd name="connsiteX16" fmla="*/ 3368233 w 3900668"/>
+                  <a:gd name="connsiteY16" fmla="*/ 751105 h 1463143"/>
+                  <a:gd name="connsiteX17" fmla="*/ 3515874 w 3900668"/>
+                  <a:gd name="connsiteY17" fmla="*/ 375828 h 1463143"/>
+                  <a:gd name="connsiteX18" fmla="*/ 3722547 w 3900668"/>
+                  <a:gd name="connsiteY18" fmla="*/ 1147859 h 1463143"/>
+                  <a:gd name="connsiteX19" fmla="*/ 3900668 w 3900668"/>
+                  <a:gd name="connsiteY19" fmla="*/ 1040472 h 1463143"/>
+                  <a:gd name="connsiteX0" fmla="*/ 0 w 3900668"/>
+                  <a:gd name="connsiteY0" fmla="*/ 704806 h 1463143"/>
+                  <a:gd name="connsiteX1" fmla="*/ 81023 w 3900668"/>
+                  <a:gd name="connsiteY1" fmla="*/ 704806 h 1463143"/>
+                  <a:gd name="connsiteX2" fmla="*/ 434179 w 3900668"/>
+                  <a:gd name="connsiteY2" fmla="*/ 553949 h 1463143"/>
+                  <a:gd name="connsiteX3" fmla="*/ 704898 w 3900668"/>
+                  <a:gd name="connsiteY3" fmla="*/ 11354 h 1463143"/>
+                  <a:gd name="connsiteX4" fmla="*/ 789908 w 3900668"/>
+                  <a:gd name="connsiteY4" fmla="*/ 1120080 h 1463143"/>
+                  <a:gd name="connsiteX5" fmla="*/ 925975 w 3900668"/>
+                  <a:gd name="connsiteY5" fmla="*/ 956748 h 1463143"/>
+                  <a:gd name="connsiteX6" fmla="*/ 1205182 w 3900668"/>
+                  <a:gd name="connsiteY6" fmla="*/ 964722 h 1463143"/>
+                  <a:gd name="connsiteX7" fmla="*/ 1377387 w 3900668"/>
+                  <a:gd name="connsiteY7" fmla="*/ 820039 h 1463143"/>
+                  <a:gd name="connsiteX8" fmla="*/ 1597306 w 3900668"/>
+                  <a:gd name="connsiteY8" fmla="*/ 703777 h 1463143"/>
+                  <a:gd name="connsiteX9" fmla="*/ 1875099 w 3900668"/>
+                  <a:gd name="connsiteY9" fmla="*/ 1457161 h 1463143"/>
+                  <a:gd name="connsiteX10" fmla="*/ 2164466 w 3900668"/>
+                  <a:gd name="connsiteY10" fmla="*/ 230244 h 1463143"/>
+                  <a:gd name="connsiteX11" fmla="*/ 2383227 w 3900668"/>
+                  <a:gd name="connsiteY11" fmla="*/ 719853 h 1463143"/>
+                  <a:gd name="connsiteX12" fmla="*/ 2569580 w 3900668"/>
+                  <a:gd name="connsiteY12" fmla="*/ 916752 h 1463143"/>
+                  <a:gd name="connsiteX13" fmla="*/ 2812648 w 3900668"/>
+                  <a:gd name="connsiteY13" fmla="*/ 1364563 h 1463143"/>
+                  <a:gd name="connsiteX14" fmla="*/ 2916820 w 3900668"/>
+                  <a:gd name="connsiteY14" fmla="*/ 1098345 h 1463143"/>
+                  <a:gd name="connsiteX15" fmla="*/ 3074622 w 3900668"/>
+                  <a:gd name="connsiteY15" fmla="*/ 1174610 h 1463143"/>
+                  <a:gd name="connsiteX16" fmla="*/ 3368233 w 3900668"/>
+                  <a:gd name="connsiteY16" fmla="*/ 751105 h 1463143"/>
+                  <a:gd name="connsiteX17" fmla="*/ 3515874 w 3900668"/>
+                  <a:gd name="connsiteY17" fmla="*/ 375828 h 1463143"/>
+                  <a:gd name="connsiteX18" fmla="*/ 3722547 w 3900668"/>
+                  <a:gd name="connsiteY18" fmla="*/ 1147859 h 1463143"/>
+                  <a:gd name="connsiteX19" fmla="*/ 3900668 w 3900668"/>
+                  <a:gd name="connsiteY19" fmla="*/ 1040472 h 1463143"/>
+                  <a:gd name="connsiteX0" fmla="*/ 0 w 3900668"/>
+                  <a:gd name="connsiteY0" fmla="*/ 704806 h 1463143"/>
+                  <a:gd name="connsiteX1" fmla="*/ 81023 w 3900668"/>
+                  <a:gd name="connsiteY1" fmla="*/ 704806 h 1463143"/>
+                  <a:gd name="connsiteX2" fmla="*/ 434179 w 3900668"/>
+                  <a:gd name="connsiteY2" fmla="*/ 553949 h 1463143"/>
+                  <a:gd name="connsiteX3" fmla="*/ 704898 w 3900668"/>
+                  <a:gd name="connsiteY3" fmla="*/ 11354 h 1463143"/>
+                  <a:gd name="connsiteX4" fmla="*/ 789908 w 3900668"/>
+                  <a:gd name="connsiteY4" fmla="*/ 1120080 h 1463143"/>
+                  <a:gd name="connsiteX5" fmla="*/ 925975 w 3900668"/>
+                  <a:gd name="connsiteY5" fmla="*/ 956748 h 1463143"/>
+                  <a:gd name="connsiteX6" fmla="*/ 1205182 w 3900668"/>
+                  <a:gd name="connsiteY6" fmla="*/ 964722 h 1463143"/>
+                  <a:gd name="connsiteX7" fmla="*/ 1377387 w 3900668"/>
+                  <a:gd name="connsiteY7" fmla="*/ 820039 h 1463143"/>
+                  <a:gd name="connsiteX8" fmla="*/ 1597306 w 3900668"/>
+                  <a:gd name="connsiteY8" fmla="*/ 703777 h 1463143"/>
+                  <a:gd name="connsiteX9" fmla="*/ 1875099 w 3900668"/>
+                  <a:gd name="connsiteY9" fmla="*/ 1457161 h 1463143"/>
+                  <a:gd name="connsiteX10" fmla="*/ 2164466 w 3900668"/>
+                  <a:gd name="connsiteY10" fmla="*/ 230244 h 1463143"/>
+                  <a:gd name="connsiteX11" fmla="*/ 2383227 w 3900668"/>
+                  <a:gd name="connsiteY11" fmla="*/ 719853 h 1463143"/>
+                  <a:gd name="connsiteX12" fmla="*/ 2549260 w 3900668"/>
+                  <a:gd name="connsiteY12" fmla="*/ 1180912 h 1463143"/>
+                  <a:gd name="connsiteX13" fmla="*/ 2812648 w 3900668"/>
+                  <a:gd name="connsiteY13" fmla="*/ 1364563 h 1463143"/>
+                  <a:gd name="connsiteX14" fmla="*/ 2916820 w 3900668"/>
+                  <a:gd name="connsiteY14" fmla="*/ 1098345 h 1463143"/>
+                  <a:gd name="connsiteX15" fmla="*/ 3074622 w 3900668"/>
+                  <a:gd name="connsiteY15" fmla="*/ 1174610 h 1463143"/>
+                  <a:gd name="connsiteX16" fmla="*/ 3368233 w 3900668"/>
+                  <a:gd name="connsiteY16" fmla="*/ 751105 h 1463143"/>
+                  <a:gd name="connsiteX17" fmla="*/ 3515874 w 3900668"/>
+                  <a:gd name="connsiteY17" fmla="*/ 375828 h 1463143"/>
+                  <a:gd name="connsiteX18" fmla="*/ 3722547 w 3900668"/>
+                  <a:gd name="connsiteY18" fmla="*/ 1147859 h 1463143"/>
+                  <a:gd name="connsiteX19" fmla="*/ 3900668 w 3900668"/>
+                  <a:gd name="connsiteY19" fmla="*/ 1040472 h 1463143"/>
+                  <a:gd name="connsiteX0" fmla="*/ 0 w 3900668"/>
+                  <a:gd name="connsiteY0" fmla="*/ 704806 h 1463143"/>
+                  <a:gd name="connsiteX1" fmla="*/ 81023 w 3900668"/>
+                  <a:gd name="connsiteY1" fmla="*/ 704806 h 1463143"/>
+                  <a:gd name="connsiteX2" fmla="*/ 434179 w 3900668"/>
+                  <a:gd name="connsiteY2" fmla="*/ 553949 h 1463143"/>
+                  <a:gd name="connsiteX3" fmla="*/ 704898 w 3900668"/>
+                  <a:gd name="connsiteY3" fmla="*/ 11354 h 1463143"/>
+                  <a:gd name="connsiteX4" fmla="*/ 789908 w 3900668"/>
+                  <a:gd name="connsiteY4" fmla="*/ 1120080 h 1463143"/>
+                  <a:gd name="connsiteX5" fmla="*/ 925975 w 3900668"/>
+                  <a:gd name="connsiteY5" fmla="*/ 956748 h 1463143"/>
+                  <a:gd name="connsiteX6" fmla="*/ 1205182 w 3900668"/>
+                  <a:gd name="connsiteY6" fmla="*/ 964722 h 1463143"/>
+                  <a:gd name="connsiteX7" fmla="*/ 1377387 w 3900668"/>
+                  <a:gd name="connsiteY7" fmla="*/ 820039 h 1463143"/>
+                  <a:gd name="connsiteX8" fmla="*/ 1597306 w 3900668"/>
+                  <a:gd name="connsiteY8" fmla="*/ 703777 h 1463143"/>
+                  <a:gd name="connsiteX9" fmla="*/ 1875099 w 3900668"/>
+                  <a:gd name="connsiteY9" fmla="*/ 1457161 h 1463143"/>
+                  <a:gd name="connsiteX10" fmla="*/ 2164466 w 3900668"/>
+                  <a:gd name="connsiteY10" fmla="*/ 230244 h 1463143"/>
+                  <a:gd name="connsiteX11" fmla="*/ 2383227 w 3900668"/>
+                  <a:gd name="connsiteY11" fmla="*/ 719853 h 1463143"/>
+                  <a:gd name="connsiteX12" fmla="*/ 2549260 w 3900668"/>
+                  <a:gd name="connsiteY12" fmla="*/ 1180912 h 1463143"/>
+                  <a:gd name="connsiteX13" fmla="*/ 2772008 w 3900668"/>
+                  <a:gd name="connsiteY13" fmla="*/ 876883 h 1463143"/>
+                  <a:gd name="connsiteX14" fmla="*/ 2916820 w 3900668"/>
+                  <a:gd name="connsiteY14" fmla="*/ 1098345 h 1463143"/>
+                  <a:gd name="connsiteX15" fmla="*/ 3074622 w 3900668"/>
+                  <a:gd name="connsiteY15" fmla="*/ 1174610 h 1463143"/>
+                  <a:gd name="connsiteX16" fmla="*/ 3368233 w 3900668"/>
+                  <a:gd name="connsiteY16" fmla="*/ 751105 h 1463143"/>
+                  <a:gd name="connsiteX17" fmla="*/ 3515874 w 3900668"/>
+                  <a:gd name="connsiteY17" fmla="*/ 375828 h 1463143"/>
+                  <a:gd name="connsiteX18" fmla="*/ 3722547 w 3900668"/>
+                  <a:gd name="connsiteY18" fmla="*/ 1147859 h 1463143"/>
+                  <a:gd name="connsiteX19" fmla="*/ 3900668 w 3900668"/>
+                  <a:gd name="connsiteY19" fmla="*/ 1040472 h 1463143"/>
+                  <a:gd name="connsiteX0" fmla="*/ 0 w 3900668"/>
+                  <a:gd name="connsiteY0" fmla="*/ 704806 h 1463143"/>
+                  <a:gd name="connsiteX1" fmla="*/ 81023 w 3900668"/>
+                  <a:gd name="connsiteY1" fmla="*/ 704806 h 1463143"/>
+                  <a:gd name="connsiteX2" fmla="*/ 434179 w 3900668"/>
+                  <a:gd name="connsiteY2" fmla="*/ 553949 h 1463143"/>
+                  <a:gd name="connsiteX3" fmla="*/ 704898 w 3900668"/>
+                  <a:gd name="connsiteY3" fmla="*/ 11354 h 1463143"/>
+                  <a:gd name="connsiteX4" fmla="*/ 789908 w 3900668"/>
+                  <a:gd name="connsiteY4" fmla="*/ 1120080 h 1463143"/>
+                  <a:gd name="connsiteX5" fmla="*/ 925975 w 3900668"/>
+                  <a:gd name="connsiteY5" fmla="*/ 956748 h 1463143"/>
+                  <a:gd name="connsiteX6" fmla="*/ 1205182 w 3900668"/>
+                  <a:gd name="connsiteY6" fmla="*/ 964722 h 1463143"/>
+                  <a:gd name="connsiteX7" fmla="*/ 1377387 w 3900668"/>
+                  <a:gd name="connsiteY7" fmla="*/ 820039 h 1463143"/>
+                  <a:gd name="connsiteX8" fmla="*/ 1597306 w 3900668"/>
+                  <a:gd name="connsiteY8" fmla="*/ 703777 h 1463143"/>
+                  <a:gd name="connsiteX9" fmla="*/ 1875099 w 3900668"/>
+                  <a:gd name="connsiteY9" fmla="*/ 1457161 h 1463143"/>
+                  <a:gd name="connsiteX10" fmla="*/ 2164466 w 3900668"/>
+                  <a:gd name="connsiteY10" fmla="*/ 230244 h 1463143"/>
+                  <a:gd name="connsiteX11" fmla="*/ 2383227 w 3900668"/>
+                  <a:gd name="connsiteY11" fmla="*/ 719853 h 1463143"/>
+                  <a:gd name="connsiteX12" fmla="*/ 2549260 w 3900668"/>
+                  <a:gd name="connsiteY12" fmla="*/ 1180912 h 1463143"/>
+                  <a:gd name="connsiteX13" fmla="*/ 2772008 w 3900668"/>
+                  <a:gd name="connsiteY13" fmla="*/ 876883 h 1463143"/>
+                  <a:gd name="connsiteX14" fmla="*/ 2916820 w 3900668"/>
+                  <a:gd name="connsiteY14" fmla="*/ 1098345 h 1463143"/>
+                  <a:gd name="connsiteX15" fmla="*/ 3094942 w 3900668"/>
+                  <a:gd name="connsiteY15" fmla="*/ 991730 h 1463143"/>
+                  <a:gd name="connsiteX16" fmla="*/ 3368233 w 3900668"/>
+                  <a:gd name="connsiteY16" fmla="*/ 751105 h 1463143"/>
+                  <a:gd name="connsiteX17" fmla="*/ 3515874 w 3900668"/>
+                  <a:gd name="connsiteY17" fmla="*/ 375828 h 1463143"/>
+                  <a:gd name="connsiteX18" fmla="*/ 3722547 w 3900668"/>
+                  <a:gd name="connsiteY18" fmla="*/ 1147859 h 1463143"/>
+                  <a:gd name="connsiteX19" fmla="*/ 3900668 w 3900668"/>
+                  <a:gd name="connsiteY19" fmla="*/ 1040472 h 1463143"/>
+                  <a:gd name="connsiteX0" fmla="*/ 0 w 3900668"/>
+                  <a:gd name="connsiteY0" fmla="*/ 704806 h 1463143"/>
+                  <a:gd name="connsiteX1" fmla="*/ 81023 w 3900668"/>
+                  <a:gd name="connsiteY1" fmla="*/ 704806 h 1463143"/>
+                  <a:gd name="connsiteX2" fmla="*/ 434179 w 3900668"/>
+                  <a:gd name="connsiteY2" fmla="*/ 553949 h 1463143"/>
+                  <a:gd name="connsiteX3" fmla="*/ 704898 w 3900668"/>
+                  <a:gd name="connsiteY3" fmla="*/ 11354 h 1463143"/>
+                  <a:gd name="connsiteX4" fmla="*/ 789908 w 3900668"/>
+                  <a:gd name="connsiteY4" fmla="*/ 1120080 h 1463143"/>
+                  <a:gd name="connsiteX5" fmla="*/ 925975 w 3900668"/>
+                  <a:gd name="connsiteY5" fmla="*/ 956748 h 1463143"/>
+                  <a:gd name="connsiteX6" fmla="*/ 1205182 w 3900668"/>
+                  <a:gd name="connsiteY6" fmla="*/ 964722 h 1463143"/>
+                  <a:gd name="connsiteX7" fmla="*/ 1377387 w 3900668"/>
+                  <a:gd name="connsiteY7" fmla="*/ 820039 h 1463143"/>
+                  <a:gd name="connsiteX8" fmla="*/ 1597306 w 3900668"/>
+                  <a:gd name="connsiteY8" fmla="*/ 703777 h 1463143"/>
+                  <a:gd name="connsiteX9" fmla="*/ 1875099 w 3900668"/>
+                  <a:gd name="connsiteY9" fmla="*/ 1457161 h 1463143"/>
+                  <a:gd name="connsiteX10" fmla="*/ 2164466 w 3900668"/>
+                  <a:gd name="connsiteY10" fmla="*/ 230244 h 1463143"/>
+                  <a:gd name="connsiteX11" fmla="*/ 2383227 w 3900668"/>
+                  <a:gd name="connsiteY11" fmla="*/ 719853 h 1463143"/>
+                  <a:gd name="connsiteX12" fmla="*/ 2549260 w 3900668"/>
+                  <a:gd name="connsiteY12" fmla="*/ 1180912 h 1463143"/>
+                  <a:gd name="connsiteX13" fmla="*/ 2772008 w 3900668"/>
+                  <a:gd name="connsiteY13" fmla="*/ 876883 h 1463143"/>
+                  <a:gd name="connsiteX14" fmla="*/ 2916820 w 3900668"/>
+                  <a:gd name="connsiteY14" fmla="*/ 1098345 h 1463143"/>
+                  <a:gd name="connsiteX15" fmla="*/ 3094942 w 3900668"/>
+                  <a:gd name="connsiteY15" fmla="*/ 991730 h 1463143"/>
+                  <a:gd name="connsiteX16" fmla="*/ 3368233 w 3900668"/>
+                  <a:gd name="connsiteY16" fmla="*/ 1005105 h 1463143"/>
+                  <a:gd name="connsiteX17" fmla="*/ 3515874 w 3900668"/>
+                  <a:gd name="connsiteY17" fmla="*/ 375828 h 1463143"/>
+                  <a:gd name="connsiteX18" fmla="*/ 3722547 w 3900668"/>
+                  <a:gd name="connsiteY18" fmla="*/ 1147859 h 1463143"/>
+                  <a:gd name="connsiteX19" fmla="*/ 3900668 w 3900668"/>
+                  <a:gd name="connsiteY19" fmla="*/ 1040472 h 1463143"/>
+                  <a:gd name="connsiteX0" fmla="*/ 0 w 3900668"/>
+                  <a:gd name="connsiteY0" fmla="*/ 704806 h 1463143"/>
+                  <a:gd name="connsiteX1" fmla="*/ 81023 w 3900668"/>
+                  <a:gd name="connsiteY1" fmla="*/ 704806 h 1463143"/>
+                  <a:gd name="connsiteX2" fmla="*/ 434179 w 3900668"/>
+                  <a:gd name="connsiteY2" fmla="*/ 553949 h 1463143"/>
+                  <a:gd name="connsiteX3" fmla="*/ 704898 w 3900668"/>
+                  <a:gd name="connsiteY3" fmla="*/ 11354 h 1463143"/>
+                  <a:gd name="connsiteX4" fmla="*/ 789908 w 3900668"/>
+                  <a:gd name="connsiteY4" fmla="*/ 1120080 h 1463143"/>
+                  <a:gd name="connsiteX5" fmla="*/ 997095 w 3900668"/>
+                  <a:gd name="connsiteY5" fmla="*/ 723068 h 1463143"/>
+                  <a:gd name="connsiteX6" fmla="*/ 1205182 w 3900668"/>
+                  <a:gd name="connsiteY6" fmla="*/ 964722 h 1463143"/>
+                  <a:gd name="connsiteX7" fmla="*/ 1377387 w 3900668"/>
+                  <a:gd name="connsiteY7" fmla="*/ 820039 h 1463143"/>
+                  <a:gd name="connsiteX8" fmla="*/ 1597306 w 3900668"/>
+                  <a:gd name="connsiteY8" fmla="*/ 703777 h 1463143"/>
+                  <a:gd name="connsiteX9" fmla="*/ 1875099 w 3900668"/>
+                  <a:gd name="connsiteY9" fmla="*/ 1457161 h 1463143"/>
+                  <a:gd name="connsiteX10" fmla="*/ 2164466 w 3900668"/>
+                  <a:gd name="connsiteY10" fmla="*/ 230244 h 1463143"/>
+                  <a:gd name="connsiteX11" fmla="*/ 2383227 w 3900668"/>
+                  <a:gd name="connsiteY11" fmla="*/ 719853 h 1463143"/>
+                  <a:gd name="connsiteX12" fmla="*/ 2549260 w 3900668"/>
+                  <a:gd name="connsiteY12" fmla="*/ 1180912 h 1463143"/>
+                  <a:gd name="connsiteX13" fmla="*/ 2772008 w 3900668"/>
+                  <a:gd name="connsiteY13" fmla="*/ 876883 h 1463143"/>
+                  <a:gd name="connsiteX14" fmla="*/ 2916820 w 3900668"/>
+                  <a:gd name="connsiteY14" fmla="*/ 1098345 h 1463143"/>
+                  <a:gd name="connsiteX15" fmla="*/ 3094942 w 3900668"/>
+                  <a:gd name="connsiteY15" fmla="*/ 991730 h 1463143"/>
+                  <a:gd name="connsiteX16" fmla="*/ 3368233 w 3900668"/>
+                  <a:gd name="connsiteY16" fmla="*/ 1005105 h 1463143"/>
+                  <a:gd name="connsiteX17" fmla="*/ 3515874 w 3900668"/>
+                  <a:gd name="connsiteY17" fmla="*/ 375828 h 1463143"/>
+                  <a:gd name="connsiteX18" fmla="*/ 3722547 w 3900668"/>
+                  <a:gd name="connsiteY18" fmla="*/ 1147859 h 1463143"/>
+                  <a:gd name="connsiteX19" fmla="*/ 3900668 w 3900668"/>
+                  <a:gd name="connsiteY19" fmla="*/ 1040472 h 1463143"/>
+                </a:gdLst>
+                <a:ahLst/>
+                <a:cxnLst>
+                  <a:cxn ang="0">
+                    <a:pos x="connsiteX0" y="connsiteY0"/>
+                  </a:cxn>
+                  <a:cxn ang="0">
+                    <a:pos x="connsiteX1" y="connsiteY1"/>
+                  </a:cxn>
+                  <a:cxn ang="0">
+                    <a:pos x="connsiteX2" y="connsiteY2"/>
+                  </a:cxn>
+                  <a:cxn ang="0">
+                    <a:pos x="connsiteX3" y="connsiteY3"/>
+                  </a:cxn>
+                  <a:cxn ang="0">
+                    <a:pos x="connsiteX4" y="connsiteY4"/>
+                  </a:cxn>
+                  <a:cxn ang="0">
+                    <a:pos x="connsiteX5" y="connsiteY5"/>
+                  </a:cxn>
+                  <a:cxn ang="0">
+                    <a:pos x="connsiteX6" y="connsiteY6"/>
+                  </a:cxn>
+                  <a:cxn ang="0">
+                    <a:pos x="connsiteX7" y="connsiteY7"/>
+                  </a:cxn>
+                  <a:cxn ang="0">
+                    <a:pos x="connsiteX8" y="connsiteY8"/>
+                  </a:cxn>
+                  <a:cxn ang="0">
+                    <a:pos x="connsiteX9" y="connsiteY9"/>
+                  </a:cxn>
+                  <a:cxn ang="0">
+                    <a:pos x="connsiteX10" y="connsiteY10"/>
+                  </a:cxn>
+                  <a:cxn ang="0">
+                    <a:pos x="connsiteX11" y="connsiteY11"/>
+                  </a:cxn>
+                  <a:cxn ang="0">
+                    <a:pos x="connsiteX12" y="connsiteY12"/>
+                  </a:cxn>
+                  <a:cxn ang="0">
+                    <a:pos x="connsiteX13" y="connsiteY13"/>
+                  </a:cxn>
+                  <a:cxn ang="0">
+                    <a:pos x="connsiteX14" y="connsiteY14"/>
+                  </a:cxn>
+                  <a:cxn ang="0">
+                    <a:pos x="connsiteX15" y="connsiteY15"/>
+                  </a:cxn>
+                  <a:cxn ang="0">
+                    <a:pos x="connsiteX16" y="connsiteY16"/>
+                  </a:cxn>
+                  <a:cxn ang="0">
+                    <a:pos x="connsiteX17" y="connsiteY17"/>
+                  </a:cxn>
+                  <a:cxn ang="0">
+                    <a:pos x="connsiteX18" y="connsiteY18"/>
+                  </a:cxn>
+                  <a:cxn ang="0">
+                    <a:pos x="connsiteX19" y="connsiteY19"/>
+                  </a:cxn>
+                </a:cxnLst>
+                <a:rect l="l" t="t" r="r" b="b"/>
+                <a:pathLst>
+                  <a:path w="3900668" h="1463143">
+                    <a:moveTo>
+                      <a:pt x="0" y="704806"/>
+                    </a:moveTo>
+                    <a:cubicBezTo>
+                      <a:pt x="7716" y="745317"/>
+                      <a:pt x="8660" y="729949"/>
+                      <a:pt x="81023" y="704806"/>
+                    </a:cubicBezTo>
+                    <a:cubicBezTo>
+                      <a:pt x="153386" y="679663"/>
+                      <a:pt x="330200" y="669524"/>
+                      <a:pt x="434179" y="553949"/>
+                    </a:cubicBezTo>
+                    <a:cubicBezTo>
+                      <a:pt x="538158" y="438374"/>
+                      <a:pt x="645610" y="-83001"/>
+                      <a:pt x="704898" y="11354"/>
+                    </a:cubicBezTo>
+                    <a:cubicBezTo>
+                      <a:pt x="764186" y="105709"/>
+                      <a:pt x="741209" y="1001461"/>
+                      <a:pt x="789908" y="1120080"/>
+                    </a:cubicBezTo>
+                    <a:cubicBezTo>
+                      <a:pt x="838607" y="1238699"/>
+                      <a:pt x="927883" y="748961"/>
+                      <a:pt x="997095" y="723068"/>
+                    </a:cubicBezTo>
+                    <a:cubicBezTo>
+                      <a:pt x="1066307" y="697175"/>
+                      <a:pt x="1141800" y="948560"/>
+                      <a:pt x="1205182" y="964722"/>
+                    </a:cubicBezTo>
+                    <a:cubicBezTo>
+                      <a:pt x="1268564" y="980884"/>
+                      <a:pt x="1312033" y="863530"/>
+                      <a:pt x="1377387" y="820039"/>
+                    </a:cubicBezTo>
+                    <a:cubicBezTo>
+                      <a:pt x="1442741" y="776548"/>
+                      <a:pt x="1514354" y="597590"/>
+                      <a:pt x="1597306" y="703777"/>
+                    </a:cubicBezTo>
+                    <a:cubicBezTo>
+                      <a:pt x="1680258" y="809964"/>
+                      <a:pt x="1780572" y="1536083"/>
+                      <a:pt x="1875099" y="1457161"/>
+                    </a:cubicBezTo>
+                    <a:cubicBezTo>
+                      <a:pt x="1969626" y="1378239"/>
+                      <a:pt x="2079778" y="353129"/>
+                      <a:pt x="2164466" y="230244"/>
+                    </a:cubicBezTo>
+                    <a:cubicBezTo>
+                      <a:pt x="2249154" y="107359"/>
+                      <a:pt x="2319095" y="561409"/>
+                      <a:pt x="2383227" y="719853"/>
+                    </a:cubicBezTo>
+                    <a:cubicBezTo>
+                      <a:pt x="2447359" y="878297"/>
+                      <a:pt x="2484463" y="1154740"/>
+                      <a:pt x="2549260" y="1180912"/>
+                    </a:cubicBezTo>
+                    <a:cubicBezTo>
+                      <a:pt x="2614057" y="1207084"/>
+                      <a:pt x="2710748" y="890644"/>
+                      <a:pt x="2772008" y="876883"/>
+                    </a:cubicBezTo>
+                    <a:cubicBezTo>
+                      <a:pt x="2833268" y="863122"/>
+                      <a:pt x="2862998" y="1079204"/>
+                      <a:pt x="2916820" y="1098345"/>
+                    </a:cubicBezTo>
+                    <a:cubicBezTo>
+                      <a:pt x="2970642" y="1117486"/>
+                      <a:pt x="3019707" y="1007270"/>
+                      <a:pt x="3094942" y="991730"/>
+                    </a:cubicBezTo>
+                    <a:cubicBezTo>
+                      <a:pt x="3170178" y="976190"/>
+                      <a:pt x="3298078" y="1107755"/>
+                      <a:pt x="3368233" y="1005105"/>
+                    </a:cubicBezTo>
+                    <a:cubicBezTo>
+                      <a:pt x="3438388" y="902455"/>
+                      <a:pt x="3456822" y="352036"/>
+                      <a:pt x="3515874" y="375828"/>
+                    </a:cubicBezTo>
+                    <a:cubicBezTo>
+                      <a:pt x="3574926" y="399620"/>
+                      <a:pt x="3658415" y="1037085"/>
+                      <a:pt x="3722547" y="1147859"/>
+                    </a:cubicBezTo>
+                    <a:cubicBezTo>
+                      <a:pt x="3786679" y="1258633"/>
+                      <a:pt x="3870767" y="817659"/>
+                      <a:pt x="3900668" y="1040472"/>
+                    </a:cubicBezTo>
+                  </a:path>
+                </a:pathLst>
+              </a:custGeom>
+              <a:noFill/>
+              <a:ln w="31750"/>
+            </p:spPr>
+            <p:style>
+              <a:lnRef idx="2">
+                <a:schemeClr val="accent1">
+                  <a:shade val="50000"/>
+                </a:schemeClr>
+              </a:lnRef>
+              <a:fillRef idx="1">
+                <a:schemeClr val="accent1"/>
+              </a:fillRef>
+              <a:effectRef idx="0">
+                <a:schemeClr val="accent1"/>
+              </a:effectRef>
+              <a:fontRef idx="minor">
+                <a:schemeClr val="lt1"/>
+              </a:fontRef>
+            </p:style>
+            <p:txBody>
+              <a:bodyPr rtlCol="0" anchor="ctr"/>
+              <a:lstStyle/>
+              <a:p>
+                <a:pPr algn="ctr"/>
+                <a:endParaRPr lang="zh-TW" altLang="en-US"/>
+              </a:p>
+            </p:txBody>
+          </p:sp>
+          <p:sp>
+            <p:nvSpPr>
+              <p:cNvPr id="104" name="圓角矩形 103"/>
+              <p:cNvSpPr/>
+              <p:nvPr/>
+            </p:nvSpPr>
+            <p:spPr>
+              <a:xfrm>
+                <a:off x="3546683" y="11317028"/>
+                <a:ext cx="4050648" cy="1448794"/>
+              </a:xfrm>
+              <a:prstGeom prst="roundRect">
+                <a:avLst>
+                  <a:gd name="adj" fmla="val 12899"/>
+                </a:avLst>
+              </a:prstGeom>
+              <a:solidFill>
+                <a:schemeClr val="accent4"/>
+              </a:solidFill>
+              <a:ln w="31750">
+                <a:solidFill>
+                  <a:schemeClr val="tx1"/>
+                </a:solidFill>
+              </a:ln>
+            </p:spPr>
+            <p:style>
+              <a:lnRef idx="2">
+                <a:schemeClr val="accent1">
+                  <a:shade val="50000"/>
+                </a:schemeClr>
+              </a:lnRef>
+              <a:fillRef idx="1">
+                <a:schemeClr val="accent1"/>
+              </a:fillRef>
+              <a:effectRef idx="0">
+                <a:schemeClr val="accent1"/>
+              </a:effectRef>
+              <a:fontRef idx="minor">
+                <a:schemeClr val="lt1"/>
+              </a:fontRef>
+            </p:style>
+            <p:txBody>
+              <a:bodyPr rtlCol="0" anchor="ctr"/>
+              <a:lstStyle/>
+              <a:p>
+                <a:pPr algn="ctr"/>
+                <a:r>
+                  <a:rPr lang="en-US" altLang="zh-TW" sz="3600" dirty="0" smtClean="0">
+                    <a:solidFill>
+                      <a:srgbClr val="282828"/>
+                    </a:solidFill>
+                    <a:latin typeface="SauceCodePro Nerd Font" panose="020B0509030403020204" pitchFamily="49" charset="0"/>
+                  </a:rPr>
+                  <a:t>Encoder</a:t>
+                </a:r>
+                <a:endParaRPr lang="zh-TW" altLang="en-US" sz="3600" dirty="0">
+                  <a:solidFill>
+                    <a:srgbClr val="282828"/>
+                  </a:solidFill>
+                  <a:latin typeface="SauceCodePro Nerd Font" panose="020B0509030403020204" pitchFamily="49" charset="0"/>
+                </a:endParaRPr>
+              </a:p>
+            </p:txBody>
+          </p:sp>
+          <p:sp>
+            <p:nvSpPr>
+              <p:cNvPr id="102" name="圓角矩形 101"/>
+              <p:cNvSpPr/>
+              <p:nvPr/>
+            </p:nvSpPr>
+            <p:spPr>
+              <a:xfrm>
+                <a:off x="3642824" y="9394995"/>
+                <a:ext cx="3858366" cy="1399821"/>
+              </a:xfrm>
+              <a:prstGeom prst="roundRect">
+                <a:avLst>
+                  <a:gd name="adj" fmla="val 12899"/>
+                </a:avLst>
+              </a:prstGeom>
+              <a:solidFill>
+                <a:srgbClr val="92D050"/>
+              </a:solidFill>
+              <a:ln w="31750">
+                <a:solidFill>
+                  <a:schemeClr val="tx1"/>
+                </a:solidFill>
+              </a:ln>
+            </p:spPr>
+            <p:style>
+              <a:lnRef idx="2">
+                <a:schemeClr val="accent1">
+                  <a:shade val="50000"/>
+                </a:schemeClr>
+              </a:lnRef>
+              <a:fillRef idx="1">
+                <a:schemeClr val="accent1"/>
+              </a:fillRef>
+              <a:effectRef idx="0">
+                <a:schemeClr val="accent1"/>
+              </a:effectRef>
+              <a:fontRef idx="minor">
+                <a:schemeClr val="lt1"/>
+              </a:fontRef>
+            </p:style>
+            <p:txBody>
+              <a:bodyPr rtlCol="0" anchor="ctr"/>
+              <a:lstStyle/>
+              <a:p>
+                <a:pPr algn="ctr"/>
+                <a:r>
+                  <a:rPr lang="en-US" altLang="zh-TW" sz="3600" dirty="0" smtClean="0">
+                    <a:solidFill>
+                      <a:srgbClr val="282828"/>
+                    </a:solidFill>
+                    <a:latin typeface="SauceCodePro Nerd Font" panose="020B0509030403020204" pitchFamily="49" charset="0"/>
+                  </a:rPr>
+                  <a:t>Bottleneck A</a:t>
+                </a:r>
+                <a:endParaRPr lang="zh-TW" altLang="en-US" sz="3600" dirty="0">
+                  <a:solidFill>
+                    <a:srgbClr val="282828"/>
+                  </a:solidFill>
+                  <a:latin typeface="SauceCodePro Nerd Font" panose="020B0509030403020204" pitchFamily="49" charset="0"/>
+                </a:endParaRPr>
+              </a:p>
+            </p:txBody>
+          </p:sp>
+          <p:sp>
+            <p:nvSpPr>
+              <p:cNvPr id="116" name="圓角矩形 115"/>
+              <p:cNvSpPr/>
+              <p:nvPr/>
+            </p:nvSpPr>
+            <p:spPr>
+              <a:xfrm>
+                <a:off x="3636375" y="7553881"/>
+                <a:ext cx="3858366" cy="1399821"/>
+              </a:xfrm>
+              <a:prstGeom prst="roundRect">
+                <a:avLst>
+                  <a:gd name="adj" fmla="val 12899"/>
+                </a:avLst>
+              </a:prstGeom>
+              <a:solidFill>
+                <a:srgbClr val="FF5B9D"/>
+              </a:solidFill>
+              <a:ln w="31750">
+                <a:solidFill>
+                  <a:schemeClr val="tx1"/>
+                </a:solidFill>
+              </a:ln>
+            </p:spPr>
+            <p:style>
+              <a:lnRef idx="2">
+                <a:schemeClr val="accent1">
+                  <a:shade val="50000"/>
+                </a:schemeClr>
+              </a:lnRef>
+              <a:fillRef idx="1">
+                <a:schemeClr val="accent1"/>
+              </a:fillRef>
+              <a:effectRef idx="0">
+                <a:schemeClr val="accent1"/>
+              </a:effectRef>
+              <a:fontRef idx="minor">
+                <a:schemeClr val="lt1"/>
+              </a:fontRef>
+            </p:style>
+            <p:txBody>
+              <a:bodyPr rtlCol="0" anchor="ctr"/>
+              <a:lstStyle/>
+              <a:p>
+                <a:pPr algn="ctr"/>
+                <a:r>
+                  <a:rPr lang="en-US" altLang="zh-TW" sz="3600" dirty="0" smtClean="0">
+                    <a:solidFill>
+                      <a:srgbClr val="282828"/>
+                    </a:solidFill>
+                    <a:latin typeface="SauceCodePro Nerd Font" panose="020B0509030403020204" pitchFamily="49" charset="0"/>
+                  </a:rPr>
+                  <a:t>Bottleneck B</a:t>
+                </a:r>
+                <a:endParaRPr lang="zh-TW" altLang="en-US" sz="3600" dirty="0">
+                  <a:solidFill>
+                    <a:srgbClr val="282828"/>
+                  </a:solidFill>
+                  <a:latin typeface="SauceCodePro Nerd Font" panose="020B0509030403020204" pitchFamily="49" charset="0"/>
+                </a:endParaRPr>
+              </a:p>
+            </p:txBody>
+          </p:sp>
+          <p:cxnSp>
+            <p:nvCxnSpPr>
+              <p:cNvPr id="118" name="直線單箭頭接點 26"/>
+              <p:cNvCxnSpPr>
+                <a:stCxn id="102" idx="0"/>
+                <a:endCxn id="116" idx="2"/>
+              </p:cNvCxnSpPr>
+              <p:nvPr/>
+            </p:nvCxnSpPr>
+            <p:spPr>
+              <a:xfrm flipH="1" flipV="1">
+                <a:off x="5565558" y="8953702"/>
+                <a:ext cx="6449" cy="441293"/>
+              </a:xfrm>
+              <a:prstGeom prst="straightConnector1">
+                <a:avLst/>
+              </a:prstGeom>
+              <a:ln w="82550">
+                <a:solidFill>
+                  <a:schemeClr val="tx1"/>
+                </a:solidFill>
+                <a:tailEnd type="triangle"/>
+              </a:ln>
+            </p:spPr>
+            <p:style>
+              <a:lnRef idx="1">
+                <a:schemeClr val="accent1"/>
+              </a:lnRef>
+              <a:fillRef idx="0">
+                <a:schemeClr val="accent1"/>
+              </a:fillRef>
+              <a:effectRef idx="0">
+                <a:schemeClr val="accent1"/>
+              </a:effectRef>
+              <a:fontRef idx="minor">
+                <a:schemeClr val="tx1"/>
+              </a:fontRef>
+            </p:style>
+          </p:cxnSp>
+          <p:cxnSp>
+            <p:nvCxnSpPr>
+              <p:cNvPr id="135" name="直線單箭頭接點 26"/>
+              <p:cNvCxnSpPr>
+                <a:stCxn id="21" idx="0"/>
+              </p:cNvCxnSpPr>
+              <p:nvPr/>
+            </p:nvCxnSpPr>
+            <p:spPr>
+              <a:xfrm flipV="1">
+                <a:off x="5565558" y="4986175"/>
+                <a:ext cx="0" cy="682948"/>
+              </a:xfrm>
+              <a:prstGeom prst="straightConnector1">
+                <a:avLst/>
+              </a:prstGeom>
+              <a:ln w="82550">
+                <a:solidFill>
+                  <a:schemeClr val="tx1"/>
+                </a:solidFill>
+                <a:tailEnd type="triangle"/>
+              </a:ln>
+            </p:spPr>
+            <p:style>
+              <a:lnRef idx="1">
+                <a:schemeClr val="accent1"/>
+              </a:lnRef>
+              <a:fillRef idx="0">
+                <a:schemeClr val="accent1"/>
+              </a:fillRef>
+              <a:effectRef idx="0">
+                <a:schemeClr val="accent1"/>
+              </a:effectRef>
+              <a:fontRef idx="minor">
+                <a:schemeClr val="tx1"/>
+              </a:fontRef>
+            </p:style>
+          </p:cxnSp>
+          <p:sp>
+            <p:nvSpPr>
+              <p:cNvPr id="21" name="圓角矩形 20"/>
+              <p:cNvSpPr/>
+              <p:nvPr/>
+            </p:nvSpPr>
+            <p:spPr>
+              <a:xfrm>
+                <a:off x="3540234" y="5669123"/>
+                <a:ext cx="4050648" cy="1448794"/>
+              </a:xfrm>
+              <a:prstGeom prst="roundRect">
+                <a:avLst>
+                  <a:gd name="adj" fmla="val 12899"/>
+                </a:avLst>
+              </a:prstGeom>
+              <a:solidFill>
+                <a:srgbClr val="D8BEEC"/>
+              </a:solidFill>
+              <a:ln w="31750">
+                <a:solidFill>
+                  <a:schemeClr val="tx1"/>
+                </a:solidFill>
+              </a:ln>
+            </p:spPr>
+            <p:style>
+              <a:lnRef idx="2">
+                <a:schemeClr val="accent1">
+                  <a:shade val="50000"/>
+                </a:schemeClr>
+              </a:lnRef>
+              <a:fillRef idx="1">
+                <a:schemeClr val="accent1"/>
+              </a:fillRef>
+              <a:effectRef idx="0">
+                <a:schemeClr val="accent1"/>
+              </a:effectRef>
+              <a:fontRef idx="minor">
+                <a:schemeClr val="lt1"/>
+              </a:fontRef>
+            </p:style>
+            <p:txBody>
+              <a:bodyPr rtlCol="0" anchor="ctr"/>
+              <a:lstStyle/>
+              <a:p>
+                <a:pPr algn="ctr"/>
+                <a:r>
+                  <a:rPr lang="en-US" altLang="zh-TW" sz="3600" dirty="0" smtClean="0">
+                    <a:solidFill>
+                      <a:srgbClr val="282828"/>
+                    </a:solidFill>
+                    <a:latin typeface="SauceCodePro Nerd Font" panose="020B0509030403020204" pitchFamily="49" charset="0"/>
+                  </a:rPr>
+                  <a:t>De</a:t>
+                </a:r>
+                <a:r>
+                  <a:rPr lang="en-US" altLang="zh-TW" sz="3600" dirty="0" smtClean="0">
+                    <a:solidFill>
+                      <a:srgbClr val="282828"/>
+                    </a:solidFill>
+                    <a:latin typeface="SauceCodePro Nerd Font" panose="020B0509030403020204" pitchFamily="49" charset="0"/>
+                  </a:rPr>
+                  <a:t>coder</a:t>
+                </a:r>
+                <a:endParaRPr lang="zh-TW" altLang="en-US" sz="3600" dirty="0">
+                  <a:solidFill>
+                    <a:srgbClr val="282828"/>
+                  </a:solidFill>
+                  <a:latin typeface="SauceCodePro Nerd Font" panose="020B0509030403020204" pitchFamily="49" charset="0"/>
+                </a:endParaRPr>
+              </a:p>
+            </p:txBody>
+          </p:sp>
+          <p:cxnSp>
+            <p:nvCxnSpPr>
+              <p:cNvPr id="22" name="直線單箭頭接點 26"/>
+              <p:cNvCxnSpPr>
+                <a:stCxn id="116" idx="0"/>
+                <a:endCxn id="21" idx="2"/>
+              </p:cNvCxnSpPr>
+              <p:nvPr/>
+            </p:nvCxnSpPr>
+            <p:spPr>
+              <a:xfrm flipV="1">
+                <a:off x="5565558" y="7117917"/>
+                <a:ext cx="0" cy="435964"/>
+              </a:xfrm>
+              <a:prstGeom prst="straightConnector1">
+                <a:avLst/>
+              </a:prstGeom>
+              <a:ln w="82550">
+                <a:solidFill>
+                  <a:schemeClr val="tx1"/>
+                </a:solidFill>
+                <a:tailEnd type="triangle"/>
+              </a:ln>
+            </p:spPr>
+            <p:style>
+              <a:lnRef idx="1">
+                <a:schemeClr val="accent1"/>
+              </a:lnRef>
+              <a:fillRef idx="0">
+                <a:schemeClr val="accent1"/>
+              </a:fillRef>
+              <a:effectRef idx="0">
+                <a:schemeClr val="accent1"/>
+              </a:effectRef>
+              <a:fontRef idx="minor">
+                <a:schemeClr val="tx1"/>
+              </a:fontRef>
+            </p:style>
+          </p:cxnSp>
+        </p:grpSp>
+      </p:grpSp>
+    </p:spTree>
+    <p:extLst>
+      <p:ext uri="{BB962C8B-B14F-4D97-AF65-F5344CB8AC3E}">
+        <p14:creationId xmlns:p14="http://schemas.microsoft.com/office/powerpoint/2010/main" val="1536049373"/>
+      </p:ext>
+    </p:extLst>
+  </p:cSld>
+  <p:clrMapOvr>
+    <a:masterClrMapping/>
+  </p:clrMapOvr>
+  <p:timing>
+    <p:tnLst>
+      <p:par>
+        <p:cTn id="1" dur="indefinite" restart="never" nodeType="tmRoot"/>
+      </p:par>
+    </p:tnLst>
+  </p:timing>
+</p:sld>
+</file>
+
+<file path=ppt/slides/slide4.xml><?xml version="1.0" encoding="utf-8"?>
 <p:sld xmlns:a="http://schemas.openxmlformats.org/drawingml/2006/main" xmlns:r="http://schemas.openxmlformats.org/officeDocument/2006/relationships" xmlns:p="http://schemas.openxmlformats.org/presentationml/2006/main">
   <p:cSld>
     <p:spTree>
@@ -9324,7 +14358,7 @@
     </p:spTree>
     <p:extLst>
       <p:ext uri="{BB962C8B-B14F-4D97-AF65-F5344CB8AC3E}">
-        <p14:creationId xmlns:p14="http://schemas.microsoft.com/office/powerpoint/2010/main" val="858981263"/>
+        <p14:creationId xmlns:p14="http://schemas.microsoft.com/office/powerpoint/2010/main" val="3367405877"/>
       </p:ext>
     </p:extLst>
   </p:cSld>
@@ -9341,7 +14375,7 @@
 </p:sld>
 </file>
 
-<file path=ppt/slides/slide2.xml><?xml version="1.0" encoding="utf-8"?>
+<file path=ppt/slides/slide5.xml><?xml version="1.0" encoding="utf-8"?>
 <p:sld xmlns:a="http://schemas.openxmlformats.org/drawingml/2006/main" xmlns:r="http://schemas.openxmlformats.org/officeDocument/2006/relationships" xmlns:p="http://schemas.openxmlformats.org/presentationml/2006/main">
   <p:cSld>
     <p:spTree>
@@ -10739,7 +15773,7 @@
 </p:sld>
 </file>
 
-<file path=ppt/slides/slide3.xml><?xml version="1.0" encoding="utf-8"?>
+<file path=ppt/slides/slide6.xml><?xml version="1.0" encoding="utf-8"?>
 <p:sld xmlns:a="http://schemas.openxmlformats.org/drawingml/2006/main" xmlns:r="http://schemas.openxmlformats.org/officeDocument/2006/relationships" xmlns:p="http://schemas.openxmlformats.org/presentationml/2006/main">
   <p:cSld>
     <p:spTree>
@@ -11737,7 +16771,7 @@
 </p:sld>
 </file>
 
-<file path=ppt/slides/slide4.xml><?xml version="1.0" encoding="utf-8"?>
+<file path=ppt/slides/slide7.xml><?xml version="1.0" encoding="utf-8"?>
 <p:sld xmlns:a="http://schemas.openxmlformats.org/drawingml/2006/main" xmlns:r="http://schemas.openxmlformats.org/officeDocument/2006/relationships" xmlns:p="http://schemas.openxmlformats.org/presentationml/2006/main">
   <p:cSld>
     <p:spTree>
@@ -14393,12 +19427,6 @@
                 </a:rPr>
                 <a:t>Clean</a:t>
               </a:r>
-              <a:endParaRPr lang="en-US" altLang="zh-TW" sz="3600" dirty="0" smtClean="0">
-                <a:solidFill>
-                  <a:srgbClr val="282828"/>
-                </a:solidFill>
-                <a:latin typeface="SauceCodePro Nerd Font" panose="020B0509030403020204" pitchFamily="49" charset="0"/>
-              </a:endParaRPr>
             </a:p>
             <a:p>
               <a:pPr algn="ctr"/>
@@ -17290,7 +22318,7 @@
 </p:sld>
 </file>
 
-<file path=ppt/slides/slide5.xml><?xml version="1.0" encoding="utf-8"?>
+<file path=ppt/slides/slide8.xml><?xml version="1.0" encoding="utf-8"?>
 <p:sld xmlns:a="http://schemas.openxmlformats.org/drawingml/2006/main" xmlns:r="http://schemas.openxmlformats.org/officeDocument/2006/relationships" xmlns:p="http://schemas.openxmlformats.org/presentationml/2006/main">
   <p:cSld>
     <p:spTree>
@@ -19934,12 +24962,6 @@
               </a:rPr>
               <a:t>Clean</a:t>
             </a:r>
-            <a:endParaRPr lang="en-US" altLang="zh-TW" sz="3600" dirty="0" smtClean="0">
-              <a:solidFill>
-                <a:srgbClr val="282828"/>
-              </a:solidFill>
-              <a:latin typeface="SauceCodePro Nerd Font" panose="020B0509030403020204" pitchFamily="49" charset="0"/>
-            </a:endParaRPr>
           </a:p>
           <a:p>
             <a:pPr algn="ctr"/>
@@ -23711,7 +28733,7 @@
 </p:sld>
 </file>
 
-<file path=ppt/slides/slide6.xml><?xml version="1.0" encoding="utf-8"?>
+<file path=ppt/slides/slide9.xml><?xml version="1.0" encoding="utf-8"?>
 <p:sld xmlns:a="http://schemas.openxmlformats.org/drawingml/2006/main" xmlns:r="http://schemas.openxmlformats.org/officeDocument/2006/relationships" xmlns:p="http://schemas.openxmlformats.org/presentationml/2006/main">
   <p:cSld>
     <p:spTree>
@@ -26355,12 +31377,6 @@
               </a:rPr>
               <a:t>Clean</a:t>
             </a:r>
-            <a:endParaRPr lang="en-US" altLang="zh-TW" sz="3600" dirty="0" smtClean="0">
-              <a:solidFill>
-                <a:srgbClr val="282828"/>
-              </a:solidFill>
-              <a:latin typeface="SauceCodePro Nerd Font" panose="020B0509030403020204" pitchFamily="49" charset="0"/>
-            </a:endParaRPr>
           </a:p>
           <a:p>
             <a:pPr algn="ctr"/>

--- a/hw3/img/img.pptx
+++ b/hw3/img/img.pptx
@@ -208,7 +208,7 @@
           <a:p>
             <a:fld id="{5DF3E262-87A9-4FD0-801D-11C30F528353}" type="datetimeFigureOut">
               <a:rPr lang="zh-TW" altLang="en-US" smtClean="0"/>
-              <a:t>2021/5/23</a:t>
+              <a:t>2021/6/4</a:t>
             </a:fld>
             <a:endParaRPr lang="zh-TW" altLang="en-US"/>
           </a:p>
@@ -1447,7 +1447,7 @@
           <a:p>
             <a:fld id="{3E906AA8-AB23-40FA-BFDB-6A33FBF1CFF0}" type="datetimeFigureOut">
               <a:rPr lang="zh-TW" altLang="en-US" smtClean="0"/>
-              <a:t>2021/5/23</a:t>
+              <a:t>2021/6/4</a:t>
             </a:fld>
             <a:endParaRPr lang="zh-TW" altLang="en-US"/>
           </a:p>
@@ -1617,7 +1617,7 @@
           <a:p>
             <a:fld id="{3E906AA8-AB23-40FA-BFDB-6A33FBF1CFF0}" type="datetimeFigureOut">
               <a:rPr lang="zh-TW" altLang="en-US" smtClean="0"/>
-              <a:t>2021/5/23</a:t>
+              <a:t>2021/6/4</a:t>
             </a:fld>
             <a:endParaRPr lang="zh-TW" altLang="en-US"/>
           </a:p>
@@ -1797,7 +1797,7 @@
           <a:p>
             <a:fld id="{3E906AA8-AB23-40FA-BFDB-6A33FBF1CFF0}" type="datetimeFigureOut">
               <a:rPr lang="zh-TW" altLang="en-US" smtClean="0"/>
-              <a:t>2021/5/23</a:t>
+              <a:t>2021/6/4</a:t>
             </a:fld>
             <a:endParaRPr lang="zh-TW" altLang="en-US"/>
           </a:p>
@@ -1967,7 +1967,7 @@
           <a:p>
             <a:fld id="{3E906AA8-AB23-40FA-BFDB-6A33FBF1CFF0}" type="datetimeFigureOut">
               <a:rPr lang="zh-TW" altLang="en-US" smtClean="0"/>
-              <a:t>2021/5/23</a:t>
+              <a:t>2021/6/4</a:t>
             </a:fld>
             <a:endParaRPr lang="zh-TW" altLang="en-US"/>
           </a:p>
@@ -2211,7 +2211,7 @@
           <a:p>
             <a:fld id="{3E906AA8-AB23-40FA-BFDB-6A33FBF1CFF0}" type="datetimeFigureOut">
               <a:rPr lang="zh-TW" altLang="en-US" smtClean="0"/>
-              <a:t>2021/5/23</a:t>
+              <a:t>2021/6/4</a:t>
             </a:fld>
             <a:endParaRPr lang="zh-TW" altLang="en-US"/>
           </a:p>
@@ -2443,7 +2443,7 @@
           <a:p>
             <a:fld id="{3E906AA8-AB23-40FA-BFDB-6A33FBF1CFF0}" type="datetimeFigureOut">
               <a:rPr lang="zh-TW" altLang="en-US" smtClean="0"/>
-              <a:t>2021/5/23</a:t>
+              <a:t>2021/6/4</a:t>
             </a:fld>
             <a:endParaRPr lang="zh-TW" altLang="en-US"/>
           </a:p>
@@ -2810,7 +2810,7 @@
           <a:p>
             <a:fld id="{3E906AA8-AB23-40FA-BFDB-6A33FBF1CFF0}" type="datetimeFigureOut">
               <a:rPr lang="zh-TW" altLang="en-US" smtClean="0"/>
-              <a:t>2021/5/23</a:t>
+              <a:t>2021/6/4</a:t>
             </a:fld>
             <a:endParaRPr lang="zh-TW" altLang="en-US"/>
           </a:p>
@@ -2928,7 +2928,7 @@
           <a:p>
             <a:fld id="{3E906AA8-AB23-40FA-BFDB-6A33FBF1CFF0}" type="datetimeFigureOut">
               <a:rPr lang="zh-TW" altLang="en-US" smtClean="0"/>
-              <a:t>2021/5/23</a:t>
+              <a:t>2021/6/4</a:t>
             </a:fld>
             <a:endParaRPr lang="zh-TW" altLang="en-US"/>
           </a:p>
@@ -3023,7 +3023,7 @@
           <a:p>
             <a:fld id="{3E906AA8-AB23-40FA-BFDB-6A33FBF1CFF0}" type="datetimeFigureOut">
               <a:rPr lang="zh-TW" altLang="en-US" smtClean="0"/>
-              <a:t>2021/5/23</a:t>
+              <a:t>2021/6/4</a:t>
             </a:fld>
             <a:endParaRPr lang="zh-TW" altLang="en-US"/>
           </a:p>
@@ -3300,7 +3300,7 @@
           <a:p>
             <a:fld id="{3E906AA8-AB23-40FA-BFDB-6A33FBF1CFF0}" type="datetimeFigureOut">
               <a:rPr lang="zh-TW" altLang="en-US" smtClean="0"/>
-              <a:t>2021/5/23</a:t>
+              <a:t>2021/6/4</a:t>
             </a:fld>
             <a:endParaRPr lang="zh-TW" altLang="en-US"/>
           </a:p>
@@ -3557,7 +3557,7 @@
           <a:p>
             <a:fld id="{3E906AA8-AB23-40FA-BFDB-6A33FBF1CFF0}" type="datetimeFigureOut">
               <a:rPr lang="zh-TW" altLang="en-US" smtClean="0"/>
-              <a:t>2021/5/23</a:t>
+              <a:t>2021/6/4</a:t>
             </a:fld>
             <a:endParaRPr lang="zh-TW" altLang="en-US"/>
           </a:p>
@@ -3770,7 +3770,7 @@
           <a:p>
             <a:fld id="{3E906AA8-AB23-40FA-BFDB-6A33FBF1CFF0}" type="datetimeFigureOut">
               <a:rPr lang="zh-TW" altLang="en-US" smtClean="0"/>
-              <a:t>2021/5/23</a:t>
+              <a:t>2021/6/4</a:t>
             </a:fld>
             <a:endParaRPr lang="zh-TW" altLang="en-US"/>
           </a:p>
@@ -4232,6 +4232,7 @@
           <p:nvCxnSpPr>
             <p:cNvPr id="198" name="直線單箭頭接點 26"/>
             <p:cNvCxnSpPr>
+              <a:stCxn id="60" idx="2"/>
               <a:endCxn id="104" idx="2"/>
             </p:cNvCxnSpPr>
             <p:nvPr/>
@@ -4244,7 +4245,7 @@
             <a:prstGeom prst="straightConnector1">
               <a:avLst/>
             </a:prstGeom>
-            <a:ln w="82550">
+            <a:ln w="63500">
               <a:solidFill>
                 <a:schemeClr val="tx1"/>
               </a:solidFill>
@@ -4540,19 +4541,20 @@
           <p:nvCxnSpPr>
             <p:cNvPr id="135" name="直線單箭頭接點 26"/>
             <p:cNvCxnSpPr>
+              <a:stCxn id="60" idx="0"/>
               <a:endCxn id="136" idx="2"/>
             </p:cNvCxnSpPr>
             <p:nvPr/>
           </p:nvCxnSpPr>
           <p:spPr>
             <a:xfrm flipV="1">
-              <a:off x="13342404" y="11537399"/>
-              <a:ext cx="0" cy="595986"/>
+              <a:off x="13342403" y="11537399"/>
+              <a:ext cx="1" cy="595986"/>
             </a:xfrm>
             <a:prstGeom prst="straightConnector1">
               <a:avLst/>
             </a:prstGeom>
-            <a:ln w="82550">
+            <a:ln w="63500">
               <a:solidFill>
                 <a:schemeClr val="tx1"/>
               </a:solidFill>
@@ -5303,8 +5305,8 @@
           </p:nvSpPr>
           <p:spPr>
             <a:xfrm rot="5400000">
-              <a:off x="9808854" y="9412975"/>
-              <a:ext cx="837700" cy="6229400"/>
+              <a:off x="9812078" y="9440760"/>
+              <a:ext cx="837700" cy="6222950"/>
             </a:xfrm>
             <a:prstGeom prst="rightBrace">
               <a:avLst>
@@ -25479,1067 +25481,1084 @@
           <a:chExt cx="0" cy="0"/>
         </a:xfrm>
       </p:grpSpPr>
-      <p:cxnSp>
-        <p:nvCxnSpPr>
-          <p:cNvPr id="117" name="直線單箭頭接點 26"/>
-          <p:cNvCxnSpPr>
-            <a:stCxn id="104" idx="0"/>
-            <a:endCxn id="116" idx="2"/>
-          </p:cNvCxnSpPr>
+      <p:grpSp>
+        <p:nvGrpSpPr>
+          <p:cNvPr id="6" name="群組 5"/>
+          <p:cNvGrpSpPr/>
           <p:nvPr/>
-        </p:nvCxnSpPr>
-        <p:spPr>
-          <a:xfrm flipH="1" flipV="1">
-            <a:off x="7113004" y="7725279"/>
-            <a:ext cx="6449" cy="952683"/>
+        </p:nvGrpSpPr>
+        <p:grpSpPr>
+          <a:xfrm>
+            <a:off x="4766042" y="5310287"/>
+            <a:ext cx="11626694" cy="7492212"/>
+            <a:chOff x="4766042" y="5310287"/>
+            <a:chExt cx="11626694" cy="7492212"/>
           </a:xfrm>
-          <a:prstGeom prst="straightConnector1">
-            <a:avLst/>
-          </a:prstGeom>
-          <a:ln w="63500">
-            <a:solidFill>
-              <a:schemeClr val="tx1"/>
-            </a:solidFill>
-            <a:tailEnd type="triangle"/>
-          </a:ln>
-        </p:spPr>
-        <p:style>
-          <a:lnRef idx="1">
-            <a:schemeClr val="accent1"/>
-          </a:lnRef>
-          <a:fillRef idx="0">
-            <a:schemeClr val="accent1"/>
-          </a:fillRef>
-          <a:effectRef idx="0">
-            <a:schemeClr val="accent1"/>
-          </a:effectRef>
-          <a:fontRef idx="minor">
-            <a:schemeClr val="tx1"/>
-          </a:fontRef>
-        </p:style>
-      </p:cxnSp>
-      <p:cxnSp>
-        <p:nvCxnSpPr>
-          <p:cNvPr id="198" name="直線單箭頭接點 26"/>
-          <p:cNvCxnSpPr>
-            <a:endCxn id="104" idx="2"/>
-          </p:cNvCxnSpPr>
-          <p:nvPr/>
-        </p:nvCxnSpPr>
-        <p:spPr>
-          <a:xfrm flipV="1">
-            <a:off x="7119453" y="10126756"/>
-            <a:ext cx="0" cy="595986"/>
-          </a:xfrm>
-          <a:prstGeom prst="straightConnector1">
-            <a:avLst/>
-          </a:prstGeom>
-          <a:ln w="82550">
-            <a:solidFill>
-              <a:schemeClr val="tx1"/>
-            </a:solidFill>
-            <a:tailEnd type="triangle"/>
-          </a:ln>
-        </p:spPr>
-        <p:style>
-          <a:lnRef idx="1">
-            <a:schemeClr val="accent1"/>
-          </a:lnRef>
-          <a:fillRef idx="0">
-            <a:schemeClr val="accent1"/>
-          </a:fillRef>
-          <a:effectRef idx="0">
-            <a:schemeClr val="accent1"/>
-          </a:effectRef>
-          <a:fontRef idx="minor">
-            <a:schemeClr val="tx1"/>
-          </a:fontRef>
-        </p:style>
-      </p:cxnSp>
-      <p:sp>
-        <p:nvSpPr>
-          <p:cNvPr id="104" name="圓角矩形 103"/>
-          <p:cNvSpPr/>
-          <p:nvPr/>
-        </p:nvSpPr>
-        <p:spPr>
-          <a:xfrm>
-            <a:off x="5094129" y="8677962"/>
-            <a:ext cx="4050648" cy="1448794"/>
-          </a:xfrm>
-          <a:prstGeom prst="roundRect">
-            <a:avLst>
-              <a:gd name="adj" fmla="val 12899"/>
-            </a:avLst>
-          </a:prstGeom>
-          <a:solidFill>
-            <a:schemeClr val="accent4"/>
-          </a:solidFill>
-          <a:ln w="31750">
-            <a:solidFill>
-              <a:schemeClr val="tx1"/>
-            </a:solidFill>
-          </a:ln>
-        </p:spPr>
-        <p:style>
-          <a:lnRef idx="2">
-            <a:schemeClr val="accent1">
-              <a:shade val="50000"/>
-            </a:schemeClr>
-          </a:lnRef>
-          <a:fillRef idx="1">
-            <a:schemeClr val="accent1"/>
-          </a:fillRef>
-          <a:effectRef idx="0">
-            <a:schemeClr val="accent1"/>
-          </a:effectRef>
-          <a:fontRef idx="minor">
-            <a:schemeClr val="lt1"/>
-          </a:fontRef>
-        </p:style>
-        <p:txBody>
-          <a:bodyPr rtlCol="0" anchor="ctr"/>
-          <a:lstStyle/>
-          <a:p>
-            <a:pPr algn="ctr"/>
-            <a:r>
-              <a:rPr lang="en-US" altLang="zh-TW" sz="3600" dirty="0" smtClean="0">
-                <a:solidFill>
-                  <a:srgbClr val="282828"/>
-                </a:solidFill>
-                <a:latin typeface="SauceCodePro Nerd Font" panose="020B0509030403020204" pitchFamily="49" charset="0"/>
-              </a:rPr>
-              <a:t>Encoder</a:t>
-            </a:r>
-            <a:endParaRPr lang="zh-TW" altLang="en-US" sz="3600" dirty="0">
-              <a:solidFill>
-                <a:srgbClr val="282828"/>
-              </a:solidFill>
-              <a:latin typeface="SauceCodePro Nerd Font" panose="020B0509030403020204" pitchFamily="49" charset="0"/>
-            </a:endParaRPr>
-          </a:p>
-        </p:txBody>
-      </p:sp>
-      <p:sp>
-        <p:nvSpPr>
-          <p:cNvPr id="116" name="圓角矩形 115"/>
-          <p:cNvSpPr/>
-          <p:nvPr/>
-        </p:nvSpPr>
-        <p:spPr>
-          <a:xfrm>
-            <a:off x="5183821" y="6325458"/>
-            <a:ext cx="3858366" cy="1399821"/>
-          </a:xfrm>
-          <a:prstGeom prst="roundRect">
-            <a:avLst>
-              <a:gd name="adj" fmla="val 12899"/>
-            </a:avLst>
-          </a:prstGeom>
-          <a:solidFill>
-            <a:srgbClr val="FF5B9D"/>
-          </a:solidFill>
-          <a:ln w="31750">
-            <a:solidFill>
-              <a:schemeClr val="tx1"/>
-            </a:solidFill>
-          </a:ln>
-        </p:spPr>
-        <p:style>
-          <a:lnRef idx="2">
-            <a:schemeClr val="accent1">
-              <a:shade val="50000"/>
-            </a:schemeClr>
-          </a:lnRef>
-          <a:fillRef idx="1">
-            <a:schemeClr val="accent1"/>
-          </a:fillRef>
-          <a:effectRef idx="0">
-            <a:schemeClr val="accent1"/>
-          </a:effectRef>
-          <a:fontRef idx="minor">
-            <a:schemeClr val="lt1"/>
-          </a:fontRef>
-        </p:style>
-        <p:txBody>
-          <a:bodyPr rtlCol="0" anchor="ctr"/>
-          <a:lstStyle/>
-          <a:p>
-            <a:pPr algn="ctr"/>
-            <a:r>
-              <a:rPr lang="en-US" altLang="zh-TW" sz="3600" dirty="0" smtClean="0">
-                <a:solidFill>
-                  <a:srgbClr val="282828"/>
-                </a:solidFill>
-                <a:latin typeface="SauceCodePro Nerd Font" panose="020B0509030403020204" pitchFamily="49" charset="0"/>
-              </a:rPr>
-              <a:t>Predict Net</a:t>
-            </a:r>
-            <a:endParaRPr lang="zh-TW" altLang="en-US" sz="3600" dirty="0">
-              <a:solidFill>
-                <a:srgbClr val="282828"/>
-              </a:solidFill>
-              <a:latin typeface="SauceCodePro Nerd Font" panose="020B0509030403020204" pitchFamily="49" charset="0"/>
-            </a:endParaRPr>
-          </a:p>
-        </p:txBody>
-      </p:sp>
-      <p:cxnSp>
-        <p:nvCxnSpPr>
-          <p:cNvPr id="134" name="直線單箭頭接點 26"/>
-          <p:cNvCxnSpPr>
-            <a:stCxn id="136" idx="0"/>
-            <a:endCxn id="141" idx="2"/>
-          </p:cNvCxnSpPr>
-          <p:nvPr/>
-        </p:nvCxnSpPr>
-        <p:spPr>
-          <a:xfrm flipV="1">
-            <a:off x="13342404" y="7725279"/>
-            <a:ext cx="0" cy="952683"/>
-          </a:xfrm>
-          <a:prstGeom prst="straightConnector1">
-            <a:avLst/>
-          </a:prstGeom>
-          <a:ln w="63500">
-            <a:solidFill>
-              <a:schemeClr val="tx1"/>
-            </a:solidFill>
-            <a:tailEnd type="triangle"/>
-          </a:ln>
-        </p:spPr>
-        <p:style>
-          <a:lnRef idx="1">
-            <a:schemeClr val="accent1"/>
-          </a:lnRef>
-          <a:fillRef idx="0">
-            <a:schemeClr val="accent1"/>
-          </a:fillRef>
-          <a:effectRef idx="0">
-            <a:schemeClr val="accent1"/>
-          </a:effectRef>
-          <a:fontRef idx="minor">
-            <a:schemeClr val="tx1"/>
-          </a:fontRef>
-        </p:style>
-      </p:cxnSp>
-      <p:cxnSp>
-        <p:nvCxnSpPr>
-          <p:cNvPr id="135" name="直線單箭頭接點 26"/>
-          <p:cNvCxnSpPr>
-            <a:endCxn id="136" idx="2"/>
-          </p:cNvCxnSpPr>
-          <p:nvPr/>
-        </p:nvCxnSpPr>
-        <p:spPr>
-          <a:xfrm flipV="1">
-            <a:off x="13342404" y="10126756"/>
-            <a:ext cx="0" cy="595986"/>
-          </a:xfrm>
-          <a:prstGeom prst="straightConnector1">
-            <a:avLst/>
-          </a:prstGeom>
-          <a:ln w="82550">
-            <a:solidFill>
-              <a:schemeClr val="tx1"/>
-            </a:solidFill>
-            <a:tailEnd type="triangle"/>
-          </a:ln>
-        </p:spPr>
-        <p:style>
-          <a:lnRef idx="1">
-            <a:schemeClr val="accent1"/>
-          </a:lnRef>
-          <a:fillRef idx="0">
-            <a:schemeClr val="accent1"/>
-          </a:fillRef>
-          <a:effectRef idx="0">
-            <a:schemeClr val="accent1"/>
-          </a:effectRef>
-          <a:fontRef idx="minor">
-            <a:schemeClr val="tx1"/>
-          </a:fontRef>
-        </p:style>
-      </p:cxnSp>
-      <p:sp>
-        <p:nvSpPr>
-          <p:cNvPr id="136" name="圓角矩形 135"/>
-          <p:cNvSpPr/>
-          <p:nvPr/>
-        </p:nvSpPr>
-        <p:spPr>
-          <a:xfrm>
-            <a:off x="11317080" y="8677962"/>
-            <a:ext cx="4050648" cy="1448794"/>
-          </a:xfrm>
-          <a:prstGeom prst="roundRect">
-            <a:avLst>
-              <a:gd name="adj" fmla="val 12899"/>
-            </a:avLst>
-          </a:prstGeom>
-          <a:solidFill>
-            <a:schemeClr val="accent4"/>
-          </a:solidFill>
-          <a:ln w="31750">
-            <a:solidFill>
-              <a:schemeClr val="tx1"/>
-            </a:solidFill>
-          </a:ln>
-        </p:spPr>
-        <p:style>
-          <a:lnRef idx="2">
-            <a:schemeClr val="accent1">
-              <a:shade val="50000"/>
-            </a:schemeClr>
-          </a:lnRef>
-          <a:fillRef idx="1">
-            <a:schemeClr val="accent1"/>
-          </a:fillRef>
-          <a:effectRef idx="0">
-            <a:schemeClr val="accent1"/>
-          </a:effectRef>
-          <a:fontRef idx="minor">
-            <a:schemeClr val="lt1"/>
-          </a:fontRef>
-        </p:style>
-        <p:txBody>
-          <a:bodyPr rtlCol="0" anchor="ctr"/>
-          <a:lstStyle/>
-          <a:p>
-            <a:pPr algn="ctr"/>
-            <a:r>
-              <a:rPr lang="en-US" altLang="zh-TW" sz="3600" dirty="0" smtClean="0">
-                <a:solidFill>
-                  <a:srgbClr val="282828"/>
-                </a:solidFill>
-                <a:latin typeface="SauceCodePro Nerd Font" panose="020B0509030403020204" pitchFamily="49" charset="0"/>
-              </a:rPr>
-              <a:t>Encoder’</a:t>
-            </a:r>
-            <a:endParaRPr lang="zh-TW" altLang="en-US" sz="3600" dirty="0">
-              <a:solidFill>
-                <a:srgbClr val="282828"/>
-              </a:solidFill>
-              <a:latin typeface="SauceCodePro Nerd Font" panose="020B0509030403020204" pitchFamily="49" charset="0"/>
-            </a:endParaRPr>
-          </a:p>
-        </p:txBody>
-      </p:sp>
-      <p:cxnSp>
-        <p:nvCxnSpPr>
-          <p:cNvPr id="139" name="直線單箭頭接點 26"/>
-          <p:cNvCxnSpPr>
-            <a:stCxn id="104" idx="3"/>
-            <a:endCxn id="136" idx="1"/>
-          </p:cNvCxnSpPr>
-          <p:nvPr/>
-        </p:nvCxnSpPr>
-        <p:spPr>
-          <a:xfrm>
-            <a:off x="9144777" y="9402359"/>
-            <a:ext cx="2172303" cy="0"/>
-          </a:xfrm>
-          <a:prstGeom prst="straightConnector1">
-            <a:avLst/>
-          </a:prstGeom>
-          <a:ln w="63500">
-            <a:solidFill>
-              <a:schemeClr val="tx1"/>
-            </a:solidFill>
-            <a:prstDash val="dashDot"/>
-            <a:tailEnd type="triangle"/>
-          </a:ln>
-        </p:spPr>
-        <p:style>
-          <a:lnRef idx="1">
-            <a:schemeClr val="accent1"/>
-          </a:lnRef>
-          <a:fillRef idx="0">
-            <a:schemeClr val="accent1"/>
-          </a:fillRef>
-          <a:effectRef idx="0">
-            <a:schemeClr val="accent1"/>
-          </a:effectRef>
-          <a:fontRef idx="minor">
-            <a:schemeClr val="tx1"/>
-          </a:fontRef>
-        </p:style>
-      </p:cxnSp>
-      <p:sp>
-        <p:nvSpPr>
-          <p:cNvPr id="141" name="圓角矩形 140"/>
-          <p:cNvSpPr/>
-          <p:nvPr/>
-        </p:nvSpPr>
-        <p:spPr>
-          <a:xfrm>
-            <a:off x="11730826" y="6325459"/>
-            <a:ext cx="3223155" cy="1399820"/>
-          </a:xfrm>
-          <a:prstGeom prst="roundRect">
-            <a:avLst>
-              <a:gd name="adj" fmla="val 7652"/>
-            </a:avLst>
-          </a:prstGeom>
-          <a:noFill/>
-          <a:ln w="63500">
-            <a:solidFill>
-              <a:schemeClr val="tx1"/>
-            </a:solidFill>
-          </a:ln>
-        </p:spPr>
-        <p:style>
-          <a:lnRef idx="2">
-            <a:schemeClr val="accent1">
-              <a:shade val="50000"/>
-            </a:schemeClr>
-          </a:lnRef>
-          <a:fillRef idx="1">
-            <a:schemeClr val="accent1"/>
-          </a:fillRef>
-          <a:effectRef idx="0">
-            <a:schemeClr val="accent1"/>
-          </a:effectRef>
-          <a:fontRef idx="minor">
-            <a:schemeClr val="lt1"/>
-          </a:fontRef>
-        </p:style>
-        <p:txBody>
-          <a:bodyPr rtlCol="0" anchor="ctr"/>
-          <a:lstStyle/>
-          <a:p>
-            <a:pPr algn="ctr"/>
-            <a:r>
-              <a:rPr lang="en-US" altLang="zh-TW" dirty="0" smtClean="0">
-                <a:solidFill>
-                  <a:schemeClr val="tx1"/>
-                </a:solidFill>
-                <a:latin typeface="SauceCodePro Nerd Font" panose="020B0509030403020204" pitchFamily="49" charset="0"/>
-              </a:rPr>
-              <a:t>L2 Loss</a:t>
-            </a:r>
-            <a:endParaRPr lang="zh-TW" altLang="en-US" dirty="0">
+        </p:grpSpPr>
+        <p:cxnSp>
+          <p:nvCxnSpPr>
+            <p:cNvPr id="117" name="直線單箭頭接點 26"/>
+            <p:cNvCxnSpPr>
+              <a:stCxn id="104" idx="0"/>
+              <a:endCxn id="116" idx="2"/>
+            </p:cNvCxnSpPr>
+            <p:nvPr/>
+          </p:nvCxnSpPr>
+          <p:spPr>
+            <a:xfrm flipH="1" flipV="1">
+              <a:off x="7113004" y="7725279"/>
+              <a:ext cx="6449" cy="952683"/>
+            </a:xfrm>
+            <a:prstGeom prst="straightConnector1">
+              <a:avLst/>
+            </a:prstGeom>
+            <a:ln w="63500">
               <a:solidFill>
                 <a:schemeClr val="tx1"/>
               </a:solidFill>
-              <a:latin typeface="SauceCodePro Nerd Font" panose="020B0509030403020204" pitchFamily="49" charset="0"/>
-            </a:endParaRPr>
-          </a:p>
-        </p:txBody>
-      </p:sp>
-      <p:cxnSp>
-        <p:nvCxnSpPr>
-          <p:cNvPr id="142" name="直線單箭頭接點 26"/>
-          <p:cNvCxnSpPr>
-            <a:stCxn id="116" idx="3"/>
-            <a:endCxn id="141" idx="1"/>
-          </p:cNvCxnSpPr>
-          <p:nvPr/>
-        </p:nvCxnSpPr>
-        <p:spPr>
-          <a:xfrm>
-            <a:off x="9042187" y="7025369"/>
-            <a:ext cx="2688639" cy="0"/>
-          </a:xfrm>
-          <a:prstGeom prst="straightConnector1">
-            <a:avLst/>
-          </a:prstGeom>
-          <a:ln w="63500">
+              <a:tailEnd type="triangle"/>
+            </a:ln>
+          </p:spPr>
+          <p:style>
+            <a:lnRef idx="1">
+              <a:schemeClr val="accent1"/>
+            </a:lnRef>
+            <a:fillRef idx="0">
+              <a:schemeClr val="accent1"/>
+            </a:fillRef>
+            <a:effectRef idx="0">
+              <a:schemeClr val="accent1"/>
+            </a:effectRef>
+            <a:fontRef idx="minor">
+              <a:schemeClr val="tx1"/>
+            </a:fontRef>
+          </p:style>
+        </p:cxnSp>
+        <p:cxnSp>
+          <p:nvCxnSpPr>
+            <p:cNvPr id="198" name="直線單箭頭接點 26"/>
+            <p:cNvCxnSpPr>
+              <a:stCxn id="60" idx="2"/>
+              <a:endCxn id="104" idx="2"/>
+            </p:cNvCxnSpPr>
+            <p:nvPr/>
+          </p:nvCxnSpPr>
+          <p:spPr>
+            <a:xfrm flipV="1">
+              <a:off x="7119453" y="10126756"/>
+              <a:ext cx="0" cy="577518"/>
+            </a:xfrm>
+            <a:prstGeom prst="straightConnector1">
+              <a:avLst/>
+            </a:prstGeom>
+            <a:ln w="63500">
+              <a:solidFill>
+                <a:schemeClr val="tx1"/>
+              </a:solidFill>
+              <a:tailEnd type="triangle"/>
+            </a:ln>
+          </p:spPr>
+          <p:style>
+            <a:lnRef idx="1">
+              <a:schemeClr val="accent1"/>
+            </a:lnRef>
+            <a:fillRef idx="0">
+              <a:schemeClr val="accent1"/>
+            </a:fillRef>
+            <a:effectRef idx="0">
+              <a:schemeClr val="accent1"/>
+            </a:effectRef>
+            <a:fontRef idx="minor">
+              <a:schemeClr val="tx1"/>
+            </a:fontRef>
+          </p:style>
+        </p:cxnSp>
+        <p:sp>
+          <p:nvSpPr>
+            <p:cNvPr id="104" name="圓角矩形 103"/>
+            <p:cNvSpPr/>
+            <p:nvPr/>
+          </p:nvSpPr>
+          <p:spPr>
+            <a:xfrm>
+              <a:off x="5094129" y="8677962"/>
+              <a:ext cx="4050648" cy="1448794"/>
+            </a:xfrm>
+            <a:prstGeom prst="roundRect">
+              <a:avLst>
+                <a:gd name="adj" fmla="val 12899"/>
+              </a:avLst>
+            </a:prstGeom>
             <a:solidFill>
+              <a:schemeClr val="accent4"/>
+            </a:solidFill>
+            <a:ln w="31750">
+              <a:solidFill>
+                <a:schemeClr val="tx1"/>
+              </a:solidFill>
+            </a:ln>
+          </p:spPr>
+          <p:style>
+            <a:lnRef idx="2">
+              <a:schemeClr val="accent1">
+                <a:shade val="50000"/>
+              </a:schemeClr>
+            </a:lnRef>
+            <a:fillRef idx="1">
+              <a:schemeClr val="accent1"/>
+            </a:fillRef>
+            <a:effectRef idx="0">
+              <a:schemeClr val="accent1"/>
+            </a:effectRef>
+            <a:fontRef idx="minor">
+              <a:schemeClr val="lt1"/>
+            </a:fontRef>
+          </p:style>
+          <p:txBody>
+            <a:bodyPr rtlCol="0" anchor="ctr"/>
+            <a:lstStyle/>
+            <a:p>
+              <a:pPr algn="ctr"/>
+              <a:r>
+                <a:rPr lang="en-US" altLang="zh-TW" sz="3600" dirty="0" smtClean="0">
+                  <a:solidFill>
+                    <a:srgbClr val="282828"/>
+                  </a:solidFill>
+                  <a:latin typeface="SauceCodePro Nerd Font" panose="020B0509030403020204" pitchFamily="49" charset="0"/>
+                </a:rPr>
+                <a:t>Encoder</a:t>
+              </a:r>
+              <a:endParaRPr lang="zh-TW" altLang="en-US" sz="3600" dirty="0">
+                <a:solidFill>
+                  <a:srgbClr val="282828"/>
+                </a:solidFill>
+                <a:latin typeface="SauceCodePro Nerd Font" panose="020B0509030403020204" pitchFamily="49" charset="0"/>
+              </a:endParaRPr>
+            </a:p>
+          </p:txBody>
+        </p:sp>
+        <p:sp>
+          <p:nvSpPr>
+            <p:cNvPr id="116" name="圓角矩形 115"/>
+            <p:cNvSpPr/>
+            <p:nvPr/>
+          </p:nvSpPr>
+          <p:spPr>
+            <a:xfrm>
+              <a:off x="5183821" y="6325458"/>
+              <a:ext cx="3858366" cy="1399821"/>
+            </a:xfrm>
+            <a:prstGeom prst="roundRect">
+              <a:avLst>
+                <a:gd name="adj" fmla="val 12899"/>
+              </a:avLst>
+            </a:prstGeom>
+            <a:solidFill>
+              <a:srgbClr val="FF5B9D"/>
+            </a:solidFill>
+            <a:ln w="31750">
+              <a:solidFill>
+                <a:schemeClr val="tx1"/>
+              </a:solidFill>
+            </a:ln>
+          </p:spPr>
+          <p:style>
+            <a:lnRef idx="2">
+              <a:schemeClr val="accent1">
+                <a:shade val="50000"/>
+              </a:schemeClr>
+            </a:lnRef>
+            <a:fillRef idx="1">
+              <a:schemeClr val="accent1"/>
+            </a:fillRef>
+            <a:effectRef idx="0">
+              <a:schemeClr val="accent1"/>
+            </a:effectRef>
+            <a:fontRef idx="minor">
+              <a:schemeClr val="lt1"/>
+            </a:fontRef>
+          </p:style>
+          <p:txBody>
+            <a:bodyPr rtlCol="0" anchor="ctr"/>
+            <a:lstStyle/>
+            <a:p>
+              <a:pPr algn="ctr"/>
+              <a:r>
+                <a:rPr lang="en-US" altLang="zh-TW" sz="3600" dirty="0" smtClean="0">
+                  <a:solidFill>
+                    <a:srgbClr val="282828"/>
+                  </a:solidFill>
+                  <a:latin typeface="SauceCodePro Nerd Font" panose="020B0509030403020204" pitchFamily="49" charset="0"/>
+                </a:rPr>
+                <a:t>Predict Net</a:t>
+              </a:r>
+              <a:endParaRPr lang="zh-TW" altLang="en-US" sz="3600" dirty="0">
+                <a:solidFill>
+                  <a:srgbClr val="282828"/>
+                </a:solidFill>
+                <a:latin typeface="SauceCodePro Nerd Font" panose="020B0509030403020204" pitchFamily="49" charset="0"/>
+              </a:endParaRPr>
+            </a:p>
+          </p:txBody>
+        </p:sp>
+        <p:cxnSp>
+          <p:nvCxnSpPr>
+            <p:cNvPr id="134" name="直線單箭頭接點 26"/>
+            <p:cNvCxnSpPr>
+              <a:stCxn id="136" idx="0"/>
+              <a:endCxn id="141" idx="2"/>
+            </p:cNvCxnSpPr>
+            <p:nvPr/>
+          </p:nvCxnSpPr>
+          <p:spPr>
+            <a:xfrm flipV="1">
+              <a:off x="13342404" y="7725279"/>
+              <a:ext cx="0" cy="952683"/>
+            </a:xfrm>
+            <a:prstGeom prst="straightConnector1">
+              <a:avLst/>
+            </a:prstGeom>
+            <a:ln w="63500">
+              <a:solidFill>
+                <a:schemeClr val="tx1"/>
+              </a:solidFill>
+              <a:tailEnd type="triangle"/>
+            </a:ln>
+          </p:spPr>
+          <p:style>
+            <a:lnRef idx="1">
+              <a:schemeClr val="accent1"/>
+            </a:lnRef>
+            <a:fillRef idx="0">
+              <a:schemeClr val="accent1"/>
+            </a:fillRef>
+            <a:effectRef idx="0">
+              <a:schemeClr val="accent1"/>
+            </a:effectRef>
+            <a:fontRef idx="minor">
               <a:schemeClr val="tx1"/>
+            </a:fontRef>
+          </p:style>
+        </p:cxnSp>
+        <p:cxnSp>
+          <p:nvCxnSpPr>
+            <p:cNvPr id="135" name="直線單箭頭接點 26"/>
+            <p:cNvCxnSpPr>
+              <a:stCxn id="60" idx="0"/>
+              <a:endCxn id="136" idx="2"/>
+            </p:cNvCxnSpPr>
+            <p:nvPr/>
+          </p:nvCxnSpPr>
+          <p:spPr>
+            <a:xfrm flipV="1">
+              <a:off x="13342403" y="10126756"/>
+              <a:ext cx="1" cy="577518"/>
+            </a:xfrm>
+            <a:prstGeom prst="straightConnector1">
+              <a:avLst/>
+            </a:prstGeom>
+            <a:ln w="63500">
+              <a:solidFill>
+                <a:schemeClr val="tx1"/>
+              </a:solidFill>
+              <a:tailEnd type="triangle"/>
+            </a:ln>
+          </p:spPr>
+          <p:style>
+            <a:lnRef idx="1">
+              <a:schemeClr val="accent1"/>
+            </a:lnRef>
+            <a:fillRef idx="0">
+              <a:schemeClr val="accent1"/>
+            </a:fillRef>
+            <a:effectRef idx="0">
+              <a:schemeClr val="accent1"/>
+            </a:effectRef>
+            <a:fontRef idx="minor">
+              <a:schemeClr val="tx1"/>
+            </a:fontRef>
+          </p:style>
+        </p:cxnSp>
+        <p:sp>
+          <p:nvSpPr>
+            <p:cNvPr id="136" name="圓角矩形 135"/>
+            <p:cNvSpPr/>
+            <p:nvPr/>
+          </p:nvSpPr>
+          <p:spPr>
+            <a:xfrm>
+              <a:off x="11317080" y="8677962"/>
+              <a:ext cx="4050648" cy="1448794"/>
+            </a:xfrm>
+            <a:prstGeom prst="roundRect">
+              <a:avLst>
+                <a:gd name="adj" fmla="val 12899"/>
+              </a:avLst>
+            </a:prstGeom>
+            <a:solidFill>
+              <a:schemeClr val="accent4"/>
             </a:solidFill>
-            <a:tailEnd type="triangle"/>
-          </a:ln>
-        </p:spPr>
-        <p:style>
-          <a:lnRef idx="1">
-            <a:schemeClr val="accent1"/>
-          </a:lnRef>
-          <a:fillRef idx="0">
-            <a:schemeClr val="accent1"/>
-          </a:fillRef>
-          <a:effectRef idx="0">
-            <a:schemeClr val="accent1"/>
-          </a:effectRef>
-          <a:fontRef idx="minor">
-            <a:schemeClr val="tx1"/>
-          </a:fontRef>
-        </p:style>
-      </p:cxnSp>
-      <p:sp>
-        <p:nvSpPr>
-          <p:cNvPr id="146" name="圓角矩形 145"/>
-          <p:cNvSpPr/>
-          <p:nvPr/>
-        </p:nvSpPr>
-        <p:spPr>
-          <a:xfrm>
-            <a:off x="9677694" y="11633164"/>
-            <a:ext cx="1100020" cy="1169335"/>
-          </a:xfrm>
-          <a:prstGeom prst="roundRect">
-            <a:avLst/>
-          </a:prstGeom>
-          <a:noFill/>
-          <a:ln w="63500">
+            <a:ln w="31750">
+              <a:solidFill>
+                <a:schemeClr val="tx1"/>
+              </a:solidFill>
+            </a:ln>
+          </p:spPr>
+          <p:style>
+            <a:lnRef idx="2">
+              <a:schemeClr val="accent1">
+                <a:shade val="50000"/>
+              </a:schemeClr>
+            </a:lnRef>
+            <a:fillRef idx="1">
+              <a:schemeClr val="accent1"/>
+            </a:fillRef>
+            <a:effectRef idx="0">
+              <a:schemeClr val="accent1"/>
+            </a:effectRef>
+            <a:fontRef idx="minor">
+              <a:schemeClr val="lt1"/>
+            </a:fontRef>
+          </p:style>
+          <p:txBody>
+            <a:bodyPr rtlCol="0" anchor="ctr"/>
+            <a:lstStyle/>
+            <a:p>
+              <a:pPr algn="ctr"/>
+              <a:r>
+                <a:rPr lang="en-US" altLang="zh-TW" sz="3600" dirty="0" smtClean="0">
+                  <a:solidFill>
+                    <a:srgbClr val="282828"/>
+                  </a:solidFill>
+                  <a:latin typeface="SauceCodePro Nerd Font" panose="020B0509030403020204" pitchFamily="49" charset="0"/>
+                </a:rPr>
+                <a:t>Encoder’</a:t>
+              </a:r>
+              <a:endParaRPr lang="zh-TW" altLang="en-US" sz="3600" dirty="0">
+                <a:solidFill>
+                  <a:srgbClr val="282828"/>
+                </a:solidFill>
+                <a:latin typeface="SauceCodePro Nerd Font" panose="020B0509030403020204" pitchFamily="49" charset="0"/>
+              </a:endParaRPr>
+            </a:p>
+          </p:txBody>
+        </p:sp>
+        <p:cxnSp>
+          <p:nvCxnSpPr>
+            <p:cNvPr id="139" name="直線單箭頭接點 26"/>
+            <p:cNvCxnSpPr>
+              <a:stCxn id="104" idx="3"/>
+              <a:endCxn id="136" idx="1"/>
+            </p:cNvCxnSpPr>
+            <p:nvPr/>
+          </p:nvCxnSpPr>
+          <p:spPr>
+            <a:xfrm>
+              <a:off x="9144777" y="9402359"/>
+              <a:ext cx="2172303" cy="0"/>
+            </a:xfrm>
+            <a:prstGeom prst="straightConnector1">
+              <a:avLst/>
+            </a:prstGeom>
+            <a:ln w="63500">
+              <a:solidFill>
+                <a:schemeClr val="tx1"/>
+              </a:solidFill>
+              <a:prstDash val="dashDot"/>
+              <a:tailEnd type="triangle"/>
+            </a:ln>
+          </p:spPr>
+          <p:style>
+            <a:lnRef idx="1">
+              <a:schemeClr val="accent1"/>
+            </a:lnRef>
+            <a:fillRef idx="0">
+              <a:schemeClr val="accent1"/>
+            </a:fillRef>
+            <a:effectRef idx="0">
+              <a:schemeClr val="accent1"/>
+            </a:effectRef>
+            <a:fontRef idx="minor">
+              <a:schemeClr val="tx1"/>
+            </a:fontRef>
+          </p:style>
+        </p:cxnSp>
+        <p:sp>
+          <p:nvSpPr>
+            <p:cNvPr id="141" name="圓角矩形 140"/>
+            <p:cNvSpPr/>
+            <p:nvPr/>
+          </p:nvSpPr>
+          <p:spPr>
+            <a:xfrm>
+              <a:off x="11730826" y="6325459"/>
+              <a:ext cx="3223155" cy="1399820"/>
+            </a:xfrm>
+            <a:prstGeom prst="roundRect">
+              <a:avLst>
+                <a:gd name="adj" fmla="val 7652"/>
+              </a:avLst>
+            </a:prstGeom>
             <a:noFill/>
-          </a:ln>
-          <a:effectLst>
-            <a:softEdge rad="63500"/>
-          </a:effectLst>
-        </p:spPr>
-        <p:style>
-          <a:lnRef idx="2">
-            <a:schemeClr val="accent1">
-              <a:shade val="50000"/>
-            </a:schemeClr>
-          </a:lnRef>
-          <a:fillRef idx="1">
-            <a:schemeClr val="accent1"/>
-          </a:fillRef>
-          <a:effectRef idx="0">
-            <a:schemeClr val="accent1"/>
-          </a:effectRef>
-          <a:fontRef idx="minor">
-            <a:schemeClr val="lt1"/>
-          </a:fontRef>
-        </p:style>
-        <p:txBody>
-          <a:bodyPr rtlCol="0" anchor="ctr"/>
-          <a:lstStyle/>
-          <a:p>
-            <a:pPr algn="ctr"/>
-            <a:r>
-              <a:rPr lang="en-US" altLang="zh-TW" sz="4400" dirty="0" smtClean="0">
+            <a:ln w="63500">
+              <a:solidFill>
+                <a:schemeClr val="tx1"/>
+              </a:solidFill>
+            </a:ln>
+          </p:spPr>
+          <p:style>
+            <a:lnRef idx="2">
+              <a:schemeClr val="accent1">
+                <a:shade val="50000"/>
+              </a:schemeClr>
+            </a:lnRef>
+            <a:fillRef idx="1">
+              <a:schemeClr val="accent1"/>
+            </a:fillRef>
+            <a:effectRef idx="0">
+              <a:schemeClr val="accent1"/>
+            </a:effectRef>
+            <a:fontRef idx="minor">
+              <a:schemeClr val="lt1"/>
+            </a:fontRef>
+          </p:style>
+          <p:txBody>
+            <a:bodyPr rtlCol="0" anchor="ctr"/>
+            <a:lstStyle/>
+            <a:p>
+              <a:pPr algn="ctr"/>
+              <a:r>
+                <a:rPr lang="en-US" altLang="zh-TW" dirty="0" smtClean="0">
+                  <a:solidFill>
+                    <a:schemeClr val="tx1"/>
+                  </a:solidFill>
+                  <a:latin typeface="SauceCodePro Nerd Font" panose="020B0509030403020204" pitchFamily="49" charset="0"/>
+                </a:rPr>
+                <a:t>L2 Loss</a:t>
+              </a:r>
+              <a:endParaRPr lang="zh-TW" altLang="en-US" dirty="0">
+                <a:solidFill>
+                  <a:schemeClr val="tx1"/>
+                </a:solidFill>
+                <a:latin typeface="SauceCodePro Nerd Font" panose="020B0509030403020204" pitchFamily="49" charset="0"/>
+              </a:endParaRPr>
+            </a:p>
+          </p:txBody>
+        </p:sp>
+        <p:cxnSp>
+          <p:nvCxnSpPr>
+            <p:cNvPr id="142" name="直線單箭頭接點 26"/>
+            <p:cNvCxnSpPr>
+              <a:stCxn id="116" idx="3"/>
+              <a:endCxn id="141" idx="1"/>
+            </p:cNvCxnSpPr>
+            <p:nvPr/>
+          </p:nvCxnSpPr>
+          <p:spPr>
+            <a:xfrm>
+              <a:off x="9042187" y="7025369"/>
+              <a:ext cx="2688639" cy="0"/>
+            </a:xfrm>
+            <a:prstGeom prst="straightConnector1">
+              <a:avLst/>
+            </a:prstGeom>
+            <a:ln w="63500">
+              <a:solidFill>
+                <a:schemeClr val="tx1"/>
+              </a:solidFill>
+              <a:tailEnd type="triangle"/>
+            </a:ln>
+          </p:spPr>
+          <p:style>
+            <a:lnRef idx="1">
+              <a:schemeClr val="accent1"/>
+            </a:lnRef>
+            <a:fillRef idx="0">
+              <a:schemeClr val="accent1"/>
+            </a:fillRef>
+            <a:effectRef idx="0">
+              <a:schemeClr val="accent1"/>
+            </a:effectRef>
+            <a:fontRef idx="minor">
+              <a:schemeClr val="tx1"/>
+            </a:fontRef>
+          </p:style>
+        </p:cxnSp>
+        <p:sp>
+          <p:nvSpPr>
+            <p:cNvPr id="146" name="圓角矩形 145"/>
+            <p:cNvSpPr/>
+            <p:nvPr/>
+          </p:nvSpPr>
+          <p:spPr>
+            <a:xfrm>
+              <a:off x="9677694" y="11633164"/>
+              <a:ext cx="1100020" cy="1169335"/>
+            </a:xfrm>
+            <a:prstGeom prst="roundRect">
+              <a:avLst/>
+            </a:prstGeom>
+            <a:noFill/>
+            <a:ln w="63500">
+              <a:noFill/>
+            </a:ln>
+            <a:effectLst>
+              <a:softEdge rad="63500"/>
+            </a:effectLst>
+          </p:spPr>
+          <p:style>
+            <a:lnRef idx="2">
+              <a:schemeClr val="accent1">
+                <a:shade val="50000"/>
+              </a:schemeClr>
+            </a:lnRef>
+            <a:fillRef idx="1">
+              <a:schemeClr val="accent1"/>
+            </a:fillRef>
+            <a:effectRef idx="0">
+              <a:schemeClr val="accent1"/>
+            </a:effectRef>
+            <a:fontRef idx="minor">
+              <a:schemeClr val="lt1"/>
+            </a:fontRef>
+          </p:style>
+          <p:txBody>
+            <a:bodyPr rtlCol="0" anchor="ctr"/>
+            <a:lstStyle/>
+            <a:p>
+              <a:pPr algn="ctr"/>
+              <a:r>
+                <a:rPr lang="en-US" altLang="zh-TW" sz="4400" dirty="0" smtClean="0">
+                  <a:solidFill>
+                    <a:srgbClr val="282828"/>
+                  </a:solidFill>
+                  <a:latin typeface="SauceCodePro Nerd Font" panose="020B0509030403020204" pitchFamily="49" charset="0"/>
+                </a:rPr>
+                <a:t>S</a:t>
+              </a:r>
+              <a:endParaRPr lang="zh-TW" altLang="en-US" sz="4400" dirty="0">
                 <a:solidFill>
                   <a:srgbClr val="282828"/>
                 </a:solidFill>
                 <a:latin typeface="SauceCodePro Nerd Font" panose="020B0509030403020204" pitchFamily="49" charset="0"/>
-              </a:rPr>
-              <a:t>S</a:t>
-            </a:r>
-            <a:endParaRPr lang="zh-TW" altLang="en-US" sz="4400" dirty="0">
-              <a:solidFill>
-                <a:srgbClr val="282828"/>
-              </a:solidFill>
-              <a:latin typeface="SauceCodePro Nerd Font" panose="020B0509030403020204" pitchFamily="49" charset="0"/>
-            </a:endParaRPr>
-          </a:p>
-        </p:txBody>
-      </p:sp>
-      <p:sp>
-        <p:nvSpPr>
-          <p:cNvPr id="147" name="圓角矩形 146"/>
-          <p:cNvSpPr/>
-          <p:nvPr/>
-        </p:nvSpPr>
-        <p:spPr>
-          <a:xfrm>
-            <a:off x="8779301" y="8055260"/>
-            <a:ext cx="2903253" cy="656600"/>
-          </a:xfrm>
-          <a:prstGeom prst="roundRect">
-            <a:avLst/>
-          </a:prstGeom>
-          <a:noFill/>
-          <a:ln w="63500">
+              </a:endParaRPr>
+            </a:p>
+          </p:txBody>
+        </p:sp>
+        <p:sp>
+          <p:nvSpPr>
+            <p:cNvPr id="147" name="圓角矩形 146"/>
+            <p:cNvSpPr/>
+            <p:nvPr/>
+          </p:nvSpPr>
+          <p:spPr>
+            <a:xfrm>
+              <a:off x="8779301" y="8055260"/>
+              <a:ext cx="2903253" cy="656600"/>
+            </a:xfrm>
+            <a:prstGeom prst="roundRect">
+              <a:avLst/>
+            </a:prstGeom>
             <a:noFill/>
-          </a:ln>
-          <a:effectLst>
-            <a:softEdge rad="63500"/>
-          </a:effectLst>
-        </p:spPr>
-        <p:style>
-          <a:lnRef idx="2">
-            <a:schemeClr val="accent1">
-              <a:shade val="50000"/>
-            </a:schemeClr>
-          </a:lnRef>
-          <a:fillRef idx="1">
-            <a:schemeClr val="accent1"/>
-          </a:fillRef>
-          <a:effectRef idx="0">
-            <a:schemeClr val="accent1"/>
-          </a:effectRef>
-          <a:fontRef idx="minor">
-            <a:schemeClr val="lt1"/>
-          </a:fontRef>
-        </p:style>
-        <p:txBody>
-          <a:bodyPr rtlCol="0" anchor="ctr"/>
-          <a:lstStyle/>
-          <a:p>
-            <a:pPr algn="ctr"/>
-            <a:r>
-              <a:rPr lang="en-US" altLang="zh-TW" sz="3600" dirty="0" smtClean="0">
+            <a:ln w="63500">
+              <a:noFill/>
+            </a:ln>
+            <a:effectLst>
+              <a:softEdge rad="63500"/>
+            </a:effectLst>
+          </p:spPr>
+          <p:style>
+            <a:lnRef idx="2">
+              <a:schemeClr val="accent1">
+                <a:shade val="50000"/>
+              </a:schemeClr>
+            </a:lnRef>
+            <a:fillRef idx="1">
+              <a:schemeClr val="accent1"/>
+            </a:fillRef>
+            <a:effectRef idx="0">
+              <a:schemeClr val="accent1"/>
+            </a:effectRef>
+            <a:fontRef idx="minor">
+              <a:schemeClr val="lt1"/>
+            </a:fontRef>
+          </p:style>
+          <p:txBody>
+            <a:bodyPr rtlCol="0" anchor="ctr"/>
+            <a:lstStyle/>
+            <a:p>
+              <a:pPr algn="ctr"/>
+              <a:r>
+                <a:rPr lang="en-US" altLang="zh-TW" sz="3600" dirty="0" smtClean="0">
+                  <a:solidFill>
+                    <a:srgbClr val="282828"/>
+                  </a:solidFill>
+                  <a:latin typeface="SauceCodePro Nerd Font" panose="020B0509030403020204" pitchFamily="49" charset="0"/>
+                </a:rPr>
+                <a:t>Momentum</a:t>
+              </a:r>
+              <a:endParaRPr lang="zh-TW" altLang="en-US" sz="3600" dirty="0">
                 <a:solidFill>
                   <a:srgbClr val="282828"/>
                 </a:solidFill>
                 <a:latin typeface="SauceCodePro Nerd Font" panose="020B0509030403020204" pitchFamily="49" charset="0"/>
-              </a:rPr>
-              <a:t>Momentum</a:t>
-            </a:r>
-            <a:endParaRPr lang="zh-TW" altLang="en-US" sz="3600" dirty="0">
-              <a:solidFill>
-                <a:srgbClr val="282828"/>
-              </a:solidFill>
-              <a:latin typeface="SauceCodePro Nerd Font" panose="020B0509030403020204" pitchFamily="49" charset="0"/>
-            </a:endParaRPr>
-          </a:p>
-        </p:txBody>
-      </p:sp>
-      <p:sp>
-        <p:nvSpPr>
-          <p:cNvPr id="169" name="圓角矩形 168"/>
-          <p:cNvSpPr/>
-          <p:nvPr/>
-        </p:nvSpPr>
-        <p:spPr>
-          <a:xfrm>
-            <a:off x="8827573" y="5310287"/>
-            <a:ext cx="2903253" cy="656600"/>
-          </a:xfrm>
-          <a:prstGeom prst="roundRect">
-            <a:avLst/>
-          </a:prstGeom>
-          <a:noFill/>
-          <a:ln w="63500">
+              </a:endParaRPr>
+            </a:p>
+          </p:txBody>
+        </p:sp>
+        <p:sp>
+          <p:nvSpPr>
+            <p:cNvPr id="169" name="圓角矩形 168"/>
+            <p:cNvSpPr/>
+            <p:nvPr/>
+          </p:nvSpPr>
+          <p:spPr>
+            <a:xfrm>
+              <a:off x="8827573" y="5310287"/>
+              <a:ext cx="2903253" cy="656600"/>
+            </a:xfrm>
+            <a:prstGeom prst="roundRect">
+              <a:avLst/>
+            </a:prstGeom>
             <a:noFill/>
-          </a:ln>
-          <a:effectLst>
-            <a:softEdge rad="63500"/>
-          </a:effectLst>
-        </p:spPr>
-        <p:style>
-          <a:lnRef idx="2">
-            <a:schemeClr val="accent1">
-              <a:shade val="50000"/>
-            </a:schemeClr>
-          </a:lnRef>
-          <a:fillRef idx="1">
-            <a:schemeClr val="accent1"/>
-          </a:fillRef>
-          <a:effectRef idx="0">
-            <a:schemeClr val="accent1"/>
-          </a:effectRef>
-          <a:fontRef idx="minor">
-            <a:schemeClr val="lt1"/>
-          </a:fontRef>
-        </p:style>
-        <p:txBody>
-          <a:bodyPr rtlCol="0" anchor="ctr"/>
-          <a:lstStyle/>
-          <a:p>
-            <a:pPr algn="ctr"/>
-            <a:r>
-              <a:rPr lang="en-US" altLang="zh-TW" sz="3600" dirty="0" smtClean="0">
+            <a:ln w="63500">
+              <a:noFill/>
+            </a:ln>
+            <a:effectLst>
+              <a:softEdge rad="63500"/>
+            </a:effectLst>
+          </p:spPr>
+          <p:style>
+            <a:lnRef idx="2">
+              <a:schemeClr val="accent1">
+                <a:shade val="50000"/>
+              </a:schemeClr>
+            </a:lnRef>
+            <a:fillRef idx="1">
+              <a:schemeClr val="accent1"/>
+            </a:fillRef>
+            <a:effectRef idx="0">
+              <a:schemeClr val="accent1"/>
+            </a:effectRef>
+            <a:fontRef idx="minor">
+              <a:schemeClr val="lt1"/>
+            </a:fontRef>
+          </p:style>
+          <p:txBody>
+            <a:bodyPr rtlCol="0" anchor="ctr"/>
+            <a:lstStyle/>
+            <a:p>
+              <a:pPr algn="ctr"/>
+              <a:r>
+                <a:rPr lang="en-US" altLang="zh-TW" sz="3600" dirty="0" smtClean="0">
+                  <a:solidFill>
+                    <a:srgbClr val="FF0066"/>
+                  </a:solidFill>
+                  <a:latin typeface="SauceCodePro Nerd Font" panose="020B0509030403020204" pitchFamily="49" charset="0"/>
+                </a:rPr>
+                <a:t>Backward</a:t>
+              </a:r>
+              <a:endParaRPr lang="zh-TW" altLang="en-US" sz="3600" dirty="0">
                 <a:solidFill>
                   <a:srgbClr val="FF0066"/>
                 </a:solidFill>
                 <a:latin typeface="SauceCodePro Nerd Font" panose="020B0509030403020204" pitchFamily="49" charset="0"/>
-              </a:rPr>
-              <a:t>Backward</a:t>
-            </a:r>
-            <a:endParaRPr lang="zh-TW" altLang="en-US" sz="3600" dirty="0">
+              </a:endParaRPr>
+            </a:p>
+          </p:txBody>
+        </p:sp>
+        <p:sp>
+          <p:nvSpPr>
+            <p:cNvPr id="52" name="弧形 51"/>
+            <p:cNvSpPr/>
+            <p:nvPr/>
+          </p:nvSpPr>
+          <p:spPr>
+            <a:xfrm rot="16200000">
+              <a:off x="4766042" y="5995476"/>
+              <a:ext cx="656174" cy="656174"/>
+            </a:xfrm>
+            <a:prstGeom prst="arc">
+              <a:avLst/>
+            </a:prstGeom>
+            <a:ln w="44450">
               <a:solidFill>
                 <a:srgbClr val="FF0066"/>
               </a:solidFill>
-              <a:latin typeface="SauceCodePro Nerd Font" panose="020B0509030403020204" pitchFamily="49" charset="0"/>
-            </a:endParaRPr>
-          </a:p>
-        </p:txBody>
-      </p:sp>
-      <p:sp>
-        <p:nvSpPr>
-          <p:cNvPr id="52" name="弧形 51"/>
-          <p:cNvSpPr/>
-          <p:nvPr/>
-        </p:nvSpPr>
-        <p:spPr>
-          <a:xfrm rot="16200000">
-            <a:off x="4766042" y="5995476"/>
-            <a:ext cx="656174" cy="656174"/>
-          </a:xfrm>
-          <a:prstGeom prst="arc">
-            <a:avLst/>
-          </a:prstGeom>
-          <a:ln w="44450">
+              <a:tailEnd w="lg" len="lg"/>
+            </a:ln>
+          </p:spPr>
+          <p:style>
+            <a:lnRef idx="1">
+              <a:schemeClr val="accent1"/>
+            </a:lnRef>
+            <a:fillRef idx="0">
+              <a:schemeClr val="accent1"/>
+            </a:fillRef>
+            <a:effectRef idx="0">
+              <a:schemeClr val="accent1"/>
+            </a:effectRef>
+            <a:fontRef idx="minor">
+              <a:schemeClr val="tx1"/>
+            </a:fontRef>
+          </p:style>
+          <p:txBody>
+            <a:bodyPr rtlCol="0" anchor="ctr"/>
+            <a:lstStyle/>
+            <a:p>
+              <a:pPr algn="ctr"/>
+              <a:endParaRPr lang="zh-TW" altLang="en-US"/>
+            </a:p>
+          </p:txBody>
+        </p:sp>
+        <p:cxnSp>
+          <p:nvCxnSpPr>
+            <p:cNvPr id="54" name="直線接點 53"/>
+            <p:cNvCxnSpPr>
+              <a:stCxn id="52" idx="2"/>
+            </p:cNvCxnSpPr>
+            <p:nvPr/>
+          </p:nvCxnSpPr>
+          <p:spPr>
+            <a:xfrm>
+              <a:off x="5094129" y="5995476"/>
+              <a:ext cx="6903268" cy="0"/>
+            </a:xfrm>
+            <a:prstGeom prst="line">
+              <a:avLst/>
+            </a:prstGeom>
+            <a:ln w="44450">
+              <a:solidFill>
+                <a:srgbClr val="FF0066"/>
+              </a:solidFill>
+              <a:tailEnd w="lg" len="lg"/>
+            </a:ln>
+          </p:spPr>
+          <p:style>
+            <a:lnRef idx="1">
+              <a:schemeClr val="accent1"/>
+            </a:lnRef>
+            <a:fillRef idx="0">
+              <a:schemeClr val="accent1"/>
+            </a:fillRef>
+            <a:effectRef idx="0">
+              <a:schemeClr val="accent1"/>
+            </a:effectRef>
+            <a:fontRef idx="minor">
+              <a:schemeClr val="tx1"/>
+            </a:fontRef>
+          </p:style>
+        </p:cxnSp>
+        <p:cxnSp>
+          <p:nvCxnSpPr>
+            <p:cNvPr id="170" name="直線接點 169"/>
+            <p:cNvCxnSpPr>
+              <a:stCxn id="52" idx="0"/>
+            </p:cNvCxnSpPr>
+            <p:nvPr/>
+          </p:nvCxnSpPr>
+          <p:spPr>
+            <a:xfrm>
+              <a:off x="4766042" y="6323563"/>
+              <a:ext cx="0" cy="3803193"/>
+            </a:xfrm>
+            <a:prstGeom prst="line">
+              <a:avLst/>
+            </a:prstGeom>
+            <a:ln w="44450">
+              <a:solidFill>
+                <a:srgbClr val="FF0066"/>
+              </a:solidFill>
+              <a:tailEnd type="triangle" w="lg" len="lg"/>
+            </a:ln>
+          </p:spPr>
+          <p:style>
+            <a:lnRef idx="1">
+              <a:schemeClr val="accent1"/>
+            </a:lnRef>
+            <a:fillRef idx="0">
+              <a:schemeClr val="accent1"/>
+            </a:fillRef>
+            <a:effectRef idx="0">
+              <a:schemeClr val="accent1"/>
+            </a:effectRef>
+            <a:fontRef idx="minor">
+              <a:schemeClr val="tx1"/>
+            </a:fontRef>
+          </p:style>
+        </p:cxnSp>
+        <p:sp>
+          <p:nvSpPr>
+            <p:cNvPr id="192" name="圓角矩形 191"/>
+            <p:cNvSpPr/>
+            <p:nvPr/>
+          </p:nvSpPr>
+          <p:spPr>
+            <a:xfrm>
+              <a:off x="13342403" y="10016231"/>
+              <a:ext cx="1293610" cy="1169335"/>
+            </a:xfrm>
+            <a:prstGeom prst="roundRect">
+              <a:avLst/>
+            </a:prstGeom>
+            <a:noFill/>
+            <a:ln w="63500">
+              <a:noFill/>
+            </a:ln>
+            <a:effectLst>
+              <a:softEdge rad="63500"/>
+            </a:effectLst>
+          </p:spPr>
+          <p:style>
+            <a:lnRef idx="2">
+              <a:schemeClr val="accent1">
+                <a:shade val="50000"/>
+              </a:schemeClr>
+            </a:lnRef>
+            <a:fillRef idx="1">
+              <a:schemeClr val="accent1"/>
+            </a:fillRef>
+            <a:effectRef idx="0">
+              <a:schemeClr val="accent1"/>
+            </a:effectRef>
+            <a:fontRef idx="minor">
+              <a:schemeClr val="lt1"/>
+            </a:fontRef>
+          </p:style>
+          <p:txBody>
+            <a:bodyPr rtlCol="0" anchor="ctr"/>
+            <a:lstStyle/>
+            <a:p>
+              <a:pPr algn="ctr"/>
+              <a:r>
+                <a:rPr lang="en-US" altLang="zh-TW" sz="4400" dirty="0" smtClean="0">
+                  <a:solidFill>
+                    <a:srgbClr val="282828"/>
+                  </a:solidFill>
+                  <a:latin typeface="SauceCodePro Nerd Font" panose="020B0509030403020204" pitchFamily="49" charset="0"/>
+                </a:rPr>
+                <a:t>+N</a:t>
+              </a:r>
+              <a:r>
+                <a:rPr lang="en-US" altLang="zh-TW" sz="4400" baseline="-25000" dirty="0" smtClean="0">
+                  <a:solidFill>
+                    <a:srgbClr val="282828"/>
+                  </a:solidFill>
+                  <a:latin typeface="SauceCodePro Nerd Font" panose="020B0509030403020204" pitchFamily="49" charset="0"/>
+                </a:rPr>
+                <a:t>2</a:t>
+              </a:r>
+              <a:endParaRPr lang="en-US" altLang="zh-TW" sz="4400" dirty="0">
+                <a:solidFill>
+                  <a:srgbClr val="282828"/>
+                </a:solidFill>
+                <a:latin typeface="SauceCodePro Nerd Font" panose="020B0509030403020204" pitchFamily="49" charset="0"/>
+              </a:endParaRPr>
+            </a:p>
+          </p:txBody>
+        </p:sp>
+        <p:sp>
+          <p:nvSpPr>
+            <p:cNvPr id="60" name="右大括弧 59"/>
+            <p:cNvSpPr/>
+            <p:nvPr/>
+          </p:nvSpPr>
+          <p:spPr>
+            <a:xfrm rot="5400000">
+              <a:off x="9812078" y="8011649"/>
+              <a:ext cx="837700" cy="6222950"/>
+            </a:xfrm>
+            <a:prstGeom prst="rightBrace">
+              <a:avLst>
+                <a:gd name="adj1" fmla="val 53815"/>
+                <a:gd name="adj2" fmla="val 50000"/>
+              </a:avLst>
+            </a:prstGeom>
+            <a:ln w="63500">
+              <a:solidFill>
+                <a:schemeClr val="tx1"/>
+              </a:solidFill>
+            </a:ln>
+          </p:spPr>
+          <p:style>
+            <a:lnRef idx="1">
+              <a:schemeClr val="accent1"/>
+            </a:lnRef>
+            <a:fillRef idx="0">
+              <a:schemeClr val="accent1"/>
+            </a:fillRef>
+            <a:effectRef idx="0">
+              <a:schemeClr val="accent1"/>
+            </a:effectRef>
+            <a:fontRef idx="minor">
+              <a:schemeClr val="tx1"/>
+            </a:fontRef>
+          </p:style>
+          <p:txBody>
+            <a:bodyPr rtlCol="0" anchor="ctr"/>
+            <a:lstStyle/>
+            <a:p>
+              <a:pPr algn="ctr"/>
+              <a:endParaRPr lang="zh-TW" altLang="en-US" dirty="0"/>
+            </a:p>
+          </p:txBody>
+        </p:sp>
+        <p:sp>
+          <p:nvSpPr>
+            <p:cNvPr id="195" name="圓角矩形 194"/>
+            <p:cNvSpPr/>
+            <p:nvPr/>
+          </p:nvSpPr>
+          <p:spPr>
+            <a:xfrm>
+              <a:off x="7113003" y="10016231"/>
+              <a:ext cx="1293610" cy="1169335"/>
+            </a:xfrm>
+            <a:prstGeom prst="roundRect">
+              <a:avLst/>
+            </a:prstGeom>
+            <a:noFill/>
+            <a:ln w="63500">
+              <a:noFill/>
+            </a:ln>
+            <a:effectLst>
+              <a:softEdge rad="63500"/>
+            </a:effectLst>
+          </p:spPr>
+          <p:style>
+            <a:lnRef idx="2">
+              <a:schemeClr val="accent1">
+                <a:shade val="50000"/>
+              </a:schemeClr>
+            </a:lnRef>
+            <a:fillRef idx="1">
+              <a:schemeClr val="accent1"/>
+            </a:fillRef>
+            <a:effectRef idx="0">
+              <a:schemeClr val="accent1"/>
+            </a:effectRef>
+            <a:fontRef idx="minor">
+              <a:schemeClr val="lt1"/>
+            </a:fontRef>
+          </p:style>
+          <p:txBody>
+            <a:bodyPr rtlCol="0" anchor="ctr"/>
+            <a:lstStyle/>
+            <a:p>
+              <a:pPr algn="ctr"/>
+              <a:r>
+                <a:rPr lang="en-US" altLang="zh-TW" sz="4400" dirty="0" smtClean="0">
+                  <a:solidFill>
+                    <a:srgbClr val="282828"/>
+                  </a:solidFill>
+                  <a:latin typeface="SauceCodePro Nerd Font" panose="020B0509030403020204" pitchFamily="49" charset="0"/>
+                </a:rPr>
+                <a:t>+N</a:t>
+              </a:r>
+              <a:r>
+                <a:rPr lang="en-US" altLang="zh-TW" sz="4400" baseline="-25000" dirty="0" smtClean="0">
+                  <a:solidFill>
+                    <a:srgbClr val="282828"/>
+                  </a:solidFill>
+                  <a:latin typeface="SauceCodePro Nerd Font" panose="020B0509030403020204" pitchFamily="49" charset="0"/>
+                </a:rPr>
+                <a:t>1</a:t>
+              </a:r>
+              <a:endParaRPr lang="en-US" altLang="zh-TW" sz="4400" dirty="0">
+                <a:solidFill>
+                  <a:srgbClr val="282828"/>
+                </a:solidFill>
+                <a:latin typeface="SauceCodePro Nerd Font" panose="020B0509030403020204" pitchFamily="49" charset="0"/>
+              </a:endParaRPr>
+            </a:p>
+          </p:txBody>
+        </p:sp>
+        <p:cxnSp>
+          <p:nvCxnSpPr>
+            <p:cNvPr id="231" name="直線接點 230"/>
+            <p:cNvCxnSpPr/>
+            <p:nvPr/>
+          </p:nvCxnSpPr>
+          <p:spPr>
+            <a:xfrm>
+              <a:off x="15830282" y="6323563"/>
+              <a:ext cx="0" cy="1843009"/>
+            </a:xfrm>
+            <a:prstGeom prst="line">
+              <a:avLst/>
+            </a:prstGeom>
+            <a:ln w="44450">
+              <a:solidFill>
+                <a:srgbClr val="FF0066"/>
+              </a:solidFill>
+              <a:prstDash val="dash"/>
+              <a:tailEnd type="triangle" w="lg" len="lg"/>
+            </a:ln>
+          </p:spPr>
+          <p:style>
+            <a:lnRef idx="1">
+              <a:schemeClr val="accent1"/>
+            </a:lnRef>
+            <a:fillRef idx="0">
+              <a:schemeClr val="accent1"/>
+            </a:fillRef>
+            <a:effectRef idx="0">
+              <a:schemeClr val="accent1"/>
+            </a:effectRef>
+            <a:fontRef idx="minor">
+              <a:schemeClr val="tx1"/>
+            </a:fontRef>
+          </p:style>
+        </p:cxnSp>
+        <p:sp>
+          <p:nvSpPr>
+            <p:cNvPr id="65" name="十字形 64"/>
+            <p:cNvSpPr/>
+            <p:nvPr/>
+          </p:nvSpPr>
+          <p:spPr>
+            <a:xfrm rot="18900000">
+              <a:off x="15267828" y="7858673"/>
+              <a:ext cx="1124908" cy="1124908"/>
+            </a:xfrm>
+            <a:prstGeom prst="plus">
+              <a:avLst>
+                <a:gd name="adj" fmla="val 47704"/>
+              </a:avLst>
+            </a:prstGeom>
             <a:solidFill>
               <a:srgbClr val="FF0066"/>
             </a:solidFill>
-            <a:tailEnd w="lg" len="lg"/>
-          </a:ln>
-        </p:spPr>
-        <p:style>
-          <a:lnRef idx="1">
-            <a:schemeClr val="accent1"/>
-          </a:lnRef>
-          <a:fillRef idx="0">
-            <a:schemeClr val="accent1"/>
-          </a:fillRef>
-          <a:effectRef idx="0">
-            <a:schemeClr val="accent1"/>
-          </a:effectRef>
-          <a:fontRef idx="minor">
-            <a:schemeClr val="tx1"/>
-          </a:fontRef>
-        </p:style>
-        <p:txBody>
-          <a:bodyPr rtlCol="0" anchor="ctr"/>
-          <a:lstStyle/>
-          <a:p>
-            <a:pPr algn="ctr"/>
-            <a:endParaRPr lang="zh-TW" altLang="en-US"/>
-          </a:p>
-        </p:txBody>
-      </p:sp>
-      <p:cxnSp>
-        <p:nvCxnSpPr>
-          <p:cNvPr id="54" name="直線接點 53"/>
-          <p:cNvCxnSpPr>
-            <a:stCxn id="52" idx="2"/>
-          </p:cNvCxnSpPr>
-          <p:nvPr/>
-        </p:nvCxnSpPr>
-        <p:spPr>
-          <a:xfrm>
-            <a:off x="5094129" y="5995476"/>
-            <a:ext cx="6903268" cy="0"/>
-          </a:xfrm>
-          <a:prstGeom prst="line">
-            <a:avLst/>
-          </a:prstGeom>
-          <a:ln w="44450">
-            <a:solidFill>
-              <a:srgbClr val="FF0066"/>
-            </a:solidFill>
-            <a:tailEnd w="lg" len="lg"/>
-          </a:ln>
-        </p:spPr>
-        <p:style>
-          <a:lnRef idx="1">
-            <a:schemeClr val="accent1"/>
-          </a:lnRef>
-          <a:fillRef idx="0">
-            <a:schemeClr val="accent1"/>
-          </a:fillRef>
-          <a:effectRef idx="0">
-            <a:schemeClr val="accent1"/>
-          </a:effectRef>
-          <a:fontRef idx="minor">
-            <a:schemeClr val="tx1"/>
-          </a:fontRef>
-        </p:style>
-      </p:cxnSp>
-      <p:cxnSp>
-        <p:nvCxnSpPr>
-          <p:cNvPr id="170" name="直線接點 169"/>
-          <p:cNvCxnSpPr>
-            <a:stCxn id="52" idx="0"/>
-          </p:cNvCxnSpPr>
-          <p:nvPr/>
-        </p:nvCxnSpPr>
-        <p:spPr>
-          <a:xfrm>
-            <a:off x="4766042" y="6323563"/>
-            <a:ext cx="0" cy="3803193"/>
-          </a:xfrm>
-          <a:prstGeom prst="line">
-            <a:avLst/>
-          </a:prstGeom>
-          <a:ln w="44450">
-            <a:solidFill>
-              <a:srgbClr val="FF0066"/>
-            </a:solidFill>
-            <a:tailEnd type="triangle" w="lg" len="lg"/>
-          </a:ln>
-        </p:spPr>
-        <p:style>
-          <a:lnRef idx="1">
-            <a:schemeClr val="accent1"/>
-          </a:lnRef>
-          <a:fillRef idx="0">
-            <a:schemeClr val="accent1"/>
-          </a:fillRef>
-          <a:effectRef idx="0">
-            <a:schemeClr val="accent1"/>
-          </a:effectRef>
-          <a:fontRef idx="minor">
-            <a:schemeClr val="tx1"/>
-          </a:fontRef>
-        </p:style>
-      </p:cxnSp>
-      <p:sp>
-        <p:nvSpPr>
-          <p:cNvPr id="192" name="圓角矩形 191"/>
-          <p:cNvSpPr/>
-          <p:nvPr/>
-        </p:nvSpPr>
-        <p:spPr>
-          <a:xfrm>
-            <a:off x="13342403" y="10016231"/>
-            <a:ext cx="1293610" cy="1169335"/>
-          </a:xfrm>
-          <a:prstGeom prst="roundRect">
-            <a:avLst/>
-          </a:prstGeom>
-          <a:noFill/>
-          <a:ln w="63500">
-            <a:noFill/>
-          </a:ln>
-          <a:effectLst>
-            <a:softEdge rad="63500"/>
-          </a:effectLst>
-        </p:spPr>
-        <p:style>
-          <a:lnRef idx="2">
-            <a:schemeClr val="accent1">
-              <a:shade val="50000"/>
-            </a:schemeClr>
-          </a:lnRef>
-          <a:fillRef idx="1">
-            <a:schemeClr val="accent1"/>
-          </a:fillRef>
-          <a:effectRef idx="0">
-            <a:schemeClr val="accent1"/>
-          </a:effectRef>
-          <a:fontRef idx="minor">
-            <a:schemeClr val="lt1"/>
-          </a:fontRef>
-        </p:style>
-        <p:txBody>
-          <a:bodyPr rtlCol="0" anchor="ctr"/>
-          <a:lstStyle/>
-          <a:p>
-            <a:pPr algn="ctr"/>
-            <a:r>
-              <a:rPr lang="en-US" altLang="zh-TW" sz="4400" dirty="0" smtClean="0">
-                <a:solidFill>
-                  <a:srgbClr val="282828"/>
-                </a:solidFill>
-                <a:latin typeface="SauceCodePro Nerd Font" panose="020B0509030403020204" pitchFamily="49" charset="0"/>
-              </a:rPr>
-              <a:t>+N</a:t>
-            </a:r>
-            <a:r>
-              <a:rPr lang="en-US" altLang="zh-TW" sz="4400" baseline="-25000" dirty="0" smtClean="0">
-                <a:solidFill>
-                  <a:srgbClr val="282828"/>
-                </a:solidFill>
-                <a:latin typeface="SauceCodePro Nerd Font" panose="020B0509030403020204" pitchFamily="49" charset="0"/>
-              </a:rPr>
-              <a:t>2</a:t>
-            </a:r>
-            <a:endParaRPr lang="en-US" altLang="zh-TW" sz="4400" dirty="0">
-              <a:solidFill>
-                <a:srgbClr val="282828"/>
-              </a:solidFill>
-              <a:latin typeface="SauceCodePro Nerd Font" panose="020B0509030403020204" pitchFamily="49" charset="0"/>
-            </a:endParaRPr>
-          </a:p>
-        </p:txBody>
-      </p:sp>
-      <p:sp>
-        <p:nvSpPr>
-          <p:cNvPr id="60" name="右大括弧 59"/>
-          <p:cNvSpPr/>
-          <p:nvPr/>
-        </p:nvSpPr>
-        <p:spPr>
-          <a:xfrm rot="5400000">
-            <a:off x="9808854" y="8002332"/>
-            <a:ext cx="837700" cy="6229400"/>
-          </a:xfrm>
-          <a:prstGeom prst="rightBrace">
-            <a:avLst>
-              <a:gd name="adj1" fmla="val 53815"/>
-              <a:gd name="adj2" fmla="val 50000"/>
-            </a:avLst>
-          </a:prstGeom>
-          <a:ln w="63500">
-            <a:solidFill>
-              <a:schemeClr val="tx1"/>
-            </a:solidFill>
-          </a:ln>
-        </p:spPr>
-        <p:style>
-          <a:lnRef idx="1">
-            <a:schemeClr val="accent1"/>
-          </a:lnRef>
-          <a:fillRef idx="0">
-            <a:schemeClr val="accent1"/>
-          </a:fillRef>
-          <a:effectRef idx="0">
-            <a:schemeClr val="accent1"/>
-          </a:effectRef>
-          <a:fontRef idx="minor">
-            <a:schemeClr val="tx1"/>
-          </a:fontRef>
-        </p:style>
-        <p:txBody>
-          <a:bodyPr rtlCol="0" anchor="ctr"/>
-          <a:lstStyle/>
-          <a:p>
-            <a:pPr algn="ctr"/>
-            <a:endParaRPr lang="zh-TW" altLang="en-US"/>
-          </a:p>
-        </p:txBody>
-      </p:sp>
-      <p:sp>
-        <p:nvSpPr>
-          <p:cNvPr id="195" name="圓角矩形 194"/>
-          <p:cNvSpPr/>
-          <p:nvPr/>
-        </p:nvSpPr>
-        <p:spPr>
-          <a:xfrm>
-            <a:off x="7113003" y="10016231"/>
-            <a:ext cx="1293610" cy="1169335"/>
-          </a:xfrm>
-          <a:prstGeom prst="roundRect">
-            <a:avLst/>
-          </a:prstGeom>
-          <a:noFill/>
-          <a:ln w="63500">
-            <a:noFill/>
-          </a:ln>
-          <a:effectLst>
-            <a:softEdge rad="63500"/>
-          </a:effectLst>
-        </p:spPr>
-        <p:style>
-          <a:lnRef idx="2">
-            <a:schemeClr val="accent1">
-              <a:shade val="50000"/>
-            </a:schemeClr>
-          </a:lnRef>
-          <a:fillRef idx="1">
-            <a:schemeClr val="accent1"/>
-          </a:fillRef>
-          <a:effectRef idx="0">
-            <a:schemeClr val="accent1"/>
-          </a:effectRef>
-          <a:fontRef idx="minor">
-            <a:schemeClr val="lt1"/>
-          </a:fontRef>
-        </p:style>
-        <p:txBody>
-          <a:bodyPr rtlCol="0" anchor="ctr"/>
-          <a:lstStyle/>
-          <a:p>
-            <a:pPr algn="ctr"/>
-            <a:r>
-              <a:rPr lang="en-US" altLang="zh-TW" sz="4400" dirty="0" smtClean="0">
-                <a:solidFill>
-                  <a:srgbClr val="282828"/>
-                </a:solidFill>
-                <a:latin typeface="SauceCodePro Nerd Font" panose="020B0509030403020204" pitchFamily="49" charset="0"/>
-              </a:rPr>
-              <a:t>+N</a:t>
-            </a:r>
-            <a:r>
-              <a:rPr lang="en-US" altLang="zh-TW" sz="4400" baseline="-25000" dirty="0" smtClean="0">
-                <a:solidFill>
-                  <a:srgbClr val="282828"/>
-                </a:solidFill>
-                <a:latin typeface="SauceCodePro Nerd Font" panose="020B0509030403020204" pitchFamily="49" charset="0"/>
-              </a:rPr>
-              <a:t>1</a:t>
-            </a:r>
-            <a:endParaRPr lang="en-US" altLang="zh-TW" sz="4400" dirty="0">
-              <a:solidFill>
-                <a:srgbClr val="282828"/>
-              </a:solidFill>
-              <a:latin typeface="SauceCodePro Nerd Font" panose="020B0509030403020204" pitchFamily="49" charset="0"/>
-            </a:endParaRPr>
-          </a:p>
-        </p:txBody>
-      </p:sp>
-      <p:cxnSp>
-        <p:nvCxnSpPr>
-          <p:cNvPr id="231" name="直線接點 230"/>
-          <p:cNvCxnSpPr/>
-          <p:nvPr/>
-        </p:nvCxnSpPr>
-        <p:spPr>
-          <a:xfrm>
-            <a:off x="15830282" y="6323563"/>
-            <a:ext cx="0" cy="1843009"/>
-          </a:xfrm>
-          <a:prstGeom prst="line">
-            <a:avLst/>
-          </a:prstGeom>
-          <a:ln w="44450">
-            <a:solidFill>
-              <a:srgbClr val="FF0066"/>
-            </a:solidFill>
-            <a:prstDash val="dash"/>
-            <a:tailEnd type="triangle" w="lg" len="lg"/>
-          </a:ln>
-        </p:spPr>
-        <p:style>
-          <a:lnRef idx="1">
-            <a:schemeClr val="accent1"/>
-          </a:lnRef>
-          <a:fillRef idx="0">
-            <a:schemeClr val="accent1"/>
-          </a:fillRef>
-          <a:effectRef idx="0">
-            <a:schemeClr val="accent1"/>
-          </a:effectRef>
-          <a:fontRef idx="minor">
-            <a:schemeClr val="tx1"/>
-          </a:fontRef>
-        </p:style>
-      </p:cxnSp>
-      <p:sp>
-        <p:nvSpPr>
-          <p:cNvPr id="65" name="十字形 64"/>
-          <p:cNvSpPr/>
-          <p:nvPr/>
-        </p:nvSpPr>
-        <p:spPr>
-          <a:xfrm rot="18900000">
-            <a:off x="15267828" y="7858673"/>
-            <a:ext cx="1124908" cy="1124908"/>
-          </a:xfrm>
-          <a:prstGeom prst="plus">
-            <a:avLst>
-              <a:gd name="adj" fmla="val 47704"/>
-            </a:avLst>
-          </a:prstGeom>
-          <a:solidFill>
-            <a:srgbClr val="FF0066"/>
-          </a:solidFill>
-          <a:ln>
-            <a:noFill/>
-          </a:ln>
-        </p:spPr>
-        <p:style>
-          <a:lnRef idx="2">
-            <a:schemeClr val="accent1">
-              <a:shade val="50000"/>
-            </a:schemeClr>
-          </a:lnRef>
-          <a:fillRef idx="1">
-            <a:schemeClr val="accent1"/>
-          </a:fillRef>
-          <a:effectRef idx="0">
-            <a:schemeClr val="accent1"/>
-          </a:effectRef>
-          <a:fontRef idx="minor">
-            <a:schemeClr val="lt1"/>
-          </a:fontRef>
-        </p:style>
-        <p:txBody>
-          <a:bodyPr rtlCol="0" anchor="ctr"/>
-          <a:lstStyle/>
-          <a:p>
-            <a:pPr algn="ctr"/>
-            <a:endParaRPr lang="zh-TW" altLang="en-US"/>
-          </a:p>
-        </p:txBody>
-      </p:sp>
+            <a:ln>
+              <a:noFill/>
+            </a:ln>
+          </p:spPr>
+          <p:style>
+            <a:lnRef idx="2">
+              <a:schemeClr val="accent1">
+                <a:shade val="50000"/>
+              </a:schemeClr>
+            </a:lnRef>
+            <a:fillRef idx="1">
+              <a:schemeClr val="accent1"/>
+            </a:fillRef>
+            <a:effectRef idx="0">
+              <a:schemeClr val="accent1"/>
+            </a:effectRef>
+            <a:fontRef idx="minor">
+              <a:schemeClr val="lt1"/>
+            </a:fontRef>
+          </p:style>
+          <p:txBody>
+            <a:bodyPr rtlCol="0" anchor="ctr"/>
+            <a:lstStyle/>
+            <a:p>
+              <a:pPr algn="ctr"/>
+              <a:endParaRPr lang="zh-TW" altLang="en-US"/>
+            </a:p>
+          </p:txBody>
+        </p:sp>
+      </p:grpSp>
     </p:spTree>
     <p:extLst>
       <p:ext uri="{BB962C8B-B14F-4D97-AF65-F5344CB8AC3E}">
@@ -26634,6 +26653,7 @@
           <p:nvCxnSpPr>
             <p:cNvPr id="73" name="直線單箭頭接點 26"/>
             <p:cNvCxnSpPr>
+              <a:stCxn id="94" idx="2"/>
               <a:endCxn id="74" idx="2"/>
             </p:cNvCxnSpPr>
             <p:nvPr/>
@@ -26641,12 +26661,12 @@
           <p:spPr>
             <a:xfrm flipV="1">
               <a:off x="7435976" y="16381374"/>
-              <a:ext cx="0" cy="595986"/>
+              <a:ext cx="0" cy="586872"/>
             </a:xfrm>
             <a:prstGeom prst="straightConnector1">
               <a:avLst/>
             </a:prstGeom>
-            <a:ln w="82550">
+            <a:ln w="63500">
               <a:solidFill>
                 <a:schemeClr val="tx1"/>
               </a:solidFill>
@@ -26942,19 +26962,20 @@
           <p:nvCxnSpPr>
             <p:cNvPr id="79" name="直線單箭頭接點 26"/>
             <p:cNvCxnSpPr>
+              <a:stCxn id="94" idx="0"/>
               <a:endCxn id="80" idx="2"/>
             </p:cNvCxnSpPr>
             <p:nvPr/>
           </p:nvCxnSpPr>
           <p:spPr>
             <a:xfrm flipV="1">
-              <a:off x="13658927" y="16381374"/>
-              <a:ext cx="0" cy="595986"/>
+              <a:off x="13658926" y="16381374"/>
+              <a:ext cx="1" cy="586872"/>
             </a:xfrm>
             <a:prstGeom prst="straightConnector1">
               <a:avLst/>
             </a:prstGeom>
-            <a:ln w="82550">
+            <a:ln w="63500">
               <a:solidFill>
                 <a:schemeClr val="tx1"/>
               </a:solidFill>
@@ -27480,8 +27501,8 @@
           </p:nvSpPr>
           <p:spPr>
             <a:xfrm rot="5400000">
-              <a:off x="10125377" y="14256950"/>
-              <a:ext cx="837700" cy="6229400"/>
+              <a:off x="10128601" y="14275621"/>
+              <a:ext cx="837700" cy="6222950"/>
             </a:xfrm>
             <a:prstGeom prst="rightBrace">
               <a:avLst>
@@ -28148,1311 +28169,1328 @@
           <a:chExt cx="0" cy="0"/>
         </a:xfrm>
       </p:grpSpPr>
-      <p:cxnSp>
-        <p:nvCxnSpPr>
-          <p:cNvPr id="72" name="直線單箭頭接點 26"/>
-          <p:cNvCxnSpPr>
-            <a:stCxn id="74" idx="0"/>
-            <a:endCxn id="76" idx="2"/>
-          </p:cNvCxnSpPr>
+      <p:grpSp>
+        <p:nvGrpSpPr>
+          <p:cNvPr id="5" name="群組 4"/>
+          <p:cNvGrpSpPr/>
           <p:nvPr/>
-        </p:nvCxnSpPr>
-        <p:spPr>
-          <a:xfrm flipH="1" flipV="1">
-            <a:off x="7429527" y="12569254"/>
-            <a:ext cx="6449" cy="755170"/>
+        </p:nvGrpSpPr>
+        <p:grpSpPr>
+          <a:xfrm>
+            <a:off x="5121668" y="8357840"/>
+            <a:ext cx="10812491" cy="9091121"/>
+            <a:chOff x="5121668" y="8357840"/>
+            <a:chExt cx="10812491" cy="9091121"/>
           </a:xfrm>
-          <a:prstGeom prst="straightConnector1">
-            <a:avLst/>
-          </a:prstGeom>
-          <a:ln w="63500">
-            <a:solidFill>
-              <a:schemeClr val="tx1"/>
-            </a:solidFill>
-            <a:tailEnd type="triangle"/>
-          </a:ln>
-        </p:spPr>
-        <p:style>
-          <a:lnRef idx="1">
-            <a:schemeClr val="accent1"/>
-          </a:lnRef>
-          <a:fillRef idx="0">
-            <a:schemeClr val="accent1"/>
-          </a:fillRef>
-          <a:effectRef idx="0">
-            <a:schemeClr val="accent1"/>
-          </a:effectRef>
-          <a:fontRef idx="minor">
-            <a:schemeClr val="tx1"/>
-          </a:fontRef>
-        </p:style>
-      </p:cxnSp>
-      <p:cxnSp>
-        <p:nvCxnSpPr>
-          <p:cNvPr id="73" name="直線單箭頭接點 26"/>
-          <p:cNvCxnSpPr>
-            <a:endCxn id="74" idx="2"/>
-          </p:cNvCxnSpPr>
-          <p:nvPr/>
-        </p:nvCxnSpPr>
-        <p:spPr>
-          <a:xfrm flipV="1">
-            <a:off x="7435976" y="14773218"/>
-            <a:ext cx="0" cy="595986"/>
-          </a:xfrm>
-          <a:prstGeom prst="straightConnector1">
-            <a:avLst/>
-          </a:prstGeom>
-          <a:ln w="82550">
-            <a:solidFill>
-              <a:schemeClr val="tx1"/>
-            </a:solidFill>
-            <a:tailEnd type="triangle"/>
-          </a:ln>
-        </p:spPr>
-        <p:style>
-          <a:lnRef idx="1">
-            <a:schemeClr val="accent1"/>
-          </a:lnRef>
-          <a:fillRef idx="0">
-            <a:schemeClr val="accent1"/>
-          </a:fillRef>
-          <a:effectRef idx="0">
-            <a:schemeClr val="accent1"/>
-          </a:effectRef>
-          <a:fontRef idx="minor">
-            <a:schemeClr val="tx1"/>
-          </a:fontRef>
-        </p:style>
-      </p:cxnSp>
-      <p:sp>
-        <p:nvSpPr>
-          <p:cNvPr id="74" name="圓角矩形 73"/>
-          <p:cNvSpPr/>
-          <p:nvPr/>
-        </p:nvSpPr>
-        <p:spPr>
-          <a:xfrm>
-            <a:off x="5410652" y="13324424"/>
-            <a:ext cx="4050648" cy="1448794"/>
-          </a:xfrm>
-          <a:prstGeom prst="roundRect">
-            <a:avLst>
-              <a:gd name="adj" fmla="val 12899"/>
-            </a:avLst>
-          </a:prstGeom>
-          <a:solidFill>
-            <a:schemeClr val="accent4"/>
-          </a:solidFill>
-          <a:ln w="31750">
-            <a:solidFill>
-              <a:schemeClr val="tx1"/>
-            </a:solidFill>
-          </a:ln>
-        </p:spPr>
-        <p:style>
-          <a:lnRef idx="2">
-            <a:schemeClr val="accent1">
-              <a:shade val="50000"/>
-            </a:schemeClr>
-          </a:lnRef>
-          <a:fillRef idx="1">
-            <a:schemeClr val="accent1"/>
-          </a:fillRef>
-          <a:effectRef idx="0">
-            <a:schemeClr val="accent1"/>
-          </a:effectRef>
-          <a:fontRef idx="minor">
-            <a:schemeClr val="lt1"/>
-          </a:fontRef>
-        </p:style>
-        <p:txBody>
-          <a:bodyPr rtlCol="0" anchor="ctr"/>
-          <a:lstStyle/>
-          <a:p>
-            <a:pPr algn="ctr"/>
-            <a:r>
-              <a:rPr lang="en-US" altLang="zh-TW" sz="3600" dirty="0" smtClean="0">
-                <a:solidFill>
-                  <a:srgbClr val="282828"/>
-                </a:solidFill>
-                <a:latin typeface="SauceCodePro Nerd Font" panose="020B0509030403020204" pitchFamily="49" charset="0"/>
-              </a:rPr>
-              <a:t>Encoder</a:t>
-            </a:r>
-            <a:endParaRPr lang="zh-TW" altLang="en-US" sz="3600" dirty="0">
-              <a:solidFill>
-                <a:srgbClr val="282828"/>
-              </a:solidFill>
-              <a:latin typeface="SauceCodePro Nerd Font" panose="020B0509030403020204" pitchFamily="49" charset="0"/>
-            </a:endParaRPr>
-          </a:p>
-        </p:txBody>
-      </p:sp>
-      <p:sp>
-        <p:nvSpPr>
-          <p:cNvPr id="76" name="圓角矩形 75"/>
-          <p:cNvSpPr/>
-          <p:nvPr/>
-        </p:nvSpPr>
-        <p:spPr>
-          <a:xfrm>
-            <a:off x="5500344" y="11169433"/>
-            <a:ext cx="3858366" cy="1399821"/>
-          </a:xfrm>
-          <a:prstGeom prst="roundRect">
-            <a:avLst>
-              <a:gd name="adj" fmla="val 12899"/>
-            </a:avLst>
-          </a:prstGeom>
-          <a:solidFill>
-            <a:srgbClr val="FF5B9D"/>
-          </a:solidFill>
-          <a:ln w="31750">
-            <a:solidFill>
-              <a:schemeClr val="tx1"/>
-            </a:solidFill>
-          </a:ln>
-        </p:spPr>
-        <p:style>
-          <a:lnRef idx="2">
-            <a:schemeClr val="accent1">
-              <a:shade val="50000"/>
-            </a:schemeClr>
-          </a:lnRef>
-          <a:fillRef idx="1">
-            <a:schemeClr val="accent1"/>
-          </a:fillRef>
-          <a:effectRef idx="0">
-            <a:schemeClr val="accent1"/>
-          </a:effectRef>
-          <a:fontRef idx="minor">
-            <a:schemeClr val="lt1"/>
-          </a:fontRef>
-        </p:style>
-        <p:txBody>
-          <a:bodyPr rtlCol="0" anchor="ctr"/>
-          <a:lstStyle/>
-          <a:p>
-            <a:pPr algn="ctr"/>
-            <a:r>
-              <a:rPr lang="en-US" altLang="zh-TW" sz="3600" dirty="0">
-                <a:solidFill>
-                  <a:srgbClr val="282828"/>
-                </a:solidFill>
-                <a:latin typeface="SauceCodePro Nerd Font" panose="020B0509030403020204" pitchFamily="49" charset="0"/>
-              </a:rPr>
-              <a:t>Predict Net</a:t>
-            </a:r>
-            <a:endParaRPr lang="zh-TW" altLang="en-US" sz="3600" dirty="0">
-              <a:solidFill>
-                <a:srgbClr val="282828"/>
-              </a:solidFill>
-              <a:latin typeface="SauceCodePro Nerd Font" panose="020B0509030403020204" pitchFamily="49" charset="0"/>
-            </a:endParaRPr>
-          </a:p>
-        </p:txBody>
-      </p:sp>
-      <p:cxnSp>
-        <p:nvCxnSpPr>
-          <p:cNvPr id="78" name="直線單箭頭接點 26"/>
-          <p:cNvCxnSpPr>
-            <a:stCxn id="80" idx="0"/>
-            <a:endCxn id="98" idx="2"/>
-          </p:cNvCxnSpPr>
-          <p:nvPr/>
-        </p:nvCxnSpPr>
-        <p:spPr>
-          <a:xfrm flipH="1" flipV="1">
-            <a:off x="13658926" y="12569253"/>
-            <a:ext cx="1" cy="755171"/>
-          </a:xfrm>
-          <a:prstGeom prst="straightConnector1">
-            <a:avLst/>
-          </a:prstGeom>
-          <a:ln w="63500">
-            <a:solidFill>
-              <a:schemeClr val="tx1"/>
-            </a:solidFill>
-            <a:tailEnd type="triangle"/>
-          </a:ln>
-        </p:spPr>
-        <p:style>
-          <a:lnRef idx="1">
-            <a:schemeClr val="accent1"/>
-          </a:lnRef>
-          <a:fillRef idx="0">
-            <a:schemeClr val="accent1"/>
-          </a:fillRef>
-          <a:effectRef idx="0">
-            <a:schemeClr val="accent1"/>
-          </a:effectRef>
-          <a:fontRef idx="minor">
-            <a:schemeClr val="tx1"/>
-          </a:fontRef>
-        </p:style>
-      </p:cxnSp>
-      <p:cxnSp>
-        <p:nvCxnSpPr>
-          <p:cNvPr id="79" name="直線單箭頭接點 26"/>
-          <p:cNvCxnSpPr>
-            <a:endCxn id="80" idx="2"/>
-          </p:cNvCxnSpPr>
-          <p:nvPr/>
-        </p:nvCxnSpPr>
-        <p:spPr>
-          <a:xfrm flipV="1">
-            <a:off x="13658927" y="14773218"/>
-            <a:ext cx="0" cy="595986"/>
-          </a:xfrm>
-          <a:prstGeom prst="straightConnector1">
-            <a:avLst/>
-          </a:prstGeom>
-          <a:ln w="82550">
-            <a:solidFill>
-              <a:schemeClr val="tx1"/>
-            </a:solidFill>
-            <a:tailEnd type="triangle"/>
-          </a:ln>
-        </p:spPr>
-        <p:style>
-          <a:lnRef idx="1">
-            <a:schemeClr val="accent1"/>
-          </a:lnRef>
-          <a:fillRef idx="0">
-            <a:schemeClr val="accent1"/>
-          </a:fillRef>
-          <a:effectRef idx="0">
-            <a:schemeClr val="accent1"/>
-          </a:effectRef>
-          <a:fontRef idx="minor">
-            <a:schemeClr val="tx1"/>
-          </a:fontRef>
-        </p:style>
-      </p:cxnSp>
-      <p:sp>
-        <p:nvSpPr>
-          <p:cNvPr id="80" name="圓角矩形 79"/>
-          <p:cNvSpPr/>
-          <p:nvPr/>
-        </p:nvSpPr>
-        <p:spPr>
-          <a:xfrm>
-            <a:off x="11633603" y="13324424"/>
-            <a:ext cx="4050648" cy="1448794"/>
-          </a:xfrm>
-          <a:prstGeom prst="roundRect">
-            <a:avLst>
-              <a:gd name="adj" fmla="val 12899"/>
-            </a:avLst>
-          </a:prstGeom>
-          <a:solidFill>
-            <a:schemeClr val="accent4"/>
-          </a:solidFill>
-          <a:ln w="31750">
-            <a:solidFill>
-              <a:schemeClr val="tx1"/>
-            </a:solidFill>
-          </a:ln>
-        </p:spPr>
-        <p:style>
-          <a:lnRef idx="2">
-            <a:schemeClr val="accent1">
-              <a:shade val="50000"/>
-            </a:schemeClr>
-          </a:lnRef>
-          <a:fillRef idx="1">
-            <a:schemeClr val="accent1"/>
-          </a:fillRef>
-          <a:effectRef idx="0">
-            <a:schemeClr val="accent1"/>
-          </a:effectRef>
-          <a:fontRef idx="minor">
-            <a:schemeClr val="lt1"/>
-          </a:fontRef>
-        </p:style>
-        <p:txBody>
-          <a:bodyPr rtlCol="0" anchor="ctr"/>
-          <a:lstStyle/>
-          <a:p>
-            <a:pPr algn="ctr"/>
-            <a:r>
-              <a:rPr lang="en-US" altLang="zh-TW" sz="3600" dirty="0" smtClean="0">
-                <a:solidFill>
-                  <a:srgbClr val="282828"/>
-                </a:solidFill>
-                <a:latin typeface="SauceCodePro Nerd Font" panose="020B0509030403020204" pitchFamily="49" charset="0"/>
-              </a:rPr>
-              <a:t>Encoder</a:t>
-            </a:r>
-            <a:endParaRPr lang="zh-TW" altLang="en-US" sz="3600" dirty="0">
-              <a:solidFill>
-                <a:srgbClr val="282828"/>
-              </a:solidFill>
-              <a:latin typeface="SauceCodePro Nerd Font" panose="020B0509030403020204" pitchFamily="49" charset="0"/>
-            </a:endParaRPr>
-          </a:p>
-        </p:txBody>
-      </p:sp>
-      <p:sp>
-        <p:nvSpPr>
-          <p:cNvPr id="85" name="圓角矩形 84"/>
-          <p:cNvSpPr/>
-          <p:nvPr/>
-        </p:nvSpPr>
-        <p:spPr>
-          <a:xfrm>
-            <a:off x="5824398" y="9014441"/>
-            <a:ext cx="3223155" cy="1399820"/>
-          </a:xfrm>
-          <a:prstGeom prst="roundRect">
-            <a:avLst>
-              <a:gd name="adj" fmla="val 7652"/>
-            </a:avLst>
-          </a:prstGeom>
-          <a:noFill/>
-          <a:ln w="63500">
-            <a:solidFill>
-              <a:schemeClr val="tx1"/>
-            </a:solidFill>
-          </a:ln>
-        </p:spPr>
-        <p:style>
-          <a:lnRef idx="2">
-            <a:schemeClr val="accent1">
-              <a:shade val="50000"/>
-            </a:schemeClr>
-          </a:lnRef>
-          <a:fillRef idx="1">
-            <a:schemeClr val="accent1"/>
-          </a:fillRef>
-          <a:effectRef idx="0">
-            <a:schemeClr val="accent1"/>
-          </a:effectRef>
-          <a:fontRef idx="minor">
-            <a:schemeClr val="lt1"/>
-          </a:fontRef>
-        </p:style>
-        <p:txBody>
-          <a:bodyPr rtlCol="0" anchor="ctr"/>
-          <a:lstStyle/>
-          <a:p>
-            <a:pPr algn="ctr"/>
-            <a:r>
-              <a:rPr lang="en-US" altLang="zh-TW" dirty="0" smtClean="0">
-                <a:solidFill>
-                  <a:schemeClr val="tx1"/>
-                </a:solidFill>
-                <a:latin typeface="SauceCodePro Nerd Font" panose="020B0509030403020204" pitchFamily="49" charset="0"/>
-              </a:rPr>
-              <a:t>L2 Loss</a:t>
-            </a:r>
-            <a:endParaRPr lang="zh-TW" altLang="en-US" dirty="0">
+        </p:grpSpPr>
+        <p:cxnSp>
+          <p:nvCxnSpPr>
+            <p:cNvPr id="72" name="直線單箭頭接點 26"/>
+            <p:cNvCxnSpPr>
+              <a:stCxn id="74" idx="0"/>
+              <a:endCxn id="76" idx="2"/>
+            </p:cNvCxnSpPr>
+            <p:nvPr/>
+          </p:nvCxnSpPr>
+          <p:spPr>
+            <a:xfrm flipH="1" flipV="1">
+              <a:off x="7429527" y="12569254"/>
+              <a:ext cx="6449" cy="755170"/>
+            </a:xfrm>
+            <a:prstGeom prst="straightConnector1">
+              <a:avLst/>
+            </a:prstGeom>
+            <a:ln w="63500">
               <a:solidFill>
                 <a:schemeClr val="tx1"/>
               </a:solidFill>
-              <a:latin typeface="SauceCodePro Nerd Font" panose="020B0509030403020204" pitchFamily="49" charset="0"/>
-            </a:endParaRPr>
-          </a:p>
-        </p:txBody>
-      </p:sp>
-      <p:cxnSp>
-        <p:nvCxnSpPr>
-          <p:cNvPr id="86" name="直線單箭頭接點 26"/>
-          <p:cNvCxnSpPr>
-            <a:stCxn id="76" idx="0"/>
-            <a:endCxn id="85" idx="2"/>
-          </p:cNvCxnSpPr>
-          <p:nvPr/>
-        </p:nvCxnSpPr>
-        <p:spPr>
-          <a:xfrm flipV="1">
-            <a:off x="7429527" y="10414261"/>
-            <a:ext cx="6449" cy="755172"/>
-          </a:xfrm>
-          <a:prstGeom prst="straightConnector1">
-            <a:avLst/>
-          </a:prstGeom>
-          <a:ln w="63500">
+              <a:tailEnd type="triangle"/>
+            </a:ln>
+          </p:spPr>
+          <p:style>
+            <a:lnRef idx="1">
+              <a:schemeClr val="accent1"/>
+            </a:lnRef>
+            <a:fillRef idx="0">
+              <a:schemeClr val="accent1"/>
+            </a:fillRef>
+            <a:effectRef idx="0">
+              <a:schemeClr val="accent1"/>
+            </a:effectRef>
+            <a:fontRef idx="minor">
+              <a:schemeClr val="tx1"/>
+            </a:fontRef>
+          </p:style>
+        </p:cxnSp>
+        <p:cxnSp>
+          <p:nvCxnSpPr>
+            <p:cNvPr id="73" name="直線單箭頭接點 26"/>
+            <p:cNvCxnSpPr>
+              <a:stCxn id="94" idx="2"/>
+              <a:endCxn id="74" idx="2"/>
+            </p:cNvCxnSpPr>
+            <p:nvPr/>
+          </p:nvCxnSpPr>
+          <p:spPr>
+            <a:xfrm flipV="1">
+              <a:off x="7435976" y="14773218"/>
+              <a:ext cx="0" cy="571426"/>
+            </a:xfrm>
+            <a:prstGeom prst="straightConnector1">
+              <a:avLst/>
+            </a:prstGeom>
+            <a:ln w="63500">
+              <a:solidFill>
+                <a:schemeClr val="tx1"/>
+              </a:solidFill>
+              <a:tailEnd type="triangle"/>
+            </a:ln>
+          </p:spPr>
+          <p:style>
+            <a:lnRef idx="1">
+              <a:schemeClr val="accent1"/>
+            </a:lnRef>
+            <a:fillRef idx="0">
+              <a:schemeClr val="accent1"/>
+            </a:fillRef>
+            <a:effectRef idx="0">
+              <a:schemeClr val="accent1"/>
+            </a:effectRef>
+            <a:fontRef idx="minor">
+              <a:schemeClr val="tx1"/>
+            </a:fontRef>
+          </p:style>
+        </p:cxnSp>
+        <p:sp>
+          <p:nvSpPr>
+            <p:cNvPr id="74" name="圓角矩形 73"/>
+            <p:cNvSpPr/>
+            <p:nvPr/>
+          </p:nvSpPr>
+          <p:spPr>
+            <a:xfrm>
+              <a:off x="5410652" y="13324424"/>
+              <a:ext cx="4050648" cy="1448794"/>
+            </a:xfrm>
+            <a:prstGeom prst="roundRect">
+              <a:avLst>
+                <a:gd name="adj" fmla="val 12899"/>
+              </a:avLst>
+            </a:prstGeom>
             <a:solidFill>
+              <a:schemeClr val="accent4"/>
+            </a:solidFill>
+            <a:ln w="31750">
+              <a:solidFill>
+                <a:schemeClr val="tx1"/>
+              </a:solidFill>
+            </a:ln>
+          </p:spPr>
+          <p:style>
+            <a:lnRef idx="2">
+              <a:schemeClr val="accent1">
+                <a:shade val="50000"/>
+              </a:schemeClr>
+            </a:lnRef>
+            <a:fillRef idx="1">
+              <a:schemeClr val="accent1"/>
+            </a:fillRef>
+            <a:effectRef idx="0">
+              <a:schemeClr val="accent1"/>
+            </a:effectRef>
+            <a:fontRef idx="minor">
+              <a:schemeClr val="lt1"/>
+            </a:fontRef>
+          </p:style>
+          <p:txBody>
+            <a:bodyPr rtlCol="0" anchor="ctr"/>
+            <a:lstStyle/>
+            <a:p>
+              <a:pPr algn="ctr"/>
+              <a:r>
+                <a:rPr lang="en-US" altLang="zh-TW" sz="3600" dirty="0" smtClean="0">
+                  <a:solidFill>
+                    <a:srgbClr val="282828"/>
+                  </a:solidFill>
+                  <a:latin typeface="SauceCodePro Nerd Font" panose="020B0509030403020204" pitchFamily="49" charset="0"/>
+                </a:rPr>
+                <a:t>Encoder</a:t>
+              </a:r>
+              <a:endParaRPr lang="zh-TW" altLang="en-US" sz="3600" dirty="0">
+                <a:solidFill>
+                  <a:srgbClr val="282828"/>
+                </a:solidFill>
+                <a:latin typeface="SauceCodePro Nerd Font" panose="020B0509030403020204" pitchFamily="49" charset="0"/>
+              </a:endParaRPr>
+            </a:p>
+          </p:txBody>
+        </p:sp>
+        <p:sp>
+          <p:nvSpPr>
+            <p:cNvPr id="76" name="圓角矩形 75"/>
+            <p:cNvSpPr/>
+            <p:nvPr/>
+          </p:nvSpPr>
+          <p:spPr>
+            <a:xfrm>
+              <a:off x="5500344" y="11169433"/>
+              <a:ext cx="3858366" cy="1399821"/>
+            </a:xfrm>
+            <a:prstGeom prst="roundRect">
+              <a:avLst>
+                <a:gd name="adj" fmla="val 12899"/>
+              </a:avLst>
+            </a:prstGeom>
+            <a:solidFill>
+              <a:srgbClr val="FF5B9D"/>
+            </a:solidFill>
+            <a:ln w="31750">
+              <a:solidFill>
+                <a:schemeClr val="tx1"/>
+              </a:solidFill>
+            </a:ln>
+          </p:spPr>
+          <p:style>
+            <a:lnRef idx="2">
+              <a:schemeClr val="accent1">
+                <a:shade val="50000"/>
+              </a:schemeClr>
+            </a:lnRef>
+            <a:fillRef idx="1">
+              <a:schemeClr val="accent1"/>
+            </a:fillRef>
+            <a:effectRef idx="0">
+              <a:schemeClr val="accent1"/>
+            </a:effectRef>
+            <a:fontRef idx="minor">
+              <a:schemeClr val="lt1"/>
+            </a:fontRef>
+          </p:style>
+          <p:txBody>
+            <a:bodyPr rtlCol="0" anchor="ctr"/>
+            <a:lstStyle/>
+            <a:p>
+              <a:pPr algn="ctr"/>
+              <a:r>
+                <a:rPr lang="en-US" altLang="zh-TW" sz="3600" dirty="0">
+                  <a:solidFill>
+                    <a:srgbClr val="282828"/>
+                  </a:solidFill>
+                  <a:latin typeface="SauceCodePro Nerd Font" panose="020B0509030403020204" pitchFamily="49" charset="0"/>
+                </a:rPr>
+                <a:t>Predict Net</a:t>
+              </a:r>
+              <a:endParaRPr lang="zh-TW" altLang="en-US" sz="3600" dirty="0">
+                <a:solidFill>
+                  <a:srgbClr val="282828"/>
+                </a:solidFill>
+                <a:latin typeface="SauceCodePro Nerd Font" panose="020B0509030403020204" pitchFamily="49" charset="0"/>
+              </a:endParaRPr>
+            </a:p>
+          </p:txBody>
+        </p:sp>
+        <p:cxnSp>
+          <p:nvCxnSpPr>
+            <p:cNvPr id="78" name="直線單箭頭接點 26"/>
+            <p:cNvCxnSpPr>
+              <a:stCxn id="80" idx="0"/>
+              <a:endCxn id="98" idx="2"/>
+            </p:cNvCxnSpPr>
+            <p:nvPr/>
+          </p:nvCxnSpPr>
+          <p:spPr>
+            <a:xfrm flipH="1" flipV="1">
+              <a:off x="13658926" y="12569253"/>
+              <a:ext cx="1" cy="755171"/>
+            </a:xfrm>
+            <a:prstGeom prst="straightConnector1">
+              <a:avLst/>
+            </a:prstGeom>
+            <a:ln w="63500">
+              <a:solidFill>
+                <a:schemeClr val="tx1"/>
+              </a:solidFill>
+              <a:tailEnd type="triangle"/>
+            </a:ln>
+          </p:spPr>
+          <p:style>
+            <a:lnRef idx="1">
+              <a:schemeClr val="accent1"/>
+            </a:lnRef>
+            <a:fillRef idx="0">
+              <a:schemeClr val="accent1"/>
+            </a:fillRef>
+            <a:effectRef idx="0">
+              <a:schemeClr val="accent1"/>
+            </a:effectRef>
+            <a:fontRef idx="minor">
               <a:schemeClr val="tx1"/>
+            </a:fontRef>
+          </p:style>
+        </p:cxnSp>
+        <p:cxnSp>
+          <p:nvCxnSpPr>
+            <p:cNvPr id="79" name="直線單箭頭接點 26"/>
+            <p:cNvCxnSpPr>
+              <a:stCxn id="94" idx="0"/>
+              <a:endCxn id="80" idx="2"/>
+            </p:cNvCxnSpPr>
+            <p:nvPr/>
+          </p:nvCxnSpPr>
+          <p:spPr>
+            <a:xfrm flipV="1">
+              <a:off x="13658926" y="14773218"/>
+              <a:ext cx="1" cy="571426"/>
+            </a:xfrm>
+            <a:prstGeom prst="straightConnector1">
+              <a:avLst/>
+            </a:prstGeom>
+            <a:ln w="63500">
+              <a:solidFill>
+                <a:schemeClr val="tx1"/>
+              </a:solidFill>
+              <a:tailEnd type="triangle"/>
+            </a:ln>
+          </p:spPr>
+          <p:style>
+            <a:lnRef idx="1">
+              <a:schemeClr val="accent1"/>
+            </a:lnRef>
+            <a:fillRef idx="0">
+              <a:schemeClr val="accent1"/>
+            </a:fillRef>
+            <a:effectRef idx="0">
+              <a:schemeClr val="accent1"/>
+            </a:effectRef>
+            <a:fontRef idx="minor">
+              <a:schemeClr val="tx1"/>
+            </a:fontRef>
+          </p:style>
+        </p:cxnSp>
+        <p:sp>
+          <p:nvSpPr>
+            <p:cNvPr id="80" name="圓角矩形 79"/>
+            <p:cNvSpPr/>
+            <p:nvPr/>
+          </p:nvSpPr>
+          <p:spPr>
+            <a:xfrm>
+              <a:off x="11633603" y="13324424"/>
+              <a:ext cx="4050648" cy="1448794"/>
+            </a:xfrm>
+            <a:prstGeom prst="roundRect">
+              <a:avLst>
+                <a:gd name="adj" fmla="val 12899"/>
+              </a:avLst>
+            </a:prstGeom>
+            <a:solidFill>
+              <a:schemeClr val="accent4"/>
             </a:solidFill>
-            <a:tailEnd type="triangle"/>
-          </a:ln>
-        </p:spPr>
-        <p:style>
-          <a:lnRef idx="1">
-            <a:schemeClr val="accent1"/>
-          </a:lnRef>
-          <a:fillRef idx="0">
-            <a:schemeClr val="accent1"/>
-          </a:fillRef>
-          <a:effectRef idx="0">
-            <a:schemeClr val="accent1"/>
-          </a:effectRef>
-          <a:fontRef idx="minor">
-            <a:schemeClr val="tx1"/>
-          </a:fontRef>
-        </p:style>
-      </p:cxnSp>
-      <p:sp>
-        <p:nvSpPr>
-          <p:cNvPr id="87" name="圓角矩形 86"/>
-          <p:cNvSpPr/>
-          <p:nvPr/>
-        </p:nvSpPr>
-        <p:spPr>
-          <a:xfrm>
-            <a:off x="9994217" y="16279626"/>
-            <a:ext cx="1100020" cy="1169335"/>
-          </a:xfrm>
-          <a:prstGeom prst="roundRect">
-            <a:avLst/>
-          </a:prstGeom>
-          <a:noFill/>
-          <a:ln w="63500">
+            <a:ln w="31750">
+              <a:solidFill>
+                <a:schemeClr val="tx1"/>
+              </a:solidFill>
+            </a:ln>
+          </p:spPr>
+          <p:style>
+            <a:lnRef idx="2">
+              <a:schemeClr val="accent1">
+                <a:shade val="50000"/>
+              </a:schemeClr>
+            </a:lnRef>
+            <a:fillRef idx="1">
+              <a:schemeClr val="accent1"/>
+            </a:fillRef>
+            <a:effectRef idx="0">
+              <a:schemeClr val="accent1"/>
+            </a:effectRef>
+            <a:fontRef idx="minor">
+              <a:schemeClr val="lt1"/>
+            </a:fontRef>
+          </p:style>
+          <p:txBody>
+            <a:bodyPr rtlCol="0" anchor="ctr"/>
+            <a:lstStyle/>
+            <a:p>
+              <a:pPr algn="ctr"/>
+              <a:r>
+                <a:rPr lang="en-US" altLang="zh-TW" sz="3600" dirty="0" smtClean="0">
+                  <a:solidFill>
+                    <a:srgbClr val="282828"/>
+                  </a:solidFill>
+                  <a:latin typeface="SauceCodePro Nerd Font" panose="020B0509030403020204" pitchFamily="49" charset="0"/>
+                </a:rPr>
+                <a:t>Encoder</a:t>
+              </a:r>
+              <a:endParaRPr lang="zh-TW" altLang="en-US" sz="3600" dirty="0">
+                <a:solidFill>
+                  <a:srgbClr val="282828"/>
+                </a:solidFill>
+                <a:latin typeface="SauceCodePro Nerd Font" panose="020B0509030403020204" pitchFamily="49" charset="0"/>
+              </a:endParaRPr>
+            </a:p>
+          </p:txBody>
+        </p:sp>
+        <p:sp>
+          <p:nvSpPr>
+            <p:cNvPr id="85" name="圓角矩形 84"/>
+            <p:cNvSpPr/>
+            <p:nvPr/>
+          </p:nvSpPr>
+          <p:spPr>
+            <a:xfrm>
+              <a:off x="5824398" y="9014441"/>
+              <a:ext cx="3223155" cy="1399820"/>
+            </a:xfrm>
+            <a:prstGeom prst="roundRect">
+              <a:avLst>
+                <a:gd name="adj" fmla="val 7652"/>
+              </a:avLst>
+            </a:prstGeom>
             <a:noFill/>
-          </a:ln>
-          <a:effectLst>
-            <a:softEdge rad="63500"/>
-          </a:effectLst>
-        </p:spPr>
-        <p:style>
-          <a:lnRef idx="2">
-            <a:schemeClr val="accent1">
-              <a:shade val="50000"/>
-            </a:schemeClr>
-          </a:lnRef>
-          <a:fillRef idx="1">
-            <a:schemeClr val="accent1"/>
-          </a:fillRef>
-          <a:effectRef idx="0">
-            <a:schemeClr val="accent1"/>
-          </a:effectRef>
-          <a:fontRef idx="minor">
-            <a:schemeClr val="lt1"/>
-          </a:fontRef>
-        </p:style>
-        <p:txBody>
-          <a:bodyPr rtlCol="0" anchor="ctr"/>
-          <a:lstStyle/>
-          <a:p>
-            <a:pPr algn="ctr"/>
-            <a:r>
-              <a:rPr lang="en-US" altLang="zh-TW" sz="4400" dirty="0" smtClean="0">
+            <a:ln w="63500">
+              <a:solidFill>
+                <a:schemeClr val="tx1"/>
+              </a:solidFill>
+            </a:ln>
+          </p:spPr>
+          <p:style>
+            <a:lnRef idx="2">
+              <a:schemeClr val="accent1">
+                <a:shade val="50000"/>
+              </a:schemeClr>
+            </a:lnRef>
+            <a:fillRef idx="1">
+              <a:schemeClr val="accent1"/>
+            </a:fillRef>
+            <a:effectRef idx="0">
+              <a:schemeClr val="accent1"/>
+            </a:effectRef>
+            <a:fontRef idx="minor">
+              <a:schemeClr val="lt1"/>
+            </a:fontRef>
+          </p:style>
+          <p:txBody>
+            <a:bodyPr rtlCol="0" anchor="ctr"/>
+            <a:lstStyle/>
+            <a:p>
+              <a:pPr algn="ctr"/>
+              <a:r>
+                <a:rPr lang="en-US" altLang="zh-TW" dirty="0" smtClean="0">
+                  <a:solidFill>
+                    <a:schemeClr val="tx1"/>
+                  </a:solidFill>
+                  <a:latin typeface="SauceCodePro Nerd Font" panose="020B0509030403020204" pitchFamily="49" charset="0"/>
+                </a:rPr>
+                <a:t>L2 Loss</a:t>
+              </a:r>
+              <a:endParaRPr lang="zh-TW" altLang="en-US" dirty="0">
+                <a:solidFill>
+                  <a:schemeClr val="tx1"/>
+                </a:solidFill>
+                <a:latin typeface="SauceCodePro Nerd Font" panose="020B0509030403020204" pitchFamily="49" charset="0"/>
+              </a:endParaRPr>
+            </a:p>
+          </p:txBody>
+        </p:sp>
+        <p:cxnSp>
+          <p:nvCxnSpPr>
+            <p:cNvPr id="86" name="直線單箭頭接點 26"/>
+            <p:cNvCxnSpPr>
+              <a:stCxn id="76" idx="0"/>
+              <a:endCxn id="85" idx="2"/>
+            </p:cNvCxnSpPr>
+            <p:nvPr/>
+          </p:nvCxnSpPr>
+          <p:spPr>
+            <a:xfrm flipV="1">
+              <a:off x="7429527" y="10414261"/>
+              <a:ext cx="6449" cy="755172"/>
+            </a:xfrm>
+            <a:prstGeom prst="straightConnector1">
+              <a:avLst/>
+            </a:prstGeom>
+            <a:ln w="63500">
+              <a:solidFill>
+                <a:schemeClr val="tx1"/>
+              </a:solidFill>
+              <a:tailEnd type="triangle"/>
+            </a:ln>
+          </p:spPr>
+          <p:style>
+            <a:lnRef idx="1">
+              <a:schemeClr val="accent1"/>
+            </a:lnRef>
+            <a:fillRef idx="0">
+              <a:schemeClr val="accent1"/>
+            </a:fillRef>
+            <a:effectRef idx="0">
+              <a:schemeClr val="accent1"/>
+            </a:effectRef>
+            <a:fontRef idx="minor">
+              <a:schemeClr val="tx1"/>
+            </a:fontRef>
+          </p:style>
+        </p:cxnSp>
+        <p:sp>
+          <p:nvSpPr>
+            <p:cNvPr id="87" name="圓角矩形 86"/>
+            <p:cNvSpPr/>
+            <p:nvPr/>
+          </p:nvSpPr>
+          <p:spPr>
+            <a:xfrm>
+              <a:off x="9994217" y="16279626"/>
+              <a:ext cx="1100020" cy="1169335"/>
+            </a:xfrm>
+            <a:prstGeom prst="roundRect">
+              <a:avLst/>
+            </a:prstGeom>
+            <a:noFill/>
+            <a:ln w="63500">
+              <a:noFill/>
+            </a:ln>
+            <a:effectLst>
+              <a:softEdge rad="63500"/>
+            </a:effectLst>
+          </p:spPr>
+          <p:style>
+            <a:lnRef idx="2">
+              <a:schemeClr val="accent1">
+                <a:shade val="50000"/>
+              </a:schemeClr>
+            </a:lnRef>
+            <a:fillRef idx="1">
+              <a:schemeClr val="accent1"/>
+            </a:fillRef>
+            <a:effectRef idx="0">
+              <a:schemeClr val="accent1"/>
+            </a:effectRef>
+            <a:fontRef idx="minor">
+              <a:schemeClr val="lt1"/>
+            </a:fontRef>
+          </p:style>
+          <p:txBody>
+            <a:bodyPr rtlCol="0" anchor="ctr"/>
+            <a:lstStyle/>
+            <a:p>
+              <a:pPr algn="ctr"/>
+              <a:r>
+                <a:rPr lang="en-US" altLang="zh-TW" sz="4400" dirty="0" smtClean="0">
+                  <a:solidFill>
+                    <a:srgbClr val="282828"/>
+                  </a:solidFill>
+                  <a:latin typeface="SauceCodePro Nerd Font" panose="020B0509030403020204" pitchFamily="49" charset="0"/>
+                </a:rPr>
+                <a:t>S</a:t>
+              </a:r>
+              <a:endParaRPr lang="zh-TW" altLang="en-US" sz="4400" dirty="0">
                 <a:solidFill>
                   <a:srgbClr val="282828"/>
                 </a:solidFill>
                 <a:latin typeface="SauceCodePro Nerd Font" panose="020B0509030403020204" pitchFamily="49" charset="0"/>
-              </a:rPr>
-              <a:t>S</a:t>
-            </a:r>
-            <a:endParaRPr lang="zh-TW" altLang="en-US" sz="4400" dirty="0">
-              <a:solidFill>
-                <a:srgbClr val="282828"/>
-              </a:solidFill>
-              <a:latin typeface="SauceCodePro Nerd Font" panose="020B0509030403020204" pitchFamily="49" charset="0"/>
-            </a:endParaRPr>
-          </a:p>
-        </p:txBody>
-      </p:sp>
-      <p:sp>
-        <p:nvSpPr>
-          <p:cNvPr id="89" name="圓角矩形 88"/>
-          <p:cNvSpPr/>
-          <p:nvPr/>
-        </p:nvSpPr>
-        <p:spPr>
-          <a:xfrm>
-            <a:off x="5121668" y="8357840"/>
-            <a:ext cx="2781334" cy="656600"/>
-          </a:xfrm>
-          <a:prstGeom prst="roundRect">
-            <a:avLst/>
-          </a:prstGeom>
-          <a:noFill/>
-          <a:ln w="63500">
+              </a:endParaRPr>
+            </a:p>
+          </p:txBody>
+        </p:sp>
+        <p:sp>
+          <p:nvSpPr>
+            <p:cNvPr id="89" name="圓角矩形 88"/>
+            <p:cNvSpPr/>
+            <p:nvPr/>
+          </p:nvSpPr>
+          <p:spPr>
+            <a:xfrm>
+              <a:off x="5121668" y="8357840"/>
+              <a:ext cx="2781334" cy="656600"/>
+            </a:xfrm>
+            <a:prstGeom prst="roundRect">
+              <a:avLst/>
+            </a:prstGeom>
             <a:noFill/>
-          </a:ln>
-          <a:effectLst>
-            <a:softEdge rad="63500"/>
-          </a:effectLst>
-        </p:spPr>
-        <p:style>
-          <a:lnRef idx="2">
-            <a:schemeClr val="accent1">
-              <a:shade val="50000"/>
-            </a:schemeClr>
-          </a:lnRef>
-          <a:fillRef idx="1">
-            <a:schemeClr val="accent1"/>
-          </a:fillRef>
-          <a:effectRef idx="0">
-            <a:schemeClr val="accent1"/>
-          </a:effectRef>
-          <a:fontRef idx="minor">
-            <a:schemeClr val="lt1"/>
-          </a:fontRef>
-        </p:style>
-        <p:txBody>
-          <a:bodyPr rtlCol="0" anchor="ctr"/>
-          <a:lstStyle/>
-          <a:p>
-            <a:pPr algn="ctr"/>
-            <a:r>
-              <a:rPr lang="en-US" altLang="zh-TW" sz="3600" dirty="0" smtClean="0">
+            <a:ln w="63500">
+              <a:noFill/>
+            </a:ln>
+            <a:effectLst>
+              <a:softEdge rad="63500"/>
+            </a:effectLst>
+          </p:spPr>
+          <p:style>
+            <a:lnRef idx="2">
+              <a:schemeClr val="accent1">
+                <a:shade val="50000"/>
+              </a:schemeClr>
+            </a:lnRef>
+            <a:fillRef idx="1">
+              <a:schemeClr val="accent1"/>
+            </a:fillRef>
+            <a:effectRef idx="0">
+              <a:schemeClr val="accent1"/>
+            </a:effectRef>
+            <a:fontRef idx="minor">
+              <a:schemeClr val="lt1"/>
+            </a:fontRef>
+          </p:style>
+          <p:txBody>
+            <a:bodyPr rtlCol="0" anchor="ctr"/>
+            <a:lstStyle/>
+            <a:p>
+              <a:pPr algn="ctr"/>
+              <a:r>
+                <a:rPr lang="en-US" altLang="zh-TW" sz="3600" dirty="0" smtClean="0">
+                  <a:solidFill>
+                    <a:srgbClr val="FF0066"/>
+                  </a:solidFill>
+                  <a:latin typeface="SauceCodePro Nerd Font" panose="020B0509030403020204" pitchFamily="49" charset="0"/>
+                </a:rPr>
+                <a:t>Backward</a:t>
+              </a:r>
+              <a:endParaRPr lang="zh-TW" altLang="en-US" sz="3600" dirty="0">
                 <a:solidFill>
                   <a:srgbClr val="FF0066"/>
                 </a:solidFill>
                 <a:latin typeface="SauceCodePro Nerd Font" panose="020B0509030403020204" pitchFamily="49" charset="0"/>
-              </a:rPr>
-              <a:t>Backward</a:t>
-            </a:r>
-            <a:endParaRPr lang="zh-TW" altLang="en-US" sz="3600" dirty="0">
+              </a:endParaRPr>
+            </a:p>
+          </p:txBody>
+        </p:sp>
+        <p:cxnSp>
+          <p:nvCxnSpPr>
+            <p:cNvPr id="92" name="直線接點 91"/>
+            <p:cNvCxnSpPr/>
+            <p:nvPr/>
+          </p:nvCxnSpPr>
+          <p:spPr>
+            <a:xfrm>
+              <a:off x="5121669" y="8686140"/>
+              <a:ext cx="0" cy="6087078"/>
+            </a:xfrm>
+            <a:prstGeom prst="line">
+              <a:avLst/>
+            </a:prstGeom>
+            <a:ln w="44450">
               <a:solidFill>
                 <a:srgbClr val="FF0066"/>
               </a:solidFill>
-              <a:latin typeface="SauceCodePro Nerd Font" panose="020B0509030403020204" pitchFamily="49" charset="0"/>
-            </a:endParaRPr>
-          </a:p>
-        </p:txBody>
-      </p:sp>
-      <p:cxnSp>
-        <p:nvCxnSpPr>
-          <p:cNvPr id="92" name="直線接點 91"/>
-          <p:cNvCxnSpPr/>
-          <p:nvPr/>
-        </p:nvCxnSpPr>
-        <p:spPr>
-          <a:xfrm>
-            <a:off x="5121669" y="8686140"/>
-            <a:ext cx="0" cy="6087078"/>
-          </a:xfrm>
-          <a:prstGeom prst="line">
-            <a:avLst/>
-          </a:prstGeom>
-          <a:ln w="44450">
+              <a:tailEnd type="triangle" w="lg" len="lg"/>
+            </a:ln>
+          </p:spPr>
+          <p:style>
+            <a:lnRef idx="1">
+              <a:schemeClr val="accent1"/>
+            </a:lnRef>
+            <a:fillRef idx="0">
+              <a:schemeClr val="accent1"/>
+            </a:fillRef>
+            <a:effectRef idx="0">
+              <a:schemeClr val="accent1"/>
+            </a:effectRef>
+            <a:fontRef idx="minor">
+              <a:schemeClr val="tx1"/>
+            </a:fontRef>
+          </p:style>
+        </p:cxnSp>
+        <p:sp>
+          <p:nvSpPr>
+            <p:cNvPr id="93" name="圓角矩形 92"/>
+            <p:cNvSpPr/>
+            <p:nvPr/>
+          </p:nvSpPr>
+          <p:spPr>
+            <a:xfrm>
+              <a:off x="13658926" y="14662693"/>
+              <a:ext cx="1293610" cy="1169335"/>
+            </a:xfrm>
+            <a:prstGeom prst="roundRect">
+              <a:avLst/>
+            </a:prstGeom>
+            <a:noFill/>
+            <a:ln w="63500">
+              <a:noFill/>
+            </a:ln>
+            <a:effectLst>
+              <a:softEdge rad="63500"/>
+            </a:effectLst>
+          </p:spPr>
+          <p:style>
+            <a:lnRef idx="2">
+              <a:schemeClr val="accent1">
+                <a:shade val="50000"/>
+              </a:schemeClr>
+            </a:lnRef>
+            <a:fillRef idx="1">
+              <a:schemeClr val="accent1"/>
+            </a:fillRef>
+            <a:effectRef idx="0">
+              <a:schemeClr val="accent1"/>
+            </a:effectRef>
+            <a:fontRef idx="minor">
+              <a:schemeClr val="lt1"/>
+            </a:fontRef>
+          </p:style>
+          <p:txBody>
+            <a:bodyPr rtlCol="0" anchor="ctr"/>
+            <a:lstStyle/>
+            <a:p>
+              <a:pPr algn="ctr"/>
+              <a:r>
+                <a:rPr lang="en-US" altLang="zh-TW" sz="4400" dirty="0" smtClean="0">
+                  <a:solidFill>
+                    <a:srgbClr val="282828"/>
+                  </a:solidFill>
+                  <a:latin typeface="SauceCodePro Nerd Font" panose="020B0509030403020204" pitchFamily="49" charset="0"/>
+                </a:rPr>
+                <a:t>+N</a:t>
+              </a:r>
+              <a:r>
+                <a:rPr lang="en-US" altLang="zh-TW" sz="4400" baseline="-25000" dirty="0" smtClean="0">
+                  <a:solidFill>
+                    <a:srgbClr val="282828"/>
+                  </a:solidFill>
+                  <a:latin typeface="SauceCodePro Nerd Font" panose="020B0509030403020204" pitchFamily="49" charset="0"/>
+                </a:rPr>
+                <a:t>2</a:t>
+              </a:r>
+              <a:endParaRPr lang="en-US" altLang="zh-TW" sz="4400" dirty="0">
+                <a:solidFill>
+                  <a:srgbClr val="282828"/>
+                </a:solidFill>
+                <a:latin typeface="SauceCodePro Nerd Font" panose="020B0509030403020204" pitchFamily="49" charset="0"/>
+              </a:endParaRPr>
+            </a:p>
+          </p:txBody>
+        </p:sp>
+        <p:sp>
+          <p:nvSpPr>
+            <p:cNvPr id="94" name="右大括弧 93"/>
+            <p:cNvSpPr/>
+            <p:nvPr/>
+          </p:nvSpPr>
+          <p:spPr>
+            <a:xfrm rot="5400000">
+              <a:off x="10128601" y="12652019"/>
+              <a:ext cx="837700" cy="6222950"/>
+            </a:xfrm>
+            <a:prstGeom prst="rightBrace">
+              <a:avLst>
+                <a:gd name="adj1" fmla="val 53815"/>
+                <a:gd name="adj2" fmla="val 50000"/>
+              </a:avLst>
+            </a:prstGeom>
+            <a:ln w="63500">
+              <a:solidFill>
+                <a:schemeClr val="tx1"/>
+              </a:solidFill>
+            </a:ln>
+          </p:spPr>
+          <p:style>
+            <a:lnRef idx="1">
+              <a:schemeClr val="accent1"/>
+            </a:lnRef>
+            <a:fillRef idx="0">
+              <a:schemeClr val="accent1"/>
+            </a:fillRef>
+            <a:effectRef idx="0">
+              <a:schemeClr val="accent1"/>
+            </a:effectRef>
+            <a:fontRef idx="minor">
+              <a:schemeClr val="tx1"/>
+            </a:fontRef>
+          </p:style>
+          <p:txBody>
+            <a:bodyPr rtlCol="0" anchor="ctr"/>
+            <a:lstStyle/>
+            <a:p>
+              <a:pPr algn="ctr"/>
+              <a:endParaRPr lang="zh-TW" altLang="en-US"/>
+            </a:p>
+          </p:txBody>
+        </p:sp>
+        <p:sp>
+          <p:nvSpPr>
+            <p:cNvPr id="95" name="圓角矩形 94"/>
+            <p:cNvSpPr/>
+            <p:nvPr/>
+          </p:nvSpPr>
+          <p:spPr>
+            <a:xfrm>
+              <a:off x="7429526" y="14662693"/>
+              <a:ext cx="1293610" cy="1169335"/>
+            </a:xfrm>
+            <a:prstGeom prst="roundRect">
+              <a:avLst/>
+            </a:prstGeom>
+            <a:noFill/>
+            <a:ln w="63500">
+              <a:noFill/>
+            </a:ln>
+            <a:effectLst>
+              <a:softEdge rad="63500"/>
+            </a:effectLst>
+          </p:spPr>
+          <p:style>
+            <a:lnRef idx="2">
+              <a:schemeClr val="accent1">
+                <a:shade val="50000"/>
+              </a:schemeClr>
+            </a:lnRef>
+            <a:fillRef idx="1">
+              <a:schemeClr val="accent1"/>
+            </a:fillRef>
+            <a:effectRef idx="0">
+              <a:schemeClr val="accent1"/>
+            </a:effectRef>
+            <a:fontRef idx="minor">
+              <a:schemeClr val="lt1"/>
+            </a:fontRef>
+          </p:style>
+          <p:txBody>
+            <a:bodyPr rtlCol="0" anchor="ctr"/>
+            <a:lstStyle/>
+            <a:p>
+              <a:pPr algn="ctr"/>
+              <a:r>
+                <a:rPr lang="en-US" altLang="zh-TW" sz="4400" dirty="0" smtClean="0">
+                  <a:solidFill>
+                    <a:srgbClr val="282828"/>
+                  </a:solidFill>
+                  <a:latin typeface="SauceCodePro Nerd Font" panose="020B0509030403020204" pitchFamily="49" charset="0"/>
+                </a:rPr>
+                <a:t>+N</a:t>
+              </a:r>
+              <a:r>
+                <a:rPr lang="en-US" altLang="zh-TW" sz="4400" baseline="-25000" dirty="0" smtClean="0">
+                  <a:solidFill>
+                    <a:srgbClr val="282828"/>
+                  </a:solidFill>
+                  <a:latin typeface="SauceCodePro Nerd Font" panose="020B0509030403020204" pitchFamily="49" charset="0"/>
+                </a:rPr>
+                <a:t>1</a:t>
+              </a:r>
+              <a:endParaRPr lang="en-US" altLang="zh-TW" sz="4400" dirty="0">
+                <a:solidFill>
+                  <a:srgbClr val="282828"/>
+                </a:solidFill>
+                <a:latin typeface="SauceCodePro Nerd Font" panose="020B0509030403020204" pitchFamily="49" charset="0"/>
+              </a:endParaRPr>
+            </a:p>
+          </p:txBody>
+        </p:sp>
+        <p:sp>
+          <p:nvSpPr>
+            <p:cNvPr id="98" name="圓角矩形 97"/>
+            <p:cNvSpPr/>
+            <p:nvPr/>
+          </p:nvSpPr>
+          <p:spPr>
+            <a:xfrm>
+              <a:off x="11729743" y="11169432"/>
+              <a:ext cx="3858366" cy="1399821"/>
+            </a:xfrm>
+            <a:prstGeom prst="roundRect">
+              <a:avLst>
+                <a:gd name="adj" fmla="val 12899"/>
+              </a:avLst>
+            </a:prstGeom>
+            <a:solidFill>
+              <a:srgbClr val="FF5B9D"/>
+            </a:solidFill>
+            <a:ln w="31750">
+              <a:solidFill>
+                <a:schemeClr val="tx1"/>
+              </a:solidFill>
+            </a:ln>
+          </p:spPr>
+          <p:style>
+            <a:lnRef idx="2">
+              <a:schemeClr val="accent1">
+                <a:shade val="50000"/>
+              </a:schemeClr>
+            </a:lnRef>
+            <a:fillRef idx="1">
+              <a:schemeClr val="accent1"/>
+            </a:fillRef>
+            <a:effectRef idx="0">
+              <a:schemeClr val="accent1"/>
+            </a:effectRef>
+            <a:fontRef idx="minor">
+              <a:schemeClr val="lt1"/>
+            </a:fontRef>
+          </p:style>
+          <p:txBody>
+            <a:bodyPr rtlCol="0" anchor="ctr"/>
+            <a:lstStyle/>
+            <a:p>
+              <a:pPr algn="ctr"/>
+              <a:r>
+                <a:rPr lang="en-US" altLang="zh-TW" sz="3600" dirty="0">
+                  <a:solidFill>
+                    <a:srgbClr val="282828"/>
+                  </a:solidFill>
+                  <a:latin typeface="SauceCodePro Nerd Font" panose="020B0509030403020204" pitchFamily="49" charset="0"/>
+                </a:rPr>
+                <a:t>Predict Net</a:t>
+              </a:r>
+              <a:endParaRPr lang="zh-TW" altLang="en-US" sz="3600" dirty="0">
+                <a:solidFill>
+                  <a:srgbClr val="282828"/>
+                </a:solidFill>
+                <a:latin typeface="SauceCodePro Nerd Font" panose="020B0509030403020204" pitchFamily="49" charset="0"/>
+              </a:endParaRPr>
+            </a:p>
+          </p:txBody>
+        </p:sp>
+        <p:cxnSp>
+          <p:nvCxnSpPr>
+            <p:cNvPr id="105" name="直線單箭頭接點 26"/>
+            <p:cNvCxnSpPr>
+              <a:stCxn id="80" idx="1"/>
+              <a:endCxn id="85" idx="3"/>
+            </p:cNvCxnSpPr>
+            <p:nvPr/>
+          </p:nvCxnSpPr>
+          <p:spPr>
+            <a:xfrm rot="10800000">
+              <a:off x="9047553" y="9714351"/>
+              <a:ext cx="2586050" cy="4334470"/>
+            </a:xfrm>
+            <a:prstGeom prst="curvedConnector3">
+              <a:avLst>
+                <a:gd name="adj1" fmla="val 50000"/>
+              </a:avLst>
+            </a:prstGeom>
+            <a:ln w="63500">
+              <a:solidFill>
+                <a:schemeClr val="tx1"/>
+              </a:solidFill>
+              <a:tailEnd type="triangle"/>
+            </a:ln>
+          </p:spPr>
+          <p:style>
+            <a:lnRef idx="1">
+              <a:schemeClr val="accent1"/>
+            </a:lnRef>
+            <a:fillRef idx="0">
+              <a:schemeClr val="accent1"/>
+            </a:fillRef>
+            <a:effectRef idx="0">
+              <a:schemeClr val="accent1"/>
+            </a:effectRef>
+            <a:fontRef idx="minor">
+              <a:schemeClr val="tx1"/>
+            </a:fontRef>
+          </p:style>
+        </p:cxnSp>
+        <p:sp>
+          <p:nvSpPr>
+            <p:cNvPr id="110" name="圓角矩形 109"/>
+            <p:cNvSpPr/>
+            <p:nvPr/>
+          </p:nvSpPr>
+          <p:spPr>
+            <a:xfrm>
+              <a:off x="12047351" y="9014441"/>
+              <a:ext cx="3223155" cy="1399820"/>
+            </a:xfrm>
+            <a:prstGeom prst="roundRect">
+              <a:avLst>
+                <a:gd name="adj" fmla="val 7652"/>
+              </a:avLst>
+            </a:prstGeom>
+            <a:noFill/>
+            <a:ln w="63500">
+              <a:solidFill>
+                <a:schemeClr val="tx1"/>
+              </a:solidFill>
+            </a:ln>
+          </p:spPr>
+          <p:style>
+            <a:lnRef idx="2">
+              <a:schemeClr val="accent1">
+                <a:shade val="50000"/>
+              </a:schemeClr>
+            </a:lnRef>
+            <a:fillRef idx="1">
+              <a:schemeClr val="accent1"/>
+            </a:fillRef>
+            <a:effectRef idx="0">
+              <a:schemeClr val="accent1"/>
+            </a:effectRef>
+            <a:fontRef idx="minor">
+              <a:schemeClr val="lt1"/>
+            </a:fontRef>
+          </p:style>
+          <p:txBody>
+            <a:bodyPr rtlCol="0" anchor="ctr"/>
+            <a:lstStyle/>
+            <a:p>
+              <a:pPr algn="ctr"/>
+              <a:r>
+                <a:rPr lang="en-US" altLang="zh-TW" dirty="0" smtClean="0">
+                  <a:solidFill>
+                    <a:schemeClr val="tx1"/>
+                  </a:solidFill>
+                  <a:latin typeface="SauceCodePro Nerd Font" panose="020B0509030403020204" pitchFamily="49" charset="0"/>
+                </a:rPr>
+                <a:t>L2 Loss</a:t>
+              </a:r>
+              <a:endParaRPr lang="zh-TW" altLang="en-US" dirty="0">
+                <a:solidFill>
+                  <a:schemeClr val="tx1"/>
+                </a:solidFill>
+                <a:latin typeface="SauceCodePro Nerd Font" panose="020B0509030403020204" pitchFamily="49" charset="0"/>
+              </a:endParaRPr>
+            </a:p>
+          </p:txBody>
+        </p:sp>
+        <p:cxnSp>
+          <p:nvCxnSpPr>
+            <p:cNvPr id="111" name="直線單箭頭接點 26"/>
+            <p:cNvCxnSpPr>
+              <a:stCxn id="74" idx="3"/>
+              <a:endCxn id="110" idx="1"/>
+            </p:cNvCxnSpPr>
+            <p:nvPr/>
+          </p:nvCxnSpPr>
+          <p:spPr>
+            <a:xfrm flipV="1">
+              <a:off x="9461300" y="9714351"/>
+              <a:ext cx="2586051" cy="4334470"/>
+            </a:xfrm>
+            <a:prstGeom prst="curvedConnector3">
+              <a:avLst>
+                <a:gd name="adj1" fmla="val 50000"/>
+              </a:avLst>
+            </a:prstGeom>
+            <a:ln w="63500">
+              <a:solidFill>
+                <a:schemeClr val="tx1"/>
+              </a:solidFill>
+              <a:tailEnd type="triangle"/>
+            </a:ln>
+          </p:spPr>
+          <p:style>
+            <a:lnRef idx="1">
+              <a:schemeClr val="accent1"/>
+            </a:lnRef>
+            <a:fillRef idx="0">
+              <a:schemeClr val="accent1"/>
+            </a:fillRef>
+            <a:effectRef idx="0">
+              <a:schemeClr val="accent1"/>
+            </a:effectRef>
+            <a:fontRef idx="minor">
+              <a:schemeClr val="tx1"/>
+            </a:fontRef>
+          </p:style>
+        </p:cxnSp>
+        <p:cxnSp>
+          <p:nvCxnSpPr>
+            <p:cNvPr id="114" name="直線單箭頭接點 26"/>
+            <p:cNvCxnSpPr>
+              <a:stCxn id="98" idx="0"/>
+              <a:endCxn id="110" idx="2"/>
+            </p:cNvCxnSpPr>
+            <p:nvPr/>
+          </p:nvCxnSpPr>
+          <p:spPr>
+            <a:xfrm flipV="1">
+              <a:off x="13658926" y="10414261"/>
+              <a:ext cx="3" cy="755171"/>
+            </a:xfrm>
+            <a:prstGeom prst="straightConnector1">
+              <a:avLst/>
+            </a:prstGeom>
+            <a:ln w="63500">
+              <a:solidFill>
+                <a:schemeClr val="tx1"/>
+              </a:solidFill>
+              <a:tailEnd type="triangle"/>
+            </a:ln>
+          </p:spPr>
+          <p:style>
+            <a:lnRef idx="1">
+              <a:schemeClr val="accent1"/>
+            </a:lnRef>
+            <a:fillRef idx="0">
+              <a:schemeClr val="accent1"/>
+            </a:fillRef>
+            <a:effectRef idx="0">
+              <a:schemeClr val="accent1"/>
+            </a:effectRef>
+            <a:fontRef idx="minor">
+              <a:schemeClr val="tx1"/>
+            </a:fontRef>
+          </p:style>
+        </p:cxnSp>
+        <p:cxnSp>
+          <p:nvCxnSpPr>
+            <p:cNvPr id="119" name="直線接點 118"/>
+            <p:cNvCxnSpPr/>
+            <p:nvPr/>
+          </p:nvCxnSpPr>
+          <p:spPr>
+            <a:xfrm flipH="1">
+              <a:off x="11270615" y="10088374"/>
+              <a:ext cx="300325" cy="1128017"/>
+            </a:xfrm>
+            <a:prstGeom prst="line">
+              <a:avLst/>
+            </a:prstGeom>
+            <a:ln w="44450">
+              <a:solidFill>
+                <a:srgbClr val="FF0066"/>
+              </a:solidFill>
+              <a:prstDash val="dash"/>
+              <a:tailEnd type="triangle" w="lg" len="lg"/>
+            </a:ln>
+          </p:spPr>
+          <p:style>
+            <a:lnRef idx="1">
+              <a:schemeClr val="accent1"/>
+            </a:lnRef>
+            <a:fillRef idx="0">
+              <a:schemeClr val="accent1"/>
+            </a:fillRef>
+            <a:effectRef idx="0">
+              <a:schemeClr val="accent1"/>
+            </a:effectRef>
+            <a:fontRef idx="minor">
+              <a:schemeClr val="tx1"/>
+            </a:fontRef>
+          </p:style>
+        </p:cxnSp>
+        <p:sp>
+          <p:nvSpPr>
+            <p:cNvPr id="120" name="十字形 119"/>
+            <p:cNvSpPr/>
+            <p:nvPr/>
+          </p:nvSpPr>
+          <p:spPr>
+            <a:xfrm rot="19794520">
+              <a:off x="10729655" y="10947352"/>
+              <a:ext cx="979370" cy="979370"/>
+            </a:xfrm>
+            <a:prstGeom prst="plus">
+              <a:avLst>
+                <a:gd name="adj" fmla="val 47704"/>
+              </a:avLst>
+            </a:prstGeom>
             <a:solidFill>
               <a:srgbClr val="FF0066"/>
             </a:solidFill>
-            <a:tailEnd type="triangle" w="lg" len="lg"/>
-          </a:ln>
-        </p:spPr>
-        <p:style>
-          <a:lnRef idx="1">
-            <a:schemeClr val="accent1"/>
-          </a:lnRef>
-          <a:fillRef idx="0">
-            <a:schemeClr val="accent1"/>
-          </a:fillRef>
-          <a:effectRef idx="0">
-            <a:schemeClr val="accent1"/>
-          </a:effectRef>
-          <a:fontRef idx="minor">
-            <a:schemeClr val="tx1"/>
-          </a:fontRef>
-        </p:style>
-      </p:cxnSp>
-      <p:sp>
-        <p:nvSpPr>
-          <p:cNvPr id="93" name="圓角矩形 92"/>
-          <p:cNvSpPr/>
-          <p:nvPr/>
-        </p:nvSpPr>
-        <p:spPr>
-          <a:xfrm>
-            <a:off x="13658926" y="14662693"/>
-            <a:ext cx="1293610" cy="1169335"/>
-          </a:xfrm>
-          <a:prstGeom prst="roundRect">
-            <a:avLst/>
-          </a:prstGeom>
-          <a:noFill/>
-          <a:ln w="63500">
-            <a:noFill/>
-          </a:ln>
-          <a:effectLst>
-            <a:softEdge rad="63500"/>
-          </a:effectLst>
-        </p:spPr>
-        <p:style>
-          <a:lnRef idx="2">
-            <a:schemeClr val="accent1">
-              <a:shade val="50000"/>
-            </a:schemeClr>
-          </a:lnRef>
-          <a:fillRef idx="1">
-            <a:schemeClr val="accent1"/>
-          </a:fillRef>
-          <a:effectRef idx="0">
-            <a:schemeClr val="accent1"/>
-          </a:effectRef>
-          <a:fontRef idx="minor">
-            <a:schemeClr val="lt1"/>
-          </a:fontRef>
-        </p:style>
-        <p:txBody>
-          <a:bodyPr rtlCol="0" anchor="ctr"/>
-          <a:lstStyle/>
-          <a:p>
-            <a:pPr algn="ctr"/>
-            <a:r>
-              <a:rPr lang="en-US" altLang="zh-TW" sz="4400" dirty="0" smtClean="0">
-                <a:solidFill>
-                  <a:srgbClr val="282828"/>
-                </a:solidFill>
-                <a:latin typeface="SauceCodePro Nerd Font" panose="020B0509030403020204" pitchFamily="49" charset="0"/>
-              </a:rPr>
-              <a:t>+N</a:t>
-            </a:r>
-            <a:r>
-              <a:rPr lang="en-US" altLang="zh-TW" sz="4400" baseline="-25000" dirty="0" smtClean="0">
-                <a:solidFill>
-                  <a:srgbClr val="282828"/>
-                </a:solidFill>
-                <a:latin typeface="SauceCodePro Nerd Font" panose="020B0509030403020204" pitchFamily="49" charset="0"/>
-              </a:rPr>
-              <a:t>2</a:t>
-            </a:r>
-            <a:endParaRPr lang="en-US" altLang="zh-TW" sz="4400" dirty="0">
+            <a:ln>
+              <a:noFill/>
+            </a:ln>
+          </p:spPr>
+          <p:style>
+            <a:lnRef idx="2">
+              <a:schemeClr val="accent1">
+                <a:shade val="50000"/>
+              </a:schemeClr>
+            </a:lnRef>
+            <a:fillRef idx="1">
+              <a:schemeClr val="accent1"/>
+            </a:fillRef>
+            <a:effectRef idx="0">
+              <a:schemeClr val="accent1"/>
+            </a:effectRef>
+            <a:fontRef idx="minor">
+              <a:schemeClr val="lt1"/>
+            </a:fontRef>
+          </p:style>
+          <p:txBody>
+            <a:bodyPr rtlCol="0" anchor="ctr"/>
+            <a:lstStyle/>
+            <a:p>
+              <a:pPr algn="ctr"/>
+              <a:endParaRPr lang="zh-TW" altLang="en-US"/>
+            </a:p>
+          </p:txBody>
+        </p:sp>
+        <p:cxnSp>
+          <p:nvCxnSpPr>
+            <p:cNvPr id="121" name="直線接點 120"/>
+            <p:cNvCxnSpPr/>
+            <p:nvPr/>
+          </p:nvCxnSpPr>
+          <p:spPr>
+            <a:xfrm rot="19800000" flipH="1">
+              <a:off x="9555954" y="10087536"/>
+              <a:ext cx="300325" cy="1128017"/>
+            </a:xfrm>
+            <a:prstGeom prst="line">
+              <a:avLst/>
+            </a:prstGeom>
+            <a:ln w="44450">
               <a:solidFill>
-                <a:srgbClr val="282828"/>
+                <a:srgbClr val="FF0066"/>
               </a:solidFill>
-              <a:latin typeface="SauceCodePro Nerd Font" panose="020B0509030403020204" pitchFamily="49" charset="0"/>
-            </a:endParaRPr>
-          </a:p>
-        </p:txBody>
-      </p:sp>
-      <p:sp>
-        <p:nvSpPr>
-          <p:cNvPr id="94" name="右大括弧 93"/>
-          <p:cNvSpPr/>
-          <p:nvPr/>
-        </p:nvSpPr>
-        <p:spPr>
-          <a:xfrm rot="5400000">
-            <a:off x="10125377" y="12648794"/>
-            <a:ext cx="837700" cy="6229400"/>
-          </a:xfrm>
-          <a:prstGeom prst="rightBrace">
-            <a:avLst>
-              <a:gd name="adj1" fmla="val 53815"/>
-              <a:gd name="adj2" fmla="val 50000"/>
-            </a:avLst>
-          </a:prstGeom>
-          <a:ln w="63500">
-            <a:solidFill>
+              <a:prstDash val="dash"/>
+              <a:tailEnd type="triangle" w="lg" len="lg"/>
+            </a:ln>
+          </p:spPr>
+          <p:style>
+            <a:lnRef idx="1">
+              <a:schemeClr val="accent1"/>
+            </a:lnRef>
+            <a:fillRef idx="0">
+              <a:schemeClr val="accent1"/>
+            </a:fillRef>
+            <a:effectRef idx="0">
+              <a:schemeClr val="accent1"/>
+            </a:effectRef>
+            <a:fontRef idx="minor">
               <a:schemeClr val="tx1"/>
-            </a:solidFill>
-          </a:ln>
-        </p:spPr>
-        <p:style>
-          <a:lnRef idx="1">
-            <a:schemeClr val="accent1"/>
-          </a:lnRef>
-          <a:fillRef idx="0">
-            <a:schemeClr val="accent1"/>
-          </a:fillRef>
-          <a:effectRef idx="0">
-            <a:schemeClr val="accent1"/>
-          </a:effectRef>
-          <a:fontRef idx="minor">
-            <a:schemeClr val="tx1"/>
-          </a:fontRef>
-        </p:style>
-        <p:txBody>
-          <a:bodyPr rtlCol="0" anchor="ctr"/>
-          <a:lstStyle/>
-          <a:p>
-            <a:pPr algn="ctr"/>
-            <a:endParaRPr lang="zh-TW" altLang="en-US"/>
-          </a:p>
-        </p:txBody>
-      </p:sp>
-      <p:sp>
-        <p:nvSpPr>
-          <p:cNvPr id="95" name="圓角矩形 94"/>
-          <p:cNvSpPr/>
-          <p:nvPr/>
-        </p:nvSpPr>
-        <p:spPr>
-          <a:xfrm>
-            <a:off x="7429526" y="14662693"/>
-            <a:ext cx="1293610" cy="1169335"/>
-          </a:xfrm>
-          <a:prstGeom prst="roundRect">
-            <a:avLst/>
-          </a:prstGeom>
-          <a:noFill/>
-          <a:ln w="63500">
-            <a:noFill/>
-          </a:ln>
-          <a:effectLst>
-            <a:softEdge rad="63500"/>
-          </a:effectLst>
-        </p:spPr>
-        <p:style>
-          <a:lnRef idx="2">
-            <a:schemeClr val="accent1">
-              <a:shade val="50000"/>
-            </a:schemeClr>
-          </a:lnRef>
-          <a:fillRef idx="1">
-            <a:schemeClr val="accent1"/>
-          </a:fillRef>
-          <a:effectRef idx="0">
-            <a:schemeClr val="accent1"/>
-          </a:effectRef>
-          <a:fontRef idx="minor">
-            <a:schemeClr val="lt1"/>
-          </a:fontRef>
-        </p:style>
-        <p:txBody>
-          <a:bodyPr rtlCol="0" anchor="ctr"/>
-          <a:lstStyle/>
-          <a:p>
-            <a:pPr algn="ctr"/>
-            <a:r>
-              <a:rPr lang="en-US" altLang="zh-TW" sz="4400" dirty="0" smtClean="0">
-                <a:solidFill>
-                  <a:srgbClr val="282828"/>
-                </a:solidFill>
-                <a:latin typeface="SauceCodePro Nerd Font" panose="020B0509030403020204" pitchFamily="49" charset="0"/>
-              </a:rPr>
-              <a:t>+N</a:t>
-            </a:r>
-            <a:r>
-              <a:rPr lang="en-US" altLang="zh-TW" sz="4400" baseline="-25000" dirty="0" smtClean="0">
-                <a:solidFill>
-                  <a:srgbClr val="282828"/>
-                </a:solidFill>
-                <a:latin typeface="SauceCodePro Nerd Font" panose="020B0509030403020204" pitchFamily="49" charset="0"/>
-              </a:rPr>
-              <a:t>1</a:t>
-            </a:r>
-            <a:endParaRPr lang="en-US" altLang="zh-TW" sz="4400" dirty="0">
-              <a:solidFill>
-                <a:srgbClr val="282828"/>
-              </a:solidFill>
-              <a:latin typeface="SauceCodePro Nerd Font" panose="020B0509030403020204" pitchFamily="49" charset="0"/>
-            </a:endParaRPr>
-          </a:p>
-        </p:txBody>
-      </p:sp>
-      <p:sp>
-        <p:nvSpPr>
-          <p:cNvPr id="98" name="圓角矩形 97"/>
-          <p:cNvSpPr/>
-          <p:nvPr/>
-        </p:nvSpPr>
-        <p:spPr>
-          <a:xfrm>
-            <a:off x="11729743" y="11169432"/>
-            <a:ext cx="3858366" cy="1399821"/>
-          </a:xfrm>
-          <a:prstGeom prst="roundRect">
-            <a:avLst>
-              <a:gd name="adj" fmla="val 12899"/>
-            </a:avLst>
-          </a:prstGeom>
-          <a:solidFill>
-            <a:srgbClr val="FF5B9D"/>
-          </a:solidFill>
-          <a:ln w="31750">
-            <a:solidFill>
-              <a:schemeClr val="tx1"/>
-            </a:solidFill>
-          </a:ln>
-        </p:spPr>
-        <p:style>
-          <a:lnRef idx="2">
-            <a:schemeClr val="accent1">
-              <a:shade val="50000"/>
-            </a:schemeClr>
-          </a:lnRef>
-          <a:fillRef idx="1">
-            <a:schemeClr val="accent1"/>
-          </a:fillRef>
-          <a:effectRef idx="0">
-            <a:schemeClr val="accent1"/>
-          </a:effectRef>
-          <a:fontRef idx="minor">
-            <a:schemeClr val="lt1"/>
-          </a:fontRef>
-        </p:style>
-        <p:txBody>
-          <a:bodyPr rtlCol="0" anchor="ctr"/>
-          <a:lstStyle/>
-          <a:p>
-            <a:pPr algn="ctr"/>
-            <a:r>
-              <a:rPr lang="en-US" altLang="zh-TW" sz="3600" dirty="0">
-                <a:solidFill>
-                  <a:srgbClr val="282828"/>
-                </a:solidFill>
-                <a:latin typeface="SauceCodePro Nerd Font" panose="020B0509030403020204" pitchFamily="49" charset="0"/>
-              </a:rPr>
-              <a:t>Predict Net</a:t>
-            </a:r>
-            <a:endParaRPr lang="zh-TW" altLang="en-US" sz="3600" dirty="0">
-              <a:solidFill>
-                <a:srgbClr val="282828"/>
-              </a:solidFill>
-              <a:latin typeface="SauceCodePro Nerd Font" panose="020B0509030403020204" pitchFamily="49" charset="0"/>
-            </a:endParaRPr>
-          </a:p>
-        </p:txBody>
-      </p:sp>
-      <p:cxnSp>
-        <p:nvCxnSpPr>
-          <p:cNvPr id="105" name="直線單箭頭接點 26"/>
-          <p:cNvCxnSpPr>
-            <a:stCxn id="80" idx="1"/>
-            <a:endCxn id="85" idx="3"/>
-          </p:cNvCxnSpPr>
-          <p:nvPr/>
-        </p:nvCxnSpPr>
-        <p:spPr>
-          <a:xfrm rot="10800000">
-            <a:off x="9047553" y="9714351"/>
-            <a:ext cx="2586050" cy="4334470"/>
-          </a:xfrm>
-          <a:prstGeom prst="curvedConnector3">
-            <a:avLst>
-              <a:gd name="adj1" fmla="val 50000"/>
-            </a:avLst>
-          </a:prstGeom>
-          <a:ln w="63500">
-            <a:solidFill>
-              <a:schemeClr val="tx1"/>
-            </a:solidFill>
-            <a:tailEnd type="triangle"/>
-          </a:ln>
-        </p:spPr>
-        <p:style>
-          <a:lnRef idx="1">
-            <a:schemeClr val="accent1"/>
-          </a:lnRef>
-          <a:fillRef idx="0">
-            <a:schemeClr val="accent1"/>
-          </a:fillRef>
-          <a:effectRef idx="0">
-            <a:schemeClr val="accent1"/>
-          </a:effectRef>
-          <a:fontRef idx="minor">
-            <a:schemeClr val="tx1"/>
-          </a:fontRef>
-        </p:style>
-      </p:cxnSp>
-      <p:sp>
-        <p:nvSpPr>
-          <p:cNvPr id="110" name="圓角矩形 109"/>
-          <p:cNvSpPr/>
-          <p:nvPr/>
-        </p:nvSpPr>
-        <p:spPr>
-          <a:xfrm>
-            <a:off x="12047351" y="9014441"/>
-            <a:ext cx="3223155" cy="1399820"/>
-          </a:xfrm>
-          <a:prstGeom prst="roundRect">
-            <a:avLst>
-              <a:gd name="adj" fmla="val 7652"/>
-            </a:avLst>
-          </a:prstGeom>
-          <a:noFill/>
-          <a:ln w="63500">
-            <a:solidFill>
-              <a:schemeClr val="tx1"/>
-            </a:solidFill>
-          </a:ln>
-        </p:spPr>
-        <p:style>
-          <a:lnRef idx="2">
-            <a:schemeClr val="accent1">
-              <a:shade val="50000"/>
-            </a:schemeClr>
-          </a:lnRef>
-          <a:fillRef idx="1">
-            <a:schemeClr val="accent1"/>
-          </a:fillRef>
-          <a:effectRef idx="0">
-            <a:schemeClr val="accent1"/>
-          </a:effectRef>
-          <a:fontRef idx="minor">
-            <a:schemeClr val="lt1"/>
-          </a:fontRef>
-        </p:style>
-        <p:txBody>
-          <a:bodyPr rtlCol="0" anchor="ctr"/>
-          <a:lstStyle/>
-          <a:p>
-            <a:pPr algn="ctr"/>
-            <a:r>
-              <a:rPr lang="en-US" altLang="zh-TW" dirty="0" smtClean="0">
-                <a:solidFill>
-                  <a:schemeClr val="tx1"/>
-                </a:solidFill>
-                <a:latin typeface="SauceCodePro Nerd Font" panose="020B0509030403020204" pitchFamily="49" charset="0"/>
-              </a:rPr>
-              <a:t>L2 Loss</a:t>
-            </a:r>
-            <a:endParaRPr lang="zh-TW" altLang="en-US" dirty="0">
-              <a:solidFill>
-                <a:schemeClr val="tx1"/>
-              </a:solidFill>
-              <a:latin typeface="SauceCodePro Nerd Font" panose="020B0509030403020204" pitchFamily="49" charset="0"/>
-            </a:endParaRPr>
-          </a:p>
-        </p:txBody>
-      </p:sp>
-      <p:cxnSp>
-        <p:nvCxnSpPr>
-          <p:cNvPr id="111" name="直線單箭頭接點 26"/>
-          <p:cNvCxnSpPr>
-            <a:stCxn id="74" idx="3"/>
-            <a:endCxn id="110" idx="1"/>
-          </p:cNvCxnSpPr>
-          <p:nvPr/>
-        </p:nvCxnSpPr>
-        <p:spPr>
-          <a:xfrm flipV="1">
-            <a:off x="9461300" y="9714351"/>
-            <a:ext cx="2586051" cy="4334470"/>
-          </a:xfrm>
-          <a:prstGeom prst="curvedConnector3">
-            <a:avLst>
-              <a:gd name="adj1" fmla="val 50000"/>
-            </a:avLst>
-          </a:prstGeom>
-          <a:ln w="63500">
-            <a:solidFill>
-              <a:schemeClr val="tx1"/>
-            </a:solidFill>
-            <a:tailEnd type="triangle"/>
-          </a:ln>
-        </p:spPr>
-        <p:style>
-          <a:lnRef idx="1">
-            <a:schemeClr val="accent1"/>
-          </a:lnRef>
-          <a:fillRef idx="0">
-            <a:schemeClr val="accent1"/>
-          </a:fillRef>
-          <a:effectRef idx="0">
-            <a:schemeClr val="accent1"/>
-          </a:effectRef>
-          <a:fontRef idx="minor">
-            <a:schemeClr val="tx1"/>
-          </a:fontRef>
-        </p:style>
-      </p:cxnSp>
-      <p:cxnSp>
-        <p:nvCxnSpPr>
-          <p:cNvPr id="114" name="直線單箭頭接點 26"/>
-          <p:cNvCxnSpPr>
-            <a:stCxn id="98" idx="0"/>
-            <a:endCxn id="110" idx="2"/>
-          </p:cNvCxnSpPr>
-          <p:nvPr/>
-        </p:nvCxnSpPr>
-        <p:spPr>
-          <a:xfrm flipV="1">
-            <a:off x="13658926" y="10414261"/>
-            <a:ext cx="3" cy="755171"/>
-          </a:xfrm>
-          <a:prstGeom prst="straightConnector1">
-            <a:avLst/>
-          </a:prstGeom>
-          <a:ln w="63500">
-            <a:solidFill>
-              <a:schemeClr val="tx1"/>
-            </a:solidFill>
-            <a:tailEnd type="triangle"/>
-          </a:ln>
-        </p:spPr>
-        <p:style>
-          <a:lnRef idx="1">
-            <a:schemeClr val="accent1"/>
-          </a:lnRef>
-          <a:fillRef idx="0">
-            <a:schemeClr val="accent1"/>
-          </a:fillRef>
-          <a:effectRef idx="0">
-            <a:schemeClr val="accent1"/>
-          </a:effectRef>
-          <a:fontRef idx="minor">
-            <a:schemeClr val="tx1"/>
-          </a:fontRef>
-        </p:style>
-      </p:cxnSp>
-      <p:cxnSp>
-        <p:nvCxnSpPr>
-          <p:cNvPr id="119" name="直線接點 118"/>
-          <p:cNvCxnSpPr/>
-          <p:nvPr/>
-        </p:nvCxnSpPr>
-        <p:spPr>
-          <a:xfrm flipH="1">
-            <a:off x="11270615" y="10088374"/>
-            <a:ext cx="300325" cy="1128017"/>
-          </a:xfrm>
-          <a:prstGeom prst="line">
-            <a:avLst/>
-          </a:prstGeom>
-          <a:ln w="44450">
+            </a:fontRef>
+          </p:style>
+        </p:cxnSp>
+        <p:sp>
+          <p:nvSpPr>
+            <p:cNvPr id="122" name="十字形 121"/>
+            <p:cNvSpPr/>
+            <p:nvPr/>
+          </p:nvSpPr>
+          <p:spPr>
+            <a:xfrm rot="17994520">
+              <a:off x="9391812" y="10945879"/>
+              <a:ext cx="979370" cy="979370"/>
+            </a:xfrm>
+            <a:prstGeom prst="plus">
+              <a:avLst>
+                <a:gd name="adj" fmla="val 47704"/>
+              </a:avLst>
+            </a:prstGeom>
             <a:solidFill>
               <a:srgbClr val="FF0066"/>
             </a:solidFill>
-            <a:prstDash val="dash"/>
-            <a:tailEnd type="triangle" w="lg" len="lg"/>
-          </a:ln>
-        </p:spPr>
-        <p:style>
-          <a:lnRef idx="1">
-            <a:schemeClr val="accent1"/>
-          </a:lnRef>
-          <a:fillRef idx="0">
-            <a:schemeClr val="accent1"/>
-          </a:fillRef>
-          <a:effectRef idx="0">
-            <a:schemeClr val="accent1"/>
-          </a:effectRef>
-          <a:fontRef idx="minor">
-            <a:schemeClr val="tx1"/>
-          </a:fontRef>
-        </p:style>
-      </p:cxnSp>
-      <p:sp>
-        <p:nvSpPr>
-          <p:cNvPr id="120" name="十字形 119"/>
-          <p:cNvSpPr/>
-          <p:nvPr/>
-        </p:nvSpPr>
-        <p:spPr>
-          <a:xfrm rot="19794520">
-            <a:off x="10729655" y="10947352"/>
-            <a:ext cx="979370" cy="979370"/>
-          </a:xfrm>
-          <a:prstGeom prst="plus">
-            <a:avLst>
-              <a:gd name="adj" fmla="val 47704"/>
-            </a:avLst>
-          </a:prstGeom>
-          <a:solidFill>
-            <a:srgbClr val="FF0066"/>
-          </a:solidFill>
-          <a:ln>
-            <a:noFill/>
-          </a:ln>
-        </p:spPr>
-        <p:style>
-          <a:lnRef idx="2">
-            <a:schemeClr val="accent1">
-              <a:shade val="50000"/>
-            </a:schemeClr>
-          </a:lnRef>
-          <a:fillRef idx="1">
-            <a:schemeClr val="accent1"/>
-          </a:fillRef>
-          <a:effectRef idx="0">
-            <a:schemeClr val="accent1"/>
-          </a:effectRef>
-          <a:fontRef idx="minor">
-            <a:schemeClr val="lt1"/>
-          </a:fontRef>
-        </p:style>
-        <p:txBody>
-          <a:bodyPr rtlCol="0" anchor="ctr"/>
-          <a:lstStyle/>
-          <a:p>
-            <a:pPr algn="ctr"/>
-            <a:endParaRPr lang="zh-TW" altLang="en-US"/>
-          </a:p>
-        </p:txBody>
-      </p:sp>
-      <p:cxnSp>
-        <p:nvCxnSpPr>
-          <p:cNvPr id="121" name="直線接點 120"/>
-          <p:cNvCxnSpPr/>
-          <p:nvPr/>
-        </p:nvCxnSpPr>
-        <p:spPr>
-          <a:xfrm rot="19800000" flipH="1">
-            <a:off x="9555954" y="10087536"/>
-            <a:ext cx="300325" cy="1128017"/>
-          </a:xfrm>
-          <a:prstGeom prst="line">
-            <a:avLst/>
-          </a:prstGeom>
-          <a:ln w="44450">
-            <a:solidFill>
-              <a:srgbClr val="FF0066"/>
-            </a:solidFill>
-            <a:prstDash val="dash"/>
-            <a:tailEnd type="triangle" w="lg" len="lg"/>
-          </a:ln>
-        </p:spPr>
-        <p:style>
-          <a:lnRef idx="1">
-            <a:schemeClr val="accent1"/>
-          </a:lnRef>
-          <a:fillRef idx="0">
-            <a:schemeClr val="accent1"/>
-          </a:fillRef>
-          <a:effectRef idx="0">
-            <a:schemeClr val="accent1"/>
-          </a:effectRef>
-          <a:fontRef idx="minor">
-            <a:schemeClr val="tx1"/>
-          </a:fontRef>
-        </p:style>
-      </p:cxnSp>
-      <p:sp>
-        <p:nvSpPr>
-          <p:cNvPr id="122" name="十字形 121"/>
-          <p:cNvSpPr/>
-          <p:nvPr/>
-        </p:nvSpPr>
-        <p:spPr>
-          <a:xfrm rot="17994520">
-            <a:off x="9391812" y="10945879"/>
-            <a:ext cx="979370" cy="979370"/>
-          </a:xfrm>
-          <a:prstGeom prst="plus">
-            <a:avLst>
-              <a:gd name="adj" fmla="val 47704"/>
-            </a:avLst>
-          </a:prstGeom>
-          <a:solidFill>
-            <a:srgbClr val="FF0066"/>
-          </a:solidFill>
-          <a:ln>
-            <a:noFill/>
-          </a:ln>
-        </p:spPr>
-        <p:style>
-          <a:lnRef idx="2">
-            <a:schemeClr val="accent1">
-              <a:shade val="50000"/>
-            </a:schemeClr>
-          </a:lnRef>
-          <a:fillRef idx="1">
-            <a:schemeClr val="accent1"/>
-          </a:fillRef>
-          <a:effectRef idx="0">
-            <a:schemeClr val="accent1"/>
-          </a:effectRef>
-          <a:fontRef idx="minor">
-            <a:schemeClr val="lt1"/>
-          </a:fontRef>
-        </p:style>
-        <p:txBody>
-          <a:bodyPr rtlCol="0" anchor="ctr"/>
-          <a:lstStyle/>
-          <a:p>
-            <a:pPr algn="ctr"/>
-            <a:endParaRPr lang="zh-TW" altLang="en-US"/>
-          </a:p>
-        </p:txBody>
-      </p:sp>
-      <p:cxnSp>
-        <p:nvCxnSpPr>
-          <p:cNvPr id="127" name="直線接點 126"/>
-          <p:cNvCxnSpPr/>
-          <p:nvPr/>
-        </p:nvCxnSpPr>
-        <p:spPr>
-          <a:xfrm>
-            <a:off x="15934159" y="8686140"/>
-            <a:ext cx="0" cy="6087078"/>
-          </a:xfrm>
-          <a:prstGeom prst="line">
-            <a:avLst/>
-          </a:prstGeom>
-          <a:ln w="44450">
-            <a:solidFill>
-              <a:srgbClr val="FF0066"/>
-            </a:solidFill>
-            <a:tailEnd type="triangle" w="lg" len="lg"/>
-          </a:ln>
-        </p:spPr>
-        <p:style>
-          <a:lnRef idx="1">
-            <a:schemeClr val="accent1"/>
-          </a:lnRef>
-          <a:fillRef idx="0">
-            <a:schemeClr val="accent1"/>
-          </a:fillRef>
-          <a:effectRef idx="0">
-            <a:schemeClr val="accent1"/>
-          </a:effectRef>
-          <a:fontRef idx="minor">
-            <a:schemeClr val="tx1"/>
-          </a:fontRef>
-        </p:style>
-      </p:cxnSp>
-      <p:sp>
-        <p:nvSpPr>
-          <p:cNvPr id="128" name="圓角矩形 127"/>
-          <p:cNvSpPr/>
-          <p:nvPr/>
-        </p:nvSpPr>
-        <p:spPr>
-          <a:xfrm>
-            <a:off x="13198546" y="8357840"/>
-            <a:ext cx="2735613" cy="656600"/>
-          </a:xfrm>
-          <a:prstGeom prst="roundRect">
-            <a:avLst/>
-          </a:prstGeom>
-          <a:noFill/>
-          <a:ln w="63500">
-            <a:noFill/>
-          </a:ln>
-          <a:effectLst>
-            <a:softEdge rad="63500"/>
-          </a:effectLst>
-        </p:spPr>
-        <p:style>
-          <a:lnRef idx="2">
-            <a:schemeClr val="accent1">
-              <a:shade val="50000"/>
-            </a:schemeClr>
-          </a:lnRef>
-          <a:fillRef idx="1">
-            <a:schemeClr val="accent1"/>
-          </a:fillRef>
-          <a:effectRef idx="0">
-            <a:schemeClr val="accent1"/>
-          </a:effectRef>
-          <a:fontRef idx="minor">
-            <a:schemeClr val="lt1"/>
-          </a:fontRef>
-        </p:style>
-        <p:txBody>
-          <a:bodyPr rtlCol="0" anchor="ctr"/>
-          <a:lstStyle/>
-          <a:p>
-            <a:pPr algn="ctr"/>
-            <a:r>
-              <a:rPr lang="en-US" altLang="zh-TW" sz="3600" dirty="0" smtClean="0">
-                <a:solidFill>
-                  <a:srgbClr val="FF0066"/>
-                </a:solidFill>
-                <a:latin typeface="SauceCodePro Nerd Font" panose="020B0509030403020204" pitchFamily="49" charset="0"/>
-              </a:rPr>
-              <a:t>Backward</a:t>
-            </a:r>
-            <a:endParaRPr lang="zh-TW" altLang="en-US" sz="3600" dirty="0">
+            <a:ln>
+              <a:noFill/>
+            </a:ln>
+          </p:spPr>
+          <p:style>
+            <a:lnRef idx="2">
+              <a:schemeClr val="accent1">
+                <a:shade val="50000"/>
+              </a:schemeClr>
+            </a:lnRef>
+            <a:fillRef idx="1">
+              <a:schemeClr val="accent1"/>
+            </a:fillRef>
+            <a:effectRef idx="0">
+              <a:schemeClr val="accent1"/>
+            </a:effectRef>
+            <a:fontRef idx="minor">
+              <a:schemeClr val="lt1"/>
+            </a:fontRef>
+          </p:style>
+          <p:txBody>
+            <a:bodyPr rtlCol="0" anchor="ctr"/>
+            <a:lstStyle/>
+            <a:p>
+              <a:pPr algn="ctr"/>
+              <a:endParaRPr lang="zh-TW" altLang="en-US"/>
+            </a:p>
+          </p:txBody>
+        </p:sp>
+        <p:cxnSp>
+          <p:nvCxnSpPr>
+            <p:cNvPr id="127" name="直線接點 126"/>
+            <p:cNvCxnSpPr/>
+            <p:nvPr/>
+          </p:nvCxnSpPr>
+          <p:spPr>
+            <a:xfrm>
+              <a:off x="15934159" y="8686140"/>
+              <a:ext cx="0" cy="6087078"/>
+            </a:xfrm>
+            <a:prstGeom prst="line">
+              <a:avLst/>
+            </a:prstGeom>
+            <a:ln w="44450">
               <a:solidFill>
                 <a:srgbClr val="FF0066"/>
               </a:solidFill>
-              <a:latin typeface="SauceCodePro Nerd Font" panose="020B0509030403020204" pitchFamily="49" charset="0"/>
-            </a:endParaRPr>
-          </a:p>
-        </p:txBody>
-      </p:sp>
+              <a:tailEnd type="triangle" w="lg" len="lg"/>
+            </a:ln>
+          </p:spPr>
+          <p:style>
+            <a:lnRef idx="1">
+              <a:schemeClr val="accent1"/>
+            </a:lnRef>
+            <a:fillRef idx="0">
+              <a:schemeClr val="accent1"/>
+            </a:fillRef>
+            <a:effectRef idx="0">
+              <a:schemeClr val="accent1"/>
+            </a:effectRef>
+            <a:fontRef idx="minor">
+              <a:schemeClr val="tx1"/>
+            </a:fontRef>
+          </p:style>
+        </p:cxnSp>
+        <p:sp>
+          <p:nvSpPr>
+            <p:cNvPr id="128" name="圓角矩形 127"/>
+            <p:cNvSpPr/>
+            <p:nvPr/>
+          </p:nvSpPr>
+          <p:spPr>
+            <a:xfrm>
+              <a:off x="13198546" y="8357840"/>
+              <a:ext cx="2735613" cy="656600"/>
+            </a:xfrm>
+            <a:prstGeom prst="roundRect">
+              <a:avLst/>
+            </a:prstGeom>
+            <a:noFill/>
+            <a:ln w="63500">
+              <a:noFill/>
+            </a:ln>
+            <a:effectLst>
+              <a:softEdge rad="63500"/>
+            </a:effectLst>
+          </p:spPr>
+          <p:style>
+            <a:lnRef idx="2">
+              <a:schemeClr val="accent1">
+                <a:shade val="50000"/>
+              </a:schemeClr>
+            </a:lnRef>
+            <a:fillRef idx="1">
+              <a:schemeClr val="accent1"/>
+            </a:fillRef>
+            <a:effectRef idx="0">
+              <a:schemeClr val="accent1"/>
+            </a:effectRef>
+            <a:fontRef idx="minor">
+              <a:schemeClr val="lt1"/>
+            </a:fontRef>
+          </p:style>
+          <p:txBody>
+            <a:bodyPr rtlCol="0" anchor="ctr"/>
+            <a:lstStyle/>
+            <a:p>
+              <a:pPr algn="ctr"/>
+              <a:r>
+                <a:rPr lang="en-US" altLang="zh-TW" sz="3600" dirty="0" smtClean="0">
+                  <a:solidFill>
+                    <a:srgbClr val="FF0066"/>
+                  </a:solidFill>
+                  <a:latin typeface="SauceCodePro Nerd Font" panose="020B0509030403020204" pitchFamily="49" charset="0"/>
+                </a:rPr>
+                <a:t>Backward</a:t>
+              </a:r>
+              <a:endParaRPr lang="zh-TW" altLang="en-US" sz="3600" dirty="0">
+                <a:solidFill>
+                  <a:srgbClr val="FF0066"/>
+                </a:solidFill>
+                <a:latin typeface="SauceCodePro Nerd Font" panose="020B0509030403020204" pitchFamily="49" charset="0"/>
+              </a:endParaRPr>
+            </a:p>
+          </p:txBody>
+        </p:sp>
+      </p:grpSp>
     </p:spTree>
     <p:extLst>
       <p:ext uri="{BB962C8B-B14F-4D97-AF65-F5344CB8AC3E}">
@@ -31290,11 +31328,11 @@
   <p:clrMapOvr>
     <a:masterClrMapping/>
   </p:clrMapOvr>
-  <mc:AlternateContent xmlns:mc="http://schemas.openxmlformats.org/markup-compatibility/2006">
-    <mc:Choice xmlns:p14="http://schemas.microsoft.com/office/powerpoint/2010/main" Requires="p14">
+  <mc:AlternateContent xmlns:mc="http://schemas.openxmlformats.org/markup-compatibility/2006" xmlns:p14="http://schemas.microsoft.com/office/powerpoint/2010/main">
+    <mc:Choice Requires="p14">
       <p:transition spd="slow" p14:dur="2000"/>
     </mc:Choice>
-    <mc:Fallback>
+    <mc:Fallback xmlns="">
       <p:transition spd="slow"/>
     </mc:Fallback>
   </mc:AlternateContent>
